--- a/빅데이터처리.pptx
+++ b/빅데이터처리.pptx
@@ -5,10 +5,10 @@
     <p:sldMasterId id="2147483744" r:id="rId4"/>
   </p:sldMasterIdLst>
   <p:notesMasterIdLst>
-    <p:notesMasterId r:id="rId17"/>
+    <p:notesMasterId r:id="rId20"/>
   </p:notesMasterIdLst>
   <p:handoutMasterIdLst>
-    <p:handoutMasterId r:id="rId18"/>
+    <p:handoutMasterId r:id="rId21"/>
   </p:handoutMasterIdLst>
   <p:sldIdLst>
     <p:sldId id="256" r:id="rId5"/>
@@ -20,9 +20,12 @@
     <p:sldId id="282" r:id="rId11"/>
     <p:sldId id="283" r:id="rId12"/>
     <p:sldId id="284" r:id="rId13"/>
-    <p:sldId id="285" r:id="rId14"/>
-    <p:sldId id="287" r:id="rId15"/>
-    <p:sldId id="288" r:id="rId16"/>
+    <p:sldId id="291" r:id="rId14"/>
+    <p:sldId id="290" r:id="rId15"/>
+    <p:sldId id="289" r:id="rId16"/>
+    <p:sldId id="285" r:id="rId17"/>
+    <p:sldId id="287" r:id="rId18"/>
+    <p:sldId id="288" r:id="rId19"/>
   </p:sldIdLst>
   <p:sldSz cx="12192000" cy="6858000"/>
   <p:notesSz cx="6858000" cy="9144000"/>
@@ -7579,9 +7582,21 @@
           <a:p>
             <a:r>
               <a:rPr lang="en-US" altLang="ko-KR" sz="2800" b="1" dirty="0"/>
-              <a:t>Deep Learning</a:t>
-            </a:r>
-            <a:endParaRPr lang="ko-KR" altLang="en-US" sz="2800" b="1" dirty="0"/>
+              <a:t>Fashion </a:t>
+            </a:r>
+            <a:r>
+              <a:rPr lang="en-US" altLang="ko-KR" sz="2800" b="1" dirty="0">
+                <a:solidFill>
+                  <a:srgbClr val="FFFF00"/>
+                </a:solidFill>
+              </a:rPr>
+              <a:t>model</a:t>
+            </a:r>
+            <a:endParaRPr lang="ko-KR" altLang="en-US" sz="2800" b="1" dirty="0">
+              <a:solidFill>
+                <a:srgbClr val="FFFF00"/>
+              </a:solidFill>
+            </a:endParaRPr>
           </a:p>
         </p:txBody>
       </p:sp>
@@ -7621,85 +7636,57 @@
           </a:p>
         </p:txBody>
       </p:sp>
-      <p:sp>
-        <p:nvSpPr>
-          <p:cNvPr id="6" name="TextBox 5">
+      <p:pic>
+        <p:nvPicPr>
+          <p:cNvPr id="1028" name="Picture 4" descr="people fashion show on stage">
             <a:extLst>
               <a:ext uri="{FF2B5EF4-FFF2-40B4-BE49-F238E27FC236}">
-                <a16:creationId xmlns:a16="http://schemas.microsoft.com/office/drawing/2014/main" id="{8212B4DA-F7CD-CC3A-A5CA-9F6585EF67AE}"/>
+                <a16:creationId xmlns:a16="http://schemas.microsoft.com/office/drawing/2014/main" id="{171CD5A3-FAB6-526F-715E-656B9AD1C44C}"/>
               </a:ext>
             </a:extLst>
           </p:cNvPr>
-          <p:cNvSpPr txBox="1"/>
+          <p:cNvPicPr>
+            <a:picLocks noChangeAspect="1" noChangeArrowheads="1"/>
+          </p:cNvPicPr>
           <p:nvPr/>
-        </p:nvSpPr>
-        <p:spPr>
-          <a:xfrm>
-            <a:off x="1661694" y="6280046"/>
-            <a:ext cx="8170464" cy="307777"/>
+        </p:nvPicPr>
+        <p:blipFill>
+          <a:blip r:embed="rId2">
+            <a:extLst>
+              <a:ext uri="{28A0092B-C50C-407E-A947-70E740481C1C}">
+                <a14:useLocalDpi xmlns:a14="http://schemas.microsoft.com/office/drawing/2010/main" val="0"/>
+              </a:ext>
+            </a:extLst>
+          </a:blip>
+          <a:srcRect/>
+          <a:stretch>
+            <a:fillRect/>
+          </a:stretch>
+        </p:blipFill>
+        <p:spPr bwMode="auto">
+          <a:xfrm>
+            <a:off x="2055043" y="938114"/>
+            <a:ext cx="7457666" cy="4981771"/>
           </a:xfrm>
           <a:prstGeom prst="rect">
             <a:avLst/>
           </a:prstGeom>
           <a:noFill/>
-        </p:spPr>
-        <p:txBody>
-          <a:bodyPr wrap="square">
-            <a:spAutoFit/>
-          </a:bodyPr>
-          <a:lstStyle/>
-          <a:p>
-            <a:r>
-              <a:rPr lang="en-US" altLang="ko-KR" sz="1400" dirty="0">
-                <a:hlinkClick r:id="rId2"/>
-              </a:rPr>
-              <a:t>https://playground.tensorflow.org/</a:t>
-            </a:r>
-            <a:r>
-              <a:rPr lang="en-US" altLang="ko-KR" sz="1400" dirty="0"/>
-              <a:t>  </a:t>
-            </a:r>
-            <a:r>
-              <a:rPr lang="ko-KR" altLang="en-US" sz="1400" dirty="0"/>
-              <a:t> </a:t>
-            </a:r>
-          </a:p>
-        </p:txBody>
-      </p:sp>
-      <p:pic>
-        <p:nvPicPr>
-          <p:cNvPr id="4" name="그림 3">
-            <a:extLst>
-              <a:ext uri="{FF2B5EF4-FFF2-40B4-BE49-F238E27FC236}">
-                <a16:creationId xmlns:a16="http://schemas.microsoft.com/office/drawing/2014/main" id="{E257ECF8-F9D4-F648-12CB-439F56FB0132}"/>
-              </a:ext>
-            </a:extLst>
-          </p:cNvPr>
-          <p:cNvPicPr>
-            <a:picLocks noChangeAspect="1"/>
-          </p:cNvPicPr>
-          <p:nvPr/>
-        </p:nvPicPr>
-        <p:blipFill>
-          <a:blip r:embed="rId3"/>
-          <a:stretch>
-            <a:fillRect/>
-          </a:stretch>
-        </p:blipFill>
-        <p:spPr>
-          <a:xfrm>
-            <a:off x="1661694" y="968338"/>
-            <a:ext cx="8021421" cy="5238352"/>
-          </a:xfrm>
-          <a:prstGeom prst="rect">
-            <a:avLst/>
-          </a:prstGeom>
+          <a:extLst>
+            <a:ext uri="{909E8E84-426E-40DD-AFC4-6F175D3DCCD1}">
+              <a14:hiddenFill xmlns:a14="http://schemas.microsoft.com/office/drawing/2010/main">
+                <a:solidFill>
+                  <a:srgbClr val="FFFFFF"/>
+                </a:solidFill>
+              </a14:hiddenFill>
+            </a:ext>
+          </a:extLst>
         </p:spPr>
       </p:pic>
     </p:spTree>
     <p:extLst>
       <p:ext uri="{BB962C8B-B14F-4D97-AF65-F5344CB8AC3E}">
-        <p14:creationId xmlns:p14="http://schemas.microsoft.com/office/powerpoint/2010/main" val="1058905388"/>
+        <p14:creationId xmlns:p14="http://schemas.microsoft.com/office/powerpoint/2010/main" val="2609585533"/>
       </p:ext>
     </p:extLst>
   </p:cSld>
@@ -7756,9 +7743,21 @@
           <a:p>
             <a:r>
               <a:rPr lang="en-US" altLang="ko-KR" sz="2800" b="1" dirty="0"/>
-              <a:t>Deep Learning</a:t>
-            </a:r>
-            <a:endParaRPr lang="ko-KR" altLang="en-US" sz="2800" b="1" dirty="0"/>
+              <a:t>Machine Learning </a:t>
+            </a:r>
+            <a:r>
+              <a:rPr lang="en-US" altLang="ko-KR" sz="2800" b="1" dirty="0">
+                <a:solidFill>
+                  <a:srgbClr val="FFFF00"/>
+                </a:solidFill>
+              </a:rPr>
+              <a:t>model</a:t>
+            </a:r>
+            <a:endParaRPr lang="ko-KR" altLang="en-US" sz="2800" b="1" dirty="0">
+              <a:solidFill>
+                <a:srgbClr val="FFFF00"/>
+              </a:solidFill>
+            </a:endParaRPr>
           </a:p>
         </p:txBody>
       </p:sp>
@@ -7793,6 +7792,1389 @@
               <a:rPr lang="ko-KR" altLang="en-US" sz="1200" b="1" smtClean="0"/>
               <a:pPr algn="r"/>
               <a:t>11</a:t>
+            </a:fld>
+            <a:endParaRPr lang="ko-KR" altLang="en-US" sz="1200" b="1" dirty="0"/>
+          </a:p>
+        </p:txBody>
+      </p:sp>
+      <p:pic>
+        <p:nvPicPr>
+          <p:cNvPr id="1026" name="Picture 2" descr="이미지">
+            <a:extLst>
+              <a:ext uri="{FF2B5EF4-FFF2-40B4-BE49-F238E27FC236}">
+                <a16:creationId xmlns:a16="http://schemas.microsoft.com/office/drawing/2014/main" id="{CD993558-82CA-9891-0122-9EF557345983}"/>
+              </a:ext>
+            </a:extLst>
+          </p:cNvPr>
+          <p:cNvPicPr>
+            <a:picLocks noChangeAspect="1" noChangeArrowheads="1"/>
+          </p:cNvPicPr>
+          <p:nvPr/>
+        </p:nvPicPr>
+        <p:blipFill>
+          <a:blip r:embed="rId2">
+            <a:extLst>
+              <a:ext uri="{28A0092B-C50C-407E-A947-70E740481C1C}">
+                <a14:useLocalDpi xmlns:a14="http://schemas.microsoft.com/office/drawing/2010/main" val="0"/>
+              </a:ext>
+            </a:extLst>
+          </a:blip>
+          <a:srcRect/>
+          <a:stretch>
+            <a:fillRect/>
+          </a:stretch>
+        </p:blipFill>
+        <p:spPr bwMode="auto">
+          <a:xfrm>
+            <a:off x="970765" y="2110208"/>
+            <a:ext cx="6203034" cy="3487483"/>
+          </a:xfrm>
+          <a:prstGeom prst="rect">
+            <a:avLst/>
+          </a:prstGeom>
+          <a:noFill/>
+          <a:extLst>
+            <a:ext uri="{909E8E84-426E-40DD-AFC4-6F175D3DCCD1}">
+              <a14:hiddenFill xmlns:a14="http://schemas.microsoft.com/office/drawing/2010/main">
+                <a:solidFill>
+                  <a:srgbClr val="FFFFFF"/>
+                </a:solidFill>
+              </a14:hiddenFill>
+            </a:ext>
+          </a:extLst>
+        </p:spPr>
+      </p:pic>
+      <p:sp>
+        <p:nvSpPr>
+          <p:cNvPr id="4" name="TextBox 3">
+            <a:extLst>
+              <a:ext uri="{FF2B5EF4-FFF2-40B4-BE49-F238E27FC236}">
+                <a16:creationId xmlns:a16="http://schemas.microsoft.com/office/drawing/2014/main" id="{34E2EB49-5C8A-15C2-AA66-D57C3AEFACD3}"/>
+              </a:ext>
+            </a:extLst>
+          </p:cNvPr>
+          <p:cNvSpPr txBox="1"/>
+          <p:nvPr/>
+        </p:nvSpPr>
+        <p:spPr>
+          <a:xfrm>
+            <a:off x="910226" y="5692426"/>
+            <a:ext cx="6094428" cy="307777"/>
+          </a:xfrm>
+          <a:prstGeom prst="rect">
+            <a:avLst/>
+          </a:prstGeom>
+          <a:noFill/>
+        </p:spPr>
+        <p:txBody>
+          <a:bodyPr wrap="square">
+            <a:spAutoFit/>
+          </a:bodyPr>
+          <a:lstStyle/>
+          <a:p>
+            <a:r>
+              <a:rPr lang="ko-KR" altLang="en-US" sz="1400" dirty="0">
+                <a:hlinkClick r:id="rId3"/>
+              </a:rPr>
+              <a:t>https://x.com/levikul09/status/1676884107018551296</a:t>
+            </a:r>
+            <a:r>
+              <a:rPr lang="ko-KR" altLang="en-US" sz="1400" dirty="0"/>
+              <a:t> </a:t>
+            </a:r>
+          </a:p>
+        </p:txBody>
+      </p:sp>
+      <mc:AlternateContent xmlns:mc="http://schemas.openxmlformats.org/markup-compatibility/2006">
+        <mc:Choice xmlns:a14="http://schemas.microsoft.com/office/drawing/2010/main" Requires="a14">
+          <p:sp>
+            <p:nvSpPr>
+              <p:cNvPr id="5" name="TextBox 4">
+                <a:extLst>
+                  <a:ext uri="{FF2B5EF4-FFF2-40B4-BE49-F238E27FC236}">
+                    <a16:creationId xmlns:a16="http://schemas.microsoft.com/office/drawing/2014/main" id="{1D9131F4-773C-8B8F-ABD2-D0FF3BCB6781}"/>
+                  </a:ext>
+                </a:extLst>
+              </p:cNvPr>
+              <p:cNvSpPr txBox="1"/>
+              <p:nvPr/>
+            </p:nvSpPr>
+            <p:spPr>
+              <a:xfrm>
+                <a:off x="7850421" y="2110208"/>
+                <a:ext cx="2586798" cy="2776979"/>
+              </a:xfrm>
+              <a:prstGeom prst="rect">
+                <a:avLst/>
+              </a:prstGeom>
+              <a:noFill/>
+            </p:spPr>
+            <p:txBody>
+              <a:bodyPr wrap="none" rtlCol="0">
+                <a:spAutoFit/>
+              </a:bodyPr>
+              <a:lstStyle/>
+              <a:p>
+                <a:pPr>
+                  <a:lnSpc>
+                    <a:spcPct val="200000"/>
+                  </a:lnSpc>
+                </a:pPr>
+                <a:r>
+                  <a:rPr lang="en-US" altLang="ko-KR" sz="2400" dirty="0">
+                    <a:latin typeface="Cascadia Code SemiLight" panose="020B0609020000020004" pitchFamily="49" charset="0"/>
+                    <a:ea typeface="Cascadia Code SemiLight" panose="020B0609020000020004" pitchFamily="49" charset="0"/>
+                    <a:cs typeface="Cascadia Code SemiLight" panose="020B0609020000020004" pitchFamily="49" charset="0"/>
+                  </a:rPr>
+                  <a:t>Data : </a:t>
+                </a:r>
+                <a14:m>
+                  <m:oMath xmlns:m="http://schemas.openxmlformats.org/officeDocument/2006/math">
+                    <m:r>
+                      <a:rPr lang="en-US" altLang="ko-KR" sz="2800" b="0" i="1" smtClean="0">
+                        <a:latin typeface="Cambria Math" panose="02040503050406030204" pitchFamily="18" charset="0"/>
+                        <a:ea typeface="Cascadia Code SemiLight" panose="020B0609020000020004" pitchFamily="49" charset="0"/>
+                        <a:cs typeface="Cascadia Code SemiLight" panose="020B0609020000020004" pitchFamily="49" charset="0"/>
+                      </a:rPr>
+                      <m:t>𝑋</m:t>
+                    </m:r>
+                    <m:r>
+                      <a:rPr lang="en-US" altLang="ko-KR" sz="2800" b="0" i="1" smtClean="0">
+                        <a:latin typeface="Cambria Math" panose="02040503050406030204" pitchFamily="18" charset="0"/>
+                        <a:ea typeface="Cascadia Code SemiLight" panose="020B0609020000020004" pitchFamily="49" charset="0"/>
+                        <a:cs typeface="Cascadia Code SemiLight" panose="020B0609020000020004" pitchFamily="49" charset="0"/>
+                      </a:rPr>
+                      <m:t>,</m:t>
+                    </m:r>
+                    <m:r>
+                      <a:rPr lang="en-US" altLang="ko-KR" sz="2800" b="0" i="1" smtClean="0">
+                        <a:latin typeface="Cambria Math" panose="02040503050406030204" pitchFamily="18" charset="0"/>
+                        <a:ea typeface="Cascadia Code SemiLight" panose="020B0609020000020004" pitchFamily="49" charset="0"/>
+                        <a:cs typeface="Cascadia Code SemiLight" panose="020B0609020000020004" pitchFamily="49" charset="0"/>
+                      </a:rPr>
+                      <m:t>𝑦</m:t>
+                    </m:r>
+                  </m:oMath>
+                </a14:m>
+                <a:endParaRPr lang="en-US" altLang="ko-KR" sz="2400" dirty="0">
+                  <a:latin typeface="Cascadia Code SemiLight" panose="020B0609020000020004" pitchFamily="49" charset="0"/>
+                  <a:ea typeface="Cascadia Code SemiLight" panose="020B0609020000020004" pitchFamily="49" charset="0"/>
+                  <a:cs typeface="Cascadia Code SemiLight" panose="020B0609020000020004" pitchFamily="49" charset="0"/>
+                </a:endParaRPr>
+              </a:p>
+              <a:p>
+                <a:pPr>
+                  <a:lnSpc>
+                    <a:spcPct val="200000"/>
+                  </a:lnSpc>
+                </a:pPr>
+                <a:r>
+                  <a:rPr lang="en-US" altLang="ko-KR" sz="2400" dirty="0">
+                    <a:latin typeface="Cascadia Code SemiLight" panose="020B0609020000020004" pitchFamily="49" charset="0"/>
+                    <a:ea typeface="Cascadia Code SemiLight" panose="020B0609020000020004" pitchFamily="49" charset="0"/>
+                    <a:cs typeface="Cascadia Code SemiLight" panose="020B0609020000020004" pitchFamily="49" charset="0"/>
+                  </a:rPr>
+                  <a:t>Algorithm : </a:t>
+                </a:r>
+                <a14:m>
+                  <m:oMath xmlns:m="http://schemas.openxmlformats.org/officeDocument/2006/math">
+                    <m:r>
+                      <a:rPr lang="en-US" altLang="ko-KR" sz="3200" b="0" i="1" smtClean="0">
+                        <a:latin typeface="Cambria Math" panose="02040503050406030204" pitchFamily="18" charset="0"/>
+                        <a:ea typeface="Cascadia Code SemiLight" panose="020B0609020000020004" pitchFamily="49" charset="0"/>
+                        <a:cs typeface="Cascadia Code SemiLight" panose="020B0609020000020004" pitchFamily="49" charset="0"/>
+                      </a:rPr>
+                      <m:t>𝑓</m:t>
+                    </m:r>
+                  </m:oMath>
+                </a14:m>
+                <a:endParaRPr lang="en-US" altLang="ko-KR" sz="2400" dirty="0">
+                  <a:latin typeface="Cascadia Code SemiLight" panose="020B0609020000020004" pitchFamily="49" charset="0"/>
+                  <a:ea typeface="Cascadia Code SemiLight" panose="020B0609020000020004" pitchFamily="49" charset="0"/>
+                  <a:cs typeface="Cascadia Code SemiLight" panose="020B0609020000020004" pitchFamily="49" charset="0"/>
+                </a:endParaRPr>
+              </a:p>
+              <a:p>
+                <a:pPr>
+                  <a:lnSpc>
+                    <a:spcPct val="200000"/>
+                  </a:lnSpc>
+                </a:pPr>
+                <a:r>
+                  <a:rPr lang="en-US" altLang="ko-KR" sz="2400" dirty="0">
+                    <a:latin typeface="Cascadia Code SemiLight" panose="020B0609020000020004" pitchFamily="49" charset="0"/>
+                    <a:ea typeface="Cascadia Code SemiLight" panose="020B0609020000020004" pitchFamily="49" charset="0"/>
+                    <a:cs typeface="Cascadia Code SemiLight" panose="020B0609020000020004" pitchFamily="49" charset="0"/>
+                  </a:rPr>
+                  <a:t>Model :</a:t>
+                </a:r>
+                <a14:m>
+                  <m:oMath xmlns:m="http://schemas.openxmlformats.org/officeDocument/2006/math">
+                    <m:r>
+                      <a:rPr lang="en-US" altLang="ko-KR" sz="2800" b="0" i="1" smtClean="0">
+                        <a:latin typeface="Cambria Math" panose="02040503050406030204" pitchFamily="18" charset="0"/>
+                        <a:ea typeface="Cascadia Code SemiLight" panose="020B0609020000020004" pitchFamily="49" charset="0"/>
+                        <a:cs typeface="Cascadia Code SemiLight" panose="020B0609020000020004" pitchFamily="49" charset="0"/>
+                      </a:rPr>
+                      <m:t>𝑓</m:t>
+                    </m:r>
+                    <m:r>
+                      <a:rPr lang="en-US" altLang="ko-KR" sz="2800" b="0" i="1" smtClean="0">
+                        <a:latin typeface="Cambria Math" panose="02040503050406030204" pitchFamily="18" charset="0"/>
+                        <a:ea typeface="Cascadia Code SemiLight" panose="020B0609020000020004" pitchFamily="49" charset="0"/>
+                        <a:cs typeface="Cascadia Code SemiLight" panose="020B0609020000020004" pitchFamily="49" charset="0"/>
+                      </a:rPr>
+                      <m:t>(</m:t>
+                    </m:r>
+                    <m:r>
+                      <a:rPr lang="en-US" altLang="ko-KR" sz="2800" b="0" i="1" smtClean="0">
+                        <a:latin typeface="Cambria Math" panose="02040503050406030204" pitchFamily="18" charset="0"/>
+                        <a:ea typeface="Cascadia Code SemiLight" panose="020B0609020000020004" pitchFamily="49" charset="0"/>
+                        <a:cs typeface="Cascadia Code SemiLight" panose="020B0609020000020004" pitchFamily="49" charset="0"/>
+                      </a:rPr>
+                      <m:t>𝑋</m:t>
+                    </m:r>
+                    <m:r>
+                      <a:rPr lang="en-US" altLang="ko-KR" sz="2800" b="0" i="1" smtClean="0">
+                        <a:latin typeface="Cambria Math" panose="02040503050406030204" pitchFamily="18" charset="0"/>
+                        <a:ea typeface="Cascadia Code SemiLight" panose="020B0609020000020004" pitchFamily="49" charset="0"/>
+                        <a:cs typeface="Cascadia Code SemiLight" panose="020B0609020000020004" pitchFamily="49" charset="0"/>
+                      </a:rPr>
+                      <m:t>)</m:t>
+                    </m:r>
+                  </m:oMath>
+                </a14:m>
+                <a:endParaRPr lang="en-US" altLang="ko-KR" sz="2400" dirty="0">
+                  <a:latin typeface="Cascadia Code SemiLight" panose="020B0609020000020004" pitchFamily="49" charset="0"/>
+                  <a:cs typeface="Cascadia Code SemiLight" panose="020B0609020000020004" pitchFamily="49" charset="0"/>
+                </a:endParaRPr>
+              </a:p>
+            </p:txBody>
+          </p:sp>
+        </mc:Choice>
+        <mc:Fallback>
+          <p:sp>
+            <p:nvSpPr>
+              <p:cNvPr id="5" name="TextBox 4">
+                <a:extLst>
+                  <a:ext uri="{FF2B5EF4-FFF2-40B4-BE49-F238E27FC236}">
+                    <a16:creationId xmlns:a16="http://schemas.microsoft.com/office/drawing/2014/main" id="{1D9131F4-773C-8B8F-ABD2-D0FF3BCB6781}"/>
+                  </a:ext>
+                </a:extLst>
+              </p:cNvPr>
+              <p:cNvSpPr txBox="1">
+                <a:spLocks noRot="1" noChangeAspect="1" noMove="1" noResize="1" noEditPoints="1" noAdjustHandles="1" noChangeArrowheads="1" noChangeShapeType="1" noTextEdit="1"/>
+              </p:cNvSpPr>
+              <p:nvPr/>
+            </p:nvSpPr>
+            <p:spPr>
+              <a:xfrm>
+                <a:off x="7850421" y="2110208"/>
+                <a:ext cx="2586798" cy="2776979"/>
+              </a:xfrm>
+              <a:prstGeom prst="rect">
+                <a:avLst/>
+              </a:prstGeom>
+              <a:blipFill>
+                <a:blip r:embed="rId4"/>
+                <a:stretch>
+                  <a:fillRect l="-3774" r="-14387" b="-1316"/>
+                </a:stretch>
+              </a:blipFill>
+            </p:spPr>
+            <p:txBody>
+              <a:bodyPr/>
+              <a:lstStyle/>
+              <a:p>
+                <a:r>
+                  <a:rPr lang="ko-KR" altLang="en-US">
+                    <a:noFill/>
+                  </a:rPr>
+                  <a:t> </a:t>
+                </a:r>
+              </a:p>
+            </p:txBody>
+          </p:sp>
+        </mc:Fallback>
+      </mc:AlternateContent>
+      <p:sp>
+        <p:nvSpPr>
+          <p:cNvPr id="6" name="TextBox 5">
+            <a:extLst>
+              <a:ext uri="{FF2B5EF4-FFF2-40B4-BE49-F238E27FC236}">
+                <a16:creationId xmlns:a16="http://schemas.microsoft.com/office/drawing/2014/main" id="{4644639F-662E-7DBB-3872-09C944502C04}"/>
+              </a:ext>
+            </a:extLst>
+          </p:cNvPr>
+          <p:cNvSpPr txBox="1"/>
+          <p:nvPr/>
+        </p:nvSpPr>
+        <p:spPr>
+          <a:xfrm>
+            <a:off x="499620" y="1222602"/>
+            <a:ext cx="7956024" cy="400110"/>
+          </a:xfrm>
+          <a:prstGeom prst="rect">
+            <a:avLst/>
+          </a:prstGeom>
+          <a:noFill/>
+        </p:spPr>
+        <p:txBody>
+          <a:bodyPr wrap="none" rtlCol="0">
+            <a:spAutoFit/>
+          </a:bodyPr>
+          <a:lstStyle/>
+          <a:p>
+            <a:r>
+              <a:rPr lang="ko-KR" altLang="en-US" sz="2000" dirty="0">
+                <a:latin typeface="한컴 고딕" panose="02000500000000000000" pitchFamily="2" charset="-127"/>
+                <a:ea typeface="한컴 고딕" panose="02000500000000000000" pitchFamily="2" charset="-127"/>
+              </a:rPr>
+              <a:t>유일한 데이터를 바탕으로 여러 가지 알고리즘으로 여러 가지 모델을 생성</a:t>
+            </a:r>
+          </a:p>
+        </p:txBody>
+      </p:sp>
+    </p:spTree>
+    <p:extLst>
+      <p:ext uri="{BB962C8B-B14F-4D97-AF65-F5344CB8AC3E}">
+        <p14:creationId xmlns:p14="http://schemas.microsoft.com/office/powerpoint/2010/main" val="3431188023"/>
+      </p:ext>
+    </p:extLst>
+  </p:cSld>
+  <p:clrMapOvr>
+    <a:masterClrMapping/>
+  </p:clrMapOvr>
+  <p:timing>
+    <p:tnLst>
+      <p:par>
+        <p:cTn id="1" dur="indefinite" restart="never" nodeType="tmRoot">
+          <p:childTnLst>
+            <p:seq concurrent="1" nextAc="seek">
+              <p:cTn id="2" dur="indefinite" nodeType="mainSeq">
+                <p:childTnLst>
+                  <p:par>
+                    <p:cTn id="3" fill="hold">
+                      <p:stCondLst>
+                        <p:cond delay="indefinite"/>
+                      </p:stCondLst>
+                      <p:childTnLst>
+                        <p:par>
+                          <p:cTn id="4" fill="hold">
+                            <p:stCondLst>
+                              <p:cond delay="0"/>
+                            </p:stCondLst>
+                            <p:childTnLst>
+                              <p:par>
+                                <p:cTn id="5" presetID="1" presetClass="entr" presetSubtype="0" fill="hold" grpId="0" nodeType="clickEffect">
+                                  <p:stCondLst>
+                                    <p:cond delay="0"/>
+                                  </p:stCondLst>
+                                  <p:childTnLst>
+                                    <p:set>
+                                      <p:cBhvr>
+                                        <p:cTn id="6" dur="1" fill="hold">
+                                          <p:stCondLst>
+                                            <p:cond delay="0"/>
+                                          </p:stCondLst>
+                                        </p:cTn>
+                                        <p:tgtEl>
+                                          <p:spTgt spid="5"/>
+                                        </p:tgtEl>
+                                        <p:attrNameLst>
+                                          <p:attrName>style.visibility</p:attrName>
+                                        </p:attrNameLst>
+                                      </p:cBhvr>
+                                      <p:to>
+                                        <p:strVal val="visible"/>
+                                      </p:to>
+                                    </p:set>
+                                  </p:childTnLst>
+                                </p:cTn>
+                              </p:par>
+                            </p:childTnLst>
+                          </p:cTn>
+                        </p:par>
+                      </p:childTnLst>
+                    </p:cTn>
+                  </p:par>
+                </p:childTnLst>
+              </p:cTn>
+              <p:prevCondLst>
+                <p:cond evt="onPrev" delay="0">
+                  <p:tgtEl>
+                    <p:sldTgt/>
+                  </p:tgtEl>
+                </p:cond>
+              </p:prevCondLst>
+              <p:nextCondLst>
+                <p:cond evt="onNext" delay="0">
+                  <p:tgtEl>
+                    <p:sldTgt/>
+                  </p:tgtEl>
+                </p:cond>
+              </p:nextCondLst>
+            </p:seq>
+          </p:childTnLst>
+        </p:cTn>
+      </p:par>
+    </p:tnLst>
+    <p:bldLst>
+      <p:bldP spid="5" grpId="0"/>
+    </p:bldLst>
+  </p:timing>
+</p:sld>
+</file>
+
+<file path=ppt/slides/slide12.xml><?xml version="1.0" encoding="utf-8"?>
+<p:sld xmlns:a="http://schemas.openxmlformats.org/drawingml/2006/main" xmlns:r="http://schemas.openxmlformats.org/officeDocument/2006/relationships" xmlns:p="http://schemas.openxmlformats.org/presentationml/2006/main">
+  <p:cSld>
+    <p:spTree>
+      <p:nvGrpSpPr>
+        <p:cNvPr id="1" name=""/>
+        <p:cNvGrpSpPr/>
+        <p:nvPr/>
+      </p:nvGrpSpPr>
+      <p:grpSpPr>
+        <a:xfrm>
+          <a:off x="0" y="0"/>
+          <a:ext cx="0" cy="0"/>
+          <a:chOff x="0" y="0"/>
+          <a:chExt cx="0" cy="0"/>
+        </a:xfrm>
+      </p:grpSpPr>
+      <p:sp>
+        <p:nvSpPr>
+          <p:cNvPr id="2" name="제목 1">
+            <a:extLst>
+              <a:ext uri="{FF2B5EF4-FFF2-40B4-BE49-F238E27FC236}">
+                <a16:creationId xmlns:a16="http://schemas.microsoft.com/office/drawing/2014/main" id="{31A8128C-D73F-1FBA-6E47-3A0ECCF53BDA}"/>
+              </a:ext>
+            </a:extLst>
+          </p:cNvPr>
+          <p:cNvSpPr>
+            <a:spLocks noGrp="1"/>
+          </p:cNvSpPr>
+          <p:nvPr>
+            <p:ph type="title"/>
+          </p:nvPr>
+        </p:nvSpPr>
+        <p:spPr>
+          <a:xfrm>
+            <a:off x="223266" y="217270"/>
+            <a:ext cx="10131425" cy="659352"/>
+          </a:xfrm>
+        </p:spPr>
+        <p:txBody>
+          <a:bodyPr>
+            <a:normAutofit/>
+          </a:bodyPr>
+          <a:lstStyle/>
+          <a:p>
+            <a:r>
+              <a:rPr lang="en-US" altLang="ko-KR" sz="2800" b="1" dirty="0"/>
+              <a:t>Machine Learning</a:t>
+            </a:r>
+            <a:endParaRPr lang="ko-KR" altLang="en-US" sz="2800" b="1" dirty="0"/>
+          </a:p>
+        </p:txBody>
+      </p:sp>
+      <p:sp>
+        <p:nvSpPr>
+          <p:cNvPr id="10" name="바닥글 개체 틀 3">
+            <a:extLst>
+              <a:ext uri="{FF2B5EF4-FFF2-40B4-BE49-F238E27FC236}">
+                <a16:creationId xmlns:a16="http://schemas.microsoft.com/office/drawing/2014/main" id="{F6006E43-C489-7FA1-AF2E-6F49929124A9}"/>
+              </a:ext>
+            </a:extLst>
+          </p:cNvPr>
+          <p:cNvSpPr>
+            <a:spLocks noGrp="1"/>
+          </p:cNvSpPr>
+          <p:nvPr>
+            <p:ph type="ftr" sz="quarter" idx="11"/>
+          </p:nvPr>
+        </p:nvSpPr>
+        <p:spPr>
+          <a:xfrm>
+            <a:off x="4343399" y="6426758"/>
+            <a:ext cx="7827659" cy="377825"/>
+          </a:xfrm>
+        </p:spPr>
+        <p:txBody>
+          <a:bodyPr/>
+          <a:lstStyle/>
+          <a:p>
+            <a:pPr algn="r"/>
+            <a:fld id="{77860235-9F74-41DF-BC51-71A4257E4966}" type="slidenum">
+              <a:rPr lang="ko-KR" altLang="en-US" sz="1200" b="1" smtClean="0"/>
+              <a:pPr algn="r"/>
+              <a:t>12</a:t>
+            </a:fld>
+            <a:endParaRPr lang="ko-KR" altLang="en-US" sz="1200" b="1" dirty="0"/>
+          </a:p>
+        </p:txBody>
+      </p:sp>
+      <p:sp>
+        <p:nvSpPr>
+          <p:cNvPr id="3" name="TextBox 2">
+            <a:extLst>
+              <a:ext uri="{FF2B5EF4-FFF2-40B4-BE49-F238E27FC236}">
+                <a16:creationId xmlns:a16="http://schemas.microsoft.com/office/drawing/2014/main" id="{6613DECA-039E-7BC5-A5FD-159E2E408129}"/>
+              </a:ext>
+            </a:extLst>
+          </p:cNvPr>
+          <p:cNvSpPr txBox="1"/>
+          <p:nvPr/>
+        </p:nvSpPr>
+        <p:spPr>
+          <a:xfrm>
+            <a:off x="4152779" y="2227791"/>
+            <a:ext cx="3162421" cy="338554"/>
+          </a:xfrm>
+          <a:prstGeom prst="rect">
+            <a:avLst/>
+          </a:prstGeom>
+          <a:noFill/>
+        </p:spPr>
+        <p:txBody>
+          <a:bodyPr wrap="square" rtlCol="0">
+            <a:spAutoFit/>
+          </a:bodyPr>
+          <a:lstStyle/>
+          <a:p>
+            <a:r>
+              <a:rPr lang="ko-KR" altLang="en-US" sz="1600" dirty="0">
+                <a:solidFill>
+                  <a:srgbClr val="FFC000"/>
+                </a:solidFill>
+                <a:latin typeface="Cascadia Code SemiBold" panose="020B0609020000020004" pitchFamily="49" charset="0"/>
+                <a:ea typeface="Cascadia Code SemiBold" panose="020B0609020000020004" pitchFamily="49" charset="0"/>
+                <a:cs typeface="Cascadia Code SemiBold" panose="020B0609020000020004" pitchFamily="49" charset="0"/>
+              </a:rPr>
+              <a:t>학습</a:t>
+            </a:r>
+            <a:r>
+              <a:rPr lang="en-US" altLang="ko-KR" sz="1600" dirty="0">
+                <a:solidFill>
+                  <a:srgbClr val="FFC000"/>
+                </a:solidFill>
+                <a:latin typeface="Cascadia Code SemiBold" panose="020B0609020000020004" pitchFamily="49" charset="0"/>
+                <a:ea typeface="Cascadia Code SemiBold" panose="020B0609020000020004" pitchFamily="49" charset="0"/>
+                <a:cs typeface="Cascadia Code SemiBold" panose="020B0609020000020004" pitchFamily="49" charset="0"/>
+              </a:rPr>
+              <a:t>(Learn/Fit/Training)</a:t>
+            </a:r>
+            <a:endParaRPr lang="ko-KR" altLang="en-US" sz="1600" dirty="0">
+              <a:solidFill>
+                <a:srgbClr val="FFC000"/>
+              </a:solidFill>
+              <a:latin typeface="Cascadia Code SemiBold" panose="020B0609020000020004" pitchFamily="49" charset="0"/>
+              <a:cs typeface="Cascadia Code SemiBold" panose="020B0609020000020004" pitchFamily="49" charset="0"/>
+            </a:endParaRPr>
+          </a:p>
+        </p:txBody>
+      </p:sp>
+      <p:pic>
+        <p:nvPicPr>
+          <p:cNvPr id="14" name="그림 13">
+            <a:extLst>
+              <a:ext uri="{FF2B5EF4-FFF2-40B4-BE49-F238E27FC236}">
+                <a16:creationId xmlns:a16="http://schemas.microsoft.com/office/drawing/2014/main" id="{55500B18-95DB-1300-FA29-EE9BE82EDB53}"/>
+              </a:ext>
+            </a:extLst>
+          </p:cNvPr>
+          <p:cNvPicPr>
+            <a:picLocks noChangeAspect="1"/>
+          </p:cNvPicPr>
+          <p:nvPr/>
+        </p:nvPicPr>
+        <p:blipFill>
+          <a:blip r:embed="rId2"/>
+          <a:stretch>
+            <a:fillRect/>
+          </a:stretch>
+        </p:blipFill>
+        <p:spPr>
+          <a:xfrm>
+            <a:off x="674770" y="2470483"/>
+            <a:ext cx="3322209" cy="1740678"/>
+          </a:xfrm>
+          <a:prstGeom prst="rect">
+            <a:avLst/>
+          </a:prstGeom>
+        </p:spPr>
+      </p:pic>
+      <p:pic>
+        <p:nvPicPr>
+          <p:cNvPr id="20" name="그림 19">
+            <a:extLst>
+              <a:ext uri="{FF2B5EF4-FFF2-40B4-BE49-F238E27FC236}">
+                <a16:creationId xmlns:a16="http://schemas.microsoft.com/office/drawing/2014/main" id="{ECFA3248-95DD-D596-5BFE-5FF095B75AC7}"/>
+              </a:ext>
+            </a:extLst>
+          </p:cNvPr>
+          <p:cNvPicPr>
+            <a:picLocks noChangeAspect="1"/>
+          </p:cNvPicPr>
+          <p:nvPr/>
+        </p:nvPicPr>
+        <p:blipFill>
+          <a:blip r:embed="rId3"/>
+          <a:stretch>
+            <a:fillRect/>
+          </a:stretch>
+        </p:blipFill>
+        <p:spPr>
+          <a:xfrm>
+            <a:off x="4701020" y="2659471"/>
+            <a:ext cx="1611371" cy="1362702"/>
+          </a:xfrm>
+          <a:prstGeom prst="rect">
+            <a:avLst/>
+          </a:prstGeom>
+        </p:spPr>
+      </p:pic>
+      <p:pic>
+        <p:nvPicPr>
+          <p:cNvPr id="22" name="그림 21">
+            <a:extLst>
+              <a:ext uri="{FF2B5EF4-FFF2-40B4-BE49-F238E27FC236}">
+                <a16:creationId xmlns:a16="http://schemas.microsoft.com/office/drawing/2014/main" id="{8BBFB907-3721-0A64-F122-345685018BE2}"/>
+              </a:ext>
+            </a:extLst>
+          </p:cNvPr>
+          <p:cNvPicPr>
+            <a:picLocks noChangeAspect="1"/>
+          </p:cNvPicPr>
+          <p:nvPr/>
+        </p:nvPicPr>
+        <p:blipFill>
+          <a:blip r:embed="rId4"/>
+          <a:stretch>
+            <a:fillRect/>
+          </a:stretch>
+        </p:blipFill>
+        <p:spPr>
+          <a:xfrm>
+            <a:off x="6847706" y="2768446"/>
+            <a:ext cx="3928957" cy="865365"/>
+          </a:xfrm>
+          <a:prstGeom prst="rect">
+            <a:avLst/>
+          </a:prstGeom>
+        </p:spPr>
+      </p:pic>
+      <p:pic>
+        <p:nvPicPr>
+          <p:cNvPr id="24" name="그림 23">
+            <a:extLst>
+              <a:ext uri="{FF2B5EF4-FFF2-40B4-BE49-F238E27FC236}">
+                <a16:creationId xmlns:a16="http://schemas.microsoft.com/office/drawing/2014/main" id="{7D2A976C-E103-8CD0-D643-D14C894446DF}"/>
+              </a:ext>
+            </a:extLst>
+          </p:cNvPr>
+          <p:cNvPicPr>
+            <a:picLocks noChangeAspect="1"/>
+          </p:cNvPicPr>
+          <p:nvPr/>
+        </p:nvPicPr>
+        <p:blipFill>
+          <a:blip r:embed="rId5"/>
+          <a:stretch>
+            <a:fillRect/>
+          </a:stretch>
+        </p:blipFill>
+        <p:spPr>
+          <a:xfrm>
+            <a:off x="6042328" y="4711999"/>
+            <a:ext cx="5554160" cy="1452356"/>
+          </a:xfrm>
+          <a:prstGeom prst="rect">
+            <a:avLst/>
+          </a:prstGeom>
+        </p:spPr>
+      </p:pic>
+      <p:sp>
+        <p:nvSpPr>
+          <p:cNvPr id="27" name="TextBox 26">
+            <a:extLst>
+              <a:ext uri="{FF2B5EF4-FFF2-40B4-BE49-F238E27FC236}">
+                <a16:creationId xmlns:a16="http://schemas.microsoft.com/office/drawing/2014/main" id="{B67C115F-3504-0058-AC09-3EB123CD9ABB}"/>
+              </a:ext>
+            </a:extLst>
+          </p:cNvPr>
+          <p:cNvSpPr txBox="1"/>
+          <p:nvPr/>
+        </p:nvSpPr>
+        <p:spPr>
+          <a:xfrm>
+            <a:off x="7896707" y="4375002"/>
+            <a:ext cx="1680007" cy="338554"/>
+          </a:xfrm>
+          <a:prstGeom prst="rect">
+            <a:avLst/>
+          </a:prstGeom>
+          <a:noFill/>
+        </p:spPr>
+        <p:txBody>
+          <a:bodyPr wrap="square">
+            <a:spAutoFit/>
+          </a:bodyPr>
+          <a:lstStyle/>
+          <a:p>
+            <a:r>
+              <a:rPr lang="ko-KR" altLang="en-US" sz="1600" dirty="0">
+                <a:solidFill>
+                  <a:srgbClr val="FFFF00"/>
+                </a:solidFill>
+                <a:latin typeface="Cascadia Code SemiBold" panose="020B0609020000020004" pitchFamily="49" charset="0"/>
+                <a:ea typeface="Cascadia Code SemiBold" panose="020B0609020000020004" pitchFamily="49" charset="0"/>
+                <a:cs typeface="Cascadia Code SemiBold" panose="020B0609020000020004" pitchFamily="49" charset="0"/>
+              </a:rPr>
+              <a:t>예측</a:t>
+            </a:r>
+            <a:r>
+              <a:rPr lang="en-US" altLang="ko-KR" sz="1600" dirty="0">
+                <a:solidFill>
+                  <a:srgbClr val="FFFF00"/>
+                </a:solidFill>
+                <a:latin typeface="Cascadia Code SemiBold" panose="020B0609020000020004" pitchFamily="49" charset="0"/>
+                <a:ea typeface="Cascadia Code SemiBold" panose="020B0609020000020004" pitchFamily="49" charset="0"/>
+                <a:cs typeface="Cascadia Code SemiBold" panose="020B0609020000020004" pitchFamily="49" charset="0"/>
+              </a:rPr>
+              <a:t>(Predict)</a:t>
+            </a:r>
+            <a:endParaRPr lang="ko-KR" altLang="en-US" sz="1600" dirty="0">
+              <a:solidFill>
+                <a:srgbClr val="FFFF00"/>
+              </a:solidFill>
+              <a:latin typeface="Cascadia Code SemiBold" panose="020B0609020000020004" pitchFamily="49" charset="0"/>
+              <a:cs typeface="Cascadia Code SemiBold" panose="020B0609020000020004" pitchFamily="49" charset="0"/>
+            </a:endParaRPr>
+          </a:p>
+        </p:txBody>
+      </p:sp>
+      <p:sp>
+        <p:nvSpPr>
+          <p:cNvPr id="28" name="TextBox 27">
+            <a:extLst>
+              <a:ext uri="{FF2B5EF4-FFF2-40B4-BE49-F238E27FC236}">
+                <a16:creationId xmlns:a16="http://schemas.microsoft.com/office/drawing/2014/main" id="{A5E34A87-9BFA-5F23-BC33-2363281BA916}"/>
+              </a:ext>
+            </a:extLst>
+          </p:cNvPr>
+          <p:cNvSpPr txBox="1"/>
+          <p:nvPr/>
+        </p:nvSpPr>
+        <p:spPr>
+          <a:xfrm>
+            <a:off x="499620" y="1222602"/>
+            <a:ext cx="9934130" cy="400110"/>
+          </a:xfrm>
+          <a:prstGeom prst="rect">
+            <a:avLst/>
+          </a:prstGeom>
+          <a:noFill/>
+        </p:spPr>
+        <p:txBody>
+          <a:bodyPr wrap="none" rtlCol="0">
+            <a:spAutoFit/>
+          </a:bodyPr>
+          <a:lstStyle/>
+          <a:p>
+            <a:r>
+              <a:rPr lang="ko-KR" altLang="en-US" sz="2000" dirty="0">
+                <a:latin typeface="한컴 고딕" panose="02000500000000000000" pitchFamily="2" charset="-127"/>
+                <a:ea typeface="한컴 고딕" panose="02000500000000000000" pitchFamily="2" charset="-127"/>
+              </a:rPr>
+              <a:t>과거의 데이터에 숨겨진 패턴을 찾아내기 위해 컴퓨터에게 알고리즘을 학습시켜 목적을 달성</a:t>
+            </a:r>
+          </a:p>
+        </p:txBody>
+      </p:sp>
+    </p:spTree>
+    <p:extLst>
+      <p:ext uri="{BB962C8B-B14F-4D97-AF65-F5344CB8AC3E}">
+        <p14:creationId xmlns:p14="http://schemas.microsoft.com/office/powerpoint/2010/main" val="2242949374"/>
+      </p:ext>
+    </p:extLst>
+  </p:cSld>
+  <p:clrMapOvr>
+    <a:masterClrMapping/>
+  </p:clrMapOvr>
+  <p:timing>
+    <p:tnLst>
+      <p:par>
+        <p:cTn id="1" dur="indefinite" restart="never" nodeType="tmRoot">
+          <p:childTnLst>
+            <p:seq concurrent="1" nextAc="seek">
+              <p:cTn id="2" dur="indefinite" nodeType="mainSeq">
+                <p:childTnLst>
+                  <p:par>
+                    <p:cTn id="3" fill="hold">
+                      <p:stCondLst>
+                        <p:cond delay="indefinite"/>
+                      </p:stCondLst>
+                      <p:childTnLst>
+                        <p:par>
+                          <p:cTn id="4" fill="hold">
+                            <p:stCondLst>
+                              <p:cond delay="0"/>
+                            </p:stCondLst>
+                            <p:childTnLst>
+                              <p:par>
+                                <p:cTn id="5" presetID="1" presetClass="entr" presetSubtype="0" fill="hold" nodeType="clickEffect">
+                                  <p:stCondLst>
+                                    <p:cond delay="0"/>
+                                  </p:stCondLst>
+                                  <p:childTnLst>
+                                    <p:set>
+                                      <p:cBhvr>
+                                        <p:cTn id="6" dur="1" fill="hold">
+                                          <p:stCondLst>
+                                            <p:cond delay="0"/>
+                                          </p:stCondLst>
+                                        </p:cTn>
+                                        <p:tgtEl>
+                                          <p:spTgt spid="14"/>
+                                        </p:tgtEl>
+                                        <p:attrNameLst>
+                                          <p:attrName>style.visibility</p:attrName>
+                                        </p:attrNameLst>
+                                      </p:cBhvr>
+                                      <p:to>
+                                        <p:strVal val="visible"/>
+                                      </p:to>
+                                    </p:set>
+                                  </p:childTnLst>
+                                </p:cTn>
+                              </p:par>
+                            </p:childTnLst>
+                          </p:cTn>
+                        </p:par>
+                      </p:childTnLst>
+                    </p:cTn>
+                  </p:par>
+                  <p:par>
+                    <p:cTn id="7" fill="hold">
+                      <p:stCondLst>
+                        <p:cond delay="indefinite"/>
+                      </p:stCondLst>
+                      <p:childTnLst>
+                        <p:par>
+                          <p:cTn id="8" fill="hold">
+                            <p:stCondLst>
+                              <p:cond delay="0"/>
+                            </p:stCondLst>
+                            <p:childTnLst>
+                              <p:par>
+                                <p:cTn id="9" presetID="16" presetClass="entr" presetSubtype="21" fill="hold" nodeType="clickEffect">
+                                  <p:stCondLst>
+                                    <p:cond delay="0"/>
+                                  </p:stCondLst>
+                                  <p:childTnLst>
+                                    <p:set>
+                                      <p:cBhvr>
+                                        <p:cTn id="10" dur="1" fill="hold">
+                                          <p:stCondLst>
+                                            <p:cond delay="0"/>
+                                          </p:stCondLst>
+                                        </p:cTn>
+                                        <p:tgtEl>
+                                          <p:spTgt spid="20"/>
+                                        </p:tgtEl>
+                                        <p:attrNameLst>
+                                          <p:attrName>style.visibility</p:attrName>
+                                        </p:attrNameLst>
+                                      </p:cBhvr>
+                                      <p:to>
+                                        <p:strVal val="visible"/>
+                                      </p:to>
+                                    </p:set>
+                                    <p:animEffect transition="in" filter="barn(inVertical)">
+                                      <p:cBhvr>
+                                        <p:cTn id="11" dur="500"/>
+                                        <p:tgtEl>
+                                          <p:spTgt spid="20"/>
+                                        </p:tgtEl>
+                                      </p:cBhvr>
+                                    </p:animEffect>
+                                  </p:childTnLst>
+                                </p:cTn>
+                              </p:par>
+                              <p:par>
+                                <p:cTn id="12" presetID="16" presetClass="entr" presetSubtype="21" fill="hold" grpId="0" nodeType="withEffect">
+                                  <p:stCondLst>
+                                    <p:cond delay="0"/>
+                                  </p:stCondLst>
+                                  <p:childTnLst>
+                                    <p:set>
+                                      <p:cBhvr>
+                                        <p:cTn id="13" dur="1" fill="hold">
+                                          <p:stCondLst>
+                                            <p:cond delay="0"/>
+                                          </p:stCondLst>
+                                        </p:cTn>
+                                        <p:tgtEl>
+                                          <p:spTgt spid="3"/>
+                                        </p:tgtEl>
+                                        <p:attrNameLst>
+                                          <p:attrName>style.visibility</p:attrName>
+                                        </p:attrNameLst>
+                                      </p:cBhvr>
+                                      <p:to>
+                                        <p:strVal val="visible"/>
+                                      </p:to>
+                                    </p:set>
+                                    <p:animEffect transition="in" filter="barn(inVertical)">
+                                      <p:cBhvr>
+                                        <p:cTn id="14" dur="500"/>
+                                        <p:tgtEl>
+                                          <p:spTgt spid="3"/>
+                                        </p:tgtEl>
+                                      </p:cBhvr>
+                                    </p:animEffect>
+                                  </p:childTnLst>
+                                </p:cTn>
+                              </p:par>
+                            </p:childTnLst>
+                          </p:cTn>
+                        </p:par>
+                      </p:childTnLst>
+                    </p:cTn>
+                  </p:par>
+                  <p:par>
+                    <p:cTn id="15" fill="hold">
+                      <p:stCondLst>
+                        <p:cond delay="indefinite"/>
+                      </p:stCondLst>
+                      <p:childTnLst>
+                        <p:par>
+                          <p:cTn id="16" fill="hold">
+                            <p:stCondLst>
+                              <p:cond delay="0"/>
+                            </p:stCondLst>
+                            <p:childTnLst>
+                              <p:par>
+                                <p:cTn id="17" presetID="10" presetClass="entr" presetSubtype="0" fill="hold" nodeType="clickEffect">
+                                  <p:stCondLst>
+                                    <p:cond delay="0"/>
+                                  </p:stCondLst>
+                                  <p:childTnLst>
+                                    <p:set>
+                                      <p:cBhvr>
+                                        <p:cTn id="18" dur="1" fill="hold">
+                                          <p:stCondLst>
+                                            <p:cond delay="0"/>
+                                          </p:stCondLst>
+                                        </p:cTn>
+                                        <p:tgtEl>
+                                          <p:spTgt spid="22"/>
+                                        </p:tgtEl>
+                                        <p:attrNameLst>
+                                          <p:attrName>style.visibility</p:attrName>
+                                        </p:attrNameLst>
+                                      </p:cBhvr>
+                                      <p:to>
+                                        <p:strVal val="visible"/>
+                                      </p:to>
+                                    </p:set>
+                                    <p:animEffect transition="in" filter="fade">
+                                      <p:cBhvr>
+                                        <p:cTn id="19" dur="500"/>
+                                        <p:tgtEl>
+                                          <p:spTgt spid="22"/>
+                                        </p:tgtEl>
+                                      </p:cBhvr>
+                                    </p:animEffect>
+                                  </p:childTnLst>
+                                </p:cTn>
+                              </p:par>
+                            </p:childTnLst>
+                          </p:cTn>
+                        </p:par>
+                      </p:childTnLst>
+                    </p:cTn>
+                  </p:par>
+                  <p:par>
+                    <p:cTn id="20" fill="hold">
+                      <p:stCondLst>
+                        <p:cond delay="indefinite"/>
+                      </p:stCondLst>
+                      <p:childTnLst>
+                        <p:par>
+                          <p:cTn id="21" fill="hold">
+                            <p:stCondLst>
+                              <p:cond delay="0"/>
+                            </p:stCondLst>
+                            <p:childTnLst>
+                              <p:par>
+                                <p:cTn id="22" presetID="6" presetClass="entr" presetSubtype="16" fill="hold" nodeType="clickEffect">
+                                  <p:stCondLst>
+                                    <p:cond delay="0"/>
+                                  </p:stCondLst>
+                                  <p:childTnLst>
+                                    <p:set>
+                                      <p:cBhvr>
+                                        <p:cTn id="23" dur="1" fill="hold">
+                                          <p:stCondLst>
+                                            <p:cond delay="0"/>
+                                          </p:stCondLst>
+                                        </p:cTn>
+                                        <p:tgtEl>
+                                          <p:spTgt spid="24"/>
+                                        </p:tgtEl>
+                                        <p:attrNameLst>
+                                          <p:attrName>style.visibility</p:attrName>
+                                        </p:attrNameLst>
+                                      </p:cBhvr>
+                                      <p:to>
+                                        <p:strVal val="visible"/>
+                                      </p:to>
+                                    </p:set>
+                                    <p:animEffect transition="in" filter="circle(in)">
+                                      <p:cBhvr>
+                                        <p:cTn id="24" dur="2000"/>
+                                        <p:tgtEl>
+                                          <p:spTgt spid="24"/>
+                                        </p:tgtEl>
+                                      </p:cBhvr>
+                                    </p:animEffect>
+                                  </p:childTnLst>
+                                </p:cTn>
+                              </p:par>
+                              <p:par>
+                                <p:cTn id="25" presetID="6" presetClass="entr" presetSubtype="16" fill="hold" grpId="0" nodeType="withEffect">
+                                  <p:stCondLst>
+                                    <p:cond delay="0"/>
+                                  </p:stCondLst>
+                                  <p:childTnLst>
+                                    <p:set>
+                                      <p:cBhvr>
+                                        <p:cTn id="26" dur="1" fill="hold">
+                                          <p:stCondLst>
+                                            <p:cond delay="0"/>
+                                          </p:stCondLst>
+                                        </p:cTn>
+                                        <p:tgtEl>
+                                          <p:spTgt spid="27"/>
+                                        </p:tgtEl>
+                                        <p:attrNameLst>
+                                          <p:attrName>style.visibility</p:attrName>
+                                        </p:attrNameLst>
+                                      </p:cBhvr>
+                                      <p:to>
+                                        <p:strVal val="visible"/>
+                                      </p:to>
+                                    </p:set>
+                                    <p:animEffect transition="in" filter="circle(in)">
+                                      <p:cBhvr>
+                                        <p:cTn id="27" dur="2000"/>
+                                        <p:tgtEl>
+                                          <p:spTgt spid="27"/>
+                                        </p:tgtEl>
+                                      </p:cBhvr>
+                                    </p:animEffect>
+                                  </p:childTnLst>
+                                </p:cTn>
+                              </p:par>
+                            </p:childTnLst>
+                          </p:cTn>
+                        </p:par>
+                      </p:childTnLst>
+                    </p:cTn>
+                  </p:par>
+                </p:childTnLst>
+              </p:cTn>
+              <p:prevCondLst>
+                <p:cond evt="onPrev" delay="0">
+                  <p:tgtEl>
+                    <p:sldTgt/>
+                  </p:tgtEl>
+                </p:cond>
+              </p:prevCondLst>
+              <p:nextCondLst>
+                <p:cond evt="onNext" delay="0">
+                  <p:tgtEl>
+                    <p:sldTgt/>
+                  </p:tgtEl>
+                </p:cond>
+              </p:nextCondLst>
+            </p:seq>
+          </p:childTnLst>
+        </p:cTn>
+      </p:par>
+    </p:tnLst>
+    <p:bldLst>
+      <p:bldP spid="3" grpId="0"/>
+      <p:bldP spid="27" grpId="0"/>
+    </p:bldLst>
+  </p:timing>
+</p:sld>
+</file>
+
+<file path=ppt/slides/slide13.xml><?xml version="1.0" encoding="utf-8"?>
+<p:sld xmlns:a="http://schemas.openxmlformats.org/drawingml/2006/main" xmlns:r="http://schemas.openxmlformats.org/officeDocument/2006/relationships" xmlns:p="http://schemas.openxmlformats.org/presentationml/2006/main">
+  <p:cSld>
+    <p:spTree>
+      <p:nvGrpSpPr>
+        <p:cNvPr id="1" name=""/>
+        <p:cNvGrpSpPr/>
+        <p:nvPr/>
+      </p:nvGrpSpPr>
+      <p:grpSpPr>
+        <a:xfrm>
+          <a:off x="0" y="0"/>
+          <a:ext cx="0" cy="0"/>
+          <a:chOff x="0" y="0"/>
+          <a:chExt cx="0" cy="0"/>
+        </a:xfrm>
+      </p:grpSpPr>
+      <p:sp>
+        <p:nvSpPr>
+          <p:cNvPr id="2" name="제목 1">
+            <a:extLst>
+              <a:ext uri="{FF2B5EF4-FFF2-40B4-BE49-F238E27FC236}">
+                <a16:creationId xmlns:a16="http://schemas.microsoft.com/office/drawing/2014/main" id="{31A8128C-D73F-1FBA-6E47-3A0ECCF53BDA}"/>
+              </a:ext>
+            </a:extLst>
+          </p:cNvPr>
+          <p:cNvSpPr>
+            <a:spLocks noGrp="1"/>
+          </p:cNvSpPr>
+          <p:nvPr>
+            <p:ph type="title"/>
+          </p:nvPr>
+        </p:nvSpPr>
+        <p:spPr>
+          <a:xfrm>
+            <a:off x="223266" y="217270"/>
+            <a:ext cx="10131425" cy="659352"/>
+          </a:xfrm>
+        </p:spPr>
+        <p:txBody>
+          <a:bodyPr>
+            <a:normAutofit/>
+          </a:bodyPr>
+          <a:lstStyle/>
+          <a:p>
+            <a:r>
+              <a:rPr lang="en-US" altLang="ko-KR" sz="2800" b="1" dirty="0"/>
+              <a:t>Deep Learning</a:t>
+            </a:r>
+            <a:endParaRPr lang="ko-KR" altLang="en-US" sz="2800" b="1" dirty="0"/>
+          </a:p>
+        </p:txBody>
+      </p:sp>
+      <p:sp>
+        <p:nvSpPr>
+          <p:cNvPr id="10" name="바닥글 개체 틀 3">
+            <a:extLst>
+              <a:ext uri="{FF2B5EF4-FFF2-40B4-BE49-F238E27FC236}">
+                <a16:creationId xmlns:a16="http://schemas.microsoft.com/office/drawing/2014/main" id="{F6006E43-C489-7FA1-AF2E-6F49929124A9}"/>
+              </a:ext>
+            </a:extLst>
+          </p:cNvPr>
+          <p:cNvSpPr>
+            <a:spLocks noGrp="1"/>
+          </p:cNvSpPr>
+          <p:nvPr>
+            <p:ph type="ftr" sz="quarter" idx="11"/>
+          </p:nvPr>
+        </p:nvSpPr>
+        <p:spPr>
+          <a:xfrm>
+            <a:off x="4343399" y="6426758"/>
+            <a:ext cx="7827659" cy="377825"/>
+          </a:xfrm>
+        </p:spPr>
+        <p:txBody>
+          <a:bodyPr/>
+          <a:lstStyle/>
+          <a:p>
+            <a:pPr algn="r"/>
+            <a:fld id="{77860235-9F74-41DF-BC51-71A4257E4966}" type="slidenum">
+              <a:rPr lang="ko-KR" altLang="en-US" sz="1200" b="1" smtClean="0"/>
+              <a:pPr algn="r"/>
+              <a:t>13</a:t>
+            </a:fld>
+            <a:endParaRPr lang="ko-KR" altLang="en-US" sz="1200" b="1" dirty="0"/>
+          </a:p>
+        </p:txBody>
+      </p:sp>
+      <p:sp>
+        <p:nvSpPr>
+          <p:cNvPr id="6" name="TextBox 5">
+            <a:extLst>
+              <a:ext uri="{FF2B5EF4-FFF2-40B4-BE49-F238E27FC236}">
+                <a16:creationId xmlns:a16="http://schemas.microsoft.com/office/drawing/2014/main" id="{8212B4DA-F7CD-CC3A-A5CA-9F6585EF67AE}"/>
+              </a:ext>
+            </a:extLst>
+          </p:cNvPr>
+          <p:cNvSpPr txBox="1"/>
+          <p:nvPr/>
+        </p:nvSpPr>
+        <p:spPr>
+          <a:xfrm>
+            <a:off x="1661694" y="6280046"/>
+            <a:ext cx="8170464" cy="307777"/>
+          </a:xfrm>
+          <a:prstGeom prst="rect">
+            <a:avLst/>
+          </a:prstGeom>
+          <a:noFill/>
+        </p:spPr>
+        <p:txBody>
+          <a:bodyPr wrap="square">
+            <a:spAutoFit/>
+          </a:bodyPr>
+          <a:lstStyle/>
+          <a:p>
+            <a:r>
+              <a:rPr lang="en-US" altLang="ko-KR" sz="1400" dirty="0">
+                <a:hlinkClick r:id="rId2"/>
+              </a:rPr>
+              <a:t>https://playground.tensorflow.org/</a:t>
+            </a:r>
+            <a:r>
+              <a:rPr lang="en-US" altLang="ko-KR" sz="1400" dirty="0"/>
+              <a:t>  </a:t>
+            </a:r>
+            <a:r>
+              <a:rPr lang="ko-KR" altLang="en-US" sz="1400" dirty="0"/>
+              <a:t> </a:t>
+            </a:r>
+          </a:p>
+        </p:txBody>
+      </p:sp>
+      <p:pic>
+        <p:nvPicPr>
+          <p:cNvPr id="4" name="그림 3">
+            <a:extLst>
+              <a:ext uri="{FF2B5EF4-FFF2-40B4-BE49-F238E27FC236}">
+                <a16:creationId xmlns:a16="http://schemas.microsoft.com/office/drawing/2014/main" id="{E257ECF8-F9D4-F648-12CB-439F56FB0132}"/>
+              </a:ext>
+            </a:extLst>
+          </p:cNvPr>
+          <p:cNvPicPr>
+            <a:picLocks noChangeAspect="1"/>
+          </p:cNvPicPr>
+          <p:nvPr/>
+        </p:nvPicPr>
+        <p:blipFill>
+          <a:blip r:embed="rId3"/>
+          <a:stretch>
+            <a:fillRect/>
+          </a:stretch>
+        </p:blipFill>
+        <p:spPr>
+          <a:xfrm>
+            <a:off x="1661694" y="968338"/>
+            <a:ext cx="8021421" cy="5238352"/>
+          </a:xfrm>
+          <a:prstGeom prst="rect">
+            <a:avLst/>
+          </a:prstGeom>
+        </p:spPr>
+      </p:pic>
+    </p:spTree>
+    <p:extLst>
+      <p:ext uri="{BB962C8B-B14F-4D97-AF65-F5344CB8AC3E}">
+        <p14:creationId xmlns:p14="http://schemas.microsoft.com/office/powerpoint/2010/main" val="1058905388"/>
+      </p:ext>
+    </p:extLst>
+  </p:cSld>
+  <p:clrMapOvr>
+    <a:masterClrMapping/>
+  </p:clrMapOvr>
+</p:sld>
+</file>
+
+<file path=ppt/slides/slide14.xml><?xml version="1.0" encoding="utf-8"?>
+<p:sld xmlns:a="http://schemas.openxmlformats.org/drawingml/2006/main" xmlns:r="http://schemas.openxmlformats.org/officeDocument/2006/relationships" xmlns:p="http://schemas.openxmlformats.org/presentationml/2006/main">
+  <p:cSld>
+    <p:spTree>
+      <p:nvGrpSpPr>
+        <p:cNvPr id="1" name=""/>
+        <p:cNvGrpSpPr/>
+        <p:nvPr/>
+      </p:nvGrpSpPr>
+      <p:grpSpPr>
+        <a:xfrm>
+          <a:off x="0" y="0"/>
+          <a:ext cx="0" cy="0"/>
+          <a:chOff x="0" y="0"/>
+          <a:chExt cx="0" cy="0"/>
+        </a:xfrm>
+      </p:grpSpPr>
+      <p:sp>
+        <p:nvSpPr>
+          <p:cNvPr id="2" name="제목 1">
+            <a:extLst>
+              <a:ext uri="{FF2B5EF4-FFF2-40B4-BE49-F238E27FC236}">
+                <a16:creationId xmlns:a16="http://schemas.microsoft.com/office/drawing/2014/main" id="{31A8128C-D73F-1FBA-6E47-3A0ECCF53BDA}"/>
+              </a:ext>
+            </a:extLst>
+          </p:cNvPr>
+          <p:cNvSpPr>
+            <a:spLocks noGrp="1"/>
+          </p:cNvSpPr>
+          <p:nvPr>
+            <p:ph type="title"/>
+          </p:nvPr>
+        </p:nvSpPr>
+        <p:spPr>
+          <a:xfrm>
+            <a:off x="223266" y="217270"/>
+            <a:ext cx="10131425" cy="659352"/>
+          </a:xfrm>
+        </p:spPr>
+        <p:txBody>
+          <a:bodyPr>
+            <a:normAutofit/>
+          </a:bodyPr>
+          <a:lstStyle/>
+          <a:p>
+            <a:r>
+              <a:rPr lang="en-US" altLang="ko-KR" sz="2800" b="1" dirty="0"/>
+              <a:t>Deep Learning</a:t>
+            </a:r>
+            <a:endParaRPr lang="ko-KR" altLang="en-US" sz="2800" b="1" dirty="0"/>
+          </a:p>
+        </p:txBody>
+      </p:sp>
+      <p:sp>
+        <p:nvSpPr>
+          <p:cNvPr id="10" name="바닥글 개체 틀 3">
+            <a:extLst>
+              <a:ext uri="{FF2B5EF4-FFF2-40B4-BE49-F238E27FC236}">
+                <a16:creationId xmlns:a16="http://schemas.microsoft.com/office/drawing/2014/main" id="{F6006E43-C489-7FA1-AF2E-6F49929124A9}"/>
+              </a:ext>
+            </a:extLst>
+          </p:cNvPr>
+          <p:cNvSpPr>
+            <a:spLocks noGrp="1"/>
+          </p:cNvSpPr>
+          <p:nvPr>
+            <p:ph type="ftr" sz="quarter" idx="11"/>
+          </p:nvPr>
+        </p:nvSpPr>
+        <p:spPr>
+          <a:xfrm>
+            <a:off x="4343399" y="6426758"/>
+            <a:ext cx="7827659" cy="377825"/>
+          </a:xfrm>
+        </p:spPr>
+        <p:txBody>
+          <a:bodyPr/>
+          <a:lstStyle/>
+          <a:p>
+            <a:pPr algn="r"/>
+            <a:fld id="{77860235-9F74-41DF-BC51-71A4257E4966}" type="slidenum">
+              <a:rPr lang="ko-KR" altLang="en-US" sz="1200" b="1" smtClean="0"/>
+              <a:pPr algn="r"/>
+              <a:t>14</a:t>
             </a:fld>
             <a:endParaRPr lang="ko-KR" altLang="en-US" sz="1200" b="1" dirty="0"/>
           </a:p>
@@ -7883,7 +9265,7 @@
 </p:sld>
 </file>
 
-<file path=ppt/slides/slide12.xml><?xml version="1.0" encoding="utf-8"?>
+<file path=ppt/slides/slide15.xml><?xml version="1.0" encoding="utf-8"?>
 <p:sld xmlns:a="http://schemas.openxmlformats.org/drawingml/2006/main" xmlns:r="http://schemas.openxmlformats.org/officeDocument/2006/relationships" xmlns:p="http://schemas.openxmlformats.org/presentationml/2006/main">
   <p:cSld>
     <p:spTree>
@@ -7966,7 +9348,7 @@
             <a:fld id="{77860235-9F74-41DF-BC51-71A4257E4966}" type="slidenum">
               <a:rPr lang="ko-KR" altLang="en-US" sz="1200" b="1" smtClean="0"/>
               <a:pPr algn="r"/>
-              <a:t>12</a:t>
+              <a:t>15</a:t>
             </a:fld>
             <a:endParaRPr lang="ko-KR" altLang="en-US" sz="1200" b="1" dirty="0"/>
           </a:p>
@@ -10263,9 +11645,13 @@
           <a:p>
             <a:r>
               <a:rPr lang="en-US" altLang="ko-KR" sz="2800" b="1" dirty="0"/>
-              <a:t>Machine Learning</a:t>
-            </a:r>
-            <a:endParaRPr lang="ko-KR" altLang="en-US" sz="2800" b="1" dirty="0"/>
+              <a:t>A new programming paradigm</a:t>
+            </a:r>
+            <a:endParaRPr lang="ko-KR" altLang="en-US" sz="2800" b="1" dirty="0">
+              <a:solidFill>
+                <a:srgbClr val="FFFF00"/>
+              </a:solidFill>
+            </a:endParaRPr>
           </a:p>
         </p:txBody>
       </p:sp>
@@ -10307,10 +11693,10 @@
       </p:sp>
       <p:pic>
         <p:nvPicPr>
-          <p:cNvPr id="7" name="그림 6">
+          <p:cNvPr id="5" name="그림 4">
             <a:extLst>
               <a:ext uri="{FF2B5EF4-FFF2-40B4-BE49-F238E27FC236}">
-                <a16:creationId xmlns:a16="http://schemas.microsoft.com/office/drawing/2014/main" id="{08681C60-1DDB-155E-56E4-B20EDC33E2B6}"/>
+                <a16:creationId xmlns:a16="http://schemas.microsoft.com/office/drawing/2014/main" id="{A2C22B70-E19A-78A0-C5FE-29DDE2EE5E97}"/>
               </a:ext>
             </a:extLst>
           </p:cNvPr>
@@ -10320,64 +11706,41 @@
           <p:nvPr/>
         </p:nvPicPr>
         <p:blipFill>
-          <a:blip r:embed="rId2"/>
+          <a:blip r:embed="rId2">
+            <a:duotone>
+              <a:prstClr val="black"/>
+              <a:schemeClr val="accent3">
+                <a:tint val="45000"/>
+                <a:satMod val="400000"/>
+              </a:schemeClr>
+            </a:duotone>
+          </a:blip>
           <a:stretch>
             <a:fillRect/>
           </a:stretch>
         </p:blipFill>
         <p:spPr>
           <a:xfrm>
-            <a:off x="1414139" y="1776320"/>
-            <a:ext cx="9363722" cy="3305359"/>
+            <a:off x="2780740" y="1873917"/>
+            <a:ext cx="6630519" cy="3452357"/>
           </a:xfrm>
           <a:prstGeom prst="rect">
             <a:avLst/>
           </a:prstGeom>
+          <a:ln w="228600" cap="sq" cmpd="thickThin">
+            <a:solidFill>
+              <a:srgbClr val="000000"/>
+            </a:solidFill>
+            <a:prstDash val="solid"/>
+            <a:miter lim="800000"/>
+          </a:ln>
+          <a:effectLst>
+            <a:innerShdw blurRad="76200">
+              <a:srgbClr val="000000"/>
+            </a:innerShdw>
+          </a:effectLst>
         </p:spPr>
       </p:pic>
-      <p:sp>
-        <p:nvSpPr>
-          <p:cNvPr id="9" name="TextBox 8">
-            <a:extLst>
-              <a:ext uri="{FF2B5EF4-FFF2-40B4-BE49-F238E27FC236}">
-                <a16:creationId xmlns:a16="http://schemas.microsoft.com/office/drawing/2014/main" id="{A002766A-527E-178E-AD7B-7A7B611D96EE}"/>
-              </a:ext>
-            </a:extLst>
-          </p:cNvPr>
-          <p:cNvSpPr txBox="1"/>
-          <p:nvPr/>
-        </p:nvSpPr>
-        <p:spPr>
-          <a:xfrm>
-            <a:off x="1296185" y="5384886"/>
-            <a:ext cx="6094428" cy="369332"/>
-          </a:xfrm>
-          <a:prstGeom prst="rect">
-            <a:avLst/>
-          </a:prstGeom>
-          <a:noFill/>
-        </p:spPr>
-        <p:txBody>
-          <a:bodyPr wrap="square">
-            <a:spAutoFit/>
-          </a:bodyPr>
-          <a:lstStyle/>
-          <a:p>
-            <a:r>
-              <a:rPr lang="en-US" altLang="ko-KR" sz="1800" b="0" i="0" u="sng" strike="noStrike" dirty="0">
-                <a:solidFill>
-                  <a:srgbClr val="1155CC"/>
-                </a:solidFill>
-                <a:effectLst/>
-                <a:latin typeface="Arial" panose="020B0604020202020204" pitchFamily="34" charset="0"/>
-                <a:hlinkClick r:id="rId3"/>
-              </a:rPr>
-              <a:t>https://web.stanford.edu/class/stats202/intro.html</a:t>
-            </a:r>
-            <a:endParaRPr lang="ko-KR" altLang="en-US" dirty="0"/>
-          </a:p>
-        </p:txBody>
-      </p:sp>
     </p:spTree>
     <p:extLst>
       <p:ext uri="{BB962C8B-B14F-4D97-AF65-F5344CB8AC3E}">
@@ -11231,6 +12594,15 @@
 </file>
 
 <file path=customXml/item1.xml><?xml version="1.0" encoding="utf-8"?>
+<?mso-contentType ?>
+<FormTemplates xmlns="http://schemas.microsoft.com/sharepoint/v3/contenttype/forms">
+  <Display>DocumentLibraryForm</Display>
+  <Edit>DocumentLibraryForm</Edit>
+  <New>DocumentLibraryForm</New>
+</FormTemplates>
+</file>
+
+<file path=customXml/item2.xml><?xml version="1.0" encoding="utf-8"?>
 <ct:contentTypeSchema xmlns:ct="http://schemas.microsoft.com/office/2006/metadata/contentType" xmlns:ma="http://schemas.microsoft.com/office/2006/metadata/properties/metaAttributes" ct:_="" ma:_="" ma:contentTypeName="Document" ma:contentTypeID="0x01010079F111ED35F8CC479449609E8A0923A6" ma:contentTypeVersion="12" ma:contentTypeDescription="Create a new document." ma:contentTypeScope="" ma:versionID="93813dd7ca6ad654711aa0ab317e03a3">
   <xsd:schema xmlns:xsd="http://www.w3.org/2001/XMLSchema" xmlns:xs="http://www.w3.org/2001/XMLSchema" xmlns:p="http://schemas.microsoft.com/office/2006/metadata/properties" xmlns:ns2="71af3243-3dd4-4a8d-8c0d-dd76da1f02a5" xmlns:ns3="16c05727-aa75-4e4a-9b5f-8a80a1165891" targetNamespace="http://schemas.microsoft.com/office/2006/metadata/properties" ma:root="true" ma:fieldsID="f11dc0ce689dd3925e84e4e35398c6e7" ns2:_="" ns3:_="">
     <xsd:import namespace="71af3243-3dd4-4a8d-8c0d-dd76da1f02a5"/>
@@ -11451,15 +12823,6 @@
 </ct:contentTypeSchema>
 </file>
 
-<file path=customXml/item2.xml><?xml version="1.0" encoding="utf-8"?>
-<?mso-contentType ?>
-<FormTemplates xmlns="http://schemas.microsoft.com/sharepoint/v3/contenttype/forms">
-  <Display>DocumentLibraryForm</Display>
-  <Edit>DocumentLibraryForm</Edit>
-  <New>DocumentLibraryForm</New>
-</FormTemplates>
-</file>
-
 <file path=customXml/item3.xml><?xml version="1.0" encoding="utf-8"?>
 <p:properties xmlns:p="http://schemas.microsoft.com/office/2006/metadata/properties" xmlns:xsi="http://www.w3.org/2001/XMLSchema-instance" xmlns:pc="http://schemas.microsoft.com/office/infopath/2007/PartnerControls">
   <documentManagement>
@@ -11470,6 +12833,14 @@
 </file>
 
 <file path=customXml/itemProps1.xml><?xml version="1.0" encoding="utf-8"?>
+<ds:datastoreItem xmlns:ds="http://schemas.openxmlformats.org/officeDocument/2006/customXml" ds:itemID="{A0D51BCB-0419-432E-B7F1-25548446A625}">
+  <ds:schemaRefs>
+    <ds:schemaRef ds:uri="http://schemas.microsoft.com/sharepoint/v3/contenttype/forms"/>
+  </ds:schemaRefs>
+</ds:datastoreItem>
+</file>
+
+<file path=customXml/itemProps2.xml><?xml version="1.0" encoding="utf-8"?>
 <ds:datastoreItem xmlns:ds="http://schemas.openxmlformats.org/officeDocument/2006/customXml" ds:itemID="{9E8D3305-1D9D-4BC8-A40F-6F8AE50BD76B}">
   <ds:schemaRefs>
     <ds:schemaRef ds:uri="http://schemas.microsoft.com/office/2006/metadata/contentType"/>
@@ -11484,14 +12855,6 @@
     <ds:schemaRef ds:uri="http://purl.org/dc/elements/1.1/"/>
     <ds:schemaRef ds:uri="http://purl.org/dc/terms/"/>
     <ds:schemaRef ds:uri="http://schemas.microsoft.com/internal/obd"/>
-  </ds:schemaRefs>
-</ds:datastoreItem>
-</file>
-
-<file path=customXml/itemProps2.xml><?xml version="1.0" encoding="utf-8"?>
-<ds:datastoreItem xmlns:ds="http://schemas.openxmlformats.org/officeDocument/2006/customXml" ds:itemID="{A0D51BCB-0419-432E-B7F1-25548446A625}">
-  <ds:schemaRefs>
-    <ds:schemaRef ds:uri="http://schemas.microsoft.com/sharepoint/v3/contenttype/forms"/>
   </ds:schemaRefs>
 </ds:datastoreItem>
 </file>

--- a/빅데이터처리.pptx
+++ b/빅데이터처리.pptx
@@ -5,10 +5,10 @@
     <p:sldMasterId id="2147483744" r:id="rId4"/>
   </p:sldMasterIdLst>
   <p:notesMasterIdLst>
-    <p:notesMasterId r:id="rId20"/>
+    <p:notesMasterId r:id="rId23"/>
   </p:notesMasterIdLst>
   <p:handoutMasterIdLst>
-    <p:handoutMasterId r:id="rId21"/>
+    <p:handoutMasterId r:id="rId24"/>
   </p:handoutMasterIdLst>
   <p:sldIdLst>
     <p:sldId id="256" r:id="rId5"/>
@@ -23,9 +23,12 @@
     <p:sldId id="291" r:id="rId14"/>
     <p:sldId id="290" r:id="rId15"/>
     <p:sldId id="289" r:id="rId16"/>
-    <p:sldId id="285" r:id="rId17"/>
-    <p:sldId id="287" r:id="rId18"/>
-    <p:sldId id="288" r:id="rId19"/>
+    <p:sldId id="292" r:id="rId17"/>
+    <p:sldId id="293" r:id="rId18"/>
+    <p:sldId id="294" r:id="rId19"/>
+    <p:sldId id="285" r:id="rId20"/>
+    <p:sldId id="287" r:id="rId21"/>
+    <p:sldId id="288" r:id="rId22"/>
   </p:sldIdLst>
   <p:sldSz cx="12192000" cy="6858000"/>
   <p:notesSz cx="6858000" cy="9144000"/>
@@ -248,7 +251,7 @@
                 <a:latin typeface="+mj-ea"/>
                 <a:ea typeface="+mj-ea"/>
               </a:rPr>
-              <a:t>2024-10-09</a:t>
+              <a:t>2024-10-10</a:t>
             </a:fld>
             <a:endParaRPr lang="ko-KR" altLang="en-US">
               <a:latin typeface="+mj-ea"/>
@@ -450,7 +453,7 @@
             <a:fld id="{963A931C-479A-420A-A186-93978D9C5478}" type="datetime1">
               <a:rPr lang="ko-KR" altLang="en-US" smtClean="0"/>
               <a:pPr/>
-              <a:t>2024-10-09</a:t>
+              <a:t>2024-10-10</a:t>
             </a:fld>
             <a:endParaRPr lang="ko-KR" altLang="en-US" dirty="0">
               <a:latin typeface="+mj-ea"/>
@@ -1065,7 +1068,7 @@
           <a:p>
             <a:fld id="{C834297D-F0C2-4AB8-AF19-2C57BA75827F}" type="datetime1">
               <a:rPr lang="ko-KR" altLang="en-US" smtClean="0"/>
-              <a:t>2024-10-09</a:t>
+              <a:t>2024-10-10</a:t>
             </a:fld>
             <a:endParaRPr lang="ko-KR" altLang="en-US"/>
           </a:p>
@@ -1440,7 +1443,7 @@
           <a:p>
             <a:fld id="{18FE7F9E-2A89-49F6-9CF1-C9F51954F0C8}" type="datetime1">
               <a:rPr lang="ko-KR" altLang="en-US" smtClean="0"/>
-              <a:t>2024-10-09</a:t>
+              <a:t>2024-10-10</a:t>
             </a:fld>
             <a:endParaRPr lang="ko-KR" altLang="en-US"/>
           </a:p>
@@ -1749,7 +1752,7 @@
           <a:p>
             <a:fld id="{00E79701-2303-4181-9DB7-F07F65373552}" type="datetime1">
               <a:rPr lang="ko-KR" altLang="en-US" smtClean="0"/>
-              <a:t>2024-10-09</a:t>
+              <a:t>2024-10-10</a:t>
             </a:fld>
             <a:endParaRPr lang="ko-KR" altLang="en-US"/>
           </a:p>
@@ -2358,7 +2361,7 @@
           <a:p>
             <a:fld id="{2816ACB6-6092-4C02-ADE2-5AC6DD2C3548}" type="datetime1">
               <a:rPr lang="ko-KR" altLang="en-US" smtClean="0"/>
-              <a:t>2024-10-09</a:t>
+              <a:t>2024-10-10</a:t>
             </a:fld>
             <a:endParaRPr lang="ko-KR" altLang="en-US"/>
           </a:p>
@@ -2667,7 +2670,7 @@
           <a:p>
             <a:fld id="{AA67CF15-568F-4926-9E91-83D981F9594C}" type="datetime1">
               <a:rPr lang="ko-KR" altLang="en-US" smtClean="0"/>
-              <a:t>2024-10-09</a:t>
+              <a:t>2024-10-10</a:t>
             </a:fld>
             <a:endParaRPr lang="ko-KR" altLang="en-US"/>
           </a:p>
@@ -3269,7 +3272,7 @@
           <a:p>
             <a:fld id="{D117B776-2D10-4AF9-A6BE-7DD72A0D2CDC}" type="datetime1">
               <a:rPr lang="ko-KR" altLang="en-US" smtClean="0"/>
-              <a:t>2024-10-09</a:t>
+              <a:t>2024-10-10</a:t>
             </a:fld>
             <a:endParaRPr lang="ko-KR" altLang="en-US"/>
           </a:p>
@@ -3632,7 +3635,7 @@
           <a:p>
             <a:fld id="{2B7FF45D-B73A-4C5D-8DFE-DF3E2726B46C}" type="datetime1">
               <a:rPr lang="ko-KR" altLang="en-US" smtClean="0"/>
-              <a:t>2024-10-09</a:t>
+              <a:t>2024-10-10</a:t>
             </a:fld>
             <a:endParaRPr lang="ko-KR" altLang="en-US"/>
           </a:p>
@@ -3900,7 +3903,7 @@
           <a:p>
             <a:fld id="{3F30A46B-A127-4C29-B3BD-6713685EE907}" type="datetime1">
               <a:rPr lang="ko-KR" altLang="en-US" smtClean="0"/>
-              <a:t>2024-10-09</a:t>
+              <a:t>2024-10-10</a:t>
             </a:fld>
             <a:endParaRPr lang="ko-KR" altLang="en-US"/>
           </a:p>
@@ -4173,7 +4176,7 @@
           <a:p>
             <a:fld id="{8B547FAB-F4C0-4E15-9CB0-A0F94E1219A7}" type="datetime1">
               <a:rPr lang="ko-KR" altLang="en-US" smtClean="0"/>
-              <a:t>2024-10-09</a:t>
+              <a:t>2024-10-10</a:t>
             </a:fld>
             <a:endParaRPr lang="ko-KR" altLang="en-US"/>
           </a:p>
@@ -4436,7 +4439,7 @@
           <a:p>
             <a:fld id="{38DBADCB-5704-4578-9F6F-41ADA0C5E0D3}" type="datetime1">
               <a:rPr lang="ko-KR" altLang="en-US" smtClean="0"/>
-              <a:t>2024-10-09</a:t>
+              <a:t>2024-10-10</a:t>
             </a:fld>
             <a:endParaRPr lang="ko-KR" altLang="en-US"/>
           </a:p>
@@ -4743,7 +4746,7 @@
           <a:p>
             <a:fld id="{3082D112-6B41-42BB-A652-FA61D2EEDF2D}" type="datetime1">
               <a:rPr lang="ko-KR" altLang="en-US" smtClean="0"/>
-              <a:t>2024-10-09</a:t>
+              <a:t>2024-10-10</a:t>
             </a:fld>
             <a:endParaRPr lang="ko-KR" altLang="en-US"/>
           </a:p>
@@ -5106,7 +5109,7 @@
           <a:p>
             <a:fld id="{87830686-2D1B-4BE7-9722-FFE869D73444}" type="datetime1">
               <a:rPr lang="ko-KR" altLang="en-US" smtClean="0"/>
-              <a:t>2024-10-09</a:t>
+              <a:t>2024-10-10</a:t>
             </a:fld>
             <a:endParaRPr lang="ko-KR" altLang="en-US"/>
           </a:p>
@@ -5587,7 +5590,7 @@
           <a:p>
             <a:fld id="{F78445EB-BA9D-4870-AFD1-94D341EE5BA0}" type="datetime1">
               <a:rPr lang="ko-KR" altLang="en-US" smtClean="0"/>
-              <a:t>2024-10-09</a:t>
+              <a:t>2024-10-10</a:t>
             </a:fld>
             <a:endParaRPr lang="ko-KR" altLang="en-US"/>
           </a:p>
@@ -5764,7 +5767,7 @@
           <a:p>
             <a:fld id="{418A607B-8E33-4053-875B-92DFF3D34BF2}" type="datetime1">
               <a:rPr lang="ko-KR" altLang="en-US" smtClean="0"/>
-              <a:t>2024-10-09</a:t>
+              <a:t>2024-10-10</a:t>
             </a:fld>
             <a:endParaRPr lang="ko-KR" altLang="en-US"/>
           </a:p>
@@ -5911,7 +5914,7 @@
           <a:p>
             <a:fld id="{1483976E-C27E-4916-B608-8F0F583C7E42}" type="datetime1">
               <a:rPr lang="ko-KR" altLang="en-US" smtClean="0"/>
-              <a:t>2024-10-09</a:t>
+              <a:t>2024-10-10</a:t>
             </a:fld>
             <a:endParaRPr lang="ko-KR" altLang="en-US"/>
           </a:p>
@@ -6263,7 +6266,7 @@
           <a:p>
             <a:fld id="{4A085639-D7C4-4029-AC13-12282D4A3463}" type="datetime1">
               <a:rPr lang="ko-KR" altLang="en-US" smtClean="0"/>
-              <a:t>2024-10-09</a:t>
+              <a:t>2024-10-10</a:t>
             </a:fld>
             <a:endParaRPr lang="ko-KR" altLang="en-US"/>
           </a:p>
@@ -6628,7 +6631,7 @@
           <a:p>
             <a:fld id="{725EA296-9F33-44E9-862D-B7555EAE875A}" type="datetime1">
               <a:rPr lang="ko-KR" altLang="en-US" smtClean="0"/>
-              <a:t>2024-10-09</a:t>
+              <a:t>2024-10-10</a:t>
             </a:fld>
             <a:endParaRPr lang="ko-KR" altLang="en-US"/>
           </a:p>
@@ -6861,7 +6864,7 @@
           <a:p>
             <a:fld id="{FEE0AF7C-546E-4BD2-9A60-639A600CC4AC}" type="datetime1">
               <a:rPr lang="ko-KR" altLang="en-US" smtClean="0"/>
-              <a:t>2024-10-09</a:t>
+              <a:t>2024-10-10</a:t>
             </a:fld>
             <a:endParaRPr lang="ko-KR" altLang="en-US"/>
           </a:p>
@@ -7885,8 +7888,8 @@
           </a:p>
         </p:txBody>
       </p:sp>
-      <mc:AlternateContent xmlns:mc="http://schemas.openxmlformats.org/markup-compatibility/2006">
-        <mc:Choice xmlns:a14="http://schemas.microsoft.com/office/drawing/2010/main" Requires="a14">
+      <mc:AlternateContent xmlns:mc="http://schemas.openxmlformats.org/markup-compatibility/2006" xmlns:a14="http://schemas.microsoft.com/office/drawing/2010/main">
+        <mc:Choice Requires="a14">
           <p:sp>
             <p:nvSpPr>
               <p:cNvPr id="5" name="TextBox 4">
@@ -8052,7 +8055,7 @@
             </p:txBody>
           </p:sp>
         </mc:Choice>
-        <mc:Fallback>
+        <mc:Fallback xmlns="">
           <p:sp>
             <p:nvSpPr>
               <p:cNvPr id="5" name="TextBox 4">
@@ -8961,7 +8964,7 @@
           <a:p>
             <a:r>
               <a:rPr lang="en-US" altLang="ko-KR" sz="2800" b="1" dirty="0"/>
-              <a:t>Deep Learning</a:t>
+              <a:t>Machine Learning</a:t>
             </a:r>
             <a:endParaRPr lang="ko-KR" altLang="en-US" sz="2800" b="1" dirty="0"/>
           </a:p>
@@ -8998,6 +9001,2097 @@
               <a:rPr lang="ko-KR" altLang="en-US" sz="1200" b="1" smtClean="0"/>
               <a:pPr algn="r"/>
               <a:t>13</a:t>
+            </a:fld>
+            <a:endParaRPr lang="ko-KR" altLang="en-US" sz="1200" b="1" dirty="0"/>
+          </a:p>
+        </p:txBody>
+      </p:sp>
+      <p:sp>
+        <p:nvSpPr>
+          <p:cNvPr id="28" name="TextBox 27">
+            <a:extLst>
+              <a:ext uri="{FF2B5EF4-FFF2-40B4-BE49-F238E27FC236}">
+                <a16:creationId xmlns:a16="http://schemas.microsoft.com/office/drawing/2014/main" id="{A5E34A87-9BFA-5F23-BC33-2363281BA916}"/>
+              </a:ext>
+            </a:extLst>
+          </p:cNvPr>
+          <p:cNvSpPr txBox="1"/>
+          <p:nvPr/>
+        </p:nvSpPr>
+        <p:spPr>
+          <a:xfrm>
+            <a:off x="499620" y="1222602"/>
+            <a:ext cx="8364790" cy="400110"/>
+          </a:xfrm>
+          <a:prstGeom prst="rect">
+            <a:avLst/>
+          </a:prstGeom>
+          <a:noFill/>
+        </p:spPr>
+        <p:txBody>
+          <a:bodyPr wrap="none" rtlCol="0">
+            <a:spAutoFit/>
+          </a:bodyPr>
+          <a:lstStyle/>
+          <a:p>
+            <a:r>
+              <a:rPr lang="ko-KR" altLang="en-US" sz="2000" dirty="0">
+                <a:latin typeface="한컴 고딕" panose="02000500000000000000" pitchFamily="2" charset="-127"/>
+                <a:ea typeface="한컴 고딕" panose="02000500000000000000" pitchFamily="2" charset="-127"/>
+              </a:rPr>
+              <a:t>데이터와</a:t>
+            </a:r>
+            <a:r>
+              <a:rPr lang="en-US" altLang="ko-KR" sz="2000" dirty="0">
+                <a:latin typeface="한컴 고딕" panose="02000500000000000000" pitchFamily="2" charset="-127"/>
+                <a:ea typeface="한컴 고딕" panose="02000500000000000000" pitchFamily="2" charset="-127"/>
+              </a:rPr>
+              <a:t> </a:t>
+            </a:r>
+            <a:r>
+              <a:rPr lang="ko-KR" altLang="en-US" sz="2000" dirty="0">
+                <a:latin typeface="한컴 고딕" panose="02000500000000000000" pitchFamily="2" charset="-127"/>
+                <a:ea typeface="한컴 고딕" panose="02000500000000000000" pitchFamily="2" charset="-127"/>
+              </a:rPr>
+              <a:t>알고리즘을</a:t>
+            </a:r>
+            <a:r>
+              <a:rPr lang="en-US" altLang="ko-KR" sz="2000" dirty="0">
+                <a:latin typeface="한컴 고딕" panose="02000500000000000000" pitchFamily="2" charset="-127"/>
+                <a:ea typeface="한컴 고딕" panose="02000500000000000000" pitchFamily="2" charset="-127"/>
+              </a:rPr>
+              <a:t> </a:t>
+            </a:r>
+            <a:r>
+              <a:rPr lang="ko-KR" altLang="en-US" sz="2000" dirty="0">
+                <a:latin typeface="한컴 고딕" panose="02000500000000000000" pitchFamily="2" charset="-127"/>
+                <a:ea typeface="한컴 고딕" panose="02000500000000000000" pitchFamily="2" charset="-127"/>
+              </a:rPr>
+              <a:t>선택하여</a:t>
+            </a:r>
+            <a:r>
+              <a:rPr lang="en-US" altLang="ko-KR" sz="2000" dirty="0">
+                <a:latin typeface="한컴 고딕" panose="02000500000000000000" pitchFamily="2" charset="-127"/>
+                <a:ea typeface="한컴 고딕" panose="02000500000000000000" pitchFamily="2" charset="-127"/>
+              </a:rPr>
+              <a:t> </a:t>
+            </a:r>
+            <a:r>
+              <a:rPr lang="ko-KR" altLang="en-US" sz="2000" dirty="0">
+                <a:latin typeface="한컴 고딕" panose="02000500000000000000" pitchFamily="2" charset="-127"/>
+                <a:ea typeface="한컴 고딕" panose="02000500000000000000" pitchFamily="2" charset="-127"/>
+              </a:rPr>
+              <a:t>컴퓨터에게</a:t>
+            </a:r>
+            <a:r>
+              <a:rPr lang="en-US" altLang="ko-KR" sz="2000" dirty="0">
+                <a:latin typeface="한컴 고딕" panose="02000500000000000000" pitchFamily="2" charset="-127"/>
+                <a:ea typeface="한컴 고딕" panose="02000500000000000000" pitchFamily="2" charset="-127"/>
+              </a:rPr>
+              <a:t> </a:t>
+            </a:r>
+            <a:r>
+              <a:rPr lang="ko-KR" altLang="en-US" sz="2000" dirty="0">
+                <a:latin typeface="한컴 고딕" panose="02000500000000000000" pitchFamily="2" charset="-127"/>
+                <a:ea typeface="한컴 고딕" panose="02000500000000000000" pitchFamily="2" charset="-127"/>
+              </a:rPr>
+              <a:t>학습시켜 목적</a:t>
+            </a:r>
+            <a:r>
+              <a:rPr lang="en-US" altLang="ko-KR" sz="2000" dirty="0">
+                <a:latin typeface="한컴 고딕" panose="02000500000000000000" pitchFamily="2" charset="-127"/>
+                <a:ea typeface="한컴 고딕" panose="02000500000000000000" pitchFamily="2" charset="-127"/>
+              </a:rPr>
+              <a:t>(</a:t>
+            </a:r>
+            <a:r>
+              <a:rPr lang="ko-KR" altLang="en-US" sz="2000" dirty="0">
+                <a:latin typeface="한컴 고딕" panose="02000500000000000000" pitchFamily="2" charset="-127"/>
+                <a:ea typeface="한컴 고딕" panose="02000500000000000000" pitchFamily="2" charset="-127"/>
+              </a:rPr>
+              <a:t>예측</a:t>
+            </a:r>
+            <a:r>
+              <a:rPr lang="en-US" altLang="ko-KR" sz="2000" dirty="0">
+                <a:latin typeface="한컴 고딕" panose="02000500000000000000" pitchFamily="2" charset="-127"/>
+                <a:ea typeface="한컴 고딕" panose="02000500000000000000" pitchFamily="2" charset="-127"/>
+              </a:rPr>
+              <a:t>, </a:t>
+            </a:r>
+            <a:r>
+              <a:rPr lang="ko-KR" altLang="en-US" sz="2000" dirty="0">
+                <a:latin typeface="한컴 고딕" panose="02000500000000000000" pitchFamily="2" charset="-127"/>
+                <a:ea typeface="한컴 고딕" panose="02000500000000000000" pitchFamily="2" charset="-127"/>
+              </a:rPr>
+              <a:t>변환</a:t>
+            </a:r>
+            <a:r>
+              <a:rPr lang="en-US" altLang="ko-KR" sz="2000" dirty="0">
+                <a:latin typeface="한컴 고딕" panose="02000500000000000000" pitchFamily="2" charset="-127"/>
+                <a:ea typeface="한컴 고딕" panose="02000500000000000000" pitchFamily="2" charset="-127"/>
+              </a:rPr>
+              <a:t>)</a:t>
+            </a:r>
+            <a:r>
+              <a:rPr lang="ko-KR" altLang="en-US" sz="2000" dirty="0">
+                <a:latin typeface="한컴 고딕" panose="02000500000000000000" pitchFamily="2" charset="-127"/>
+                <a:ea typeface="한컴 고딕" panose="02000500000000000000" pitchFamily="2" charset="-127"/>
+              </a:rPr>
+              <a:t>을 달성</a:t>
+            </a:r>
+          </a:p>
+        </p:txBody>
+      </p:sp>
+      <p:pic>
+        <p:nvPicPr>
+          <p:cNvPr id="5" name="그림 4">
+            <a:extLst>
+              <a:ext uri="{FF2B5EF4-FFF2-40B4-BE49-F238E27FC236}">
+                <a16:creationId xmlns:a16="http://schemas.microsoft.com/office/drawing/2014/main" id="{56E374BD-2596-B09A-47D5-0BC47BEF71FE}"/>
+              </a:ext>
+            </a:extLst>
+          </p:cNvPr>
+          <p:cNvPicPr>
+            <a:picLocks noChangeAspect="1"/>
+          </p:cNvPicPr>
+          <p:nvPr/>
+        </p:nvPicPr>
+        <p:blipFill>
+          <a:blip r:embed="rId2"/>
+          <a:stretch>
+            <a:fillRect/>
+          </a:stretch>
+        </p:blipFill>
+        <p:spPr>
+          <a:xfrm>
+            <a:off x="2504170" y="1968692"/>
+            <a:ext cx="7006651" cy="3796432"/>
+          </a:xfrm>
+          <a:prstGeom prst="rect">
+            <a:avLst/>
+          </a:prstGeom>
+        </p:spPr>
+      </p:pic>
+    </p:spTree>
+    <p:extLst>
+      <p:ext uri="{BB962C8B-B14F-4D97-AF65-F5344CB8AC3E}">
+        <p14:creationId xmlns:p14="http://schemas.microsoft.com/office/powerpoint/2010/main" val="1357964178"/>
+      </p:ext>
+    </p:extLst>
+  </p:cSld>
+  <p:clrMapOvr>
+    <a:masterClrMapping/>
+  </p:clrMapOvr>
+</p:sld>
+</file>
+
+<file path=ppt/slides/slide14.xml><?xml version="1.0" encoding="utf-8"?>
+<p:sld xmlns:a="http://schemas.openxmlformats.org/drawingml/2006/main" xmlns:r="http://schemas.openxmlformats.org/officeDocument/2006/relationships" xmlns:p="http://schemas.openxmlformats.org/presentationml/2006/main">
+  <p:cSld>
+    <p:spTree>
+      <p:nvGrpSpPr>
+        <p:cNvPr id="1" name=""/>
+        <p:cNvGrpSpPr/>
+        <p:nvPr/>
+      </p:nvGrpSpPr>
+      <p:grpSpPr>
+        <a:xfrm>
+          <a:off x="0" y="0"/>
+          <a:ext cx="0" cy="0"/>
+          <a:chOff x="0" y="0"/>
+          <a:chExt cx="0" cy="0"/>
+        </a:xfrm>
+      </p:grpSpPr>
+      <p:sp>
+        <p:nvSpPr>
+          <p:cNvPr id="2" name="제목 1">
+            <a:extLst>
+              <a:ext uri="{FF2B5EF4-FFF2-40B4-BE49-F238E27FC236}">
+                <a16:creationId xmlns:a16="http://schemas.microsoft.com/office/drawing/2014/main" id="{31A8128C-D73F-1FBA-6E47-3A0ECCF53BDA}"/>
+              </a:ext>
+            </a:extLst>
+          </p:cNvPr>
+          <p:cNvSpPr>
+            <a:spLocks noGrp="1"/>
+          </p:cNvSpPr>
+          <p:nvPr>
+            <p:ph type="title"/>
+          </p:nvPr>
+        </p:nvSpPr>
+        <p:spPr>
+          <a:xfrm>
+            <a:off x="223266" y="217270"/>
+            <a:ext cx="10131425" cy="659352"/>
+          </a:xfrm>
+        </p:spPr>
+        <p:txBody>
+          <a:bodyPr>
+            <a:normAutofit/>
+          </a:bodyPr>
+          <a:lstStyle/>
+          <a:p>
+            <a:r>
+              <a:rPr lang="en-US" altLang="ko-KR" sz="2800" b="1" dirty="0"/>
+              <a:t>Machine Learning</a:t>
+            </a:r>
+            <a:endParaRPr lang="ko-KR" altLang="en-US" sz="2800" b="1" dirty="0"/>
+          </a:p>
+        </p:txBody>
+      </p:sp>
+      <p:sp>
+        <p:nvSpPr>
+          <p:cNvPr id="10" name="바닥글 개체 틀 3">
+            <a:extLst>
+              <a:ext uri="{FF2B5EF4-FFF2-40B4-BE49-F238E27FC236}">
+                <a16:creationId xmlns:a16="http://schemas.microsoft.com/office/drawing/2014/main" id="{F6006E43-C489-7FA1-AF2E-6F49929124A9}"/>
+              </a:ext>
+            </a:extLst>
+          </p:cNvPr>
+          <p:cNvSpPr>
+            <a:spLocks noGrp="1"/>
+          </p:cNvSpPr>
+          <p:nvPr>
+            <p:ph type="ftr" sz="quarter" idx="11"/>
+          </p:nvPr>
+        </p:nvSpPr>
+        <p:spPr>
+          <a:xfrm>
+            <a:off x="4343399" y="6426758"/>
+            <a:ext cx="7827659" cy="377825"/>
+          </a:xfrm>
+        </p:spPr>
+        <p:txBody>
+          <a:bodyPr/>
+          <a:lstStyle/>
+          <a:p>
+            <a:pPr algn="r"/>
+            <a:fld id="{77860235-9F74-41DF-BC51-71A4257E4966}" type="slidenum">
+              <a:rPr lang="ko-KR" altLang="en-US" sz="1200" b="1" smtClean="0"/>
+              <a:pPr algn="r"/>
+              <a:t>14</a:t>
+            </a:fld>
+            <a:endParaRPr lang="ko-KR" altLang="en-US" sz="1200" b="1" dirty="0"/>
+          </a:p>
+        </p:txBody>
+      </p:sp>
+      <p:sp>
+        <p:nvSpPr>
+          <p:cNvPr id="7" name="TextBox 6">
+            <a:extLst>
+              <a:ext uri="{FF2B5EF4-FFF2-40B4-BE49-F238E27FC236}">
+                <a16:creationId xmlns:a16="http://schemas.microsoft.com/office/drawing/2014/main" id="{F48BA815-1326-DCEA-7705-0ABBEAA09DE9}"/>
+              </a:ext>
+            </a:extLst>
+          </p:cNvPr>
+          <p:cNvSpPr txBox="1"/>
+          <p:nvPr/>
+        </p:nvSpPr>
+        <p:spPr>
+          <a:xfrm>
+            <a:off x="1626271" y="2149241"/>
+            <a:ext cx="8271873" cy="3970318"/>
+          </a:xfrm>
+          <a:prstGeom prst="rect">
+            <a:avLst/>
+          </a:prstGeom>
+          <a:solidFill>
+            <a:srgbClr val="009EDE"/>
+          </a:solidFill>
+        </p:spPr>
+        <p:txBody>
+          <a:bodyPr wrap="square">
+            <a:spAutoFit/>
+          </a:bodyPr>
+          <a:lstStyle/>
+          <a:p>
+            <a:r>
+              <a:rPr lang="ko-KR" altLang="en-US" dirty="0">
+                <a:latin typeface="Segoe UI Variable Small Semilig" pitchFamily="2" charset="0"/>
+                <a:ea typeface="HY신명조" panose="02030600000101010101" pitchFamily="18" charset="-127"/>
+              </a:rPr>
+              <a:t># </a:t>
+            </a:r>
+            <a:r>
+              <a:rPr lang="ko-KR" altLang="en-US" dirty="0" err="1">
+                <a:latin typeface="Segoe UI Variable Small Semilig" pitchFamily="2" charset="0"/>
+                <a:ea typeface="HY신명조" panose="02030600000101010101" pitchFamily="18" charset="-127"/>
+              </a:rPr>
+              <a:t>Load</a:t>
+            </a:r>
+            <a:r>
+              <a:rPr lang="ko-KR" altLang="en-US" dirty="0">
+                <a:latin typeface="Segoe UI Variable Small Semilig" pitchFamily="2" charset="0"/>
+                <a:ea typeface="HY신명조" panose="02030600000101010101" pitchFamily="18" charset="-127"/>
+              </a:rPr>
+              <a:t> </a:t>
+            </a:r>
+            <a:r>
+              <a:rPr lang="ko-KR" altLang="en-US" dirty="0" err="1">
+                <a:latin typeface="Segoe UI Variable Small Semilig" pitchFamily="2" charset="0"/>
+                <a:ea typeface="HY신명조" panose="02030600000101010101" pitchFamily="18" charset="-127"/>
+              </a:rPr>
+              <a:t>the</a:t>
+            </a:r>
+            <a:r>
+              <a:rPr lang="ko-KR" altLang="en-US" dirty="0">
+                <a:latin typeface="Segoe UI Variable Small Semilig" pitchFamily="2" charset="0"/>
+                <a:ea typeface="HY신명조" panose="02030600000101010101" pitchFamily="18" charset="-127"/>
+              </a:rPr>
+              <a:t> </a:t>
+            </a:r>
+            <a:r>
+              <a:rPr lang="ko-KR" altLang="en-US" dirty="0" err="1">
+                <a:latin typeface="Segoe UI Variable Small Semilig" pitchFamily="2" charset="0"/>
+                <a:ea typeface="HY신명조" panose="02030600000101010101" pitchFamily="18" charset="-127"/>
+              </a:rPr>
+              <a:t>iris</a:t>
+            </a:r>
+            <a:r>
+              <a:rPr lang="ko-KR" altLang="en-US" dirty="0">
+                <a:latin typeface="Segoe UI Variable Small Semilig" pitchFamily="2" charset="0"/>
+                <a:ea typeface="HY신명조" panose="02030600000101010101" pitchFamily="18" charset="-127"/>
+              </a:rPr>
+              <a:t> </a:t>
+            </a:r>
+            <a:r>
+              <a:rPr lang="ko-KR" altLang="en-US" dirty="0" err="1">
+                <a:latin typeface="Segoe UI Variable Small Semilig" pitchFamily="2" charset="0"/>
+                <a:ea typeface="HY신명조" panose="02030600000101010101" pitchFamily="18" charset="-127"/>
+              </a:rPr>
+              <a:t>dataset</a:t>
+            </a:r>
+            <a:r>
+              <a:rPr lang="ko-KR" altLang="en-US" dirty="0">
+                <a:latin typeface="Segoe UI Variable Small Semilig" pitchFamily="2" charset="0"/>
+                <a:ea typeface="HY신명조" panose="02030600000101010101" pitchFamily="18" charset="-127"/>
+              </a:rPr>
+              <a:t> </a:t>
+            </a:r>
+            <a:r>
+              <a:rPr lang="en-US" altLang="ko-KR" dirty="0">
+                <a:latin typeface="Segoe UI Variable Small Semilig" pitchFamily="2" charset="0"/>
+                <a:ea typeface="HY신명조" panose="02030600000101010101" pitchFamily="18" charset="-127"/>
+              </a:rPr>
+              <a:t>&amp; </a:t>
+            </a:r>
+            <a:r>
+              <a:rPr lang="ko-KR" altLang="en-US" dirty="0" err="1">
+                <a:latin typeface="Segoe UI Variable Small Semilig" pitchFamily="2" charset="0"/>
+                <a:ea typeface="HY신명조" panose="02030600000101010101" pitchFamily="18" charset="-127"/>
+              </a:rPr>
+              <a:t>use</a:t>
+            </a:r>
+            <a:r>
+              <a:rPr lang="ko-KR" altLang="en-US" dirty="0">
+                <a:latin typeface="Segoe UI Variable Small Semilig" pitchFamily="2" charset="0"/>
+                <a:ea typeface="HY신명조" panose="02030600000101010101" pitchFamily="18" charset="-127"/>
+              </a:rPr>
+              <a:t> </a:t>
+            </a:r>
+            <a:r>
+              <a:rPr lang="ko-KR" altLang="en-US" dirty="0" err="1">
+                <a:latin typeface="Segoe UI Variable Small Semilig" pitchFamily="2" charset="0"/>
+                <a:ea typeface="HY신명조" panose="02030600000101010101" pitchFamily="18" charset="-127"/>
+              </a:rPr>
+              <a:t>the</a:t>
+            </a:r>
+            <a:r>
+              <a:rPr lang="ko-KR" altLang="en-US" dirty="0">
+                <a:latin typeface="Segoe UI Variable Small Semilig" pitchFamily="2" charset="0"/>
+                <a:ea typeface="HY신명조" panose="02030600000101010101" pitchFamily="18" charset="-127"/>
+              </a:rPr>
+              <a:t> '</a:t>
+            </a:r>
+            <a:r>
+              <a:rPr lang="ko-KR" altLang="en-US" dirty="0" err="1">
+                <a:latin typeface="Segoe UI Variable Small Semilig" pitchFamily="2" charset="0"/>
+                <a:ea typeface="HY신명조" panose="02030600000101010101" pitchFamily="18" charset="-127"/>
+              </a:rPr>
+              <a:t>target</a:t>
+            </a:r>
+            <a:r>
+              <a:rPr lang="ko-KR" altLang="en-US" dirty="0">
+                <a:latin typeface="Segoe UI Variable Small Semilig" pitchFamily="2" charset="0"/>
+                <a:ea typeface="HY신명조" panose="02030600000101010101" pitchFamily="18" charset="-127"/>
+              </a:rPr>
+              <a:t>' </a:t>
+            </a:r>
+            <a:r>
+              <a:rPr lang="ko-KR" altLang="en-US" dirty="0" err="1">
+                <a:latin typeface="Segoe UI Variable Small Semilig" pitchFamily="2" charset="0"/>
+                <a:ea typeface="HY신명조" panose="02030600000101010101" pitchFamily="18" charset="-127"/>
+              </a:rPr>
+              <a:t>as</a:t>
+            </a:r>
+            <a:r>
+              <a:rPr lang="ko-KR" altLang="en-US" dirty="0">
+                <a:latin typeface="Segoe UI Variable Small Semilig" pitchFamily="2" charset="0"/>
+                <a:ea typeface="HY신명조" panose="02030600000101010101" pitchFamily="18" charset="-127"/>
+              </a:rPr>
+              <a:t> </a:t>
+            </a:r>
+            <a:r>
+              <a:rPr lang="ko-KR" altLang="en-US" dirty="0" err="1">
+                <a:latin typeface="Segoe UI Variable Small Semilig" pitchFamily="2" charset="0"/>
+                <a:ea typeface="HY신명조" panose="02030600000101010101" pitchFamily="18" charset="-127"/>
+              </a:rPr>
+              <a:t>labels</a:t>
+            </a:r>
+            <a:r>
+              <a:rPr lang="ko-KR" altLang="en-US" dirty="0">
+                <a:latin typeface="Segoe UI Variable Small Semilig" pitchFamily="2" charset="0"/>
+                <a:ea typeface="HY신명조" panose="02030600000101010101" pitchFamily="18" charset="-127"/>
+              </a:rPr>
+              <a:t> and </a:t>
+            </a:r>
+            <a:r>
+              <a:rPr lang="ko-KR" altLang="en-US" dirty="0" err="1">
+                <a:latin typeface="Segoe UI Variable Small Semilig" pitchFamily="2" charset="0"/>
+                <a:ea typeface="HY신명조" panose="02030600000101010101" pitchFamily="18" charset="-127"/>
+              </a:rPr>
+              <a:t>the</a:t>
+            </a:r>
+            <a:r>
+              <a:rPr lang="ko-KR" altLang="en-US" dirty="0">
+                <a:latin typeface="Segoe UI Variable Small Semilig" pitchFamily="2" charset="0"/>
+                <a:ea typeface="HY신명조" panose="02030600000101010101" pitchFamily="18" charset="-127"/>
+              </a:rPr>
+              <a:t> '</a:t>
+            </a:r>
+            <a:r>
+              <a:rPr lang="ko-KR" altLang="en-US" dirty="0" err="1">
+                <a:latin typeface="Segoe UI Variable Small Semilig" pitchFamily="2" charset="0"/>
+                <a:ea typeface="HY신명조" panose="02030600000101010101" pitchFamily="18" charset="-127"/>
+              </a:rPr>
+              <a:t>data</a:t>
+            </a:r>
+            <a:r>
+              <a:rPr lang="ko-KR" altLang="en-US" dirty="0">
+                <a:latin typeface="Segoe UI Variable Small Semilig" pitchFamily="2" charset="0"/>
+                <a:ea typeface="HY신명조" panose="02030600000101010101" pitchFamily="18" charset="-127"/>
+              </a:rPr>
+              <a:t>' </a:t>
+            </a:r>
+            <a:r>
+              <a:rPr lang="ko-KR" altLang="en-US" dirty="0" err="1">
+                <a:latin typeface="Segoe UI Variable Small Semilig" pitchFamily="2" charset="0"/>
+                <a:ea typeface="HY신명조" panose="02030600000101010101" pitchFamily="18" charset="-127"/>
+              </a:rPr>
+              <a:t>as</a:t>
+            </a:r>
+            <a:r>
+              <a:rPr lang="ko-KR" altLang="en-US" dirty="0">
+                <a:latin typeface="Segoe UI Variable Small Semilig" pitchFamily="2" charset="0"/>
+                <a:ea typeface="HY신명조" panose="02030600000101010101" pitchFamily="18" charset="-127"/>
+              </a:rPr>
+              <a:t> </a:t>
+            </a:r>
+            <a:r>
+              <a:rPr lang="ko-KR" altLang="en-US" dirty="0" err="1">
+                <a:latin typeface="Segoe UI Variable Small Semilig" pitchFamily="2" charset="0"/>
+                <a:ea typeface="HY신명조" panose="02030600000101010101" pitchFamily="18" charset="-127"/>
+              </a:rPr>
+              <a:t>features</a:t>
+            </a:r>
+            <a:endParaRPr lang="ko-KR" altLang="en-US" dirty="0">
+              <a:latin typeface="Segoe UI Variable Small Semilig" pitchFamily="2" charset="0"/>
+              <a:ea typeface="HY신명조" panose="02030600000101010101" pitchFamily="18" charset="-127"/>
+            </a:endParaRPr>
+          </a:p>
+          <a:p>
+            <a:r>
+              <a:rPr lang="ko-KR" altLang="en-US" dirty="0" err="1">
+                <a:latin typeface="Segoe UI Variable Small Semilig" pitchFamily="2" charset="0"/>
+                <a:ea typeface="HY신명조" panose="02030600000101010101" pitchFamily="18" charset="-127"/>
+              </a:rPr>
+              <a:t>iris</a:t>
+            </a:r>
+            <a:r>
+              <a:rPr lang="ko-KR" altLang="en-US" dirty="0">
+                <a:latin typeface="Segoe UI Variable Small Semilig" pitchFamily="2" charset="0"/>
+                <a:ea typeface="HY신명조" panose="02030600000101010101" pitchFamily="18" charset="-127"/>
+              </a:rPr>
+              <a:t> = </a:t>
+            </a:r>
+            <a:r>
+              <a:rPr lang="ko-KR" altLang="en-US" dirty="0" err="1">
+                <a:latin typeface="Segoe UI Variable Small Semilig" pitchFamily="2" charset="0"/>
+                <a:ea typeface="HY신명조" panose="02030600000101010101" pitchFamily="18" charset="-127"/>
+              </a:rPr>
+              <a:t>load_iris</a:t>
+            </a:r>
+            <a:r>
+              <a:rPr lang="ko-KR" altLang="en-US" dirty="0">
+                <a:latin typeface="Segoe UI Variable Small Semilig" pitchFamily="2" charset="0"/>
+                <a:ea typeface="HY신명조" panose="02030600000101010101" pitchFamily="18" charset="-127"/>
+              </a:rPr>
+              <a:t>()</a:t>
+            </a:r>
+          </a:p>
+          <a:p>
+            <a:r>
+              <a:rPr lang="ko-KR" altLang="en-US" b="1" dirty="0" err="1">
+                <a:solidFill>
+                  <a:schemeClr val="bg1"/>
+                </a:solidFill>
+                <a:latin typeface="Segoe UI Variable Small Semilig" pitchFamily="2" charset="0"/>
+                <a:ea typeface="HY신명조" panose="02030600000101010101" pitchFamily="18" charset="-127"/>
+              </a:rPr>
+              <a:t>X</a:t>
+            </a:r>
+            <a:r>
+              <a:rPr lang="ko-KR" altLang="en-US" b="1" dirty="0">
+                <a:solidFill>
+                  <a:schemeClr val="bg1"/>
+                </a:solidFill>
+                <a:latin typeface="Segoe UI Variable Small Semilig" pitchFamily="2" charset="0"/>
+                <a:ea typeface="HY신명조" panose="02030600000101010101" pitchFamily="18" charset="-127"/>
+              </a:rPr>
+              <a:t> = </a:t>
+            </a:r>
+            <a:r>
+              <a:rPr lang="ko-KR" altLang="en-US" b="1" dirty="0" err="1">
+                <a:solidFill>
+                  <a:schemeClr val="bg1"/>
+                </a:solidFill>
+                <a:latin typeface="Segoe UI Variable Small Semilig" pitchFamily="2" charset="0"/>
+                <a:ea typeface="HY신명조" panose="02030600000101010101" pitchFamily="18" charset="-127"/>
+              </a:rPr>
+              <a:t>iris.data</a:t>
+            </a:r>
+            <a:r>
+              <a:rPr lang="en-US" altLang="ko-KR" b="1" dirty="0">
+                <a:solidFill>
+                  <a:schemeClr val="bg1"/>
+                </a:solidFill>
+                <a:latin typeface="Segoe UI Variable Small Semilig" pitchFamily="2" charset="0"/>
+                <a:ea typeface="HY신명조" panose="02030600000101010101" pitchFamily="18" charset="-127"/>
+              </a:rPr>
+              <a:t>; </a:t>
+            </a:r>
+            <a:r>
+              <a:rPr lang="ko-KR" altLang="en-US" b="1" dirty="0" err="1">
+                <a:solidFill>
+                  <a:schemeClr val="bg1"/>
+                </a:solidFill>
+                <a:latin typeface="Segoe UI Variable Small Semilig" pitchFamily="2" charset="0"/>
+                <a:ea typeface="HY신명조" panose="02030600000101010101" pitchFamily="18" charset="-127"/>
+              </a:rPr>
+              <a:t>y</a:t>
+            </a:r>
+            <a:r>
+              <a:rPr lang="ko-KR" altLang="en-US" b="1" dirty="0">
+                <a:solidFill>
+                  <a:schemeClr val="bg1"/>
+                </a:solidFill>
+                <a:latin typeface="Segoe UI Variable Small Semilig" pitchFamily="2" charset="0"/>
+                <a:ea typeface="HY신명조" panose="02030600000101010101" pitchFamily="18" charset="-127"/>
+              </a:rPr>
+              <a:t> = </a:t>
+            </a:r>
+            <a:r>
+              <a:rPr lang="ko-KR" altLang="en-US" b="1" dirty="0" err="1">
+                <a:solidFill>
+                  <a:schemeClr val="bg1"/>
+                </a:solidFill>
+                <a:latin typeface="Segoe UI Variable Small Semilig" pitchFamily="2" charset="0"/>
+                <a:ea typeface="HY신명조" panose="02030600000101010101" pitchFamily="18" charset="-127"/>
+              </a:rPr>
+              <a:t>iris.target</a:t>
+            </a:r>
+            <a:endParaRPr lang="ko-KR" altLang="en-US" b="1" dirty="0">
+              <a:solidFill>
+                <a:schemeClr val="bg1"/>
+              </a:solidFill>
+              <a:latin typeface="Segoe UI Variable Small Semilig" pitchFamily="2" charset="0"/>
+              <a:ea typeface="HY신명조" panose="02030600000101010101" pitchFamily="18" charset="-127"/>
+            </a:endParaRPr>
+          </a:p>
+          <a:p>
+            <a:endParaRPr lang="ko-KR" altLang="en-US" dirty="0">
+              <a:latin typeface="Segoe UI Variable Small Semilig" pitchFamily="2" charset="0"/>
+              <a:ea typeface="HY신명조" panose="02030600000101010101" pitchFamily="18" charset="-127"/>
+            </a:endParaRPr>
+          </a:p>
+          <a:p>
+            <a:r>
+              <a:rPr lang="ko-KR" altLang="en-US" dirty="0">
+                <a:latin typeface="Segoe UI Variable Small Semilig" pitchFamily="2" charset="0"/>
+                <a:ea typeface="HY신명조" panose="02030600000101010101" pitchFamily="18" charset="-127"/>
+              </a:rPr>
+              <a:t># </a:t>
+            </a:r>
+            <a:r>
+              <a:rPr lang="ko-KR" altLang="en-US" dirty="0" err="1">
+                <a:latin typeface="Segoe UI Variable Small Semilig" pitchFamily="2" charset="0"/>
+                <a:ea typeface="HY신명조" panose="02030600000101010101" pitchFamily="18" charset="-127"/>
+              </a:rPr>
+              <a:t>Split</a:t>
+            </a:r>
+            <a:r>
+              <a:rPr lang="ko-KR" altLang="en-US" dirty="0">
+                <a:latin typeface="Segoe UI Variable Small Semilig" pitchFamily="2" charset="0"/>
+                <a:ea typeface="HY신명조" panose="02030600000101010101" pitchFamily="18" charset="-127"/>
+              </a:rPr>
+              <a:t> </a:t>
+            </a:r>
+            <a:r>
+              <a:rPr lang="ko-KR" altLang="en-US" dirty="0" err="1">
+                <a:latin typeface="Segoe UI Variable Small Semilig" pitchFamily="2" charset="0"/>
+                <a:ea typeface="HY신명조" panose="02030600000101010101" pitchFamily="18" charset="-127"/>
+              </a:rPr>
+              <a:t>the</a:t>
+            </a:r>
+            <a:r>
+              <a:rPr lang="ko-KR" altLang="en-US" dirty="0">
+                <a:latin typeface="Segoe UI Variable Small Semilig" pitchFamily="2" charset="0"/>
+                <a:ea typeface="HY신명조" panose="02030600000101010101" pitchFamily="18" charset="-127"/>
+              </a:rPr>
+              <a:t> </a:t>
+            </a:r>
+            <a:r>
+              <a:rPr lang="ko-KR" altLang="en-US" dirty="0" err="1">
+                <a:latin typeface="Segoe UI Variable Small Semilig" pitchFamily="2" charset="0"/>
+                <a:ea typeface="HY신명조" panose="02030600000101010101" pitchFamily="18" charset="-127"/>
+              </a:rPr>
+              <a:t>dataset</a:t>
+            </a:r>
+            <a:r>
+              <a:rPr lang="ko-KR" altLang="en-US" dirty="0">
+                <a:latin typeface="Segoe UI Variable Small Semilig" pitchFamily="2" charset="0"/>
+                <a:ea typeface="HY신명조" panose="02030600000101010101" pitchFamily="18" charset="-127"/>
+              </a:rPr>
+              <a:t> </a:t>
+            </a:r>
+            <a:r>
+              <a:rPr lang="ko-KR" altLang="en-US" dirty="0" err="1">
+                <a:latin typeface="Segoe UI Variable Small Semilig" pitchFamily="2" charset="0"/>
+                <a:ea typeface="HY신명조" panose="02030600000101010101" pitchFamily="18" charset="-127"/>
+              </a:rPr>
+              <a:t>into</a:t>
+            </a:r>
+            <a:r>
+              <a:rPr lang="ko-KR" altLang="en-US" dirty="0">
+                <a:latin typeface="Segoe UI Variable Small Semilig" pitchFamily="2" charset="0"/>
+                <a:ea typeface="HY신명조" panose="02030600000101010101" pitchFamily="18" charset="-127"/>
+              </a:rPr>
+              <a:t> </a:t>
+            </a:r>
+            <a:r>
+              <a:rPr lang="ko-KR" altLang="en-US" dirty="0" err="1">
+                <a:latin typeface="Segoe UI Variable Small Semilig" pitchFamily="2" charset="0"/>
+                <a:ea typeface="HY신명조" panose="02030600000101010101" pitchFamily="18" charset="-127"/>
+              </a:rPr>
+              <a:t>training</a:t>
+            </a:r>
+            <a:r>
+              <a:rPr lang="ko-KR" altLang="en-US" dirty="0">
+                <a:latin typeface="Segoe UI Variable Small Semilig" pitchFamily="2" charset="0"/>
+                <a:ea typeface="HY신명조" panose="02030600000101010101" pitchFamily="18" charset="-127"/>
+              </a:rPr>
+              <a:t> and </a:t>
+            </a:r>
+            <a:r>
+              <a:rPr lang="ko-KR" altLang="en-US" dirty="0" err="1">
+                <a:latin typeface="Segoe UI Variable Small Semilig" pitchFamily="2" charset="0"/>
+                <a:ea typeface="HY신명조" panose="02030600000101010101" pitchFamily="18" charset="-127"/>
+              </a:rPr>
+              <a:t>testing</a:t>
+            </a:r>
+            <a:r>
+              <a:rPr lang="ko-KR" altLang="en-US" dirty="0">
+                <a:latin typeface="Segoe UI Variable Small Semilig" pitchFamily="2" charset="0"/>
+                <a:ea typeface="HY신명조" panose="02030600000101010101" pitchFamily="18" charset="-127"/>
+              </a:rPr>
+              <a:t> </a:t>
+            </a:r>
+            <a:r>
+              <a:rPr lang="ko-KR" altLang="en-US" dirty="0" err="1">
+                <a:latin typeface="Segoe UI Variable Small Semilig" pitchFamily="2" charset="0"/>
+                <a:ea typeface="HY신명조" panose="02030600000101010101" pitchFamily="18" charset="-127"/>
+              </a:rPr>
+              <a:t>sets</a:t>
+            </a:r>
+            <a:endParaRPr lang="ko-KR" altLang="en-US" dirty="0">
+              <a:latin typeface="Segoe UI Variable Small Semilig" pitchFamily="2" charset="0"/>
+              <a:ea typeface="HY신명조" panose="02030600000101010101" pitchFamily="18" charset="-127"/>
+            </a:endParaRPr>
+          </a:p>
+          <a:p>
+            <a:r>
+              <a:rPr lang="ko-KR" altLang="en-US" dirty="0" err="1">
+                <a:latin typeface="Segoe UI Variable Small Semilig" pitchFamily="2" charset="0"/>
+                <a:ea typeface="HY신명조" panose="02030600000101010101" pitchFamily="18" charset="-127"/>
+              </a:rPr>
+              <a:t>X_train</a:t>
+            </a:r>
+            <a:r>
+              <a:rPr lang="ko-KR" altLang="en-US" dirty="0">
+                <a:latin typeface="Segoe UI Variable Small Semilig" pitchFamily="2" charset="0"/>
+                <a:ea typeface="HY신명조" panose="02030600000101010101" pitchFamily="18" charset="-127"/>
+              </a:rPr>
+              <a:t>, </a:t>
+            </a:r>
+            <a:r>
+              <a:rPr lang="ko-KR" altLang="en-US" dirty="0" err="1">
+                <a:latin typeface="Segoe UI Variable Small Semilig" pitchFamily="2" charset="0"/>
+                <a:ea typeface="HY신명조" panose="02030600000101010101" pitchFamily="18" charset="-127"/>
+              </a:rPr>
+              <a:t>X_test</a:t>
+            </a:r>
+            <a:r>
+              <a:rPr lang="ko-KR" altLang="en-US" dirty="0">
+                <a:latin typeface="Segoe UI Variable Small Semilig" pitchFamily="2" charset="0"/>
+                <a:ea typeface="HY신명조" panose="02030600000101010101" pitchFamily="18" charset="-127"/>
+              </a:rPr>
+              <a:t>, </a:t>
+            </a:r>
+            <a:r>
+              <a:rPr lang="ko-KR" altLang="en-US" dirty="0" err="1">
+                <a:latin typeface="Segoe UI Variable Small Semilig" pitchFamily="2" charset="0"/>
+                <a:ea typeface="HY신명조" panose="02030600000101010101" pitchFamily="18" charset="-127"/>
+              </a:rPr>
+              <a:t>y_train</a:t>
+            </a:r>
+            <a:r>
+              <a:rPr lang="ko-KR" altLang="en-US" dirty="0">
+                <a:latin typeface="Segoe UI Variable Small Semilig" pitchFamily="2" charset="0"/>
+                <a:ea typeface="HY신명조" panose="02030600000101010101" pitchFamily="18" charset="-127"/>
+              </a:rPr>
+              <a:t>, </a:t>
+            </a:r>
+            <a:r>
+              <a:rPr lang="ko-KR" altLang="en-US" dirty="0" err="1">
+                <a:latin typeface="Segoe UI Variable Small Semilig" pitchFamily="2" charset="0"/>
+                <a:ea typeface="HY신명조" panose="02030600000101010101" pitchFamily="18" charset="-127"/>
+              </a:rPr>
+              <a:t>y_test</a:t>
+            </a:r>
+            <a:r>
+              <a:rPr lang="ko-KR" altLang="en-US" dirty="0">
+                <a:latin typeface="Segoe UI Variable Small Semilig" pitchFamily="2" charset="0"/>
+                <a:ea typeface="HY신명조" panose="02030600000101010101" pitchFamily="18" charset="-127"/>
+              </a:rPr>
+              <a:t> = </a:t>
+            </a:r>
+            <a:r>
+              <a:rPr lang="ko-KR" altLang="en-US" dirty="0" err="1">
+                <a:latin typeface="Segoe UI Variable Small Semilig" pitchFamily="2" charset="0"/>
+                <a:ea typeface="HY신명조" panose="02030600000101010101" pitchFamily="18" charset="-127"/>
+              </a:rPr>
+              <a:t>train_test_split</a:t>
+            </a:r>
+            <a:r>
+              <a:rPr lang="ko-KR" altLang="en-US" dirty="0">
+                <a:latin typeface="Segoe UI Variable Small Semilig" pitchFamily="2" charset="0"/>
+                <a:ea typeface="HY신명조" panose="02030600000101010101" pitchFamily="18" charset="-127"/>
+              </a:rPr>
+              <a:t>(</a:t>
+            </a:r>
+            <a:r>
+              <a:rPr lang="ko-KR" altLang="en-US" dirty="0" err="1">
+                <a:latin typeface="Segoe UI Variable Small Semilig" pitchFamily="2" charset="0"/>
+                <a:ea typeface="HY신명조" panose="02030600000101010101" pitchFamily="18" charset="-127"/>
+              </a:rPr>
+              <a:t>X</a:t>
+            </a:r>
+            <a:r>
+              <a:rPr lang="ko-KR" altLang="en-US" dirty="0">
+                <a:latin typeface="Segoe UI Variable Small Semilig" pitchFamily="2" charset="0"/>
+                <a:ea typeface="HY신명조" panose="02030600000101010101" pitchFamily="18" charset="-127"/>
+              </a:rPr>
+              <a:t>, </a:t>
+            </a:r>
+            <a:r>
+              <a:rPr lang="ko-KR" altLang="en-US" dirty="0" err="1">
+                <a:latin typeface="Segoe UI Variable Small Semilig" pitchFamily="2" charset="0"/>
+                <a:ea typeface="HY신명조" panose="02030600000101010101" pitchFamily="18" charset="-127"/>
+              </a:rPr>
+              <a:t>y</a:t>
+            </a:r>
+            <a:r>
+              <a:rPr lang="en-US" altLang="ko-KR" dirty="0">
+                <a:latin typeface="Segoe UI Variable Small Semilig" pitchFamily="2" charset="0"/>
+                <a:ea typeface="HY신명조" panose="02030600000101010101" pitchFamily="18" charset="-127"/>
+              </a:rPr>
+              <a:t>,</a:t>
+            </a:r>
+            <a:r>
+              <a:rPr lang="ko-KR" altLang="en-US" dirty="0">
+                <a:latin typeface="Segoe UI Variable Small Semilig" pitchFamily="2" charset="0"/>
+                <a:ea typeface="HY신명조" panose="02030600000101010101" pitchFamily="18" charset="-127"/>
+              </a:rPr>
+              <a:t> </a:t>
+            </a:r>
+            <a:r>
+              <a:rPr lang="ko-KR" altLang="en-US" dirty="0" err="1">
+                <a:latin typeface="Segoe UI Variable Small Semilig" pitchFamily="2" charset="0"/>
+                <a:ea typeface="HY신명조" panose="02030600000101010101" pitchFamily="18" charset="-127"/>
+              </a:rPr>
+              <a:t>test_size</a:t>
+            </a:r>
+            <a:r>
+              <a:rPr lang="ko-KR" altLang="en-US" dirty="0">
+                <a:latin typeface="Segoe UI Variable Small Semilig" pitchFamily="2" charset="0"/>
+                <a:ea typeface="HY신명조" panose="02030600000101010101" pitchFamily="18" charset="-127"/>
+              </a:rPr>
+              <a:t>=0.3)</a:t>
+            </a:r>
+          </a:p>
+          <a:p>
+            <a:r>
+              <a:rPr lang="ko-KR" altLang="en-US" dirty="0">
+                <a:latin typeface="Segoe UI Variable Small Semilig" pitchFamily="2" charset="0"/>
+                <a:ea typeface="HY신명조" panose="02030600000101010101" pitchFamily="18" charset="-127"/>
+              </a:rPr>
+              <a:t># </a:t>
+            </a:r>
+            <a:r>
+              <a:rPr lang="ko-KR" altLang="en-US" dirty="0" err="1">
+                <a:latin typeface="Segoe UI Variable Small Semilig" pitchFamily="2" charset="0"/>
+                <a:ea typeface="HY신명조" panose="02030600000101010101" pitchFamily="18" charset="-127"/>
+              </a:rPr>
+              <a:t>Initialize</a:t>
+            </a:r>
+            <a:r>
+              <a:rPr lang="ko-KR" altLang="en-US" dirty="0">
+                <a:latin typeface="Segoe UI Variable Small Semilig" pitchFamily="2" charset="0"/>
+                <a:ea typeface="HY신명조" panose="02030600000101010101" pitchFamily="18" charset="-127"/>
+              </a:rPr>
+              <a:t> </a:t>
+            </a:r>
+            <a:r>
+              <a:rPr lang="ko-KR" altLang="en-US" dirty="0" err="1">
+                <a:latin typeface="Segoe UI Variable Small Semilig" pitchFamily="2" charset="0"/>
+                <a:ea typeface="HY신명조" panose="02030600000101010101" pitchFamily="18" charset="-127"/>
+              </a:rPr>
+              <a:t>the</a:t>
+            </a:r>
+            <a:r>
+              <a:rPr lang="ko-KR" altLang="en-US" dirty="0">
+                <a:latin typeface="Segoe UI Variable Small Semilig" pitchFamily="2" charset="0"/>
+                <a:ea typeface="HY신명조" panose="02030600000101010101" pitchFamily="18" charset="-127"/>
+              </a:rPr>
+              <a:t> </a:t>
+            </a:r>
+            <a:r>
+              <a:rPr lang="ko-KR" altLang="en-US" dirty="0" err="1">
+                <a:latin typeface="Segoe UI Variable Small Semilig" pitchFamily="2" charset="0"/>
+                <a:ea typeface="HY신명조" panose="02030600000101010101" pitchFamily="18" charset="-127"/>
+              </a:rPr>
+              <a:t>logistic</a:t>
+            </a:r>
+            <a:r>
+              <a:rPr lang="ko-KR" altLang="en-US" dirty="0">
+                <a:latin typeface="Segoe UI Variable Small Semilig" pitchFamily="2" charset="0"/>
+                <a:ea typeface="HY신명조" panose="02030600000101010101" pitchFamily="18" charset="-127"/>
+              </a:rPr>
+              <a:t> </a:t>
+            </a:r>
+            <a:r>
+              <a:rPr lang="ko-KR" altLang="en-US" dirty="0" err="1">
+                <a:latin typeface="Segoe UI Variable Small Semilig" pitchFamily="2" charset="0"/>
+                <a:ea typeface="HY신명조" panose="02030600000101010101" pitchFamily="18" charset="-127"/>
+              </a:rPr>
+              <a:t>regression</a:t>
+            </a:r>
+            <a:r>
+              <a:rPr lang="ko-KR" altLang="en-US" dirty="0">
+                <a:latin typeface="Segoe UI Variable Small Semilig" pitchFamily="2" charset="0"/>
+                <a:ea typeface="HY신명조" panose="02030600000101010101" pitchFamily="18" charset="-127"/>
+              </a:rPr>
+              <a:t> </a:t>
+            </a:r>
+            <a:r>
+              <a:rPr lang="ko-KR" altLang="en-US" dirty="0" err="1">
+                <a:latin typeface="Segoe UI Variable Small Semilig" pitchFamily="2" charset="0"/>
+                <a:ea typeface="HY신명조" panose="02030600000101010101" pitchFamily="18" charset="-127"/>
+              </a:rPr>
+              <a:t>model</a:t>
+            </a:r>
+            <a:endParaRPr lang="ko-KR" altLang="en-US" dirty="0">
+              <a:latin typeface="Segoe UI Variable Small Semilig" pitchFamily="2" charset="0"/>
+              <a:ea typeface="HY신명조" panose="02030600000101010101" pitchFamily="18" charset="-127"/>
+            </a:endParaRPr>
+          </a:p>
+          <a:p>
+            <a:r>
+              <a:rPr lang="ko-KR" altLang="en-US" b="1" dirty="0" err="1">
+                <a:solidFill>
+                  <a:schemeClr val="bg1"/>
+                </a:solidFill>
+                <a:latin typeface="Segoe UI Variable Small Semilig" pitchFamily="2" charset="0"/>
+                <a:ea typeface="HY신명조" panose="02030600000101010101" pitchFamily="18" charset="-127"/>
+              </a:rPr>
+              <a:t>log_reg</a:t>
+            </a:r>
+            <a:r>
+              <a:rPr lang="ko-KR" altLang="en-US" b="1" dirty="0">
+                <a:solidFill>
+                  <a:schemeClr val="bg1"/>
+                </a:solidFill>
+                <a:latin typeface="Segoe UI Variable Small Semilig" pitchFamily="2" charset="0"/>
+                <a:ea typeface="HY신명조" panose="02030600000101010101" pitchFamily="18" charset="-127"/>
+              </a:rPr>
+              <a:t> = </a:t>
+            </a:r>
+            <a:r>
+              <a:rPr lang="ko-KR" altLang="en-US" b="1" dirty="0" err="1">
+                <a:solidFill>
+                  <a:schemeClr val="bg1"/>
+                </a:solidFill>
+                <a:latin typeface="Segoe UI Variable Small Semilig" pitchFamily="2" charset="0"/>
+                <a:ea typeface="HY신명조" panose="02030600000101010101" pitchFamily="18" charset="-127"/>
+              </a:rPr>
+              <a:t>LogisticRegression</a:t>
+            </a:r>
+            <a:r>
+              <a:rPr lang="ko-KR" altLang="en-US" b="1" dirty="0">
+                <a:solidFill>
+                  <a:schemeClr val="bg1"/>
+                </a:solidFill>
+                <a:latin typeface="Segoe UI Variable Small Semilig" pitchFamily="2" charset="0"/>
+                <a:ea typeface="HY신명조" panose="02030600000101010101" pitchFamily="18" charset="-127"/>
+              </a:rPr>
+              <a:t>()</a:t>
+            </a:r>
+          </a:p>
+          <a:p>
+            <a:endParaRPr lang="ko-KR" altLang="en-US" dirty="0">
+              <a:latin typeface="Segoe UI Variable Small Semilig" pitchFamily="2" charset="0"/>
+              <a:ea typeface="HY신명조" panose="02030600000101010101" pitchFamily="18" charset="-127"/>
+            </a:endParaRPr>
+          </a:p>
+          <a:p>
+            <a:r>
+              <a:rPr lang="ko-KR" altLang="en-US" dirty="0">
+                <a:latin typeface="Segoe UI Variable Small Semilig" pitchFamily="2" charset="0"/>
+                <a:ea typeface="HY신명조" panose="02030600000101010101" pitchFamily="18" charset="-127"/>
+              </a:rPr>
+              <a:t># </a:t>
+            </a:r>
+            <a:r>
+              <a:rPr lang="ko-KR" altLang="en-US" dirty="0" err="1">
+                <a:latin typeface="Segoe UI Variable Small Semilig" pitchFamily="2" charset="0"/>
+                <a:ea typeface="HY신명조" panose="02030600000101010101" pitchFamily="18" charset="-127"/>
+              </a:rPr>
+              <a:t>Fit</a:t>
+            </a:r>
+            <a:r>
+              <a:rPr lang="ko-KR" altLang="en-US" dirty="0">
+                <a:latin typeface="Segoe UI Variable Small Semilig" pitchFamily="2" charset="0"/>
+                <a:ea typeface="HY신명조" panose="02030600000101010101" pitchFamily="18" charset="-127"/>
+              </a:rPr>
+              <a:t> </a:t>
+            </a:r>
+            <a:r>
+              <a:rPr lang="ko-KR" altLang="en-US" dirty="0" err="1">
+                <a:latin typeface="Segoe UI Variable Small Semilig" pitchFamily="2" charset="0"/>
+                <a:ea typeface="HY신명조" panose="02030600000101010101" pitchFamily="18" charset="-127"/>
+              </a:rPr>
+              <a:t>the</a:t>
+            </a:r>
+            <a:r>
+              <a:rPr lang="ko-KR" altLang="en-US" dirty="0">
+                <a:latin typeface="Segoe UI Variable Small Semilig" pitchFamily="2" charset="0"/>
+                <a:ea typeface="HY신명조" panose="02030600000101010101" pitchFamily="18" charset="-127"/>
+              </a:rPr>
+              <a:t> </a:t>
+            </a:r>
+            <a:r>
+              <a:rPr lang="ko-KR" altLang="en-US" dirty="0" err="1">
+                <a:latin typeface="Segoe UI Variable Small Semilig" pitchFamily="2" charset="0"/>
+                <a:ea typeface="HY신명조" panose="02030600000101010101" pitchFamily="18" charset="-127"/>
+              </a:rPr>
+              <a:t>model</a:t>
+            </a:r>
+            <a:r>
+              <a:rPr lang="ko-KR" altLang="en-US" dirty="0">
+                <a:latin typeface="Segoe UI Variable Small Semilig" pitchFamily="2" charset="0"/>
+                <a:ea typeface="HY신명조" panose="02030600000101010101" pitchFamily="18" charset="-127"/>
+              </a:rPr>
+              <a:t> </a:t>
+            </a:r>
+            <a:r>
+              <a:rPr lang="ko-KR" altLang="en-US" dirty="0" err="1">
+                <a:latin typeface="Segoe UI Variable Small Semilig" pitchFamily="2" charset="0"/>
+                <a:ea typeface="HY신명조" panose="02030600000101010101" pitchFamily="18" charset="-127"/>
+              </a:rPr>
+              <a:t>to</a:t>
+            </a:r>
+            <a:r>
+              <a:rPr lang="ko-KR" altLang="en-US" dirty="0">
+                <a:latin typeface="Segoe UI Variable Small Semilig" pitchFamily="2" charset="0"/>
+                <a:ea typeface="HY신명조" panose="02030600000101010101" pitchFamily="18" charset="-127"/>
+              </a:rPr>
+              <a:t> </a:t>
+            </a:r>
+            <a:r>
+              <a:rPr lang="ko-KR" altLang="en-US" dirty="0" err="1">
+                <a:latin typeface="Segoe UI Variable Small Semilig" pitchFamily="2" charset="0"/>
+                <a:ea typeface="HY신명조" panose="02030600000101010101" pitchFamily="18" charset="-127"/>
+              </a:rPr>
+              <a:t>the</a:t>
+            </a:r>
+            <a:r>
+              <a:rPr lang="ko-KR" altLang="en-US" dirty="0">
+                <a:latin typeface="Segoe UI Variable Small Semilig" pitchFamily="2" charset="0"/>
+                <a:ea typeface="HY신명조" panose="02030600000101010101" pitchFamily="18" charset="-127"/>
+              </a:rPr>
+              <a:t> </a:t>
+            </a:r>
+            <a:r>
+              <a:rPr lang="ko-KR" altLang="en-US" dirty="0" err="1">
+                <a:latin typeface="Segoe UI Variable Small Semilig" pitchFamily="2" charset="0"/>
+                <a:ea typeface="HY신명조" panose="02030600000101010101" pitchFamily="18" charset="-127"/>
+              </a:rPr>
+              <a:t>training</a:t>
+            </a:r>
+            <a:r>
+              <a:rPr lang="ko-KR" altLang="en-US" dirty="0">
+                <a:latin typeface="Segoe UI Variable Small Semilig" pitchFamily="2" charset="0"/>
+                <a:ea typeface="HY신명조" panose="02030600000101010101" pitchFamily="18" charset="-127"/>
+              </a:rPr>
+              <a:t> </a:t>
+            </a:r>
+            <a:r>
+              <a:rPr lang="ko-KR" altLang="en-US" dirty="0" err="1">
+                <a:latin typeface="Segoe UI Variable Small Semilig" pitchFamily="2" charset="0"/>
+                <a:ea typeface="HY신명조" panose="02030600000101010101" pitchFamily="18" charset="-127"/>
+              </a:rPr>
+              <a:t>data</a:t>
+            </a:r>
+            <a:endParaRPr lang="ko-KR" altLang="en-US" dirty="0">
+              <a:latin typeface="Segoe UI Variable Small Semilig" pitchFamily="2" charset="0"/>
+              <a:ea typeface="HY신명조" panose="02030600000101010101" pitchFamily="18" charset="-127"/>
+            </a:endParaRPr>
+          </a:p>
+          <a:p>
+            <a:r>
+              <a:rPr lang="ko-KR" altLang="en-US" b="1" dirty="0" err="1">
+                <a:solidFill>
+                  <a:schemeClr val="bg1"/>
+                </a:solidFill>
+                <a:latin typeface="Segoe UI Variable Small Semilig" pitchFamily="2" charset="0"/>
+                <a:ea typeface="HY신명조" panose="02030600000101010101" pitchFamily="18" charset="-127"/>
+              </a:rPr>
+              <a:t>log_reg.fit</a:t>
+            </a:r>
+            <a:r>
+              <a:rPr lang="ko-KR" altLang="en-US" b="1" dirty="0">
+                <a:solidFill>
+                  <a:schemeClr val="bg1"/>
+                </a:solidFill>
+                <a:latin typeface="Segoe UI Variable Small Semilig" pitchFamily="2" charset="0"/>
+                <a:ea typeface="HY신명조" panose="02030600000101010101" pitchFamily="18" charset="-127"/>
+              </a:rPr>
+              <a:t>(</a:t>
+            </a:r>
+            <a:r>
+              <a:rPr lang="ko-KR" altLang="en-US" b="1" dirty="0" err="1">
+                <a:solidFill>
+                  <a:schemeClr val="bg1"/>
+                </a:solidFill>
+                <a:latin typeface="Segoe UI Variable Small Semilig" pitchFamily="2" charset="0"/>
+                <a:ea typeface="HY신명조" panose="02030600000101010101" pitchFamily="18" charset="-127"/>
+              </a:rPr>
+              <a:t>X_train</a:t>
+            </a:r>
+            <a:r>
+              <a:rPr lang="ko-KR" altLang="en-US" b="1" dirty="0">
+                <a:solidFill>
+                  <a:schemeClr val="bg1"/>
+                </a:solidFill>
+                <a:latin typeface="Segoe UI Variable Small Semilig" pitchFamily="2" charset="0"/>
+                <a:ea typeface="HY신명조" panose="02030600000101010101" pitchFamily="18" charset="-127"/>
+              </a:rPr>
+              <a:t>, </a:t>
+            </a:r>
+            <a:r>
+              <a:rPr lang="ko-KR" altLang="en-US" b="1" dirty="0" err="1">
+                <a:solidFill>
+                  <a:schemeClr val="bg1"/>
+                </a:solidFill>
+                <a:latin typeface="Segoe UI Variable Small Semilig" pitchFamily="2" charset="0"/>
+                <a:ea typeface="HY신명조" panose="02030600000101010101" pitchFamily="18" charset="-127"/>
+              </a:rPr>
+              <a:t>y_train</a:t>
+            </a:r>
+            <a:r>
+              <a:rPr lang="ko-KR" altLang="en-US" b="1" dirty="0">
+                <a:solidFill>
+                  <a:schemeClr val="bg1"/>
+                </a:solidFill>
+                <a:latin typeface="Segoe UI Variable Small Semilig" pitchFamily="2" charset="0"/>
+                <a:ea typeface="HY신명조" panose="02030600000101010101" pitchFamily="18" charset="-127"/>
+              </a:rPr>
+              <a:t>)</a:t>
+            </a:r>
+          </a:p>
+          <a:p>
+            <a:endParaRPr lang="ko-KR" altLang="en-US" dirty="0">
+              <a:latin typeface="Segoe UI Variable Small Semilig" pitchFamily="2" charset="0"/>
+              <a:ea typeface="HY신명조" panose="02030600000101010101" pitchFamily="18" charset="-127"/>
+            </a:endParaRPr>
+          </a:p>
+          <a:p>
+            <a:r>
+              <a:rPr lang="ko-KR" altLang="en-US" dirty="0">
+                <a:latin typeface="Segoe UI Variable Small Semilig" pitchFamily="2" charset="0"/>
+                <a:ea typeface="HY신명조" panose="02030600000101010101" pitchFamily="18" charset="-127"/>
+              </a:rPr>
+              <a:t># </a:t>
+            </a:r>
+            <a:r>
+              <a:rPr lang="ko-KR" altLang="en-US" dirty="0" err="1">
+                <a:latin typeface="Segoe UI Variable Small Semilig" pitchFamily="2" charset="0"/>
+                <a:ea typeface="HY신명조" panose="02030600000101010101" pitchFamily="18" charset="-127"/>
+              </a:rPr>
+              <a:t>Predict</a:t>
+            </a:r>
+            <a:r>
+              <a:rPr lang="ko-KR" altLang="en-US" dirty="0">
+                <a:latin typeface="Segoe UI Variable Small Semilig" pitchFamily="2" charset="0"/>
+                <a:ea typeface="HY신명조" panose="02030600000101010101" pitchFamily="18" charset="-127"/>
+              </a:rPr>
+              <a:t> </a:t>
+            </a:r>
+            <a:r>
+              <a:rPr lang="ko-KR" altLang="en-US" dirty="0" err="1">
+                <a:latin typeface="Segoe UI Variable Small Semilig" pitchFamily="2" charset="0"/>
+                <a:ea typeface="HY신명조" panose="02030600000101010101" pitchFamily="18" charset="-127"/>
+              </a:rPr>
+              <a:t>on</a:t>
+            </a:r>
+            <a:r>
+              <a:rPr lang="ko-KR" altLang="en-US" dirty="0">
+                <a:latin typeface="Segoe UI Variable Small Semilig" pitchFamily="2" charset="0"/>
+                <a:ea typeface="HY신명조" panose="02030600000101010101" pitchFamily="18" charset="-127"/>
+              </a:rPr>
+              <a:t> </a:t>
+            </a:r>
+            <a:r>
+              <a:rPr lang="ko-KR" altLang="en-US" dirty="0" err="1">
+                <a:latin typeface="Segoe UI Variable Small Semilig" pitchFamily="2" charset="0"/>
+                <a:ea typeface="HY신명조" panose="02030600000101010101" pitchFamily="18" charset="-127"/>
+              </a:rPr>
+              <a:t>the</a:t>
+            </a:r>
+            <a:r>
+              <a:rPr lang="ko-KR" altLang="en-US" dirty="0">
+                <a:latin typeface="Segoe UI Variable Small Semilig" pitchFamily="2" charset="0"/>
+                <a:ea typeface="HY신명조" panose="02030600000101010101" pitchFamily="18" charset="-127"/>
+              </a:rPr>
+              <a:t> </a:t>
+            </a:r>
+            <a:r>
+              <a:rPr lang="ko-KR" altLang="en-US" dirty="0" err="1">
+                <a:latin typeface="Segoe UI Variable Small Semilig" pitchFamily="2" charset="0"/>
+                <a:ea typeface="HY신명조" panose="02030600000101010101" pitchFamily="18" charset="-127"/>
+              </a:rPr>
+              <a:t>test</a:t>
+            </a:r>
+            <a:r>
+              <a:rPr lang="ko-KR" altLang="en-US" dirty="0">
+                <a:latin typeface="Segoe UI Variable Small Semilig" pitchFamily="2" charset="0"/>
+                <a:ea typeface="HY신명조" panose="02030600000101010101" pitchFamily="18" charset="-127"/>
+              </a:rPr>
+              <a:t> </a:t>
+            </a:r>
+            <a:r>
+              <a:rPr lang="ko-KR" altLang="en-US" dirty="0" err="1">
+                <a:latin typeface="Segoe UI Variable Small Semilig" pitchFamily="2" charset="0"/>
+                <a:ea typeface="HY신명조" panose="02030600000101010101" pitchFamily="18" charset="-127"/>
+              </a:rPr>
+              <a:t>data</a:t>
+            </a:r>
+            <a:endParaRPr lang="ko-KR" altLang="en-US" dirty="0">
+              <a:latin typeface="Segoe UI Variable Small Semilig" pitchFamily="2" charset="0"/>
+              <a:ea typeface="HY신명조" panose="02030600000101010101" pitchFamily="18" charset="-127"/>
+            </a:endParaRPr>
+          </a:p>
+          <a:p>
+            <a:r>
+              <a:rPr lang="ko-KR" altLang="en-US" b="1" dirty="0" err="1">
+                <a:solidFill>
+                  <a:schemeClr val="bg1"/>
+                </a:solidFill>
+                <a:latin typeface="Segoe UI Variable Small Semilig" pitchFamily="2" charset="0"/>
+                <a:ea typeface="HY신명조" panose="02030600000101010101" pitchFamily="18" charset="-127"/>
+              </a:rPr>
+              <a:t>y_pred</a:t>
+            </a:r>
+            <a:r>
+              <a:rPr lang="ko-KR" altLang="en-US" b="1" dirty="0">
+                <a:solidFill>
+                  <a:schemeClr val="bg1"/>
+                </a:solidFill>
+                <a:latin typeface="Segoe UI Variable Small Semilig" pitchFamily="2" charset="0"/>
+                <a:ea typeface="HY신명조" panose="02030600000101010101" pitchFamily="18" charset="-127"/>
+              </a:rPr>
+              <a:t> = </a:t>
+            </a:r>
+            <a:r>
+              <a:rPr lang="ko-KR" altLang="en-US" b="1" dirty="0" err="1">
+                <a:solidFill>
+                  <a:schemeClr val="bg1"/>
+                </a:solidFill>
+                <a:latin typeface="Segoe UI Variable Small Semilig" pitchFamily="2" charset="0"/>
+                <a:ea typeface="HY신명조" panose="02030600000101010101" pitchFamily="18" charset="-127"/>
+              </a:rPr>
+              <a:t>log_reg.predict</a:t>
+            </a:r>
+            <a:r>
+              <a:rPr lang="ko-KR" altLang="en-US" b="1" dirty="0">
+                <a:solidFill>
+                  <a:schemeClr val="bg1"/>
+                </a:solidFill>
+                <a:latin typeface="Segoe UI Variable Small Semilig" pitchFamily="2" charset="0"/>
+                <a:ea typeface="HY신명조" panose="02030600000101010101" pitchFamily="18" charset="-127"/>
+              </a:rPr>
+              <a:t>(</a:t>
+            </a:r>
+            <a:r>
+              <a:rPr lang="ko-KR" altLang="en-US" b="1" dirty="0" err="1">
+                <a:solidFill>
+                  <a:schemeClr val="bg1"/>
+                </a:solidFill>
+                <a:latin typeface="Segoe UI Variable Small Semilig" pitchFamily="2" charset="0"/>
+                <a:ea typeface="HY신명조" panose="02030600000101010101" pitchFamily="18" charset="-127"/>
+              </a:rPr>
+              <a:t>X_test</a:t>
+            </a:r>
+            <a:r>
+              <a:rPr lang="ko-KR" altLang="en-US" b="1" dirty="0">
+                <a:solidFill>
+                  <a:schemeClr val="bg1"/>
+                </a:solidFill>
+                <a:latin typeface="Segoe UI Variable Small Semilig" pitchFamily="2" charset="0"/>
+                <a:ea typeface="HY신명조" panose="02030600000101010101" pitchFamily="18" charset="-127"/>
+              </a:rPr>
+              <a:t>)</a:t>
+            </a:r>
+          </a:p>
+        </p:txBody>
+      </p:sp>
+      <p:sp>
+        <p:nvSpPr>
+          <p:cNvPr id="3" name="TextBox 2">
+            <a:extLst>
+              <a:ext uri="{FF2B5EF4-FFF2-40B4-BE49-F238E27FC236}">
+                <a16:creationId xmlns:a16="http://schemas.microsoft.com/office/drawing/2014/main" id="{A2593044-8F15-A736-A0EE-583349AC3310}"/>
+              </a:ext>
+            </a:extLst>
+          </p:cNvPr>
+          <p:cNvSpPr txBox="1"/>
+          <p:nvPr/>
+        </p:nvSpPr>
+        <p:spPr>
+          <a:xfrm>
+            <a:off x="499620" y="1222602"/>
+            <a:ext cx="8364790" cy="400110"/>
+          </a:xfrm>
+          <a:prstGeom prst="rect">
+            <a:avLst/>
+          </a:prstGeom>
+          <a:noFill/>
+        </p:spPr>
+        <p:txBody>
+          <a:bodyPr wrap="none" rtlCol="0">
+            <a:spAutoFit/>
+          </a:bodyPr>
+          <a:lstStyle/>
+          <a:p>
+            <a:r>
+              <a:rPr lang="ko-KR" altLang="en-US" sz="2000" dirty="0">
+                <a:latin typeface="한컴 고딕" panose="02000500000000000000" pitchFamily="2" charset="-127"/>
+                <a:ea typeface="한컴 고딕" panose="02000500000000000000" pitchFamily="2" charset="-127"/>
+              </a:rPr>
+              <a:t>데이터와</a:t>
+            </a:r>
+            <a:r>
+              <a:rPr lang="en-US" altLang="ko-KR" sz="2000" dirty="0">
+                <a:latin typeface="한컴 고딕" panose="02000500000000000000" pitchFamily="2" charset="-127"/>
+                <a:ea typeface="한컴 고딕" panose="02000500000000000000" pitchFamily="2" charset="-127"/>
+              </a:rPr>
+              <a:t> </a:t>
+            </a:r>
+            <a:r>
+              <a:rPr lang="ko-KR" altLang="en-US" sz="2000" dirty="0">
+                <a:latin typeface="한컴 고딕" panose="02000500000000000000" pitchFamily="2" charset="-127"/>
+                <a:ea typeface="한컴 고딕" panose="02000500000000000000" pitchFamily="2" charset="-127"/>
+              </a:rPr>
+              <a:t>알고리즘을</a:t>
+            </a:r>
+            <a:r>
+              <a:rPr lang="en-US" altLang="ko-KR" sz="2000" dirty="0">
+                <a:latin typeface="한컴 고딕" panose="02000500000000000000" pitchFamily="2" charset="-127"/>
+                <a:ea typeface="한컴 고딕" panose="02000500000000000000" pitchFamily="2" charset="-127"/>
+              </a:rPr>
+              <a:t> </a:t>
+            </a:r>
+            <a:r>
+              <a:rPr lang="ko-KR" altLang="en-US" sz="2000" dirty="0">
+                <a:latin typeface="한컴 고딕" panose="02000500000000000000" pitchFamily="2" charset="-127"/>
+                <a:ea typeface="한컴 고딕" panose="02000500000000000000" pitchFamily="2" charset="-127"/>
+              </a:rPr>
+              <a:t>선택하여</a:t>
+            </a:r>
+            <a:r>
+              <a:rPr lang="en-US" altLang="ko-KR" sz="2000" dirty="0">
+                <a:latin typeface="한컴 고딕" panose="02000500000000000000" pitchFamily="2" charset="-127"/>
+                <a:ea typeface="한컴 고딕" panose="02000500000000000000" pitchFamily="2" charset="-127"/>
+              </a:rPr>
+              <a:t> </a:t>
+            </a:r>
+            <a:r>
+              <a:rPr lang="ko-KR" altLang="en-US" sz="2000" dirty="0">
+                <a:latin typeface="한컴 고딕" panose="02000500000000000000" pitchFamily="2" charset="-127"/>
+                <a:ea typeface="한컴 고딕" panose="02000500000000000000" pitchFamily="2" charset="-127"/>
+              </a:rPr>
+              <a:t>컴퓨터에게</a:t>
+            </a:r>
+            <a:r>
+              <a:rPr lang="en-US" altLang="ko-KR" sz="2000" dirty="0">
+                <a:latin typeface="한컴 고딕" panose="02000500000000000000" pitchFamily="2" charset="-127"/>
+                <a:ea typeface="한컴 고딕" panose="02000500000000000000" pitchFamily="2" charset="-127"/>
+              </a:rPr>
+              <a:t> </a:t>
+            </a:r>
+            <a:r>
+              <a:rPr lang="ko-KR" altLang="en-US" sz="2000" dirty="0">
+                <a:latin typeface="한컴 고딕" panose="02000500000000000000" pitchFamily="2" charset="-127"/>
+                <a:ea typeface="한컴 고딕" panose="02000500000000000000" pitchFamily="2" charset="-127"/>
+              </a:rPr>
+              <a:t>학습시켜 목적</a:t>
+            </a:r>
+            <a:r>
+              <a:rPr lang="en-US" altLang="ko-KR" sz="2000" dirty="0">
+                <a:latin typeface="한컴 고딕" panose="02000500000000000000" pitchFamily="2" charset="-127"/>
+                <a:ea typeface="한컴 고딕" panose="02000500000000000000" pitchFamily="2" charset="-127"/>
+              </a:rPr>
+              <a:t>(</a:t>
+            </a:r>
+            <a:r>
+              <a:rPr lang="ko-KR" altLang="en-US" sz="2000" dirty="0">
+                <a:latin typeface="한컴 고딕" panose="02000500000000000000" pitchFamily="2" charset="-127"/>
+                <a:ea typeface="한컴 고딕" panose="02000500000000000000" pitchFamily="2" charset="-127"/>
+              </a:rPr>
+              <a:t>예측</a:t>
+            </a:r>
+            <a:r>
+              <a:rPr lang="en-US" altLang="ko-KR" sz="2000" dirty="0">
+                <a:latin typeface="한컴 고딕" panose="02000500000000000000" pitchFamily="2" charset="-127"/>
+                <a:ea typeface="한컴 고딕" panose="02000500000000000000" pitchFamily="2" charset="-127"/>
+              </a:rPr>
+              <a:t>, </a:t>
+            </a:r>
+            <a:r>
+              <a:rPr lang="ko-KR" altLang="en-US" sz="2000" dirty="0">
+                <a:latin typeface="한컴 고딕" panose="02000500000000000000" pitchFamily="2" charset="-127"/>
+                <a:ea typeface="한컴 고딕" panose="02000500000000000000" pitchFamily="2" charset="-127"/>
+              </a:rPr>
+              <a:t>변환</a:t>
+            </a:r>
+            <a:r>
+              <a:rPr lang="en-US" altLang="ko-KR" sz="2000" dirty="0">
+                <a:latin typeface="한컴 고딕" panose="02000500000000000000" pitchFamily="2" charset="-127"/>
+                <a:ea typeface="한컴 고딕" panose="02000500000000000000" pitchFamily="2" charset="-127"/>
+              </a:rPr>
+              <a:t>)</a:t>
+            </a:r>
+            <a:r>
+              <a:rPr lang="ko-KR" altLang="en-US" sz="2000" dirty="0">
+                <a:latin typeface="한컴 고딕" panose="02000500000000000000" pitchFamily="2" charset="-127"/>
+                <a:ea typeface="한컴 고딕" panose="02000500000000000000" pitchFamily="2" charset="-127"/>
+              </a:rPr>
+              <a:t>을 달성</a:t>
+            </a:r>
+          </a:p>
+        </p:txBody>
+      </p:sp>
+      <p:sp>
+        <p:nvSpPr>
+          <p:cNvPr id="6" name="TextBox 5">
+            <a:extLst>
+              <a:ext uri="{FF2B5EF4-FFF2-40B4-BE49-F238E27FC236}">
+                <a16:creationId xmlns:a16="http://schemas.microsoft.com/office/drawing/2014/main" id="{A94B245B-045B-29EB-9238-47D9A35649E6}"/>
+              </a:ext>
+            </a:extLst>
+          </p:cNvPr>
+          <p:cNvSpPr txBox="1"/>
+          <p:nvPr/>
+        </p:nvSpPr>
+        <p:spPr>
+          <a:xfrm>
+            <a:off x="1531106" y="6127839"/>
+            <a:ext cx="9743352" cy="307777"/>
+          </a:xfrm>
+          <a:prstGeom prst="rect">
+            <a:avLst/>
+          </a:prstGeom>
+          <a:noFill/>
+        </p:spPr>
+        <p:txBody>
+          <a:bodyPr wrap="square">
+            <a:spAutoFit/>
+          </a:bodyPr>
+          <a:lstStyle/>
+          <a:p>
+            <a:r>
+              <a:rPr lang="ko-KR" altLang="en-US" sz="1400" dirty="0">
+                <a:hlinkClick r:id="rId2"/>
+              </a:rPr>
+              <a:t>https://scikit-learn.org/1.5/modules/generated/sklearn.linear_model.LogisticRegression.html</a:t>
+            </a:r>
+            <a:r>
+              <a:rPr lang="ko-KR" altLang="en-US" sz="1400" dirty="0"/>
+              <a:t> </a:t>
+            </a:r>
+          </a:p>
+        </p:txBody>
+      </p:sp>
+    </p:spTree>
+    <p:extLst>
+      <p:ext uri="{BB962C8B-B14F-4D97-AF65-F5344CB8AC3E}">
+        <p14:creationId xmlns:p14="http://schemas.microsoft.com/office/powerpoint/2010/main" val="3485557403"/>
+      </p:ext>
+    </p:extLst>
+  </p:cSld>
+  <p:clrMapOvr>
+    <a:masterClrMapping/>
+  </p:clrMapOvr>
+</p:sld>
+</file>
+
+<file path=ppt/slides/slide15.xml><?xml version="1.0" encoding="utf-8"?>
+<p:sld xmlns:a="http://schemas.openxmlformats.org/drawingml/2006/main" xmlns:r="http://schemas.openxmlformats.org/officeDocument/2006/relationships" xmlns:p="http://schemas.openxmlformats.org/presentationml/2006/main">
+  <p:cSld>
+    <p:spTree>
+      <p:nvGrpSpPr>
+        <p:cNvPr id="1" name=""/>
+        <p:cNvGrpSpPr/>
+        <p:nvPr/>
+      </p:nvGrpSpPr>
+      <p:grpSpPr>
+        <a:xfrm>
+          <a:off x="0" y="0"/>
+          <a:ext cx="0" cy="0"/>
+          <a:chOff x="0" y="0"/>
+          <a:chExt cx="0" cy="0"/>
+        </a:xfrm>
+      </p:grpSpPr>
+      <p:sp>
+        <p:nvSpPr>
+          <p:cNvPr id="2" name="제목 1">
+            <a:extLst>
+              <a:ext uri="{FF2B5EF4-FFF2-40B4-BE49-F238E27FC236}">
+                <a16:creationId xmlns:a16="http://schemas.microsoft.com/office/drawing/2014/main" id="{31A8128C-D73F-1FBA-6E47-3A0ECCF53BDA}"/>
+              </a:ext>
+            </a:extLst>
+          </p:cNvPr>
+          <p:cNvSpPr>
+            <a:spLocks noGrp="1"/>
+          </p:cNvSpPr>
+          <p:nvPr>
+            <p:ph type="title"/>
+          </p:nvPr>
+        </p:nvSpPr>
+        <p:spPr>
+          <a:xfrm>
+            <a:off x="223266" y="217270"/>
+            <a:ext cx="10131425" cy="659352"/>
+          </a:xfrm>
+        </p:spPr>
+        <p:txBody>
+          <a:bodyPr>
+            <a:normAutofit/>
+          </a:bodyPr>
+          <a:lstStyle/>
+          <a:p>
+            <a:r>
+              <a:rPr lang="en-US" altLang="ko-KR" sz="2800" b="1" dirty="0"/>
+              <a:t>Machine Learning</a:t>
+            </a:r>
+            <a:endParaRPr lang="ko-KR" altLang="en-US" sz="2800" b="1" dirty="0"/>
+          </a:p>
+        </p:txBody>
+      </p:sp>
+      <p:sp>
+        <p:nvSpPr>
+          <p:cNvPr id="10" name="바닥글 개체 틀 3">
+            <a:extLst>
+              <a:ext uri="{FF2B5EF4-FFF2-40B4-BE49-F238E27FC236}">
+                <a16:creationId xmlns:a16="http://schemas.microsoft.com/office/drawing/2014/main" id="{F6006E43-C489-7FA1-AF2E-6F49929124A9}"/>
+              </a:ext>
+            </a:extLst>
+          </p:cNvPr>
+          <p:cNvSpPr>
+            <a:spLocks noGrp="1"/>
+          </p:cNvSpPr>
+          <p:nvPr>
+            <p:ph type="ftr" sz="quarter" idx="11"/>
+          </p:nvPr>
+        </p:nvSpPr>
+        <p:spPr>
+          <a:xfrm>
+            <a:off x="4343399" y="6426758"/>
+            <a:ext cx="7827659" cy="377825"/>
+          </a:xfrm>
+        </p:spPr>
+        <p:txBody>
+          <a:bodyPr/>
+          <a:lstStyle/>
+          <a:p>
+            <a:pPr algn="r"/>
+            <a:fld id="{77860235-9F74-41DF-BC51-71A4257E4966}" type="slidenum">
+              <a:rPr lang="ko-KR" altLang="en-US" sz="1200" b="1" smtClean="0"/>
+              <a:pPr algn="r"/>
+              <a:t>15</a:t>
+            </a:fld>
+            <a:endParaRPr lang="ko-KR" altLang="en-US" sz="1200" b="1" dirty="0"/>
+          </a:p>
+        </p:txBody>
+      </p:sp>
+      <p:sp>
+        <p:nvSpPr>
+          <p:cNvPr id="7" name="TextBox 6">
+            <a:extLst>
+              <a:ext uri="{FF2B5EF4-FFF2-40B4-BE49-F238E27FC236}">
+                <a16:creationId xmlns:a16="http://schemas.microsoft.com/office/drawing/2014/main" id="{F48BA815-1326-DCEA-7705-0ABBEAA09DE9}"/>
+              </a:ext>
+            </a:extLst>
+          </p:cNvPr>
+          <p:cNvSpPr txBox="1"/>
+          <p:nvPr/>
+        </p:nvSpPr>
+        <p:spPr>
+          <a:xfrm>
+            <a:off x="1875933" y="2147801"/>
+            <a:ext cx="8267308" cy="3416320"/>
+          </a:xfrm>
+          <a:prstGeom prst="rect">
+            <a:avLst/>
+          </a:prstGeom>
+          <a:solidFill>
+            <a:srgbClr val="009EDE"/>
+          </a:solidFill>
+        </p:spPr>
+        <p:txBody>
+          <a:bodyPr wrap="square">
+            <a:spAutoFit/>
+          </a:bodyPr>
+          <a:lstStyle/>
+          <a:p>
+            <a:r>
+              <a:rPr lang="en-US" altLang="ko-KR" dirty="0">
+                <a:latin typeface="Segoe UI Variable Small Semilig" pitchFamily="2" charset="0"/>
+                <a:ea typeface="HY신명조" panose="02030600000101010101" pitchFamily="18" charset="-127"/>
+              </a:rPr>
+              <a:t># Build the </a:t>
+            </a:r>
+            <a:r>
+              <a:rPr lang="en-US" altLang="ko-KR" dirty="0" err="1">
+                <a:latin typeface="Segoe UI Variable Small Semilig" pitchFamily="2" charset="0"/>
+                <a:ea typeface="HY신명조" panose="02030600000101010101" pitchFamily="18" charset="-127"/>
+              </a:rPr>
+              <a:t>Keras</a:t>
+            </a:r>
+            <a:r>
+              <a:rPr lang="en-US" altLang="ko-KR" dirty="0">
+                <a:latin typeface="Segoe UI Variable Small Semilig" pitchFamily="2" charset="0"/>
+                <a:ea typeface="HY신명조" panose="02030600000101010101" pitchFamily="18" charset="-127"/>
+              </a:rPr>
+              <a:t> model with Single logistic regression layer</a:t>
+            </a:r>
+          </a:p>
+          <a:p>
+            <a:r>
+              <a:rPr lang="en-US" altLang="ko-KR" b="1" dirty="0">
+                <a:solidFill>
+                  <a:schemeClr val="bg1"/>
+                </a:solidFill>
+                <a:latin typeface="Segoe UI Variable Small Semilig" pitchFamily="2" charset="0"/>
+                <a:ea typeface="HY신명조" panose="02030600000101010101" pitchFamily="18" charset="-127"/>
+              </a:rPr>
+              <a:t>model = Sequential() </a:t>
+            </a:r>
+          </a:p>
+          <a:p>
+            <a:r>
+              <a:rPr lang="en-US" altLang="ko-KR" b="1" dirty="0" err="1">
+                <a:solidFill>
+                  <a:schemeClr val="bg1"/>
+                </a:solidFill>
+                <a:latin typeface="Segoe UI Variable Small Semilig" pitchFamily="2" charset="0"/>
+                <a:ea typeface="HY신명조" panose="02030600000101010101" pitchFamily="18" charset="-127"/>
+              </a:rPr>
+              <a:t>model.add</a:t>
+            </a:r>
+            <a:r>
+              <a:rPr lang="en-US" altLang="ko-KR" b="1" dirty="0">
+                <a:solidFill>
+                  <a:schemeClr val="bg1"/>
+                </a:solidFill>
+                <a:latin typeface="Segoe UI Variable Small Semilig" pitchFamily="2" charset="0"/>
+                <a:ea typeface="HY신명조" panose="02030600000101010101" pitchFamily="18" charset="-127"/>
+              </a:rPr>
+              <a:t>(Dense(1, </a:t>
+            </a:r>
+            <a:r>
+              <a:rPr lang="en-US" altLang="ko-KR" b="1" dirty="0" err="1">
+                <a:solidFill>
+                  <a:schemeClr val="bg1"/>
+                </a:solidFill>
+                <a:latin typeface="Segoe UI Variable Small Semilig" pitchFamily="2" charset="0"/>
+                <a:ea typeface="HY신명조" panose="02030600000101010101" pitchFamily="18" charset="-127"/>
+              </a:rPr>
+              <a:t>input_dim</a:t>
+            </a:r>
+            <a:r>
+              <a:rPr lang="en-US" altLang="ko-KR" b="1" dirty="0">
+                <a:solidFill>
+                  <a:schemeClr val="bg1"/>
+                </a:solidFill>
+                <a:latin typeface="Segoe UI Variable Small Semilig" pitchFamily="2" charset="0"/>
+                <a:ea typeface="HY신명조" panose="02030600000101010101" pitchFamily="18" charset="-127"/>
+              </a:rPr>
+              <a:t>=4, activation='sigmoid’)) </a:t>
+            </a:r>
+          </a:p>
+          <a:p>
+            <a:endParaRPr lang="en-US" altLang="ko-KR" dirty="0">
+              <a:latin typeface="Segoe UI Variable Small Semilig" pitchFamily="2" charset="0"/>
+              <a:ea typeface="HY신명조" panose="02030600000101010101" pitchFamily="18" charset="-127"/>
+            </a:endParaRPr>
+          </a:p>
+          <a:p>
+            <a:r>
+              <a:rPr lang="en-US" altLang="ko-KR" dirty="0">
+                <a:latin typeface="Segoe UI Variable Small Semilig" pitchFamily="2" charset="0"/>
+                <a:ea typeface="HY신명조" panose="02030600000101010101" pitchFamily="18" charset="-127"/>
+              </a:rPr>
+              <a:t># Compile the model </a:t>
+            </a:r>
+          </a:p>
+          <a:p>
+            <a:r>
+              <a:rPr lang="en-US" altLang="ko-KR" b="1" dirty="0" err="1">
+                <a:solidFill>
+                  <a:schemeClr val="bg1"/>
+                </a:solidFill>
+                <a:latin typeface="Segoe UI Variable Small Semilig" pitchFamily="2" charset="0"/>
+                <a:ea typeface="HY신명조" panose="02030600000101010101" pitchFamily="18" charset="-127"/>
+              </a:rPr>
+              <a:t>model.compile</a:t>
+            </a:r>
+            <a:r>
+              <a:rPr lang="en-US" altLang="ko-KR" b="1" dirty="0">
+                <a:solidFill>
+                  <a:schemeClr val="bg1"/>
+                </a:solidFill>
+                <a:latin typeface="Segoe UI Variable Small Semilig" pitchFamily="2" charset="0"/>
+                <a:ea typeface="HY신명조" panose="02030600000101010101" pitchFamily="18" charset="-127"/>
+              </a:rPr>
+              <a:t>(optimizer=SGD) </a:t>
+            </a:r>
+          </a:p>
+          <a:p>
+            <a:endParaRPr lang="en-US" altLang="ko-KR" dirty="0">
+              <a:latin typeface="Segoe UI Variable Small Semilig" pitchFamily="2" charset="0"/>
+              <a:ea typeface="HY신명조" panose="02030600000101010101" pitchFamily="18" charset="-127"/>
+            </a:endParaRPr>
+          </a:p>
+          <a:p>
+            <a:r>
+              <a:rPr lang="en-US" altLang="ko-KR" dirty="0">
+                <a:latin typeface="Segoe UI Variable Small Semilig" pitchFamily="2" charset="0"/>
+                <a:ea typeface="HY신명조" panose="02030600000101010101" pitchFamily="18" charset="-127"/>
+              </a:rPr>
+              <a:t># Train the model </a:t>
+            </a:r>
+          </a:p>
+          <a:p>
+            <a:r>
+              <a:rPr lang="en-US" altLang="ko-KR" b="1" dirty="0" err="1">
+                <a:solidFill>
+                  <a:schemeClr val="bg1"/>
+                </a:solidFill>
+                <a:latin typeface="Segoe UI Variable Small Semilig" pitchFamily="2" charset="0"/>
+                <a:ea typeface="HY신명조" panose="02030600000101010101" pitchFamily="18" charset="-127"/>
+              </a:rPr>
+              <a:t>model.fit</a:t>
+            </a:r>
+            <a:r>
+              <a:rPr lang="en-US" altLang="ko-KR" b="1" dirty="0">
+                <a:solidFill>
+                  <a:schemeClr val="bg1"/>
+                </a:solidFill>
+                <a:latin typeface="Segoe UI Variable Small Semilig" pitchFamily="2" charset="0"/>
+                <a:ea typeface="HY신명조" panose="02030600000101010101" pitchFamily="18" charset="-127"/>
+              </a:rPr>
+              <a:t>(</a:t>
+            </a:r>
+            <a:r>
+              <a:rPr lang="en-US" altLang="ko-KR" b="1" dirty="0" err="1">
+                <a:solidFill>
+                  <a:schemeClr val="bg1"/>
+                </a:solidFill>
+                <a:latin typeface="Segoe UI Variable Small Semilig" pitchFamily="2" charset="0"/>
+                <a:ea typeface="HY신명조" panose="02030600000101010101" pitchFamily="18" charset="-127"/>
+              </a:rPr>
+              <a:t>X_train</a:t>
+            </a:r>
+            <a:r>
+              <a:rPr lang="en-US" altLang="ko-KR" b="1" dirty="0">
+                <a:solidFill>
+                  <a:schemeClr val="bg1"/>
+                </a:solidFill>
+                <a:latin typeface="Segoe UI Variable Small Semilig" pitchFamily="2" charset="0"/>
+                <a:ea typeface="HY신명조" panose="02030600000101010101" pitchFamily="18" charset="-127"/>
+              </a:rPr>
+              <a:t>, </a:t>
+            </a:r>
+            <a:r>
+              <a:rPr lang="en-US" altLang="ko-KR" b="1" dirty="0" err="1">
+                <a:solidFill>
+                  <a:schemeClr val="bg1"/>
+                </a:solidFill>
+                <a:latin typeface="Segoe UI Variable Small Semilig" pitchFamily="2" charset="0"/>
+                <a:ea typeface="HY신명조" panose="02030600000101010101" pitchFamily="18" charset="-127"/>
+              </a:rPr>
+              <a:t>y_train</a:t>
+            </a:r>
+            <a:r>
+              <a:rPr lang="en-US" altLang="ko-KR" b="1" dirty="0">
+                <a:solidFill>
+                  <a:schemeClr val="bg1"/>
+                </a:solidFill>
+                <a:latin typeface="Segoe UI Variable Small Semilig" pitchFamily="2" charset="0"/>
+                <a:ea typeface="HY신명조" panose="02030600000101010101" pitchFamily="18" charset="-127"/>
+              </a:rPr>
+              <a:t>) </a:t>
+            </a:r>
+          </a:p>
+          <a:p>
+            <a:endParaRPr lang="en-US" altLang="ko-KR" dirty="0">
+              <a:latin typeface="Segoe UI Variable Small Semilig" pitchFamily="2" charset="0"/>
+              <a:ea typeface="HY신명조" panose="02030600000101010101" pitchFamily="18" charset="-127"/>
+            </a:endParaRPr>
+          </a:p>
+          <a:p>
+            <a:r>
+              <a:rPr lang="en-US" altLang="ko-KR" dirty="0">
+                <a:latin typeface="Segoe UI Variable Small Semilig" pitchFamily="2" charset="0"/>
+                <a:ea typeface="HY신명조" panose="02030600000101010101" pitchFamily="18" charset="-127"/>
+              </a:rPr>
+              <a:t># Predict on test data </a:t>
+            </a:r>
+          </a:p>
+          <a:p>
+            <a:r>
+              <a:rPr lang="en-US" altLang="ko-KR" b="1" dirty="0" err="1">
+                <a:solidFill>
+                  <a:schemeClr val="bg1"/>
+                </a:solidFill>
+                <a:latin typeface="Segoe UI Variable Small Semilig" pitchFamily="2" charset="0"/>
+                <a:ea typeface="HY신명조" panose="02030600000101010101" pitchFamily="18" charset="-127"/>
+              </a:rPr>
+              <a:t>y_pred</a:t>
+            </a:r>
+            <a:r>
+              <a:rPr lang="en-US" altLang="ko-KR" b="1" dirty="0">
+                <a:solidFill>
+                  <a:schemeClr val="bg1"/>
+                </a:solidFill>
+                <a:latin typeface="Segoe UI Variable Small Semilig" pitchFamily="2" charset="0"/>
+                <a:ea typeface="HY신명조" panose="02030600000101010101" pitchFamily="18" charset="-127"/>
+              </a:rPr>
+              <a:t> = (</a:t>
+            </a:r>
+            <a:r>
+              <a:rPr lang="en-US" altLang="ko-KR" b="1" dirty="0" err="1">
+                <a:solidFill>
+                  <a:schemeClr val="bg1"/>
+                </a:solidFill>
+                <a:latin typeface="Segoe UI Variable Small Semilig" pitchFamily="2" charset="0"/>
+                <a:ea typeface="HY신명조" panose="02030600000101010101" pitchFamily="18" charset="-127"/>
+              </a:rPr>
+              <a:t>model.predict</a:t>
+            </a:r>
+            <a:r>
+              <a:rPr lang="en-US" altLang="ko-KR" b="1" dirty="0">
+                <a:solidFill>
+                  <a:schemeClr val="bg1"/>
+                </a:solidFill>
+                <a:latin typeface="Segoe UI Variable Small Semilig" pitchFamily="2" charset="0"/>
+                <a:ea typeface="HY신명조" panose="02030600000101010101" pitchFamily="18" charset="-127"/>
+              </a:rPr>
+              <a:t>(</a:t>
+            </a:r>
+            <a:r>
+              <a:rPr lang="en-US" altLang="ko-KR" b="1" dirty="0" err="1">
+                <a:solidFill>
+                  <a:schemeClr val="bg1"/>
+                </a:solidFill>
+                <a:latin typeface="Segoe UI Variable Small Semilig" pitchFamily="2" charset="0"/>
+                <a:ea typeface="HY신명조" panose="02030600000101010101" pitchFamily="18" charset="-127"/>
+              </a:rPr>
+              <a:t>X_test</a:t>
+            </a:r>
+            <a:r>
+              <a:rPr lang="en-US" altLang="ko-KR" b="1" dirty="0">
+                <a:solidFill>
+                  <a:schemeClr val="bg1"/>
+                </a:solidFill>
+                <a:latin typeface="Segoe UI Variable Small Semilig" pitchFamily="2" charset="0"/>
+                <a:ea typeface="HY신명조" panose="02030600000101010101" pitchFamily="18" charset="-127"/>
+              </a:rPr>
+              <a:t>)</a:t>
+            </a:r>
+            <a:endParaRPr lang="ko-KR" altLang="en-US" b="1" dirty="0">
+              <a:solidFill>
+                <a:schemeClr val="bg1"/>
+              </a:solidFill>
+              <a:latin typeface="Segoe UI Variable Small Semilig" pitchFamily="2" charset="0"/>
+              <a:ea typeface="HY신명조" panose="02030600000101010101" pitchFamily="18" charset="-127"/>
+            </a:endParaRPr>
+          </a:p>
+        </p:txBody>
+      </p:sp>
+      <p:sp>
+        <p:nvSpPr>
+          <p:cNvPr id="3" name="TextBox 2">
+            <a:extLst>
+              <a:ext uri="{FF2B5EF4-FFF2-40B4-BE49-F238E27FC236}">
+                <a16:creationId xmlns:a16="http://schemas.microsoft.com/office/drawing/2014/main" id="{A2593044-8F15-A736-A0EE-583349AC3310}"/>
+              </a:ext>
+            </a:extLst>
+          </p:cNvPr>
+          <p:cNvSpPr txBox="1"/>
+          <p:nvPr/>
+        </p:nvSpPr>
+        <p:spPr>
+          <a:xfrm>
+            <a:off x="499620" y="1222602"/>
+            <a:ext cx="8364790" cy="400110"/>
+          </a:xfrm>
+          <a:prstGeom prst="rect">
+            <a:avLst/>
+          </a:prstGeom>
+          <a:noFill/>
+        </p:spPr>
+        <p:txBody>
+          <a:bodyPr wrap="none" rtlCol="0">
+            <a:spAutoFit/>
+          </a:bodyPr>
+          <a:lstStyle/>
+          <a:p>
+            <a:r>
+              <a:rPr lang="ko-KR" altLang="en-US" sz="2000" dirty="0">
+                <a:latin typeface="한컴 고딕" panose="02000500000000000000" pitchFamily="2" charset="-127"/>
+                <a:ea typeface="한컴 고딕" panose="02000500000000000000" pitchFamily="2" charset="-127"/>
+              </a:rPr>
+              <a:t>데이터와</a:t>
+            </a:r>
+            <a:r>
+              <a:rPr lang="en-US" altLang="ko-KR" sz="2000" dirty="0">
+                <a:latin typeface="한컴 고딕" panose="02000500000000000000" pitchFamily="2" charset="-127"/>
+                <a:ea typeface="한컴 고딕" panose="02000500000000000000" pitchFamily="2" charset="-127"/>
+              </a:rPr>
+              <a:t> </a:t>
+            </a:r>
+            <a:r>
+              <a:rPr lang="ko-KR" altLang="en-US" sz="2000" dirty="0">
+                <a:latin typeface="한컴 고딕" panose="02000500000000000000" pitchFamily="2" charset="-127"/>
+                <a:ea typeface="한컴 고딕" panose="02000500000000000000" pitchFamily="2" charset="-127"/>
+              </a:rPr>
+              <a:t>알고리즘을</a:t>
+            </a:r>
+            <a:r>
+              <a:rPr lang="en-US" altLang="ko-KR" sz="2000" dirty="0">
+                <a:latin typeface="한컴 고딕" panose="02000500000000000000" pitchFamily="2" charset="-127"/>
+                <a:ea typeface="한컴 고딕" panose="02000500000000000000" pitchFamily="2" charset="-127"/>
+              </a:rPr>
+              <a:t> </a:t>
+            </a:r>
+            <a:r>
+              <a:rPr lang="ko-KR" altLang="en-US" sz="2000" dirty="0">
+                <a:latin typeface="한컴 고딕" panose="02000500000000000000" pitchFamily="2" charset="-127"/>
+                <a:ea typeface="한컴 고딕" panose="02000500000000000000" pitchFamily="2" charset="-127"/>
+              </a:rPr>
+              <a:t>선택하여</a:t>
+            </a:r>
+            <a:r>
+              <a:rPr lang="en-US" altLang="ko-KR" sz="2000" dirty="0">
+                <a:latin typeface="한컴 고딕" panose="02000500000000000000" pitchFamily="2" charset="-127"/>
+                <a:ea typeface="한컴 고딕" panose="02000500000000000000" pitchFamily="2" charset="-127"/>
+              </a:rPr>
+              <a:t> </a:t>
+            </a:r>
+            <a:r>
+              <a:rPr lang="ko-KR" altLang="en-US" sz="2000" dirty="0">
+                <a:latin typeface="한컴 고딕" panose="02000500000000000000" pitchFamily="2" charset="-127"/>
+                <a:ea typeface="한컴 고딕" panose="02000500000000000000" pitchFamily="2" charset="-127"/>
+              </a:rPr>
+              <a:t>컴퓨터에게</a:t>
+            </a:r>
+            <a:r>
+              <a:rPr lang="en-US" altLang="ko-KR" sz="2000" dirty="0">
+                <a:latin typeface="한컴 고딕" panose="02000500000000000000" pitchFamily="2" charset="-127"/>
+                <a:ea typeface="한컴 고딕" panose="02000500000000000000" pitchFamily="2" charset="-127"/>
+              </a:rPr>
+              <a:t> </a:t>
+            </a:r>
+            <a:r>
+              <a:rPr lang="ko-KR" altLang="en-US" sz="2000" dirty="0">
+                <a:latin typeface="한컴 고딕" panose="02000500000000000000" pitchFamily="2" charset="-127"/>
+                <a:ea typeface="한컴 고딕" panose="02000500000000000000" pitchFamily="2" charset="-127"/>
+              </a:rPr>
+              <a:t>학습시켜 목적</a:t>
+            </a:r>
+            <a:r>
+              <a:rPr lang="en-US" altLang="ko-KR" sz="2000" dirty="0">
+                <a:latin typeface="한컴 고딕" panose="02000500000000000000" pitchFamily="2" charset="-127"/>
+                <a:ea typeface="한컴 고딕" panose="02000500000000000000" pitchFamily="2" charset="-127"/>
+              </a:rPr>
+              <a:t>(</a:t>
+            </a:r>
+            <a:r>
+              <a:rPr lang="ko-KR" altLang="en-US" sz="2000" dirty="0">
+                <a:latin typeface="한컴 고딕" panose="02000500000000000000" pitchFamily="2" charset="-127"/>
+                <a:ea typeface="한컴 고딕" panose="02000500000000000000" pitchFamily="2" charset="-127"/>
+              </a:rPr>
+              <a:t>예측</a:t>
+            </a:r>
+            <a:r>
+              <a:rPr lang="en-US" altLang="ko-KR" sz="2000" dirty="0">
+                <a:latin typeface="한컴 고딕" panose="02000500000000000000" pitchFamily="2" charset="-127"/>
+                <a:ea typeface="한컴 고딕" panose="02000500000000000000" pitchFamily="2" charset="-127"/>
+              </a:rPr>
+              <a:t>, </a:t>
+            </a:r>
+            <a:r>
+              <a:rPr lang="ko-KR" altLang="en-US" sz="2000" dirty="0">
+                <a:latin typeface="한컴 고딕" panose="02000500000000000000" pitchFamily="2" charset="-127"/>
+                <a:ea typeface="한컴 고딕" panose="02000500000000000000" pitchFamily="2" charset="-127"/>
+              </a:rPr>
+              <a:t>변환</a:t>
+            </a:r>
+            <a:r>
+              <a:rPr lang="en-US" altLang="ko-KR" sz="2000" dirty="0">
+                <a:latin typeface="한컴 고딕" panose="02000500000000000000" pitchFamily="2" charset="-127"/>
+                <a:ea typeface="한컴 고딕" panose="02000500000000000000" pitchFamily="2" charset="-127"/>
+              </a:rPr>
+              <a:t>)</a:t>
+            </a:r>
+            <a:r>
+              <a:rPr lang="ko-KR" altLang="en-US" sz="2000" dirty="0">
+                <a:latin typeface="한컴 고딕" panose="02000500000000000000" pitchFamily="2" charset="-127"/>
+                <a:ea typeface="한컴 고딕" panose="02000500000000000000" pitchFamily="2" charset="-127"/>
+              </a:rPr>
+              <a:t>을 달성</a:t>
+            </a:r>
+          </a:p>
+        </p:txBody>
+      </p:sp>
+    </p:spTree>
+    <p:extLst>
+      <p:ext uri="{BB962C8B-B14F-4D97-AF65-F5344CB8AC3E}">
+        <p14:creationId xmlns:p14="http://schemas.microsoft.com/office/powerpoint/2010/main" val="3570514683"/>
+      </p:ext>
+    </p:extLst>
+  </p:cSld>
+  <p:clrMapOvr>
+    <a:masterClrMapping/>
+  </p:clrMapOvr>
+</p:sld>
+</file>
+
+<file path=ppt/slides/slide16.xml><?xml version="1.0" encoding="utf-8"?>
+<p:sld xmlns:a="http://schemas.openxmlformats.org/drawingml/2006/main" xmlns:r="http://schemas.openxmlformats.org/officeDocument/2006/relationships" xmlns:p="http://schemas.openxmlformats.org/presentationml/2006/main">
+  <p:cSld>
+    <p:spTree>
+      <p:nvGrpSpPr>
+        <p:cNvPr id="1" name=""/>
+        <p:cNvGrpSpPr/>
+        <p:nvPr/>
+      </p:nvGrpSpPr>
+      <p:grpSpPr>
+        <a:xfrm>
+          <a:off x="0" y="0"/>
+          <a:ext cx="0" cy="0"/>
+          <a:chOff x="0" y="0"/>
+          <a:chExt cx="0" cy="0"/>
+        </a:xfrm>
+      </p:grpSpPr>
+      <p:sp>
+        <p:nvSpPr>
+          <p:cNvPr id="2" name="제목 1">
+            <a:extLst>
+              <a:ext uri="{FF2B5EF4-FFF2-40B4-BE49-F238E27FC236}">
+                <a16:creationId xmlns:a16="http://schemas.microsoft.com/office/drawing/2014/main" id="{31A8128C-D73F-1FBA-6E47-3A0ECCF53BDA}"/>
+              </a:ext>
+            </a:extLst>
+          </p:cNvPr>
+          <p:cNvSpPr>
+            <a:spLocks noGrp="1"/>
+          </p:cNvSpPr>
+          <p:nvPr>
+            <p:ph type="title"/>
+          </p:nvPr>
+        </p:nvSpPr>
+        <p:spPr>
+          <a:xfrm>
+            <a:off x="223266" y="217270"/>
+            <a:ext cx="10131425" cy="659352"/>
+          </a:xfrm>
+        </p:spPr>
+        <p:txBody>
+          <a:bodyPr>
+            <a:normAutofit/>
+          </a:bodyPr>
+          <a:lstStyle/>
+          <a:p>
+            <a:r>
+              <a:rPr lang="en-US" altLang="ko-KR" sz="2800" b="1" dirty="0"/>
+              <a:t>Deep Learning</a:t>
+            </a:r>
+            <a:endParaRPr lang="ko-KR" altLang="en-US" sz="2800" b="1" dirty="0"/>
+          </a:p>
+        </p:txBody>
+      </p:sp>
+      <p:sp>
+        <p:nvSpPr>
+          <p:cNvPr id="10" name="바닥글 개체 틀 3">
+            <a:extLst>
+              <a:ext uri="{FF2B5EF4-FFF2-40B4-BE49-F238E27FC236}">
+                <a16:creationId xmlns:a16="http://schemas.microsoft.com/office/drawing/2014/main" id="{F6006E43-C489-7FA1-AF2E-6F49929124A9}"/>
+              </a:ext>
+            </a:extLst>
+          </p:cNvPr>
+          <p:cNvSpPr>
+            <a:spLocks noGrp="1"/>
+          </p:cNvSpPr>
+          <p:nvPr>
+            <p:ph type="ftr" sz="quarter" idx="11"/>
+          </p:nvPr>
+        </p:nvSpPr>
+        <p:spPr>
+          <a:xfrm>
+            <a:off x="4343399" y="6426758"/>
+            <a:ext cx="7827659" cy="377825"/>
+          </a:xfrm>
+        </p:spPr>
+        <p:txBody>
+          <a:bodyPr/>
+          <a:lstStyle/>
+          <a:p>
+            <a:pPr algn="r"/>
+            <a:fld id="{77860235-9F74-41DF-BC51-71A4257E4966}" type="slidenum">
+              <a:rPr lang="ko-KR" altLang="en-US" sz="1200" b="1" smtClean="0"/>
+              <a:pPr algn="r"/>
+              <a:t>16</a:t>
             </a:fld>
             <a:endParaRPr lang="ko-KR" altLang="en-US" sz="1200" b="1" dirty="0"/>
           </a:p>
@@ -9091,7 +11185,7 @@
 </p:sld>
 </file>
 
-<file path=ppt/slides/slide14.xml><?xml version="1.0" encoding="utf-8"?>
+<file path=ppt/slides/slide17.xml><?xml version="1.0" encoding="utf-8"?>
 <p:sld xmlns:a="http://schemas.openxmlformats.org/drawingml/2006/main" xmlns:r="http://schemas.openxmlformats.org/officeDocument/2006/relationships" xmlns:p="http://schemas.openxmlformats.org/presentationml/2006/main">
   <p:cSld>
     <p:spTree>
@@ -9174,7 +11268,7 @@
             <a:fld id="{77860235-9F74-41DF-BC51-71A4257E4966}" type="slidenum">
               <a:rPr lang="ko-KR" altLang="en-US" sz="1200" b="1" smtClean="0"/>
               <a:pPr algn="r"/>
-              <a:t>14</a:t>
+              <a:t>17</a:t>
             </a:fld>
             <a:endParaRPr lang="ko-KR" altLang="en-US" sz="1200" b="1" dirty="0"/>
           </a:p>
@@ -9265,7 +11359,7 @@
 </p:sld>
 </file>
 
-<file path=ppt/slides/slide15.xml><?xml version="1.0" encoding="utf-8"?>
+<file path=ppt/slides/slide18.xml><?xml version="1.0" encoding="utf-8"?>
 <p:sld xmlns:a="http://schemas.openxmlformats.org/drawingml/2006/main" xmlns:r="http://schemas.openxmlformats.org/officeDocument/2006/relationships" xmlns:p="http://schemas.openxmlformats.org/presentationml/2006/main">
   <p:cSld>
     <p:spTree>
@@ -9348,7 +11442,7 @@
             <a:fld id="{77860235-9F74-41DF-BC51-71A4257E4966}" type="slidenum">
               <a:rPr lang="ko-KR" altLang="en-US" sz="1200" b="1" smtClean="0"/>
               <a:pPr algn="r"/>
-              <a:t>15</a:t>
+              <a:t>18</a:t>
             </a:fld>
             <a:endParaRPr lang="ko-KR" altLang="en-US" sz="1200" b="1" dirty="0"/>
           </a:p>
@@ -12594,15 +14688,6 @@
 </file>
 
 <file path=customXml/item1.xml><?xml version="1.0" encoding="utf-8"?>
-<?mso-contentType ?>
-<FormTemplates xmlns="http://schemas.microsoft.com/sharepoint/v3/contenttype/forms">
-  <Display>DocumentLibraryForm</Display>
-  <Edit>DocumentLibraryForm</Edit>
-  <New>DocumentLibraryForm</New>
-</FormTemplates>
-</file>
-
-<file path=customXml/item2.xml><?xml version="1.0" encoding="utf-8"?>
 <ct:contentTypeSchema xmlns:ct="http://schemas.microsoft.com/office/2006/metadata/contentType" xmlns:ma="http://schemas.microsoft.com/office/2006/metadata/properties/metaAttributes" ct:_="" ma:_="" ma:contentTypeName="Document" ma:contentTypeID="0x01010079F111ED35F8CC479449609E8A0923A6" ma:contentTypeVersion="12" ma:contentTypeDescription="Create a new document." ma:contentTypeScope="" ma:versionID="93813dd7ca6ad654711aa0ab317e03a3">
   <xsd:schema xmlns:xsd="http://www.w3.org/2001/XMLSchema" xmlns:xs="http://www.w3.org/2001/XMLSchema" xmlns:p="http://schemas.microsoft.com/office/2006/metadata/properties" xmlns:ns2="71af3243-3dd4-4a8d-8c0d-dd76da1f02a5" xmlns:ns3="16c05727-aa75-4e4a-9b5f-8a80a1165891" targetNamespace="http://schemas.microsoft.com/office/2006/metadata/properties" ma:root="true" ma:fieldsID="f11dc0ce689dd3925e84e4e35398c6e7" ns2:_="" ns3:_="">
     <xsd:import namespace="71af3243-3dd4-4a8d-8c0d-dd76da1f02a5"/>
@@ -12823,6 +14908,15 @@
 </ct:contentTypeSchema>
 </file>
 
+<file path=customXml/item2.xml><?xml version="1.0" encoding="utf-8"?>
+<?mso-contentType ?>
+<FormTemplates xmlns="http://schemas.microsoft.com/sharepoint/v3/contenttype/forms">
+  <Display>DocumentLibraryForm</Display>
+  <Edit>DocumentLibraryForm</Edit>
+  <New>DocumentLibraryForm</New>
+</FormTemplates>
+</file>
+
 <file path=customXml/item3.xml><?xml version="1.0" encoding="utf-8"?>
 <p:properties xmlns:p="http://schemas.microsoft.com/office/2006/metadata/properties" xmlns:xsi="http://www.w3.org/2001/XMLSchema-instance" xmlns:pc="http://schemas.microsoft.com/office/infopath/2007/PartnerControls">
   <documentManagement>
@@ -12833,14 +14927,6 @@
 </file>
 
 <file path=customXml/itemProps1.xml><?xml version="1.0" encoding="utf-8"?>
-<ds:datastoreItem xmlns:ds="http://schemas.openxmlformats.org/officeDocument/2006/customXml" ds:itemID="{A0D51BCB-0419-432E-B7F1-25548446A625}">
-  <ds:schemaRefs>
-    <ds:schemaRef ds:uri="http://schemas.microsoft.com/sharepoint/v3/contenttype/forms"/>
-  </ds:schemaRefs>
-</ds:datastoreItem>
-</file>
-
-<file path=customXml/itemProps2.xml><?xml version="1.0" encoding="utf-8"?>
 <ds:datastoreItem xmlns:ds="http://schemas.openxmlformats.org/officeDocument/2006/customXml" ds:itemID="{9E8D3305-1D9D-4BC8-A40F-6F8AE50BD76B}">
   <ds:schemaRefs>
     <ds:schemaRef ds:uri="http://schemas.microsoft.com/office/2006/metadata/contentType"/>
@@ -12855,6 +14941,14 @@
     <ds:schemaRef ds:uri="http://purl.org/dc/elements/1.1/"/>
     <ds:schemaRef ds:uri="http://purl.org/dc/terms/"/>
     <ds:schemaRef ds:uri="http://schemas.microsoft.com/internal/obd"/>
+  </ds:schemaRefs>
+</ds:datastoreItem>
+</file>
+
+<file path=customXml/itemProps2.xml><?xml version="1.0" encoding="utf-8"?>
+<ds:datastoreItem xmlns:ds="http://schemas.openxmlformats.org/officeDocument/2006/customXml" ds:itemID="{A0D51BCB-0419-432E-B7F1-25548446A625}">
+  <ds:schemaRefs>
+    <ds:schemaRef ds:uri="http://schemas.microsoft.com/sharepoint/v3/contenttype/forms"/>
   </ds:schemaRefs>
 </ds:datastoreItem>
 </file>

--- a/빅데이터처리.pptx
+++ b/빅데이터처리.pptx
@@ -7888,8 +7888,8 @@
           </a:p>
         </p:txBody>
       </p:sp>
-      <mc:AlternateContent xmlns:mc="http://schemas.openxmlformats.org/markup-compatibility/2006" xmlns:a14="http://schemas.microsoft.com/office/drawing/2010/main">
-        <mc:Choice Requires="a14">
+      <mc:AlternateContent xmlns:mc="http://schemas.openxmlformats.org/markup-compatibility/2006">
+        <mc:Choice xmlns:a14="http://schemas.microsoft.com/office/drawing/2010/main" Requires="a14">
           <p:sp>
             <p:nvSpPr>
               <p:cNvPr id="5" name="TextBox 4">
@@ -7905,7 +7905,7 @@
             <p:spPr>
               <a:xfrm>
                 <a:off x="7850421" y="2110208"/>
-                <a:ext cx="2586798" cy="2776979"/>
+                <a:ext cx="3725694" cy="2776979"/>
               </a:xfrm>
               <a:prstGeom prst="rect">
                 <a:avLst/>
@@ -7913,7 +7913,7 @@
               <a:noFill/>
             </p:spPr>
             <p:txBody>
-              <a:bodyPr wrap="none" rtlCol="0">
+              <a:bodyPr wrap="square" rtlCol="0">
                 <a:spAutoFit/>
               </a:bodyPr>
               <a:lstStyle/>
@@ -8055,7 +8055,7 @@
             </p:txBody>
           </p:sp>
         </mc:Choice>
-        <mc:Fallback xmlns="">
+        <mc:Fallback>
           <p:sp>
             <p:nvSpPr>
               <p:cNvPr id="5" name="TextBox 4">
@@ -8073,7 +8073,7 @@
             <p:spPr>
               <a:xfrm>
                 <a:off x="7850421" y="2110208"/>
-                <a:ext cx="2586798" cy="2776979"/>
+                <a:ext cx="3725694" cy="2776979"/>
               </a:xfrm>
               <a:prstGeom prst="rect">
                 <a:avLst/>
@@ -8081,7 +8081,7 @@
               <a:blipFill>
                 <a:blip r:embed="rId4"/>
                 <a:stretch>
-                  <a:fillRect l="-3774" r="-14387" b="-1316"/>
+                  <a:fillRect l="-2619" b="-1316"/>
                 </a:stretch>
               </a:blipFill>
             </p:spPr>
@@ -8138,6 +8138,246 @@
           </a:p>
         </p:txBody>
       </p:sp>
+      <mc:AlternateContent xmlns:mc="http://schemas.openxmlformats.org/markup-compatibility/2006">
+        <mc:Choice xmlns:a14="http://schemas.microsoft.com/office/drawing/2010/main" Requires="a14">
+          <p:sp>
+            <p:nvSpPr>
+              <p:cNvPr id="7" name="TextBox 6">
+                <a:extLst>
+                  <a:ext uri="{FF2B5EF4-FFF2-40B4-BE49-F238E27FC236}">
+                    <a16:creationId xmlns:a16="http://schemas.microsoft.com/office/drawing/2014/main" id="{F455FA18-0E01-72B3-DE81-1F4E7421C27E}"/>
+                  </a:ext>
+                </a:extLst>
+              </p:cNvPr>
+              <p:cNvSpPr txBox="1"/>
+              <p:nvPr/>
+            </p:nvSpPr>
+            <p:spPr>
+              <a:xfrm>
+                <a:off x="7918516" y="5199983"/>
+                <a:ext cx="3725694" cy="584775"/>
+              </a:xfrm>
+              <a:prstGeom prst="rect">
+                <a:avLst/>
+              </a:prstGeom>
+              <a:noFill/>
+            </p:spPr>
+            <p:txBody>
+              <a:bodyPr wrap="square">
+                <a:spAutoFit/>
+              </a:bodyPr>
+              <a:lstStyle/>
+              <a:p>
+                <a:pPr/>
+                <a14:m>
+                  <m:oMath xmlns:m="http://schemas.openxmlformats.org/officeDocument/2006/math">
+                    <m:r>
+                      <a:rPr lang="en-US" altLang="ko-KR" sz="1600" b="0" i="1" smtClean="0">
+                        <a:latin typeface="Cambria Math" panose="02040503050406030204" pitchFamily="18" charset="0"/>
+                        <a:ea typeface="Cascadia Code SemiLight" panose="020B0609020000020004" pitchFamily="49" charset="0"/>
+                        <a:cs typeface="Cascadia Code SemiLight" panose="020B0609020000020004" pitchFamily="49" charset="0"/>
+                      </a:rPr>
+                      <m:t>𝑔</m:t>
+                    </m:r>
+                    <m:d>
+                      <m:dPr>
+                        <m:ctrlPr>
+                          <a:rPr lang="en-US" altLang="ko-KR" sz="1600" b="0" i="1" smtClean="0">
+                            <a:latin typeface="Cambria Math" panose="02040503050406030204" pitchFamily="18" charset="0"/>
+                            <a:ea typeface="Cascadia Code SemiLight" panose="020B0609020000020004" pitchFamily="49" charset="0"/>
+                            <a:cs typeface="Cascadia Code SemiLight" panose="020B0609020000020004" pitchFamily="49" charset="0"/>
+                          </a:rPr>
+                        </m:ctrlPr>
+                      </m:dPr>
+                      <m:e>
+                        <m:r>
+                          <a:rPr lang="en-US" altLang="ko-KR" sz="1600" b="0" i="1" smtClean="0">
+                            <a:latin typeface="Cambria Math" panose="02040503050406030204" pitchFamily="18" charset="0"/>
+                            <a:ea typeface="Cascadia Code SemiLight" panose="020B0609020000020004" pitchFamily="49" charset="0"/>
+                            <a:cs typeface="Cascadia Code SemiLight" panose="020B0609020000020004" pitchFamily="49" charset="0"/>
+                          </a:rPr>
+                          <m:t>𝑋</m:t>
+                        </m:r>
+                      </m:e>
+                    </m:d>
+                    <m:r>
+                      <a:rPr lang="en-US" altLang="ko-KR" sz="1600" b="0" i="1" smtClean="0">
+                        <a:latin typeface="Cambria Math" panose="02040503050406030204" pitchFamily="18" charset="0"/>
+                        <a:ea typeface="Cascadia Code SemiLight" panose="020B0609020000020004" pitchFamily="49" charset="0"/>
+                        <a:cs typeface="Cascadia Code SemiLight" panose="020B0609020000020004" pitchFamily="49" charset="0"/>
+                      </a:rPr>
+                      <m:t>, </m:t>
+                    </m:r>
+                    <m:r>
+                      <a:rPr lang="en-US" altLang="ko-KR" sz="1600" b="0" i="1" smtClean="0">
+                        <a:latin typeface="Cambria Math" panose="02040503050406030204" pitchFamily="18" charset="0"/>
+                        <a:ea typeface="Cascadia Code SemiLight" panose="020B0609020000020004" pitchFamily="49" charset="0"/>
+                        <a:cs typeface="Cascadia Code SemiLight" panose="020B0609020000020004" pitchFamily="49" charset="0"/>
+                      </a:rPr>
+                      <m:t>h</m:t>
+                    </m:r>
+                    <m:d>
+                      <m:dPr>
+                        <m:ctrlPr>
+                          <a:rPr lang="en-US" altLang="ko-KR" sz="1600" b="0" i="1" smtClean="0">
+                            <a:latin typeface="Cambria Math" panose="02040503050406030204" pitchFamily="18" charset="0"/>
+                            <a:ea typeface="Cascadia Code SemiLight" panose="020B0609020000020004" pitchFamily="49" charset="0"/>
+                            <a:cs typeface="Cascadia Code SemiLight" panose="020B0609020000020004" pitchFamily="49" charset="0"/>
+                          </a:rPr>
+                        </m:ctrlPr>
+                      </m:dPr>
+                      <m:e>
+                        <m:r>
+                          <a:rPr lang="en-US" altLang="ko-KR" sz="1600" b="0" i="1" smtClean="0">
+                            <a:latin typeface="Cambria Math" panose="02040503050406030204" pitchFamily="18" charset="0"/>
+                            <a:ea typeface="Cascadia Code SemiLight" panose="020B0609020000020004" pitchFamily="49" charset="0"/>
+                            <a:cs typeface="Cascadia Code SemiLight" panose="020B0609020000020004" pitchFamily="49" charset="0"/>
+                          </a:rPr>
+                          <m:t>𝑥</m:t>
+                        </m:r>
+                      </m:e>
+                    </m:d>
+                  </m:oMath>
+                </a14:m>
+                <a:r>
+                  <a:rPr lang="en-US" altLang="ko-KR" sz="1600" b="0" i="1" dirty="0">
+                    <a:latin typeface="Cambria Math" panose="02040503050406030204" pitchFamily="18" charset="0"/>
+                    <a:ea typeface="Cascadia Code SemiLight" panose="020B0609020000020004" pitchFamily="49" charset="0"/>
+                    <a:cs typeface="Cascadia Code SemiLight" panose="020B0609020000020004" pitchFamily="49" charset="0"/>
+                  </a:rPr>
+                  <a:t>, ……………….,</a:t>
+                </a:r>
+              </a:p>
+              <a:p>
+                <a:pPr/>
+                <a14:m>
+                  <m:oMathPara xmlns:m="http://schemas.openxmlformats.org/officeDocument/2006/math">
+                    <m:oMathParaPr>
+                      <m:jc m:val="left"/>
+                    </m:oMathParaPr>
+                    <m:oMath xmlns:m="http://schemas.openxmlformats.org/officeDocument/2006/math">
+                      <m:r>
+                        <a:rPr lang="en-US" altLang="ko-KR" sz="1600" b="0" i="1" smtClean="0">
+                          <a:latin typeface="Cambria Math" panose="02040503050406030204" pitchFamily="18" charset="0"/>
+                          <a:ea typeface="Cascadia Code SemiLight" panose="020B0609020000020004" pitchFamily="49" charset="0"/>
+                          <a:cs typeface="Cascadia Code SemiLight" panose="020B0609020000020004" pitchFamily="49" charset="0"/>
+                        </a:rPr>
+                        <m:t>𝑑𝑒𝑒𝑝𝑙𝑒𝑎𝑟𝑛𝑖𝑛𝑔</m:t>
+                      </m:r>
+                      <m:d>
+                        <m:dPr>
+                          <m:ctrlPr>
+                            <a:rPr lang="en-US" altLang="ko-KR" sz="1600" b="0" i="1" smtClean="0">
+                              <a:latin typeface="Cambria Math" panose="02040503050406030204" pitchFamily="18" charset="0"/>
+                              <a:ea typeface="Cascadia Code SemiLight" panose="020B0609020000020004" pitchFamily="49" charset="0"/>
+                              <a:cs typeface="Cascadia Code SemiLight" panose="020B0609020000020004" pitchFamily="49" charset="0"/>
+                            </a:rPr>
+                          </m:ctrlPr>
+                        </m:dPr>
+                        <m:e>
+                          <m:r>
+                            <a:rPr lang="en-US" altLang="ko-KR" sz="1600" b="0" i="1" smtClean="0">
+                              <a:latin typeface="Cambria Math" panose="02040503050406030204" pitchFamily="18" charset="0"/>
+                              <a:ea typeface="Cascadia Code SemiLight" panose="020B0609020000020004" pitchFamily="49" charset="0"/>
+                              <a:cs typeface="Cascadia Code SemiLight" panose="020B0609020000020004" pitchFamily="49" charset="0"/>
+                            </a:rPr>
+                            <m:t>𝑋</m:t>
+                          </m:r>
+                        </m:e>
+                      </m:d>
+                      <m:r>
+                        <a:rPr lang="en-US" altLang="ko-KR" sz="1600" b="0" i="1" smtClean="0">
+                          <a:latin typeface="Cambria Math" panose="02040503050406030204" pitchFamily="18" charset="0"/>
+                          <a:ea typeface="Cascadia Code SemiLight" panose="020B0609020000020004" pitchFamily="49" charset="0"/>
+                          <a:cs typeface="Cascadia Code SemiLight" panose="020B0609020000020004" pitchFamily="49" charset="0"/>
+                        </a:rPr>
+                        <m:t>, </m:t>
+                      </m:r>
+                      <m:r>
+                        <a:rPr lang="en-US" altLang="ko-KR" sz="1600" b="0" i="1" smtClean="0">
+                          <a:latin typeface="Cambria Math" panose="02040503050406030204" pitchFamily="18" charset="0"/>
+                          <a:ea typeface="Cascadia Code SemiLight" panose="020B0609020000020004" pitchFamily="49" charset="0"/>
+                          <a:cs typeface="Cascadia Code SemiLight" panose="020B0609020000020004" pitchFamily="49" charset="0"/>
+                        </a:rPr>
+                        <m:t>𝑐h𝑎𝑡𝐺𝑃𝑇</m:t>
+                      </m:r>
+                      <m:r>
+                        <a:rPr lang="en-US" altLang="ko-KR" sz="1600" b="0" i="1" smtClean="0">
+                          <a:latin typeface="Cambria Math" panose="02040503050406030204" pitchFamily="18" charset="0"/>
+                          <a:ea typeface="Cascadia Code SemiLight" panose="020B0609020000020004" pitchFamily="49" charset="0"/>
+                          <a:cs typeface="Cascadia Code SemiLight" panose="020B0609020000020004" pitchFamily="49" charset="0"/>
+                        </a:rPr>
+                        <m:t>(</m:t>
+                      </m:r>
+                      <m:r>
+                        <a:rPr lang="en-US" altLang="ko-KR" sz="1600" b="0" i="1" smtClean="0">
+                          <a:latin typeface="Cambria Math" panose="02040503050406030204" pitchFamily="18" charset="0"/>
+                          <a:ea typeface="Cascadia Code SemiLight" panose="020B0609020000020004" pitchFamily="49" charset="0"/>
+                          <a:cs typeface="Cascadia Code SemiLight" panose="020B0609020000020004" pitchFamily="49" charset="0"/>
+                        </a:rPr>
+                        <m:t>𝑋</m:t>
+                      </m:r>
+                      <m:r>
+                        <a:rPr lang="en-US" altLang="ko-KR" sz="1600" b="0" i="1" smtClean="0">
+                          <a:latin typeface="Cambria Math" panose="02040503050406030204" pitchFamily="18" charset="0"/>
+                          <a:ea typeface="Cascadia Code SemiLight" panose="020B0609020000020004" pitchFamily="49" charset="0"/>
+                          <a:cs typeface="Cascadia Code SemiLight" panose="020B0609020000020004" pitchFamily="49" charset="0"/>
+                        </a:rPr>
+                        <m:t>)</m:t>
+                      </m:r>
+                    </m:oMath>
+                  </m:oMathPara>
+                </a14:m>
+                <a:endParaRPr lang="ko-KR" altLang="en-US" sz="1600" i="1" dirty="0"/>
+              </a:p>
+            </p:txBody>
+          </p:sp>
+        </mc:Choice>
+        <mc:Fallback>
+          <p:sp>
+            <p:nvSpPr>
+              <p:cNvPr id="7" name="TextBox 6">
+                <a:extLst>
+                  <a:ext uri="{FF2B5EF4-FFF2-40B4-BE49-F238E27FC236}">
+                    <a16:creationId xmlns:a16="http://schemas.microsoft.com/office/drawing/2014/main" id="{F455FA18-0E01-72B3-DE81-1F4E7421C27E}"/>
+                  </a:ext>
+                </a:extLst>
+              </p:cNvPr>
+              <p:cNvSpPr txBox="1">
+                <a:spLocks noRot="1" noChangeAspect="1" noMove="1" noResize="1" noEditPoints="1" noAdjustHandles="1" noChangeArrowheads="1" noChangeShapeType="1" noTextEdit="1"/>
+              </p:cNvSpPr>
+              <p:nvPr/>
+            </p:nvSpPr>
+            <p:spPr>
+              <a:xfrm>
+                <a:off x="7918516" y="5199983"/>
+                <a:ext cx="3725694" cy="584775"/>
+              </a:xfrm>
+              <a:prstGeom prst="rect">
+                <a:avLst/>
+              </a:prstGeom>
+              <a:blipFill>
+                <a:blip r:embed="rId5"/>
+                <a:stretch>
+                  <a:fillRect l="-164" t="-4167" b="-7292"/>
+                </a:stretch>
+              </a:blipFill>
+            </p:spPr>
+            <p:txBody>
+              <a:bodyPr/>
+              <a:lstStyle/>
+              <a:p>
+                <a:r>
+                  <a:rPr lang="ko-KR" altLang="en-US">
+                    <a:noFill/>
+                  </a:rPr>
+                  <a:t> </a:t>
+                </a:r>
+              </a:p>
+            </p:txBody>
+          </p:sp>
+        </mc:Fallback>
+      </mc:AlternateContent>
     </p:spTree>
     <p:extLst>
       <p:ext uri="{BB962C8B-B14F-4D97-AF65-F5344CB8AC3E}">
@@ -8201,6 +8441,51 @@
                       </p:childTnLst>
                     </p:cTn>
                   </p:par>
+                  <p:par>
+                    <p:cTn id="7" fill="hold">
+                      <p:stCondLst>
+                        <p:cond delay="indefinite"/>
+                      </p:stCondLst>
+                      <p:childTnLst>
+                        <p:par>
+                          <p:cTn id="8" fill="hold">
+                            <p:stCondLst>
+                              <p:cond delay="0"/>
+                            </p:stCondLst>
+                            <p:childTnLst>
+                              <p:par>
+                                <p:cTn id="9" presetID="1" presetClass="entr" presetSubtype="0" fill="hold" grpId="0" nodeType="clickEffect">
+                                  <p:stCondLst>
+                                    <p:cond delay="0"/>
+                                  </p:stCondLst>
+                                  <p:childTnLst>
+                                    <p:set>
+                                      <p:cBhvr>
+                                        <p:cTn id="10" dur="1" fill="hold">
+                                          <p:stCondLst>
+                                            <p:cond delay="0"/>
+                                          </p:stCondLst>
+                                        </p:cTn>
+                                        <p:tgtEl>
+                                          <p:spTgt spid="7"/>
+                                        </p:tgtEl>
+                                        <p:attrNameLst>
+                                          <p:attrName>style.visibility</p:attrName>
+                                        </p:attrNameLst>
+                                      </p:cBhvr>
+                                      <p:to>
+                                        <p:strVal val="visible"/>
+                                      </p:to>
+                                    </p:set>
+                                  </p:childTnLst>
+                                </p:cTn>
+                              </p:par>
+                            </p:childTnLst>
+                          </p:cTn>
+                        </p:par>
+                      </p:childTnLst>
+                    </p:cTn>
+                  </p:par>
                 </p:childTnLst>
               </p:cTn>
               <p:prevCondLst>
@@ -8224,6 +8509,7 @@
     </p:tnLst>
     <p:bldLst>
       <p:bldP spid="5" grpId="0"/>
+      <p:bldP spid="7" grpId="0"/>
     </p:bldLst>
   </p:timing>
 </p:sld>

--- a/빅데이터처리.pptx
+++ b/빅데이터처리.pptx
@@ -5,10 +5,10 @@
     <p:sldMasterId id="2147483744" r:id="rId4"/>
   </p:sldMasterIdLst>
   <p:notesMasterIdLst>
-    <p:notesMasterId r:id="rId23"/>
+    <p:notesMasterId r:id="rId25"/>
   </p:notesMasterIdLst>
   <p:handoutMasterIdLst>
-    <p:handoutMasterId r:id="rId24"/>
+    <p:handoutMasterId r:id="rId26"/>
   </p:handoutMasterIdLst>
   <p:sldIdLst>
     <p:sldId id="256" r:id="rId5"/>
@@ -23,12 +23,14 @@
     <p:sldId id="291" r:id="rId14"/>
     <p:sldId id="290" r:id="rId15"/>
     <p:sldId id="289" r:id="rId16"/>
-    <p:sldId id="292" r:id="rId17"/>
-    <p:sldId id="293" r:id="rId18"/>
-    <p:sldId id="294" r:id="rId19"/>
-    <p:sldId id="285" r:id="rId20"/>
-    <p:sldId id="287" r:id="rId21"/>
-    <p:sldId id="288" r:id="rId22"/>
+    <p:sldId id="295" r:id="rId17"/>
+    <p:sldId id="296" r:id="rId18"/>
+    <p:sldId id="292" r:id="rId19"/>
+    <p:sldId id="293" r:id="rId20"/>
+    <p:sldId id="294" r:id="rId21"/>
+    <p:sldId id="285" r:id="rId22"/>
+    <p:sldId id="287" r:id="rId23"/>
+    <p:sldId id="288" r:id="rId24"/>
   </p:sldIdLst>
   <p:sldSz cx="12192000" cy="6858000"/>
   <p:notesSz cx="6858000" cy="9144000"/>
@@ -9307,6 +9309,381 @@
         <p:spPr>
           <a:xfrm>
             <a:off x="499620" y="1222602"/>
+            <a:ext cx="1991251" cy="400110"/>
+          </a:xfrm>
+          <a:prstGeom prst="rect">
+            <a:avLst/>
+          </a:prstGeom>
+          <a:noFill/>
+        </p:spPr>
+        <p:txBody>
+          <a:bodyPr wrap="none" rtlCol="0">
+            <a:spAutoFit/>
+          </a:bodyPr>
+          <a:lstStyle/>
+          <a:p>
+            <a:r>
+              <a:rPr lang="ko-KR" altLang="en-US" sz="2000" dirty="0">
+                <a:latin typeface="한컴 고딕" panose="02000500000000000000" pitchFamily="2" charset="-127"/>
+                <a:ea typeface="한컴 고딕" panose="02000500000000000000" pitchFamily="2" charset="-127"/>
+              </a:rPr>
+              <a:t>알고리즘의</a:t>
+            </a:r>
+            <a:r>
+              <a:rPr lang="en-US" altLang="ko-KR" sz="2000" dirty="0">
+                <a:latin typeface="한컴 고딕" panose="02000500000000000000" pitchFamily="2" charset="-127"/>
+                <a:ea typeface="한컴 고딕" panose="02000500000000000000" pitchFamily="2" charset="-127"/>
+              </a:rPr>
+              <a:t> </a:t>
+            </a:r>
+            <a:r>
+              <a:rPr lang="ko-KR" altLang="en-US" sz="2000" dirty="0">
+                <a:latin typeface="한컴 고딕" panose="02000500000000000000" pitchFamily="2" charset="-127"/>
+                <a:ea typeface="한컴 고딕" panose="02000500000000000000" pitchFamily="2" charset="-127"/>
+              </a:rPr>
+              <a:t>종류</a:t>
+            </a:r>
+          </a:p>
+        </p:txBody>
+      </p:sp>
+      <p:pic>
+        <p:nvPicPr>
+          <p:cNvPr id="7" name="그림 6">
+            <a:extLst>
+              <a:ext uri="{FF2B5EF4-FFF2-40B4-BE49-F238E27FC236}">
+                <a16:creationId xmlns:a16="http://schemas.microsoft.com/office/drawing/2014/main" id="{FAFE3038-BE9F-7553-C7B6-D9698308C849}"/>
+              </a:ext>
+            </a:extLst>
+          </p:cNvPr>
+          <p:cNvPicPr>
+            <a:picLocks noChangeAspect="1"/>
+          </p:cNvPicPr>
+          <p:nvPr/>
+        </p:nvPicPr>
+        <p:blipFill>
+          <a:blip r:embed="rId2"/>
+          <a:stretch>
+            <a:fillRect/>
+          </a:stretch>
+        </p:blipFill>
+        <p:spPr>
+          <a:xfrm>
+            <a:off x="2332407" y="2184480"/>
+            <a:ext cx="7696867" cy="3299746"/>
+          </a:xfrm>
+          <a:prstGeom prst="rect">
+            <a:avLst/>
+          </a:prstGeom>
+        </p:spPr>
+      </p:pic>
+    </p:spTree>
+    <p:extLst>
+      <p:ext uri="{BB962C8B-B14F-4D97-AF65-F5344CB8AC3E}">
+        <p14:creationId xmlns:p14="http://schemas.microsoft.com/office/powerpoint/2010/main" val="3869555279"/>
+      </p:ext>
+    </p:extLst>
+  </p:cSld>
+  <p:clrMapOvr>
+    <a:masterClrMapping/>
+  </p:clrMapOvr>
+</p:sld>
+</file>
+
+<file path=ppt/slides/slide14.xml><?xml version="1.0" encoding="utf-8"?>
+<p:sld xmlns:a="http://schemas.openxmlformats.org/drawingml/2006/main" xmlns:r="http://schemas.openxmlformats.org/officeDocument/2006/relationships" xmlns:p="http://schemas.openxmlformats.org/presentationml/2006/main">
+  <p:cSld>
+    <p:spTree>
+      <p:nvGrpSpPr>
+        <p:cNvPr id="1" name=""/>
+        <p:cNvGrpSpPr/>
+        <p:nvPr/>
+      </p:nvGrpSpPr>
+      <p:grpSpPr>
+        <a:xfrm>
+          <a:off x="0" y="0"/>
+          <a:ext cx="0" cy="0"/>
+          <a:chOff x="0" y="0"/>
+          <a:chExt cx="0" cy="0"/>
+        </a:xfrm>
+      </p:grpSpPr>
+      <p:sp>
+        <p:nvSpPr>
+          <p:cNvPr id="2" name="제목 1">
+            <a:extLst>
+              <a:ext uri="{FF2B5EF4-FFF2-40B4-BE49-F238E27FC236}">
+                <a16:creationId xmlns:a16="http://schemas.microsoft.com/office/drawing/2014/main" id="{31A8128C-D73F-1FBA-6E47-3A0ECCF53BDA}"/>
+              </a:ext>
+            </a:extLst>
+          </p:cNvPr>
+          <p:cNvSpPr>
+            <a:spLocks noGrp="1"/>
+          </p:cNvSpPr>
+          <p:nvPr>
+            <p:ph type="title"/>
+          </p:nvPr>
+        </p:nvSpPr>
+        <p:spPr>
+          <a:xfrm>
+            <a:off x="223266" y="217270"/>
+            <a:ext cx="10131425" cy="659352"/>
+          </a:xfrm>
+        </p:spPr>
+        <p:txBody>
+          <a:bodyPr>
+            <a:normAutofit/>
+          </a:bodyPr>
+          <a:lstStyle/>
+          <a:p>
+            <a:r>
+              <a:rPr lang="en-US" altLang="ko-KR" sz="2800" b="1" dirty="0"/>
+              <a:t>Machine Learning</a:t>
+            </a:r>
+            <a:endParaRPr lang="ko-KR" altLang="en-US" sz="2800" b="1" dirty="0"/>
+          </a:p>
+        </p:txBody>
+      </p:sp>
+      <p:sp>
+        <p:nvSpPr>
+          <p:cNvPr id="10" name="바닥글 개체 틀 3">
+            <a:extLst>
+              <a:ext uri="{FF2B5EF4-FFF2-40B4-BE49-F238E27FC236}">
+                <a16:creationId xmlns:a16="http://schemas.microsoft.com/office/drawing/2014/main" id="{F6006E43-C489-7FA1-AF2E-6F49929124A9}"/>
+              </a:ext>
+            </a:extLst>
+          </p:cNvPr>
+          <p:cNvSpPr>
+            <a:spLocks noGrp="1"/>
+          </p:cNvSpPr>
+          <p:nvPr>
+            <p:ph type="ftr" sz="quarter" idx="11"/>
+          </p:nvPr>
+        </p:nvSpPr>
+        <p:spPr>
+          <a:xfrm>
+            <a:off x="4343399" y="6426758"/>
+            <a:ext cx="7827659" cy="377825"/>
+          </a:xfrm>
+        </p:spPr>
+        <p:txBody>
+          <a:bodyPr/>
+          <a:lstStyle/>
+          <a:p>
+            <a:pPr algn="r"/>
+            <a:fld id="{77860235-9F74-41DF-BC51-71A4257E4966}" type="slidenum">
+              <a:rPr lang="ko-KR" altLang="en-US" sz="1200" b="1" smtClean="0"/>
+              <a:pPr algn="r"/>
+              <a:t>14</a:t>
+            </a:fld>
+            <a:endParaRPr lang="ko-KR" altLang="en-US" sz="1200" b="1" dirty="0"/>
+          </a:p>
+        </p:txBody>
+      </p:sp>
+      <p:sp>
+        <p:nvSpPr>
+          <p:cNvPr id="28" name="TextBox 27">
+            <a:extLst>
+              <a:ext uri="{FF2B5EF4-FFF2-40B4-BE49-F238E27FC236}">
+                <a16:creationId xmlns:a16="http://schemas.microsoft.com/office/drawing/2014/main" id="{A5E34A87-9BFA-5F23-BC33-2363281BA916}"/>
+              </a:ext>
+            </a:extLst>
+          </p:cNvPr>
+          <p:cNvSpPr txBox="1"/>
+          <p:nvPr/>
+        </p:nvSpPr>
+        <p:spPr>
+          <a:xfrm>
+            <a:off x="499620" y="1222602"/>
+            <a:ext cx="2468946" cy="400110"/>
+          </a:xfrm>
+          <a:prstGeom prst="rect">
+            <a:avLst/>
+          </a:prstGeom>
+          <a:noFill/>
+        </p:spPr>
+        <p:txBody>
+          <a:bodyPr wrap="none" rtlCol="0">
+            <a:spAutoFit/>
+          </a:bodyPr>
+          <a:lstStyle/>
+          <a:p>
+            <a:r>
+              <a:rPr lang="ko-KR" altLang="en-US" sz="2000" dirty="0" err="1">
+                <a:latin typeface="한컴 고딕" panose="02000500000000000000" pitchFamily="2" charset="-127"/>
+                <a:ea typeface="한컴 고딕" panose="02000500000000000000" pitchFamily="2" charset="-127"/>
+              </a:rPr>
+              <a:t>머신러닝</a:t>
+            </a:r>
+            <a:r>
+              <a:rPr lang="ko-KR" altLang="en-US" sz="2000" dirty="0">
+                <a:latin typeface="한컴 고딕" panose="02000500000000000000" pitchFamily="2" charset="-127"/>
+                <a:ea typeface="한컴 고딕" panose="02000500000000000000" pitchFamily="2" charset="-127"/>
+              </a:rPr>
+              <a:t> 모델의</a:t>
+            </a:r>
+            <a:r>
+              <a:rPr lang="en-US" altLang="ko-KR" sz="2000" dirty="0">
+                <a:latin typeface="한컴 고딕" panose="02000500000000000000" pitchFamily="2" charset="-127"/>
+                <a:ea typeface="한컴 고딕" panose="02000500000000000000" pitchFamily="2" charset="-127"/>
+              </a:rPr>
+              <a:t> </a:t>
+            </a:r>
+            <a:r>
+              <a:rPr lang="ko-KR" altLang="en-US" sz="2000" dirty="0">
+                <a:latin typeface="한컴 고딕" panose="02000500000000000000" pitchFamily="2" charset="-127"/>
+                <a:ea typeface="한컴 고딕" panose="02000500000000000000" pitchFamily="2" charset="-127"/>
+              </a:rPr>
+              <a:t>종류</a:t>
+            </a:r>
+          </a:p>
+        </p:txBody>
+      </p:sp>
+      <p:pic>
+        <p:nvPicPr>
+          <p:cNvPr id="4" name="그림 3">
+            <a:extLst>
+              <a:ext uri="{FF2B5EF4-FFF2-40B4-BE49-F238E27FC236}">
+                <a16:creationId xmlns:a16="http://schemas.microsoft.com/office/drawing/2014/main" id="{8331F7FA-832A-DAFF-A375-D2EEB6C1C36B}"/>
+              </a:ext>
+            </a:extLst>
+          </p:cNvPr>
+          <p:cNvPicPr>
+            <a:picLocks noChangeAspect="1"/>
+          </p:cNvPicPr>
+          <p:nvPr/>
+        </p:nvPicPr>
+        <p:blipFill>
+          <a:blip r:embed="rId2"/>
+          <a:stretch>
+            <a:fillRect/>
+          </a:stretch>
+        </p:blipFill>
+        <p:spPr>
+          <a:xfrm>
+            <a:off x="1394274" y="2362773"/>
+            <a:ext cx="9723963" cy="3093988"/>
+          </a:xfrm>
+          <a:prstGeom prst="rect">
+            <a:avLst/>
+          </a:prstGeom>
+        </p:spPr>
+      </p:pic>
+    </p:spTree>
+    <p:extLst>
+      <p:ext uri="{BB962C8B-B14F-4D97-AF65-F5344CB8AC3E}">
+        <p14:creationId xmlns:p14="http://schemas.microsoft.com/office/powerpoint/2010/main" val="452876297"/>
+      </p:ext>
+    </p:extLst>
+  </p:cSld>
+  <p:clrMapOvr>
+    <a:masterClrMapping/>
+  </p:clrMapOvr>
+</p:sld>
+</file>
+
+<file path=ppt/slides/slide15.xml><?xml version="1.0" encoding="utf-8"?>
+<p:sld xmlns:a="http://schemas.openxmlformats.org/drawingml/2006/main" xmlns:r="http://schemas.openxmlformats.org/officeDocument/2006/relationships" xmlns:p="http://schemas.openxmlformats.org/presentationml/2006/main">
+  <p:cSld>
+    <p:spTree>
+      <p:nvGrpSpPr>
+        <p:cNvPr id="1" name=""/>
+        <p:cNvGrpSpPr/>
+        <p:nvPr/>
+      </p:nvGrpSpPr>
+      <p:grpSpPr>
+        <a:xfrm>
+          <a:off x="0" y="0"/>
+          <a:ext cx="0" cy="0"/>
+          <a:chOff x="0" y="0"/>
+          <a:chExt cx="0" cy="0"/>
+        </a:xfrm>
+      </p:grpSpPr>
+      <p:sp>
+        <p:nvSpPr>
+          <p:cNvPr id="2" name="제목 1">
+            <a:extLst>
+              <a:ext uri="{FF2B5EF4-FFF2-40B4-BE49-F238E27FC236}">
+                <a16:creationId xmlns:a16="http://schemas.microsoft.com/office/drawing/2014/main" id="{31A8128C-D73F-1FBA-6E47-3A0ECCF53BDA}"/>
+              </a:ext>
+            </a:extLst>
+          </p:cNvPr>
+          <p:cNvSpPr>
+            <a:spLocks noGrp="1"/>
+          </p:cNvSpPr>
+          <p:nvPr>
+            <p:ph type="title"/>
+          </p:nvPr>
+        </p:nvSpPr>
+        <p:spPr>
+          <a:xfrm>
+            <a:off x="223266" y="217270"/>
+            <a:ext cx="10131425" cy="659352"/>
+          </a:xfrm>
+        </p:spPr>
+        <p:txBody>
+          <a:bodyPr>
+            <a:normAutofit/>
+          </a:bodyPr>
+          <a:lstStyle/>
+          <a:p>
+            <a:r>
+              <a:rPr lang="en-US" altLang="ko-KR" sz="2800" b="1" dirty="0"/>
+              <a:t>Machine Learning</a:t>
+            </a:r>
+            <a:endParaRPr lang="ko-KR" altLang="en-US" sz="2800" b="1" dirty="0"/>
+          </a:p>
+        </p:txBody>
+      </p:sp>
+      <p:sp>
+        <p:nvSpPr>
+          <p:cNvPr id="10" name="바닥글 개체 틀 3">
+            <a:extLst>
+              <a:ext uri="{FF2B5EF4-FFF2-40B4-BE49-F238E27FC236}">
+                <a16:creationId xmlns:a16="http://schemas.microsoft.com/office/drawing/2014/main" id="{F6006E43-C489-7FA1-AF2E-6F49929124A9}"/>
+              </a:ext>
+            </a:extLst>
+          </p:cNvPr>
+          <p:cNvSpPr>
+            <a:spLocks noGrp="1"/>
+          </p:cNvSpPr>
+          <p:nvPr>
+            <p:ph type="ftr" sz="quarter" idx="11"/>
+          </p:nvPr>
+        </p:nvSpPr>
+        <p:spPr>
+          <a:xfrm>
+            <a:off x="4343399" y="6426758"/>
+            <a:ext cx="7827659" cy="377825"/>
+          </a:xfrm>
+        </p:spPr>
+        <p:txBody>
+          <a:bodyPr/>
+          <a:lstStyle/>
+          <a:p>
+            <a:pPr algn="r"/>
+            <a:fld id="{77860235-9F74-41DF-BC51-71A4257E4966}" type="slidenum">
+              <a:rPr lang="ko-KR" altLang="en-US" sz="1200" b="1" smtClean="0"/>
+              <a:pPr algn="r"/>
+              <a:t>15</a:t>
+            </a:fld>
+            <a:endParaRPr lang="ko-KR" altLang="en-US" sz="1200" b="1" dirty="0"/>
+          </a:p>
+        </p:txBody>
+      </p:sp>
+      <p:sp>
+        <p:nvSpPr>
+          <p:cNvPr id="28" name="TextBox 27">
+            <a:extLst>
+              <a:ext uri="{FF2B5EF4-FFF2-40B4-BE49-F238E27FC236}">
+                <a16:creationId xmlns:a16="http://schemas.microsoft.com/office/drawing/2014/main" id="{A5E34A87-9BFA-5F23-BC33-2363281BA916}"/>
+              </a:ext>
+            </a:extLst>
+          </p:cNvPr>
+          <p:cNvSpPr txBox="1"/>
+          <p:nvPr/>
+        </p:nvSpPr>
+        <p:spPr>
+          <a:xfrm>
+            <a:off x="499620" y="1222602"/>
             <a:ext cx="8364790" cy="400110"/>
           </a:xfrm>
           <a:prstGeom prst="rect">
@@ -9471,1829 +9848,6 @@
 </p:sld>
 </file>
 
-<file path=ppt/slides/slide14.xml><?xml version="1.0" encoding="utf-8"?>
-<p:sld xmlns:a="http://schemas.openxmlformats.org/drawingml/2006/main" xmlns:r="http://schemas.openxmlformats.org/officeDocument/2006/relationships" xmlns:p="http://schemas.openxmlformats.org/presentationml/2006/main">
-  <p:cSld>
-    <p:spTree>
-      <p:nvGrpSpPr>
-        <p:cNvPr id="1" name=""/>
-        <p:cNvGrpSpPr/>
-        <p:nvPr/>
-      </p:nvGrpSpPr>
-      <p:grpSpPr>
-        <a:xfrm>
-          <a:off x="0" y="0"/>
-          <a:ext cx="0" cy="0"/>
-          <a:chOff x="0" y="0"/>
-          <a:chExt cx="0" cy="0"/>
-        </a:xfrm>
-      </p:grpSpPr>
-      <p:sp>
-        <p:nvSpPr>
-          <p:cNvPr id="2" name="제목 1">
-            <a:extLst>
-              <a:ext uri="{FF2B5EF4-FFF2-40B4-BE49-F238E27FC236}">
-                <a16:creationId xmlns:a16="http://schemas.microsoft.com/office/drawing/2014/main" id="{31A8128C-D73F-1FBA-6E47-3A0ECCF53BDA}"/>
-              </a:ext>
-            </a:extLst>
-          </p:cNvPr>
-          <p:cNvSpPr>
-            <a:spLocks noGrp="1"/>
-          </p:cNvSpPr>
-          <p:nvPr>
-            <p:ph type="title"/>
-          </p:nvPr>
-        </p:nvSpPr>
-        <p:spPr>
-          <a:xfrm>
-            <a:off x="223266" y="217270"/>
-            <a:ext cx="10131425" cy="659352"/>
-          </a:xfrm>
-        </p:spPr>
-        <p:txBody>
-          <a:bodyPr>
-            <a:normAutofit/>
-          </a:bodyPr>
-          <a:lstStyle/>
-          <a:p>
-            <a:r>
-              <a:rPr lang="en-US" altLang="ko-KR" sz="2800" b="1" dirty="0"/>
-              <a:t>Machine Learning</a:t>
-            </a:r>
-            <a:endParaRPr lang="ko-KR" altLang="en-US" sz="2800" b="1" dirty="0"/>
-          </a:p>
-        </p:txBody>
-      </p:sp>
-      <p:sp>
-        <p:nvSpPr>
-          <p:cNvPr id="10" name="바닥글 개체 틀 3">
-            <a:extLst>
-              <a:ext uri="{FF2B5EF4-FFF2-40B4-BE49-F238E27FC236}">
-                <a16:creationId xmlns:a16="http://schemas.microsoft.com/office/drawing/2014/main" id="{F6006E43-C489-7FA1-AF2E-6F49929124A9}"/>
-              </a:ext>
-            </a:extLst>
-          </p:cNvPr>
-          <p:cNvSpPr>
-            <a:spLocks noGrp="1"/>
-          </p:cNvSpPr>
-          <p:nvPr>
-            <p:ph type="ftr" sz="quarter" idx="11"/>
-          </p:nvPr>
-        </p:nvSpPr>
-        <p:spPr>
-          <a:xfrm>
-            <a:off x="4343399" y="6426758"/>
-            <a:ext cx="7827659" cy="377825"/>
-          </a:xfrm>
-        </p:spPr>
-        <p:txBody>
-          <a:bodyPr/>
-          <a:lstStyle/>
-          <a:p>
-            <a:pPr algn="r"/>
-            <a:fld id="{77860235-9F74-41DF-BC51-71A4257E4966}" type="slidenum">
-              <a:rPr lang="ko-KR" altLang="en-US" sz="1200" b="1" smtClean="0"/>
-              <a:pPr algn="r"/>
-              <a:t>14</a:t>
-            </a:fld>
-            <a:endParaRPr lang="ko-KR" altLang="en-US" sz="1200" b="1" dirty="0"/>
-          </a:p>
-        </p:txBody>
-      </p:sp>
-      <p:sp>
-        <p:nvSpPr>
-          <p:cNvPr id="7" name="TextBox 6">
-            <a:extLst>
-              <a:ext uri="{FF2B5EF4-FFF2-40B4-BE49-F238E27FC236}">
-                <a16:creationId xmlns:a16="http://schemas.microsoft.com/office/drawing/2014/main" id="{F48BA815-1326-DCEA-7705-0ABBEAA09DE9}"/>
-              </a:ext>
-            </a:extLst>
-          </p:cNvPr>
-          <p:cNvSpPr txBox="1"/>
-          <p:nvPr/>
-        </p:nvSpPr>
-        <p:spPr>
-          <a:xfrm>
-            <a:off x="1626271" y="2149241"/>
-            <a:ext cx="8271873" cy="3970318"/>
-          </a:xfrm>
-          <a:prstGeom prst="rect">
-            <a:avLst/>
-          </a:prstGeom>
-          <a:solidFill>
-            <a:srgbClr val="009EDE"/>
-          </a:solidFill>
-        </p:spPr>
-        <p:txBody>
-          <a:bodyPr wrap="square">
-            <a:spAutoFit/>
-          </a:bodyPr>
-          <a:lstStyle/>
-          <a:p>
-            <a:r>
-              <a:rPr lang="ko-KR" altLang="en-US" dirty="0">
-                <a:latin typeface="Segoe UI Variable Small Semilig" pitchFamily="2" charset="0"/>
-                <a:ea typeface="HY신명조" panose="02030600000101010101" pitchFamily="18" charset="-127"/>
-              </a:rPr>
-              <a:t># </a:t>
-            </a:r>
-            <a:r>
-              <a:rPr lang="ko-KR" altLang="en-US" dirty="0" err="1">
-                <a:latin typeface="Segoe UI Variable Small Semilig" pitchFamily="2" charset="0"/>
-                <a:ea typeface="HY신명조" panose="02030600000101010101" pitchFamily="18" charset="-127"/>
-              </a:rPr>
-              <a:t>Load</a:t>
-            </a:r>
-            <a:r>
-              <a:rPr lang="ko-KR" altLang="en-US" dirty="0">
-                <a:latin typeface="Segoe UI Variable Small Semilig" pitchFamily="2" charset="0"/>
-                <a:ea typeface="HY신명조" panose="02030600000101010101" pitchFamily="18" charset="-127"/>
-              </a:rPr>
-              <a:t> </a:t>
-            </a:r>
-            <a:r>
-              <a:rPr lang="ko-KR" altLang="en-US" dirty="0" err="1">
-                <a:latin typeface="Segoe UI Variable Small Semilig" pitchFamily="2" charset="0"/>
-                <a:ea typeface="HY신명조" panose="02030600000101010101" pitchFamily="18" charset="-127"/>
-              </a:rPr>
-              <a:t>the</a:t>
-            </a:r>
-            <a:r>
-              <a:rPr lang="ko-KR" altLang="en-US" dirty="0">
-                <a:latin typeface="Segoe UI Variable Small Semilig" pitchFamily="2" charset="0"/>
-                <a:ea typeface="HY신명조" panose="02030600000101010101" pitchFamily="18" charset="-127"/>
-              </a:rPr>
-              <a:t> </a:t>
-            </a:r>
-            <a:r>
-              <a:rPr lang="ko-KR" altLang="en-US" dirty="0" err="1">
-                <a:latin typeface="Segoe UI Variable Small Semilig" pitchFamily="2" charset="0"/>
-                <a:ea typeface="HY신명조" panose="02030600000101010101" pitchFamily="18" charset="-127"/>
-              </a:rPr>
-              <a:t>iris</a:t>
-            </a:r>
-            <a:r>
-              <a:rPr lang="ko-KR" altLang="en-US" dirty="0">
-                <a:latin typeface="Segoe UI Variable Small Semilig" pitchFamily="2" charset="0"/>
-                <a:ea typeface="HY신명조" panose="02030600000101010101" pitchFamily="18" charset="-127"/>
-              </a:rPr>
-              <a:t> </a:t>
-            </a:r>
-            <a:r>
-              <a:rPr lang="ko-KR" altLang="en-US" dirty="0" err="1">
-                <a:latin typeface="Segoe UI Variable Small Semilig" pitchFamily="2" charset="0"/>
-                <a:ea typeface="HY신명조" panose="02030600000101010101" pitchFamily="18" charset="-127"/>
-              </a:rPr>
-              <a:t>dataset</a:t>
-            </a:r>
-            <a:r>
-              <a:rPr lang="ko-KR" altLang="en-US" dirty="0">
-                <a:latin typeface="Segoe UI Variable Small Semilig" pitchFamily="2" charset="0"/>
-                <a:ea typeface="HY신명조" panose="02030600000101010101" pitchFamily="18" charset="-127"/>
-              </a:rPr>
-              <a:t> </a:t>
-            </a:r>
-            <a:r>
-              <a:rPr lang="en-US" altLang="ko-KR" dirty="0">
-                <a:latin typeface="Segoe UI Variable Small Semilig" pitchFamily="2" charset="0"/>
-                <a:ea typeface="HY신명조" panose="02030600000101010101" pitchFamily="18" charset="-127"/>
-              </a:rPr>
-              <a:t>&amp; </a:t>
-            </a:r>
-            <a:r>
-              <a:rPr lang="ko-KR" altLang="en-US" dirty="0" err="1">
-                <a:latin typeface="Segoe UI Variable Small Semilig" pitchFamily="2" charset="0"/>
-                <a:ea typeface="HY신명조" panose="02030600000101010101" pitchFamily="18" charset="-127"/>
-              </a:rPr>
-              <a:t>use</a:t>
-            </a:r>
-            <a:r>
-              <a:rPr lang="ko-KR" altLang="en-US" dirty="0">
-                <a:latin typeface="Segoe UI Variable Small Semilig" pitchFamily="2" charset="0"/>
-                <a:ea typeface="HY신명조" panose="02030600000101010101" pitchFamily="18" charset="-127"/>
-              </a:rPr>
-              <a:t> </a:t>
-            </a:r>
-            <a:r>
-              <a:rPr lang="ko-KR" altLang="en-US" dirty="0" err="1">
-                <a:latin typeface="Segoe UI Variable Small Semilig" pitchFamily="2" charset="0"/>
-                <a:ea typeface="HY신명조" panose="02030600000101010101" pitchFamily="18" charset="-127"/>
-              </a:rPr>
-              <a:t>the</a:t>
-            </a:r>
-            <a:r>
-              <a:rPr lang="ko-KR" altLang="en-US" dirty="0">
-                <a:latin typeface="Segoe UI Variable Small Semilig" pitchFamily="2" charset="0"/>
-                <a:ea typeface="HY신명조" panose="02030600000101010101" pitchFamily="18" charset="-127"/>
-              </a:rPr>
-              <a:t> '</a:t>
-            </a:r>
-            <a:r>
-              <a:rPr lang="ko-KR" altLang="en-US" dirty="0" err="1">
-                <a:latin typeface="Segoe UI Variable Small Semilig" pitchFamily="2" charset="0"/>
-                <a:ea typeface="HY신명조" panose="02030600000101010101" pitchFamily="18" charset="-127"/>
-              </a:rPr>
-              <a:t>target</a:t>
-            </a:r>
-            <a:r>
-              <a:rPr lang="ko-KR" altLang="en-US" dirty="0">
-                <a:latin typeface="Segoe UI Variable Small Semilig" pitchFamily="2" charset="0"/>
-                <a:ea typeface="HY신명조" panose="02030600000101010101" pitchFamily="18" charset="-127"/>
-              </a:rPr>
-              <a:t>' </a:t>
-            </a:r>
-            <a:r>
-              <a:rPr lang="ko-KR" altLang="en-US" dirty="0" err="1">
-                <a:latin typeface="Segoe UI Variable Small Semilig" pitchFamily="2" charset="0"/>
-                <a:ea typeface="HY신명조" panose="02030600000101010101" pitchFamily="18" charset="-127"/>
-              </a:rPr>
-              <a:t>as</a:t>
-            </a:r>
-            <a:r>
-              <a:rPr lang="ko-KR" altLang="en-US" dirty="0">
-                <a:latin typeface="Segoe UI Variable Small Semilig" pitchFamily="2" charset="0"/>
-                <a:ea typeface="HY신명조" panose="02030600000101010101" pitchFamily="18" charset="-127"/>
-              </a:rPr>
-              <a:t> </a:t>
-            </a:r>
-            <a:r>
-              <a:rPr lang="ko-KR" altLang="en-US" dirty="0" err="1">
-                <a:latin typeface="Segoe UI Variable Small Semilig" pitchFamily="2" charset="0"/>
-                <a:ea typeface="HY신명조" panose="02030600000101010101" pitchFamily="18" charset="-127"/>
-              </a:rPr>
-              <a:t>labels</a:t>
-            </a:r>
-            <a:r>
-              <a:rPr lang="ko-KR" altLang="en-US" dirty="0">
-                <a:latin typeface="Segoe UI Variable Small Semilig" pitchFamily="2" charset="0"/>
-                <a:ea typeface="HY신명조" panose="02030600000101010101" pitchFamily="18" charset="-127"/>
-              </a:rPr>
-              <a:t> and </a:t>
-            </a:r>
-            <a:r>
-              <a:rPr lang="ko-KR" altLang="en-US" dirty="0" err="1">
-                <a:latin typeface="Segoe UI Variable Small Semilig" pitchFamily="2" charset="0"/>
-                <a:ea typeface="HY신명조" panose="02030600000101010101" pitchFamily="18" charset="-127"/>
-              </a:rPr>
-              <a:t>the</a:t>
-            </a:r>
-            <a:r>
-              <a:rPr lang="ko-KR" altLang="en-US" dirty="0">
-                <a:latin typeface="Segoe UI Variable Small Semilig" pitchFamily="2" charset="0"/>
-                <a:ea typeface="HY신명조" panose="02030600000101010101" pitchFamily="18" charset="-127"/>
-              </a:rPr>
-              <a:t> '</a:t>
-            </a:r>
-            <a:r>
-              <a:rPr lang="ko-KR" altLang="en-US" dirty="0" err="1">
-                <a:latin typeface="Segoe UI Variable Small Semilig" pitchFamily="2" charset="0"/>
-                <a:ea typeface="HY신명조" panose="02030600000101010101" pitchFamily="18" charset="-127"/>
-              </a:rPr>
-              <a:t>data</a:t>
-            </a:r>
-            <a:r>
-              <a:rPr lang="ko-KR" altLang="en-US" dirty="0">
-                <a:latin typeface="Segoe UI Variable Small Semilig" pitchFamily="2" charset="0"/>
-                <a:ea typeface="HY신명조" panose="02030600000101010101" pitchFamily="18" charset="-127"/>
-              </a:rPr>
-              <a:t>' </a:t>
-            </a:r>
-            <a:r>
-              <a:rPr lang="ko-KR" altLang="en-US" dirty="0" err="1">
-                <a:latin typeface="Segoe UI Variable Small Semilig" pitchFamily="2" charset="0"/>
-                <a:ea typeface="HY신명조" panose="02030600000101010101" pitchFamily="18" charset="-127"/>
-              </a:rPr>
-              <a:t>as</a:t>
-            </a:r>
-            <a:r>
-              <a:rPr lang="ko-KR" altLang="en-US" dirty="0">
-                <a:latin typeface="Segoe UI Variable Small Semilig" pitchFamily="2" charset="0"/>
-                <a:ea typeface="HY신명조" panose="02030600000101010101" pitchFamily="18" charset="-127"/>
-              </a:rPr>
-              <a:t> </a:t>
-            </a:r>
-            <a:r>
-              <a:rPr lang="ko-KR" altLang="en-US" dirty="0" err="1">
-                <a:latin typeface="Segoe UI Variable Small Semilig" pitchFamily="2" charset="0"/>
-                <a:ea typeface="HY신명조" panose="02030600000101010101" pitchFamily="18" charset="-127"/>
-              </a:rPr>
-              <a:t>features</a:t>
-            </a:r>
-            <a:endParaRPr lang="ko-KR" altLang="en-US" dirty="0">
-              <a:latin typeface="Segoe UI Variable Small Semilig" pitchFamily="2" charset="0"/>
-              <a:ea typeface="HY신명조" panose="02030600000101010101" pitchFamily="18" charset="-127"/>
-            </a:endParaRPr>
-          </a:p>
-          <a:p>
-            <a:r>
-              <a:rPr lang="ko-KR" altLang="en-US" dirty="0" err="1">
-                <a:latin typeface="Segoe UI Variable Small Semilig" pitchFamily="2" charset="0"/>
-                <a:ea typeface="HY신명조" panose="02030600000101010101" pitchFamily="18" charset="-127"/>
-              </a:rPr>
-              <a:t>iris</a:t>
-            </a:r>
-            <a:r>
-              <a:rPr lang="ko-KR" altLang="en-US" dirty="0">
-                <a:latin typeface="Segoe UI Variable Small Semilig" pitchFamily="2" charset="0"/>
-                <a:ea typeface="HY신명조" panose="02030600000101010101" pitchFamily="18" charset="-127"/>
-              </a:rPr>
-              <a:t> = </a:t>
-            </a:r>
-            <a:r>
-              <a:rPr lang="ko-KR" altLang="en-US" dirty="0" err="1">
-                <a:latin typeface="Segoe UI Variable Small Semilig" pitchFamily="2" charset="0"/>
-                <a:ea typeface="HY신명조" panose="02030600000101010101" pitchFamily="18" charset="-127"/>
-              </a:rPr>
-              <a:t>load_iris</a:t>
-            </a:r>
-            <a:r>
-              <a:rPr lang="ko-KR" altLang="en-US" dirty="0">
-                <a:latin typeface="Segoe UI Variable Small Semilig" pitchFamily="2" charset="0"/>
-                <a:ea typeface="HY신명조" panose="02030600000101010101" pitchFamily="18" charset="-127"/>
-              </a:rPr>
-              <a:t>()</a:t>
-            </a:r>
-          </a:p>
-          <a:p>
-            <a:r>
-              <a:rPr lang="ko-KR" altLang="en-US" b="1" dirty="0" err="1">
-                <a:solidFill>
-                  <a:schemeClr val="bg1"/>
-                </a:solidFill>
-                <a:latin typeface="Segoe UI Variable Small Semilig" pitchFamily="2" charset="0"/>
-                <a:ea typeface="HY신명조" panose="02030600000101010101" pitchFamily="18" charset="-127"/>
-              </a:rPr>
-              <a:t>X</a:t>
-            </a:r>
-            <a:r>
-              <a:rPr lang="ko-KR" altLang="en-US" b="1" dirty="0">
-                <a:solidFill>
-                  <a:schemeClr val="bg1"/>
-                </a:solidFill>
-                <a:latin typeface="Segoe UI Variable Small Semilig" pitchFamily="2" charset="0"/>
-                <a:ea typeface="HY신명조" panose="02030600000101010101" pitchFamily="18" charset="-127"/>
-              </a:rPr>
-              <a:t> = </a:t>
-            </a:r>
-            <a:r>
-              <a:rPr lang="ko-KR" altLang="en-US" b="1" dirty="0" err="1">
-                <a:solidFill>
-                  <a:schemeClr val="bg1"/>
-                </a:solidFill>
-                <a:latin typeface="Segoe UI Variable Small Semilig" pitchFamily="2" charset="0"/>
-                <a:ea typeface="HY신명조" panose="02030600000101010101" pitchFamily="18" charset="-127"/>
-              </a:rPr>
-              <a:t>iris.data</a:t>
-            </a:r>
-            <a:r>
-              <a:rPr lang="en-US" altLang="ko-KR" b="1" dirty="0">
-                <a:solidFill>
-                  <a:schemeClr val="bg1"/>
-                </a:solidFill>
-                <a:latin typeface="Segoe UI Variable Small Semilig" pitchFamily="2" charset="0"/>
-                <a:ea typeface="HY신명조" panose="02030600000101010101" pitchFamily="18" charset="-127"/>
-              </a:rPr>
-              <a:t>; </a:t>
-            </a:r>
-            <a:r>
-              <a:rPr lang="ko-KR" altLang="en-US" b="1" dirty="0" err="1">
-                <a:solidFill>
-                  <a:schemeClr val="bg1"/>
-                </a:solidFill>
-                <a:latin typeface="Segoe UI Variable Small Semilig" pitchFamily="2" charset="0"/>
-                <a:ea typeface="HY신명조" panose="02030600000101010101" pitchFamily="18" charset="-127"/>
-              </a:rPr>
-              <a:t>y</a:t>
-            </a:r>
-            <a:r>
-              <a:rPr lang="ko-KR" altLang="en-US" b="1" dirty="0">
-                <a:solidFill>
-                  <a:schemeClr val="bg1"/>
-                </a:solidFill>
-                <a:latin typeface="Segoe UI Variable Small Semilig" pitchFamily="2" charset="0"/>
-                <a:ea typeface="HY신명조" panose="02030600000101010101" pitchFamily="18" charset="-127"/>
-              </a:rPr>
-              <a:t> = </a:t>
-            </a:r>
-            <a:r>
-              <a:rPr lang="ko-KR" altLang="en-US" b="1" dirty="0" err="1">
-                <a:solidFill>
-                  <a:schemeClr val="bg1"/>
-                </a:solidFill>
-                <a:latin typeface="Segoe UI Variable Small Semilig" pitchFamily="2" charset="0"/>
-                <a:ea typeface="HY신명조" panose="02030600000101010101" pitchFamily="18" charset="-127"/>
-              </a:rPr>
-              <a:t>iris.target</a:t>
-            </a:r>
-            <a:endParaRPr lang="ko-KR" altLang="en-US" b="1" dirty="0">
-              <a:solidFill>
-                <a:schemeClr val="bg1"/>
-              </a:solidFill>
-              <a:latin typeface="Segoe UI Variable Small Semilig" pitchFamily="2" charset="0"/>
-              <a:ea typeface="HY신명조" panose="02030600000101010101" pitchFamily="18" charset="-127"/>
-            </a:endParaRPr>
-          </a:p>
-          <a:p>
-            <a:endParaRPr lang="ko-KR" altLang="en-US" dirty="0">
-              <a:latin typeface="Segoe UI Variable Small Semilig" pitchFamily="2" charset="0"/>
-              <a:ea typeface="HY신명조" panose="02030600000101010101" pitchFamily="18" charset="-127"/>
-            </a:endParaRPr>
-          </a:p>
-          <a:p>
-            <a:r>
-              <a:rPr lang="ko-KR" altLang="en-US" dirty="0">
-                <a:latin typeface="Segoe UI Variable Small Semilig" pitchFamily="2" charset="0"/>
-                <a:ea typeface="HY신명조" panose="02030600000101010101" pitchFamily="18" charset="-127"/>
-              </a:rPr>
-              <a:t># </a:t>
-            </a:r>
-            <a:r>
-              <a:rPr lang="ko-KR" altLang="en-US" dirty="0" err="1">
-                <a:latin typeface="Segoe UI Variable Small Semilig" pitchFamily="2" charset="0"/>
-                <a:ea typeface="HY신명조" panose="02030600000101010101" pitchFamily="18" charset="-127"/>
-              </a:rPr>
-              <a:t>Split</a:t>
-            </a:r>
-            <a:r>
-              <a:rPr lang="ko-KR" altLang="en-US" dirty="0">
-                <a:latin typeface="Segoe UI Variable Small Semilig" pitchFamily="2" charset="0"/>
-                <a:ea typeface="HY신명조" panose="02030600000101010101" pitchFamily="18" charset="-127"/>
-              </a:rPr>
-              <a:t> </a:t>
-            </a:r>
-            <a:r>
-              <a:rPr lang="ko-KR" altLang="en-US" dirty="0" err="1">
-                <a:latin typeface="Segoe UI Variable Small Semilig" pitchFamily="2" charset="0"/>
-                <a:ea typeface="HY신명조" panose="02030600000101010101" pitchFamily="18" charset="-127"/>
-              </a:rPr>
-              <a:t>the</a:t>
-            </a:r>
-            <a:r>
-              <a:rPr lang="ko-KR" altLang="en-US" dirty="0">
-                <a:latin typeface="Segoe UI Variable Small Semilig" pitchFamily="2" charset="0"/>
-                <a:ea typeface="HY신명조" panose="02030600000101010101" pitchFamily="18" charset="-127"/>
-              </a:rPr>
-              <a:t> </a:t>
-            </a:r>
-            <a:r>
-              <a:rPr lang="ko-KR" altLang="en-US" dirty="0" err="1">
-                <a:latin typeface="Segoe UI Variable Small Semilig" pitchFamily="2" charset="0"/>
-                <a:ea typeface="HY신명조" panose="02030600000101010101" pitchFamily="18" charset="-127"/>
-              </a:rPr>
-              <a:t>dataset</a:t>
-            </a:r>
-            <a:r>
-              <a:rPr lang="ko-KR" altLang="en-US" dirty="0">
-                <a:latin typeface="Segoe UI Variable Small Semilig" pitchFamily="2" charset="0"/>
-                <a:ea typeface="HY신명조" panose="02030600000101010101" pitchFamily="18" charset="-127"/>
-              </a:rPr>
-              <a:t> </a:t>
-            </a:r>
-            <a:r>
-              <a:rPr lang="ko-KR" altLang="en-US" dirty="0" err="1">
-                <a:latin typeface="Segoe UI Variable Small Semilig" pitchFamily="2" charset="0"/>
-                <a:ea typeface="HY신명조" panose="02030600000101010101" pitchFamily="18" charset="-127"/>
-              </a:rPr>
-              <a:t>into</a:t>
-            </a:r>
-            <a:r>
-              <a:rPr lang="ko-KR" altLang="en-US" dirty="0">
-                <a:latin typeface="Segoe UI Variable Small Semilig" pitchFamily="2" charset="0"/>
-                <a:ea typeface="HY신명조" panose="02030600000101010101" pitchFamily="18" charset="-127"/>
-              </a:rPr>
-              <a:t> </a:t>
-            </a:r>
-            <a:r>
-              <a:rPr lang="ko-KR" altLang="en-US" dirty="0" err="1">
-                <a:latin typeface="Segoe UI Variable Small Semilig" pitchFamily="2" charset="0"/>
-                <a:ea typeface="HY신명조" panose="02030600000101010101" pitchFamily="18" charset="-127"/>
-              </a:rPr>
-              <a:t>training</a:t>
-            </a:r>
-            <a:r>
-              <a:rPr lang="ko-KR" altLang="en-US" dirty="0">
-                <a:latin typeface="Segoe UI Variable Small Semilig" pitchFamily="2" charset="0"/>
-                <a:ea typeface="HY신명조" panose="02030600000101010101" pitchFamily="18" charset="-127"/>
-              </a:rPr>
-              <a:t> and </a:t>
-            </a:r>
-            <a:r>
-              <a:rPr lang="ko-KR" altLang="en-US" dirty="0" err="1">
-                <a:latin typeface="Segoe UI Variable Small Semilig" pitchFamily="2" charset="0"/>
-                <a:ea typeface="HY신명조" panose="02030600000101010101" pitchFamily="18" charset="-127"/>
-              </a:rPr>
-              <a:t>testing</a:t>
-            </a:r>
-            <a:r>
-              <a:rPr lang="ko-KR" altLang="en-US" dirty="0">
-                <a:latin typeface="Segoe UI Variable Small Semilig" pitchFamily="2" charset="0"/>
-                <a:ea typeface="HY신명조" panose="02030600000101010101" pitchFamily="18" charset="-127"/>
-              </a:rPr>
-              <a:t> </a:t>
-            </a:r>
-            <a:r>
-              <a:rPr lang="ko-KR" altLang="en-US" dirty="0" err="1">
-                <a:latin typeface="Segoe UI Variable Small Semilig" pitchFamily="2" charset="0"/>
-                <a:ea typeface="HY신명조" panose="02030600000101010101" pitchFamily="18" charset="-127"/>
-              </a:rPr>
-              <a:t>sets</a:t>
-            </a:r>
-            <a:endParaRPr lang="ko-KR" altLang="en-US" dirty="0">
-              <a:latin typeface="Segoe UI Variable Small Semilig" pitchFamily="2" charset="0"/>
-              <a:ea typeface="HY신명조" panose="02030600000101010101" pitchFamily="18" charset="-127"/>
-            </a:endParaRPr>
-          </a:p>
-          <a:p>
-            <a:r>
-              <a:rPr lang="ko-KR" altLang="en-US" dirty="0" err="1">
-                <a:latin typeface="Segoe UI Variable Small Semilig" pitchFamily="2" charset="0"/>
-                <a:ea typeface="HY신명조" panose="02030600000101010101" pitchFamily="18" charset="-127"/>
-              </a:rPr>
-              <a:t>X_train</a:t>
-            </a:r>
-            <a:r>
-              <a:rPr lang="ko-KR" altLang="en-US" dirty="0">
-                <a:latin typeface="Segoe UI Variable Small Semilig" pitchFamily="2" charset="0"/>
-                <a:ea typeface="HY신명조" panose="02030600000101010101" pitchFamily="18" charset="-127"/>
-              </a:rPr>
-              <a:t>, </a:t>
-            </a:r>
-            <a:r>
-              <a:rPr lang="ko-KR" altLang="en-US" dirty="0" err="1">
-                <a:latin typeface="Segoe UI Variable Small Semilig" pitchFamily="2" charset="0"/>
-                <a:ea typeface="HY신명조" panose="02030600000101010101" pitchFamily="18" charset="-127"/>
-              </a:rPr>
-              <a:t>X_test</a:t>
-            </a:r>
-            <a:r>
-              <a:rPr lang="ko-KR" altLang="en-US" dirty="0">
-                <a:latin typeface="Segoe UI Variable Small Semilig" pitchFamily="2" charset="0"/>
-                <a:ea typeface="HY신명조" panose="02030600000101010101" pitchFamily="18" charset="-127"/>
-              </a:rPr>
-              <a:t>, </a:t>
-            </a:r>
-            <a:r>
-              <a:rPr lang="ko-KR" altLang="en-US" dirty="0" err="1">
-                <a:latin typeface="Segoe UI Variable Small Semilig" pitchFamily="2" charset="0"/>
-                <a:ea typeface="HY신명조" panose="02030600000101010101" pitchFamily="18" charset="-127"/>
-              </a:rPr>
-              <a:t>y_train</a:t>
-            </a:r>
-            <a:r>
-              <a:rPr lang="ko-KR" altLang="en-US" dirty="0">
-                <a:latin typeface="Segoe UI Variable Small Semilig" pitchFamily="2" charset="0"/>
-                <a:ea typeface="HY신명조" panose="02030600000101010101" pitchFamily="18" charset="-127"/>
-              </a:rPr>
-              <a:t>, </a:t>
-            </a:r>
-            <a:r>
-              <a:rPr lang="ko-KR" altLang="en-US" dirty="0" err="1">
-                <a:latin typeface="Segoe UI Variable Small Semilig" pitchFamily="2" charset="0"/>
-                <a:ea typeface="HY신명조" panose="02030600000101010101" pitchFamily="18" charset="-127"/>
-              </a:rPr>
-              <a:t>y_test</a:t>
-            </a:r>
-            <a:r>
-              <a:rPr lang="ko-KR" altLang="en-US" dirty="0">
-                <a:latin typeface="Segoe UI Variable Small Semilig" pitchFamily="2" charset="0"/>
-                <a:ea typeface="HY신명조" panose="02030600000101010101" pitchFamily="18" charset="-127"/>
-              </a:rPr>
-              <a:t> = </a:t>
-            </a:r>
-            <a:r>
-              <a:rPr lang="ko-KR" altLang="en-US" dirty="0" err="1">
-                <a:latin typeface="Segoe UI Variable Small Semilig" pitchFamily="2" charset="0"/>
-                <a:ea typeface="HY신명조" panose="02030600000101010101" pitchFamily="18" charset="-127"/>
-              </a:rPr>
-              <a:t>train_test_split</a:t>
-            </a:r>
-            <a:r>
-              <a:rPr lang="ko-KR" altLang="en-US" dirty="0">
-                <a:latin typeface="Segoe UI Variable Small Semilig" pitchFamily="2" charset="0"/>
-                <a:ea typeface="HY신명조" panose="02030600000101010101" pitchFamily="18" charset="-127"/>
-              </a:rPr>
-              <a:t>(</a:t>
-            </a:r>
-            <a:r>
-              <a:rPr lang="ko-KR" altLang="en-US" dirty="0" err="1">
-                <a:latin typeface="Segoe UI Variable Small Semilig" pitchFamily="2" charset="0"/>
-                <a:ea typeface="HY신명조" panose="02030600000101010101" pitchFamily="18" charset="-127"/>
-              </a:rPr>
-              <a:t>X</a:t>
-            </a:r>
-            <a:r>
-              <a:rPr lang="ko-KR" altLang="en-US" dirty="0">
-                <a:latin typeface="Segoe UI Variable Small Semilig" pitchFamily="2" charset="0"/>
-                <a:ea typeface="HY신명조" panose="02030600000101010101" pitchFamily="18" charset="-127"/>
-              </a:rPr>
-              <a:t>, </a:t>
-            </a:r>
-            <a:r>
-              <a:rPr lang="ko-KR" altLang="en-US" dirty="0" err="1">
-                <a:latin typeface="Segoe UI Variable Small Semilig" pitchFamily="2" charset="0"/>
-                <a:ea typeface="HY신명조" panose="02030600000101010101" pitchFamily="18" charset="-127"/>
-              </a:rPr>
-              <a:t>y</a:t>
-            </a:r>
-            <a:r>
-              <a:rPr lang="en-US" altLang="ko-KR" dirty="0">
-                <a:latin typeface="Segoe UI Variable Small Semilig" pitchFamily="2" charset="0"/>
-                <a:ea typeface="HY신명조" panose="02030600000101010101" pitchFamily="18" charset="-127"/>
-              </a:rPr>
-              <a:t>,</a:t>
-            </a:r>
-            <a:r>
-              <a:rPr lang="ko-KR" altLang="en-US" dirty="0">
-                <a:latin typeface="Segoe UI Variable Small Semilig" pitchFamily="2" charset="0"/>
-                <a:ea typeface="HY신명조" panose="02030600000101010101" pitchFamily="18" charset="-127"/>
-              </a:rPr>
-              <a:t> </a:t>
-            </a:r>
-            <a:r>
-              <a:rPr lang="ko-KR" altLang="en-US" dirty="0" err="1">
-                <a:latin typeface="Segoe UI Variable Small Semilig" pitchFamily="2" charset="0"/>
-                <a:ea typeface="HY신명조" panose="02030600000101010101" pitchFamily="18" charset="-127"/>
-              </a:rPr>
-              <a:t>test_size</a:t>
-            </a:r>
-            <a:r>
-              <a:rPr lang="ko-KR" altLang="en-US" dirty="0">
-                <a:latin typeface="Segoe UI Variable Small Semilig" pitchFamily="2" charset="0"/>
-                <a:ea typeface="HY신명조" panose="02030600000101010101" pitchFamily="18" charset="-127"/>
-              </a:rPr>
-              <a:t>=0.3)</a:t>
-            </a:r>
-          </a:p>
-          <a:p>
-            <a:r>
-              <a:rPr lang="ko-KR" altLang="en-US" dirty="0">
-                <a:latin typeface="Segoe UI Variable Small Semilig" pitchFamily="2" charset="0"/>
-                <a:ea typeface="HY신명조" panose="02030600000101010101" pitchFamily="18" charset="-127"/>
-              </a:rPr>
-              <a:t># </a:t>
-            </a:r>
-            <a:r>
-              <a:rPr lang="ko-KR" altLang="en-US" dirty="0" err="1">
-                <a:latin typeface="Segoe UI Variable Small Semilig" pitchFamily="2" charset="0"/>
-                <a:ea typeface="HY신명조" panose="02030600000101010101" pitchFamily="18" charset="-127"/>
-              </a:rPr>
-              <a:t>Initialize</a:t>
-            </a:r>
-            <a:r>
-              <a:rPr lang="ko-KR" altLang="en-US" dirty="0">
-                <a:latin typeface="Segoe UI Variable Small Semilig" pitchFamily="2" charset="0"/>
-                <a:ea typeface="HY신명조" panose="02030600000101010101" pitchFamily="18" charset="-127"/>
-              </a:rPr>
-              <a:t> </a:t>
-            </a:r>
-            <a:r>
-              <a:rPr lang="ko-KR" altLang="en-US" dirty="0" err="1">
-                <a:latin typeface="Segoe UI Variable Small Semilig" pitchFamily="2" charset="0"/>
-                <a:ea typeface="HY신명조" panose="02030600000101010101" pitchFamily="18" charset="-127"/>
-              </a:rPr>
-              <a:t>the</a:t>
-            </a:r>
-            <a:r>
-              <a:rPr lang="ko-KR" altLang="en-US" dirty="0">
-                <a:latin typeface="Segoe UI Variable Small Semilig" pitchFamily="2" charset="0"/>
-                <a:ea typeface="HY신명조" panose="02030600000101010101" pitchFamily="18" charset="-127"/>
-              </a:rPr>
-              <a:t> </a:t>
-            </a:r>
-            <a:r>
-              <a:rPr lang="ko-KR" altLang="en-US" dirty="0" err="1">
-                <a:latin typeface="Segoe UI Variable Small Semilig" pitchFamily="2" charset="0"/>
-                <a:ea typeface="HY신명조" panose="02030600000101010101" pitchFamily="18" charset="-127"/>
-              </a:rPr>
-              <a:t>logistic</a:t>
-            </a:r>
-            <a:r>
-              <a:rPr lang="ko-KR" altLang="en-US" dirty="0">
-                <a:latin typeface="Segoe UI Variable Small Semilig" pitchFamily="2" charset="0"/>
-                <a:ea typeface="HY신명조" panose="02030600000101010101" pitchFamily="18" charset="-127"/>
-              </a:rPr>
-              <a:t> </a:t>
-            </a:r>
-            <a:r>
-              <a:rPr lang="ko-KR" altLang="en-US" dirty="0" err="1">
-                <a:latin typeface="Segoe UI Variable Small Semilig" pitchFamily="2" charset="0"/>
-                <a:ea typeface="HY신명조" panose="02030600000101010101" pitchFamily="18" charset="-127"/>
-              </a:rPr>
-              <a:t>regression</a:t>
-            </a:r>
-            <a:r>
-              <a:rPr lang="ko-KR" altLang="en-US" dirty="0">
-                <a:latin typeface="Segoe UI Variable Small Semilig" pitchFamily="2" charset="0"/>
-                <a:ea typeface="HY신명조" panose="02030600000101010101" pitchFamily="18" charset="-127"/>
-              </a:rPr>
-              <a:t> </a:t>
-            </a:r>
-            <a:r>
-              <a:rPr lang="ko-KR" altLang="en-US" dirty="0" err="1">
-                <a:latin typeface="Segoe UI Variable Small Semilig" pitchFamily="2" charset="0"/>
-                <a:ea typeface="HY신명조" panose="02030600000101010101" pitchFamily="18" charset="-127"/>
-              </a:rPr>
-              <a:t>model</a:t>
-            </a:r>
-            <a:endParaRPr lang="ko-KR" altLang="en-US" dirty="0">
-              <a:latin typeface="Segoe UI Variable Small Semilig" pitchFamily="2" charset="0"/>
-              <a:ea typeface="HY신명조" panose="02030600000101010101" pitchFamily="18" charset="-127"/>
-            </a:endParaRPr>
-          </a:p>
-          <a:p>
-            <a:r>
-              <a:rPr lang="ko-KR" altLang="en-US" b="1" dirty="0" err="1">
-                <a:solidFill>
-                  <a:schemeClr val="bg1"/>
-                </a:solidFill>
-                <a:latin typeface="Segoe UI Variable Small Semilig" pitchFamily="2" charset="0"/>
-                <a:ea typeface="HY신명조" panose="02030600000101010101" pitchFamily="18" charset="-127"/>
-              </a:rPr>
-              <a:t>log_reg</a:t>
-            </a:r>
-            <a:r>
-              <a:rPr lang="ko-KR" altLang="en-US" b="1" dirty="0">
-                <a:solidFill>
-                  <a:schemeClr val="bg1"/>
-                </a:solidFill>
-                <a:latin typeface="Segoe UI Variable Small Semilig" pitchFamily="2" charset="0"/>
-                <a:ea typeface="HY신명조" panose="02030600000101010101" pitchFamily="18" charset="-127"/>
-              </a:rPr>
-              <a:t> = </a:t>
-            </a:r>
-            <a:r>
-              <a:rPr lang="ko-KR" altLang="en-US" b="1" dirty="0" err="1">
-                <a:solidFill>
-                  <a:schemeClr val="bg1"/>
-                </a:solidFill>
-                <a:latin typeface="Segoe UI Variable Small Semilig" pitchFamily="2" charset="0"/>
-                <a:ea typeface="HY신명조" panose="02030600000101010101" pitchFamily="18" charset="-127"/>
-              </a:rPr>
-              <a:t>LogisticRegression</a:t>
-            </a:r>
-            <a:r>
-              <a:rPr lang="ko-KR" altLang="en-US" b="1" dirty="0">
-                <a:solidFill>
-                  <a:schemeClr val="bg1"/>
-                </a:solidFill>
-                <a:latin typeface="Segoe UI Variable Small Semilig" pitchFamily="2" charset="0"/>
-                <a:ea typeface="HY신명조" panose="02030600000101010101" pitchFamily="18" charset="-127"/>
-              </a:rPr>
-              <a:t>()</a:t>
-            </a:r>
-          </a:p>
-          <a:p>
-            <a:endParaRPr lang="ko-KR" altLang="en-US" dirty="0">
-              <a:latin typeface="Segoe UI Variable Small Semilig" pitchFamily="2" charset="0"/>
-              <a:ea typeface="HY신명조" panose="02030600000101010101" pitchFamily="18" charset="-127"/>
-            </a:endParaRPr>
-          </a:p>
-          <a:p>
-            <a:r>
-              <a:rPr lang="ko-KR" altLang="en-US" dirty="0">
-                <a:latin typeface="Segoe UI Variable Small Semilig" pitchFamily="2" charset="0"/>
-                <a:ea typeface="HY신명조" panose="02030600000101010101" pitchFamily="18" charset="-127"/>
-              </a:rPr>
-              <a:t># </a:t>
-            </a:r>
-            <a:r>
-              <a:rPr lang="ko-KR" altLang="en-US" dirty="0" err="1">
-                <a:latin typeface="Segoe UI Variable Small Semilig" pitchFamily="2" charset="0"/>
-                <a:ea typeface="HY신명조" panose="02030600000101010101" pitchFamily="18" charset="-127"/>
-              </a:rPr>
-              <a:t>Fit</a:t>
-            </a:r>
-            <a:r>
-              <a:rPr lang="ko-KR" altLang="en-US" dirty="0">
-                <a:latin typeface="Segoe UI Variable Small Semilig" pitchFamily="2" charset="0"/>
-                <a:ea typeface="HY신명조" panose="02030600000101010101" pitchFamily="18" charset="-127"/>
-              </a:rPr>
-              <a:t> </a:t>
-            </a:r>
-            <a:r>
-              <a:rPr lang="ko-KR" altLang="en-US" dirty="0" err="1">
-                <a:latin typeface="Segoe UI Variable Small Semilig" pitchFamily="2" charset="0"/>
-                <a:ea typeface="HY신명조" panose="02030600000101010101" pitchFamily="18" charset="-127"/>
-              </a:rPr>
-              <a:t>the</a:t>
-            </a:r>
-            <a:r>
-              <a:rPr lang="ko-KR" altLang="en-US" dirty="0">
-                <a:latin typeface="Segoe UI Variable Small Semilig" pitchFamily="2" charset="0"/>
-                <a:ea typeface="HY신명조" panose="02030600000101010101" pitchFamily="18" charset="-127"/>
-              </a:rPr>
-              <a:t> </a:t>
-            </a:r>
-            <a:r>
-              <a:rPr lang="ko-KR" altLang="en-US" dirty="0" err="1">
-                <a:latin typeface="Segoe UI Variable Small Semilig" pitchFamily="2" charset="0"/>
-                <a:ea typeface="HY신명조" panose="02030600000101010101" pitchFamily="18" charset="-127"/>
-              </a:rPr>
-              <a:t>model</a:t>
-            </a:r>
-            <a:r>
-              <a:rPr lang="ko-KR" altLang="en-US" dirty="0">
-                <a:latin typeface="Segoe UI Variable Small Semilig" pitchFamily="2" charset="0"/>
-                <a:ea typeface="HY신명조" panose="02030600000101010101" pitchFamily="18" charset="-127"/>
-              </a:rPr>
-              <a:t> </a:t>
-            </a:r>
-            <a:r>
-              <a:rPr lang="ko-KR" altLang="en-US" dirty="0" err="1">
-                <a:latin typeface="Segoe UI Variable Small Semilig" pitchFamily="2" charset="0"/>
-                <a:ea typeface="HY신명조" panose="02030600000101010101" pitchFamily="18" charset="-127"/>
-              </a:rPr>
-              <a:t>to</a:t>
-            </a:r>
-            <a:r>
-              <a:rPr lang="ko-KR" altLang="en-US" dirty="0">
-                <a:latin typeface="Segoe UI Variable Small Semilig" pitchFamily="2" charset="0"/>
-                <a:ea typeface="HY신명조" panose="02030600000101010101" pitchFamily="18" charset="-127"/>
-              </a:rPr>
-              <a:t> </a:t>
-            </a:r>
-            <a:r>
-              <a:rPr lang="ko-KR" altLang="en-US" dirty="0" err="1">
-                <a:latin typeface="Segoe UI Variable Small Semilig" pitchFamily="2" charset="0"/>
-                <a:ea typeface="HY신명조" panose="02030600000101010101" pitchFamily="18" charset="-127"/>
-              </a:rPr>
-              <a:t>the</a:t>
-            </a:r>
-            <a:r>
-              <a:rPr lang="ko-KR" altLang="en-US" dirty="0">
-                <a:latin typeface="Segoe UI Variable Small Semilig" pitchFamily="2" charset="0"/>
-                <a:ea typeface="HY신명조" panose="02030600000101010101" pitchFamily="18" charset="-127"/>
-              </a:rPr>
-              <a:t> </a:t>
-            </a:r>
-            <a:r>
-              <a:rPr lang="ko-KR" altLang="en-US" dirty="0" err="1">
-                <a:latin typeface="Segoe UI Variable Small Semilig" pitchFamily="2" charset="0"/>
-                <a:ea typeface="HY신명조" panose="02030600000101010101" pitchFamily="18" charset="-127"/>
-              </a:rPr>
-              <a:t>training</a:t>
-            </a:r>
-            <a:r>
-              <a:rPr lang="ko-KR" altLang="en-US" dirty="0">
-                <a:latin typeface="Segoe UI Variable Small Semilig" pitchFamily="2" charset="0"/>
-                <a:ea typeface="HY신명조" panose="02030600000101010101" pitchFamily="18" charset="-127"/>
-              </a:rPr>
-              <a:t> </a:t>
-            </a:r>
-            <a:r>
-              <a:rPr lang="ko-KR" altLang="en-US" dirty="0" err="1">
-                <a:latin typeface="Segoe UI Variable Small Semilig" pitchFamily="2" charset="0"/>
-                <a:ea typeface="HY신명조" panose="02030600000101010101" pitchFamily="18" charset="-127"/>
-              </a:rPr>
-              <a:t>data</a:t>
-            </a:r>
-            <a:endParaRPr lang="ko-KR" altLang="en-US" dirty="0">
-              <a:latin typeface="Segoe UI Variable Small Semilig" pitchFamily="2" charset="0"/>
-              <a:ea typeface="HY신명조" panose="02030600000101010101" pitchFamily="18" charset="-127"/>
-            </a:endParaRPr>
-          </a:p>
-          <a:p>
-            <a:r>
-              <a:rPr lang="ko-KR" altLang="en-US" b="1" dirty="0" err="1">
-                <a:solidFill>
-                  <a:schemeClr val="bg1"/>
-                </a:solidFill>
-                <a:latin typeface="Segoe UI Variable Small Semilig" pitchFamily="2" charset="0"/>
-                <a:ea typeface="HY신명조" panose="02030600000101010101" pitchFamily="18" charset="-127"/>
-              </a:rPr>
-              <a:t>log_reg.fit</a:t>
-            </a:r>
-            <a:r>
-              <a:rPr lang="ko-KR" altLang="en-US" b="1" dirty="0">
-                <a:solidFill>
-                  <a:schemeClr val="bg1"/>
-                </a:solidFill>
-                <a:latin typeface="Segoe UI Variable Small Semilig" pitchFamily="2" charset="0"/>
-                <a:ea typeface="HY신명조" panose="02030600000101010101" pitchFamily="18" charset="-127"/>
-              </a:rPr>
-              <a:t>(</a:t>
-            </a:r>
-            <a:r>
-              <a:rPr lang="ko-KR" altLang="en-US" b="1" dirty="0" err="1">
-                <a:solidFill>
-                  <a:schemeClr val="bg1"/>
-                </a:solidFill>
-                <a:latin typeface="Segoe UI Variable Small Semilig" pitchFamily="2" charset="0"/>
-                <a:ea typeface="HY신명조" panose="02030600000101010101" pitchFamily="18" charset="-127"/>
-              </a:rPr>
-              <a:t>X_train</a:t>
-            </a:r>
-            <a:r>
-              <a:rPr lang="ko-KR" altLang="en-US" b="1" dirty="0">
-                <a:solidFill>
-                  <a:schemeClr val="bg1"/>
-                </a:solidFill>
-                <a:latin typeface="Segoe UI Variable Small Semilig" pitchFamily="2" charset="0"/>
-                <a:ea typeface="HY신명조" panose="02030600000101010101" pitchFamily="18" charset="-127"/>
-              </a:rPr>
-              <a:t>, </a:t>
-            </a:r>
-            <a:r>
-              <a:rPr lang="ko-KR" altLang="en-US" b="1" dirty="0" err="1">
-                <a:solidFill>
-                  <a:schemeClr val="bg1"/>
-                </a:solidFill>
-                <a:latin typeface="Segoe UI Variable Small Semilig" pitchFamily="2" charset="0"/>
-                <a:ea typeface="HY신명조" panose="02030600000101010101" pitchFamily="18" charset="-127"/>
-              </a:rPr>
-              <a:t>y_train</a:t>
-            </a:r>
-            <a:r>
-              <a:rPr lang="ko-KR" altLang="en-US" b="1" dirty="0">
-                <a:solidFill>
-                  <a:schemeClr val="bg1"/>
-                </a:solidFill>
-                <a:latin typeface="Segoe UI Variable Small Semilig" pitchFamily="2" charset="0"/>
-                <a:ea typeface="HY신명조" panose="02030600000101010101" pitchFamily="18" charset="-127"/>
-              </a:rPr>
-              <a:t>)</a:t>
-            </a:r>
-          </a:p>
-          <a:p>
-            <a:endParaRPr lang="ko-KR" altLang="en-US" dirty="0">
-              <a:latin typeface="Segoe UI Variable Small Semilig" pitchFamily="2" charset="0"/>
-              <a:ea typeface="HY신명조" panose="02030600000101010101" pitchFamily="18" charset="-127"/>
-            </a:endParaRPr>
-          </a:p>
-          <a:p>
-            <a:r>
-              <a:rPr lang="ko-KR" altLang="en-US" dirty="0">
-                <a:latin typeface="Segoe UI Variable Small Semilig" pitchFamily="2" charset="0"/>
-                <a:ea typeface="HY신명조" panose="02030600000101010101" pitchFamily="18" charset="-127"/>
-              </a:rPr>
-              <a:t># </a:t>
-            </a:r>
-            <a:r>
-              <a:rPr lang="ko-KR" altLang="en-US" dirty="0" err="1">
-                <a:latin typeface="Segoe UI Variable Small Semilig" pitchFamily="2" charset="0"/>
-                <a:ea typeface="HY신명조" panose="02030600000101010101" pitchFamily="18" charset="-127"/>
-              </a:rPr>
-              <a:t>Predict</a:t>
-            </a:r>
-            <a:r>
-              <a:rPr lang="ko-KR" altLang="en-US" dirty="0">
-                <a:latin typeface="Segoe UI Variable Small Semilig" pitchFamily="2" charset="0"/>
-                <a:ea typeface="HY신명조" panose="02030600000101010101" pitchFamily="18" charset="-127"/>
-              </a:rPr>
-              <a:t> </a:t>
-            </a:r>
-            <a:r>
-              <a:rPr lang="ko-KR" altLang="en-US" dirty="0" err="1">
-                <a:latin typeface="Segoe UI Variable Small Semilig" pitchFamily="2" charset="0"/>
-                <a:ea typeface="HY신명조" panose="02030600000101010101" pitchFamily="18" charset="-127"/>
-              </a:rPr>
-              <a:t>on</a:t>
-            </a:r>
-            <a:r>
-              <a:rPr lang="ko-KR" altLang="en-US" dirty="0">
-                <a:latin typeface="Segoe UI Variable Small Semilig" pitchFamily="2" charset="0"/>
-                <a:ea typeface="HY신명조" panose="02030600000101010101" pitchFamily="18" charset="-127"/>
-              </a:rPr>
-              <a:t> </a:t>
-            </a:r>
-            <a:r>
-              <a:rPr lang="ko-KR" altLang="en-US" dirty="0" err="1">
-                <a:latin typeface="Segoe UI Variable Small Semilig" pitchFamily="2" charset="0"/>
-                <a:ea typeface="HY신명조" panose="02030600000101010101" pitchFamily="18" charset="-127"/>
-              </a:rPr>
-              <a:t>the</a:t>
-            </a:r>
-            <a:r>
-              <a:rPr lang="ko-KR" altLang="en-US" dirty="0">
-                <a:latin typeface="Segoe UI Variable Small Semilig" pitchFamily="2" charset="0"/>
-                <a:ea typeface="HY신명조" panose="02030600000101010101" pitchFamily="18" charset="-127"/>
-              </a:rPr>
-              <a:t> </a:t>
-            </a:r>
-            <a:r>
-              <a:rPr lang="ko-KR" altLang="en-US" dirty="0" err="1">
-                <a:latin typeface="Segoe UI Variable Small Semilig" pitchFamily="2" charset="0"/>
-                <a:ea typeface="HY신명조" panose="02030600000101010101" pitchFamily="18" charset="-127"/>
-              </a:rPr>
-              <a:t>test</a:t>
-            </a:r>
-            <a:r>
-              <a:rPr lang="ko-KR" altLang="en-US" dirty="0">
-                <a:latin typeface="Segoe UI Variable Small Semilig" pitchFamily="2" charset="0"/>
-                <a:ea typeface="HY신명조" panose="02030600000101010101" pitchFamily="18" charset="-127"/>
-              </a:rPr>
-              <a:t> </a:t>
-            </a:r>
-            <a:r>
-              <a:rPr lang="ko-KR" altLang="en-US" dirty="0" err="1">
-                <a:latin typeface="Segoe UI Variable Small Semilig" pitchFamily="2" charset="0"/>
-                <a:ea typeface="HY신명조" panose="02030600000101010101" pitchFamily="18" charset="-127"/>
-              </a:rPr>
-              <a:t>data</a:t>
-            </a:r>
-            <a:endParaRPr lang="ko-KR" altLang="en-US" dirty="0">
-              <a:latin typeface="Segoe UI Variable Small Semilig" pitchFamily="2" charset="0"/>
-              <a:ea typeface="HY신명조" panose="02030600000101010101" pitchFamily="18" charset="-127"/>
-            </a:endParaRPr>
-          </a:p>
-          <a:p>
-            <a:r>
-              <a:rPr lang="ko-KR" altLang="en-US" b="1" dirty="0" err="1">
-                <a:solidFill>
-                  <a:schemeClr val="bg1"/>
-                </a:solidFill>
-                <a:latin typeface="Segoe UI Variable Small Semilig" pitchFamily="2" charset="0"/>
-                <a:ea typeface="HY신명조" panose="02030600000101010101" pitchFamily="18" charset="-127"/>
-              </a:rPr>
-              <a:t>y_pred</a:t>
-            </a:r>
-            <a:r>
-              <a:rPr lang="ko-KR" altLang="en-US" b="1" dirty="0">
-                <a:solidFill>
-                  <a:schemeClr val="bg1"/>
-                </a:solidFill>
-                <a:latin typeface="Segoe UI Variable Small Semilig" pitchFamily="2" charset="0"/>
-                <a:ea typeface="HY신명조" panose="02030600000101010101" pitchFamily="18" charset="-127"/>
-              </a:rPr>
-              <a:t> = </a:t>
-            </a:r>
-            <a:r>
-              <a:rPr lang="ko-KR" altLang="en-US" b="1" dirty="0" err="1">
-                <a:solidFill>
-                  <a:schemeClr val="bg1"/>
-                </a:solidFill>
-                <a:latin typeface="Segoe UI Variable Small Semilig" pitchFamily="2" charset="0"/>
-                <a:ea typeface="HY신명조" panose="02030600000101010101" pitchFamily="18" charset="-127"/>
-              </a:rPr>
-              <a:t>log_reg.predict</a:t>
-            </a:r>
-            <a:r>
-              <a:rPr lang="ko-KR" altLang="en-US" b="1" dirty="0">
-                <a:solidFill>
-                  <a:schemeClr val="bg1"/>
-                </a:solidFill>
-                <a:latin typeface="Segoe UI Variable Small Semilig" pitchFamily="2" charset="0"/>
-                <a:ea typeface="HY신명조" panose="02030600000101010101" pitchFamily="18" charset="-127"/>
-              </a:rPr>
-              <a:t>(</a:t>
-            </a:r>
-            <a:r>
-              <a:rPr lang="ko-KR" altLang="en-US" b="1" dirty="0" err="1">
-                <a:solidFill>
-                  <a:schemeClr val="bg1"/>
-                </a:solidFill>
-                <a:latin typeface="Segoe UI Variable Small Semilig" pitchFamily="2" charset="0"/>
-                <a:ea typeface="HY신명조" panose="02030600000101010101" pitchFamily="18" charset="-127"/>
-              </a:rPr>
-              <a:t>X_test</a:t>
-            </a:r>
-            <a:r>
-              <a:rPr lang="ko-KR" altLang="en-US" b="1" dirty="0">
-                <a:solidFill>
-                  <a:schemeClr val="bg1"/>
-                </a:solidFill>
-                <a:latin typeface="Segoe UI Variable Small Semilig" pitchFamily="2" charset="0"/>
-                <a:ea typeface="HY신명조" panose="02030600000101010101" pitchFamily="18" charset="-127"/>
-              </a:rPr>
-              <a:t>)</a:t>
-            </a:r>
-          </a:p>
-        </p:txBody>
-      </p:sp>
-      <p:sp>
-        <p:nvSpPr>
-          <p:cNvPr id="3" name="TextBox 2">
-            <a:extLst>
-              <a:ext uri="{FF2B5EF4-FFF2-40B4-BE49-F238E27FC236}">
-                <a16:creationId xmlns:a16="http://schemas.microsoft.com/office/drawing/2014/main" id="{A2593044-8F15-A736-A0EE-583349AC3310}"/>
-              </a:ext>
-            </a:extLst>
-          </p:cNvPr>
-          <p:cNvSpPr txBox="1"/>
-          <p:nvPr/>
-        </p:nvSpPr>
-        <p:spPr>
-          <a:xfrm>
-            <a:off x="499620" y="1222602"/>
-            <a:ext cx="8364790" cy="400110"/>
-          </a:xfrm>
-          <a:prstGeom prst="rect">
-            <a:avLst/>
-          </a:prstGeom>
-          <a:noFill/>
-        </p:spPr>
-        <p:txBody>
-          <a:bodyPr wrap="none" rtlCol="0">
-            <a:spAutoFit/>
-          </a:bodyPr>
-          <a:lstStyle/>
-          <a:p>
-            <a:r>
-              <a:rPr lang="ko-KR" altLang="en-US" sz="2000" dirty="0">
-                <a:latin typeface="한컴 고딕" panose="02000500000000000000" pitchFamily="2" charset="-127"/>
-                <a:ea typeface="한컴 고딕" panose="02000500000000000000" pitchFamily="2" charset="-127"/>
-              </a:rPr>
-              <a:t>데이터와</a:t>
-            </a:r>
-            <a:r>
-              <a:rPr lang="en-US" altLang="ko-KR" sz="2000" dirty="0">
-                <a:latin typeface="한컴 고딕" panose="02000500000000000000" pitchFamily="2" charset="-127"/>
-                <a:ea typeface="한컴 고딕" panose="02000500000000000000" pitchFamily="2" charset="-127"/>
-              </a:rPr>
-              <a:t> </a:t>
-            </a:r>
-            <a:r>
-              <a:rPr lang="ko-KR" altLang="en-US" sz="2000" dirty="0">
-                <a:latin typeface="한컴 고딕" panose="02000500000000000000" pitchFamily="2" charset="-127"/>
-                <a:ea typeface="한컴 고딕" panose="02000500000000000000" pitchFamily="2" charset="-127"/>
-              </a:rPr>
-              <a:t>알고리즘을</a:t>
-            </a:r>
-            <a:r>
-              <a:rPr lang="en-US" altLang="ko-KR" sz="2000" dirty="0">
-                <a:latin typeface="한컴 고딕" panose="02000500000000000000" pitchFamily="2" charset="-127"/>
-                <a:ea typeface="한컴 고딕" panose="02000500000000000000" pitchFamily="2" charset="-127"/>
-              </a:rPr>
-              <a:t> </a:t>
-            </a:r>
-            <a:r>
-              <a:rPr lang="ko-KR" altLang="en-US" sz="2000" dirty="0">
-                <a:latin typeface="한컴 고딕" panose="02000500000000000000" pitchFamily="2" charset="-127"/>
-                <a:ea typeface="한컴 고딕" panose="02000500000000000000" pitchFamily="2" charset="-127"/>
-              </a:rPr>
-              <a:t>선택하여</a:t>
-            </a:r>
-            <a:r>
-              <a:rPr lang="en-US" altLang="ko-KR" sz="2000" dirty="0">
-                <a:latin typeface="한컴 고딕" panose="02000500000000000000" pitchFamily="2" charset="-127"/>
-                <a:ea typeface="한컴 고딕" panose="02000500000000000000" pitchFamily="2" charset="-127"/>
-              </a:rPr>
-              <a:t> </a:t>
-            </a:r>
-            <a:r>
-              <a:rPr lang="ko-KR" altLang="en-US" sz="2000" dirty="0">
-                <a:latin typeface="한컴 고딕" panose="02000500000000000000" pitchFamily="2" charset="-127"/>
-                <a:ea typeface="한컴 고딕" panose="02000500000000000000" pitchFamily="2" charset="-127"/>
-              </a:rPr>
-              <a:t>컴퓨터에게</a:t>
-            </a:r>
-            <a:r>
-              <a:rPr lang="en-US" altLang="ko-KR" sz="2000" dirty="0">
-                <a:latin typeface="한컴 고딕" panose="02000500000000000000" pitchFamily="2" charset="-127"/>
-                <a:ea typeface="한컴 고딕" panose="02000500000000000000" pitchFamily="2" charset="-127"/>
-              </a:rPr>
-              <a:t> </a:t>
-            </a:r>
-            <a:r>
-              <a:rPr lang="ko-KR" altLang="en-US" sz="2000" dirty="0">
-                <a:latin typeface="한컴 고딕" panose="02000500000000000000" pitchFamily="2" charset="-127"/>
-                <a:ea typeface="한컴 고딕" panose="02000500000000000000" pitchFamily="2" charset="-127"/>
-              </a:rPr>
-              <a:t>학습시켜 목적</a:t>
-            </a:r>
-            <a:r>
-              <a:rPr lang="en-US" altLang="ko-KR" sz="2000" dirty="0">
-                <a:latin typeface="한컴 고딕" panose="02000500000000000000" pitchFamily="2" charset="-127"/>
-                <a:ea typeface="한컴 고딕" panose="02000500000000000000" pitchFamily="2" charset="-127"/>
-              </a:rPr>
-              <a:t>(</a:t>
-            </a:r>
-            <a:r>
-              <a:rPr lang="ko-KR" altLang="en-US" sz="2000" dirty="0">
-                <a:latin typeface="한컴 고딕" panose="02000500000000000000" pitchFamily="2" charset="-127"/>
-                <a:ea typeface="한컴 고딕" panose="02000500000000000000" pitchFamily="2" charset="-127"/>
-              </a:rPr>
-              <a:t>예측</a:t>
-            </a:r>
-            <a:r>
-              <a:rPr lang="en-US" altLang="ko-KR" sz="2000" dirty="0">
-                <a:latin typeface="한컴 고딕" panose="02000500000000000000" pitchFamily="2" charset="-127"/>
-                <a:ea typeface="한컴 고딕" panose="02000500000000000000" pitchFamily="2" charset="-127"/>
-              </a:rPr>
-              <a:t>, </a:t>
-            </a:r>
-            <a:r>
-              <a:rPr lang="ko-KR" altLang="en-US" sz="2000" dirty="0">
-                <a:latin typeface="한컴 고딕" panose="02000500000000000000" pitchFamily="2" charset="-127"/>
-                <a:ea typeface="한컴 고딕" panose="02000500000000000000" pitchFamily="2" charset="-127"/>
-              </a:rPr>
-              <a:t>변환</a:t>
-            </a:r>
-            <a:r>
-              <a:rPr lang="en-US" altLang="ko-KR" sz="2000" dirty="0">
-                <a:latin typeface="한컴 고딕" panose="02000500000000000000" pitchFamily="2" charset="-127"/>
-                <a:ea typeface="한컴 고딕" panose="02000500000000000000" pitchFamily="2" charset="-127"/>
-              </a:rPr>
-              <a:t>)</a:t>
-            </a:r>
-            <a:r>
-              <a:rPr lang="ko-KR" altLang="en-US" sz="2000" dirty="0">
-                <a:latin typeface="한컴 고딕" panose="02000500000000000000" pitchFamily="2" charset="-127"/>
-                <a:ea typeface="한컴 고딕" panose="02000500000000000000" pitchFamily="2" charset="-127"/>
-              </a:rPr>
-              <a:t>을 달성</a:t>
-            </a:r>
-          </a:p>
-        </p:txBody>
-      </p:sp>
-      <p:sp>
-        <p:nvSpPr>
-          <p:cNvPr id="6" name="TextBox 5">
-            <a:extLst>
-              <a:ext uri="{FF2B5EF4-FFF2-40B4-BE49-F238E27FC236}">
-                <a16:creationId xmlns:a16="http://schemas.microsoft.com/office/drawing/2014/main" id="{A94B245B-045B-29EB-9238-47D9A35649E6}"/>
-              </a:ext>
-            </a:extLst>
-          </p:cNvPr>
-          <p:cNvSpPr txBox="1"/>
-          <p:nvPr/>
-        </p:nvSpPr>
-        <p:spPr>
-          <a:xfrm>
-            <a:off x="1531106" y="6127839"/>
-            <a:ext cx="9743352" cy="307777"/>
-          </a:xfrm>
-          <a:prstGeom prst="rect">
-            <a:avLst/>
-          </a:prstGeom>
-          <a:noFill/>
-        </p:spPr>
-        <p:txBody>
-          <a:bodyPr wrap="square">
-            <a:spAutoFit/>
-          </a:bodyPr>
-          <a:lstStyle/>
-          <a:p>
-            <a:r>
-              <a:rPr lang="ko-KR" altLang="en-US" sz="1400" dirty="0">
-                <a:hlinkClick r:id="rId2"/>
-              </a:rPr>
-              <a:t>https://scikit-learn.org/1.5/modules/generated/sklearn.linear_model.LogisticRegression.html</a:t>
-            </a:r>
-            <a:r>
-              <a:rPr lang="ko-KR" altLang="en-US" sz="1400" dirty="0"/>
-              <a:t> </a:t>
-            </a:r>
-          </a:p>
-        </p:txBody>
-      </p:sp>
-    </p:spTree>
-    <p:extLst>
-      <p:ext uri="{BB962C8B-B14F-4D97-AF65-F5344CB8AC3E}">
-        <p14:creationId xmlns:p14="http://schemas.microsoft.com/office/powerpoint/2010/main" val="3485557403"/>
-      </p:ext>
-    </p:extLst>
-  </p:cSld>
-  <p:clrMapOvr>
-    <a:masterClrMapping/>
-  </p:clrMapOvr>
-</p:sld>
-</file>
-
-<file path=ppt/slides/slide15.xml><?xml version="1.0" encoding="utf-8"?>
-<p:sld xmlns:a="http://schemas.openxmlformats.org/drawingml/2006/main" xmlns:r="http://schemas.openxmlformats.org/officeDocument/2006/relationships" xmlns:p="http://schemas.openxmlformats.org/presentationml/2006/main">
-  <p:cSld>
-    <p:spTree>
-      <p:nvGrpSpPr>
-        <p:cNvPr id="1" name=""/>
-        <p:cNvGrpSpPr/>
-        <p:nvPr/>
-      </p:nvGrpSpPr>
-      <p:grpSpPr>
-        <a:xfrm>
-          <a:off x="0" y="0"/>
-          <a:ext cx="0" cy="0"/>
-          <a:chOff x="0" y="0"/>
-          <a:chExt cx="0" cy="0"/>
-        </a:xfrm>
-      </p:grpSpPr>
-      <p:sp>
-        <p:nvSpPr>
-          <p:cNvPr id="2" name="제목 1">
-            <a:extLst>
-              <a:ext uri="{FF2B5EF4-FFF2-40B4-BE49-F238E27FC236}">
-                <a16:creationId xmlns:a16="http://schemas.microsoft.com/office/drawing/2014/main" id="{31A8128C-D73F-1FBA-6E47-3A0ECCF53BDA}"/>
-              </a:ext>
-            </a:extLst>
-          </p:cNvPr>
-          <p:cNvSpPr>
-            <a:spLocks noGrp="1"/>
-          </p:cNvSpPr>
-          <p:nvPr>
-            <p:ph type="title"/>
-          </p:nvPr>
-        </p:nvSpPr>
-        <p:spPr>
-          <a:xfrm>
-            <a:off x="223266" y="217270"/>
-            <a:ext cx="10131425" cy="659352"/>
-          </a:xfrm>
-        </p:spPr>
-        <p:txBody>
-          <a:bodyPr>
-            <a:normAutofit/>
-          </a:bodyPr>
-          <a:lstStyle/>
-          <a:p>
-            <a:r>
-              <a:rPr lang="en-US" altLang="ko-KR" sz="2800" b="1" dirty="0"/>
-              <a:t>Machine Learning</a:t>
-            </a:r>
-            <a:endParaRPr lang="ko-KR" altLang="en-US" sz="2800" b="1" dirty="0"/>
-          </a:p>
-        </p:txBody>
-      </p:sp>
-      <p:sp>
-        <p:nvSpPr>
-          <p:cNvPr id="10" name="바닥글 개체 틀 3">
-            <a:extLst>
-              <a:ext uri="{FF2B5EF4-FFF2-40B4-BE49-F238E27FC236}">
-                <a16:creationId xmlns:a16="http://schemas.microsoft.com/office/drawing/2014/main" id="{F6006E43-C489-7FA1-AF2E-6F49929124A9}"/>
-              </a:ext>
-            </a:extLst>
-          </p:cNvPr>
-          <p:cNvSpPr>
-            <a:spLocks noGrp="1"/>
-          </p:cNvSpPr>
-          <p:nvPr>
-            <p:ph type="ftr" sz="quarter" idx="11"/>
-          </p:nvPr>
-        </p:nvSpPr>
-        <p:spPr>
-          <a:xfrm>
-            <a:off x="4343399" y="6426758"/>
-            <a:ext cx="7827659" cy="377825"/>
-          </a:xfrm>
-        </p:spPr>
-        <p:txBody>
-          <a:bodyPr/>
-          <a:lstStyle/>
-          <a:p>
-            <a:pPr algn="r"/>
-            <a:fld id="{77860235-9F74-41DF-BC51-71A4257E4966}" type="slidenum">
-              <a:rPr lang="ko-KR" altLang="en-US" sz="1200" b="1" smtClean="0"/>
-              <a:pPr algn="r"/>
-              <a:t>15</a:t>
-            </a:fld>
-            <a:endParaRPr lang="ko-KR" altLang="en-US" sz="1200" b="1" dirty="0"/>
-          </a:p>
-        </p:txBody>
-      </p:sp>
-      <p:sp>
-        <p:nvSpPr>
-          <p:cNvPr id="7" name="TextBox 6">
-            <a:extLst>
-              <a:ext uri="{FF2B5EF4-FFF2-40B4-BE49-F238E27FC236}">
-                <a16:creationId xmlns:a16="http://schemas.microsoft.com/office/drawing/2014/main" id="{F48BA815-1326-DCEA-7705-0ABBEAA09DE9}"/>
-              </a:ext>
-            </a:extLst>
-          </p:cNvPr>
-          <p:cNvSpPr txBox="1"/>
-          <p:nvPr/>
-        </p:nvSpPr>
-        <p:spPr>
-          <a:xfrm>
-            <a:off x="1875933" y="2147801"/>
-            <a:ext cx="8267308" cy="3416320"/>
-          </a:xfrm>
-          <a:prstGeom prst="rect">
-            <a:avLst/>
-          </a:prstGeom>
-          <a:solidFill>
-            <a:srgbClr val="009EDE"/>
-          </a:solidFill>
-        </p:spPr>
-        <p:txBody>
-          <a:bodyPr wrap="square">
-            <a:spAutoFit/>
-          </a:bodyPr>
-          <a:lstStyle/>
-          <a:p>
-            <a:r>
-              <a:rPr lang="en-US" altLang="ko-KR" dirty="0">
-                <a:latin typeface="Segoe UI Variable Small Semilig" pitchFamily="2" charset="0"/>
-                <a:ea typeface="HY신명조" panose="02030600000101010101" pitchFamily="18" charset="-127"/>
-              </a:rPr>
-              <a:t># Build the </a:t>
-            </a:r>
-            <a:r>
-              <a:rPr lang="en-US" altLang="ko-KR" dirty="0" err="1">
-                <a:latin typeface="Segoe UI Variable Small Semilig" pitchFamily="2" charset="0"/>
-                <a:ea typeface="HY신명조" panose="02030600000101010101" pitchFamily="18" charset="-127"/>
-              </a:rPr>
-              <a:t>Keras</a:t>
-            </a:r>
-            <a:r>
-              <a:rPr lang="en-US" altLang="ko-KR" dirty="0">
-                <a:latin typeface="Segoe UI Variable Small Semilig" pitchFamily="2" charset="0"/>
-                <a:ea typeface="HY신명조" panose="02030600000101010101" pitchFamily="18" charset="-127"/>
-              </a:rPr>
-              <a:t> model with Single logistic regression layer</a:t>
-            </a:r>
-          </a:p>
-          <a:p>
-            <a:r>
-              <a:rPr lang="en-US" altLang="ko-KR" b="1" dirty="0">
-                <a:solidFill>
-                  <a:schemeClr val="bg1"/>
-                </a:solidFill>
-                <a:latin typeface="Segoe UI Variable Small Semilig" pitchFamily="2" charset="0"/>
-                <a:ea typeface="HY신명조" panose="02030600000101010101" pitchFamily="18" charset="-127"/>
-              </a:rPr>
-              <a:t>model = Sequential() </a:t>
-            </a:r>
-          </a:p>
-          <a:p>
-            <a:r>
-              <a:rPr lang="en-US" altLang="ko-KR" b="1" dirty="0" err="1">
-                <a:solidFill>
-                  <a:schemeClr val="bg1"/>
-                </a:solidFill>
-                <a:latin typeface="Segoe UI Variable Small Semilig" pitchFamily="2" charset="0"/>
-                <a:ea typeface="HY신명조" panose="02030600000101010101" pitchFamily="18" charset="-127"/>
-              </a:rPr>
-              <a:t>model.add</a:t>
-            </a:r>
-            <a:r>
-              <a:rPr lang="en-US" altLang="ko-KR" b="1" dirty="0">
-                <a:solidFill>
-                  <a:schemeClr val="bg1"/>
-                </a:solidFill>
-                <a:latin typeface="Segoe UI Variable Small Semilig" pitchFamily="2" charset="0"/>
-                <a:ea typeface="HY신명조" panose="02030600000101010101" pitchFamily="18" charset="-127"/>
-              </a:rPr>
-              <a:t>(Dense(1, </a:t>
-            </a:r>
-            <a:r>
-              <a:rPr lang="en-US" altLang="ko-KR" b="1" dirty="0" err="1">
-                <a:solidFill>
-                  <a:schemeClr val="bg1"/>
-                </a:solidFill>
-                <a:latin typeface="Segoe UI Variable Small Semilig" pitchFamily="2" charset="0"/>
-                <a:ea typeface="HY신명조" panose="02030600000101010101" pitchFamily="18" charset="-127"/>
-              </a:rPr>
-              <a:t>input_dim</a:t>
-            </a:r>
-            <a:r>
-              <a:rPr lang="en-US" altLang="ko-KR" b="1" dirty="0">
-                <a:solidFill>
-                  <a:schemeClr val="bg1"/>
-                </a:solidFill>
-                <a:latin typeface="Segoe UI Variable Small Semilig" pitchFamily="2" charset="0"/>
-                <a:ea typeface="HY신명조" panose="02030600000101010101" pitchFamily="18" charset="-127"/>
-              </a:rPr>
-              <a:t>=4, activation='sigmoid’)) </a:t>
-            </a:r>
-          </a:p>
-          <a:p>
-            <a:endParaRPr lang="en-US" altLang="ko-KR" dirty="0">
-              <a:latin typeface="Segoe UI Variable Small Semilig" pitchFamily="2" charset="0"/>
-              <a:ea typeface="HY신명조" panose="02030600000101010101" pitchFamily="18" charset="-127"/>
-            </a:endParaRPr>
-          </a:p>
-          <a:p>
-            <a:r>
-              <a:rPr lang="en-US" altLang="ko-KR" dirty="0">
-                <a:latin typeface="Segoe UI Variable Small Semilig" pitchFamily="2" charset="0"/>
-                <a:ea typeface="HY신명조" panose="02030600000101010101" pitchFamily="18" charset="-127"/>
-              </a:rPr>
-              <a:t># Compile the model </a:t>
-            </a:r>
-          </a:p>
-          <a:p>
-            <a:r>
-              <a:rPr lang="en-US" altLang="ko-KR" b="1" dirty="0" err="1">
-                <a:solidFill>
-                  <a:schemeClr val="bg1"/>
-                </a:solidFill>
-                <a:latin typeface="Segoe UI Variable Small Semilig" pitchFamily="2" charset="0"/>
-                <a:ea typeface="HY신명조" panose="02030600000101010101" pitchFamily="18" charset="-127"/>
-              </a:rPr>
-              <a:t>model.compile</a:t>
-            </a:r>
-            <a:r>
-              <a:rPr lang="en-US" altLang="ko-KR" b="1" dirty="0">
-                <a:solidFill>
-                  <a:schemeClr val="bg1"/>
-                </a:solidFill>
-                <a:latin typeface="Segoe UI Variable Small Semilig" pitchFamily="2" charset="0"/>
-                <a:ea typeface="HY신명조" panose="02030600000101010101" pitchFamily="18" charset="-127"/>
-              </a:rPr>
-              <a:t>(optimizer=SGD) </a:t>
-            </a:r>
-          </a:p>
-          <a:p>
-            <a:endParaRPr lang="en-US" altLang="ko-KR" dirty="0">
-              <a:latin typeface="Segoe UI Variable Small Semilig" pitchFamily="2" charset="0"/>
-              <a:ea typeface="HY신명조" panose="02030600000101010101" pitchFamily="18" charset="-127"/>
-            </a:endParaRPr>
-          </a:p>
-          <a:p>
-            <a:r>
-              <a:rPr lang="en-US" altLang="ko-KR" dirty="0">
-                <a:latin typeface="Segoe UI Variable Small Semilig" pitchFamily="2" charset="0"/>
-                <a:ea typeface="HY신명조" panose="02030600000101010101" pitchFamily="18" charset="-127"/>
-              </a:rPr>
-              <a:t># Train the model </a:t>
-            </a:r>
-          </a:p>
-          <a:p>
-            <a:r>
-              <a:rPr lang="en-US" altLang="ko-KR" b="1" dirty="0" err="1">
-                <a:solidFill>
-                  <a:schemeClr val="bg1"/>
-                </a:solidFill>
-                <a:latin typeface="Segoe UI Variable Small Semilig" pitchFamily="2" charset="0"/>
-                <a:ea typeface="HY신명조" panose="02030600000101010101" pitchFamily="18" charset="-127"/>
-              </a:rPr>
-              <a:t>model.fit</a:t>
-            </a:r>
-            <a:r>
-              <a:rPr lang="en-US" altLang="ko-KR" b="1" dirty="0">
-                <a:solidFill>
-                  <a:schemeClr val="bg1"/>
-                </a:solidFill>
-                <a:latin typeface="Segoe UI Variable Small Semilig" pitchFamily="2" charset="0"/>
-                <a:ea typeface="HY신명조" panose="02030600000101010101" pitchFamily="18" charset="-127"/>
-              </a:rPr>
-              <a:t>(</a:t>
-            </a:r>
-            <a:r>
-              <a:rPr lang="en-US" altLang="ko-KR" b="1" dirty="0" err="1">
-                <a:solidFill>
-                  <a:schemeClr val="bg1"/>
-                </a:solidFill>
-                <a:latin typeface="Segoe UI Variable Small Semilig" pitchFamily="2" charset="0"/>
-                <a:ea typeface="HY신명조" panose="02030600000101010101" pitchFamily="18" charset="-127"/>
-              </a:rPr>
-              <a:t>X_train</a:t>
-            </a:r>
-            <a:r>
-              <a:rPr lang="en-US" altLang="ko-KR" b="1" dirty="0">
-                <a:solidFill>
-                  <a:schemeClr val="bg1"/>
-                </a:solidFill>
-                <a:latin typeface="Segoe UI Variable Small Semilig" pitchFamily="2" charset="0"/>
-                <a:ea typeface="HY신명조" panose="02030600000101010101" pitchFamily="18" charset="-127"/>
-              </a:rPr>
-              <a:t>, </a:t>
-            </a:r>
-            <a:r>
-              <a:rPr lang="en-US" altLang="ko-KR" b="1" dirty="0" err="1">
-                <a:solidFill>
-                  <a:schemeClr val="bg1"/>
-                </a:solidFill>
-                <a:latin typeface="Segoe UI Variable Small Semilig" pitchFamily="2" charset="0"/>
-                <a:ea typeface="HY신명조" panose="02030600000101010101" pitchFamily="18" charset="-127"/>
-              </a:rPr>
-              <a:t>y_train</a:t>
-            </a:r>
-            <a:r>
-              <a:rPr lang="en-US" altLang="ko-KR" b="1" dirty="0">
-                <a:solidFill>
-                  <a:schemeClr val="bg1"/>
-                </a:solidFill>
-                <a:latin typeface="Segoe UI Variable Small Semilig" pitchFamily="2" charset="0"/>
-                <a:ea typeface="HY신명조" panose="02030600000101010101" pitchFamily="18" charset="-127"/>
-              </a:rPr>
-              <a:t>) </a:t>
-            </a:r>
-          </a:p>
-          <a:p>
-            <a:endParaRPr lang="en-US" altLang="ko-KR" dirty="0">
-              <a:latin typeface="Segoe UI Variable Small Semilig" pitchFamily="2" charset="0"/>
-              <a:ea typeface="HY신명조" panose="02030600000101010101" pitchFamily="18" charset="-127"/>
-            </a:endParaRPr>
-          </a:p>
-          <a:p>
-            <a:r>
-              <a:rPr lang="en-US" altLang="ko-KR" dirty="0">
-                <a:latin typeface="Segoe UI Variable Small Semilig" pitchFamily="2" charset="0"/>
-                <a:ea typeface="HY신명조" panose="02030600000101010101" pitchFamily="18" charset="-127"/>
-              </a:rPr>
-              <a:t># Predict on test data </a:t>
-            </a:r>
-          </a:p>
-          <a:p>
-            <a:r>
-              <a:rPr lang="en-US" altLang="ko-KR" b="1" dirty="0" err="1">
-                <a:solidFill>
-                  <a:schemeClr val="bg1"/>
-                </a:solidFill>
-                <a:latin typeface="Segoe UI Variable Small Semilig" pitchFamily="2" charset="0"/>
-                <a:ea typeface="HY신명조" panose="02030600000101010101" pitchFamily="18" charset="-127"/>
-              </a:rPr>
-              <a:t>y_pred</a:t>
-            </a:r>
-            <a:r>
-              <a:rPr lang="en-US" altLang="ko-KR" b="1" dirty="0">
-                <a:solidFill>
-                  <a:schemeClr val="bg1"/>
-                </a:solidFill>
-                <a:latin typeface="Segoe UI Variable Small Semilig" pitchFamily="2" charset="0"/>
-                <a:ea typeface="HY신명조" panose="02030600000101010101" pitchFamily="18" charset="-127"/>
-              </a:rPr>
-              <a:t> = (</a:t>
-            </a:r>
-            <a:r>
-              <a:rPr lang="en-US" altLang="ko-KR" b="1" dirty="0" err="1">
-                <a:solidFill>
-                  <a:schemeClr val="bg1"/>
-                </a:solidFill>
-                <a:latin typeface="Segoe UI Variable Small Semilig" pitchFamily="2" charset="0"/>
-                <a:ea typeface="HY신명조" panose="02030600000101010101" pitchFamily="18" charset="-127"/>
-              </a:rPr>
-              <a:t>model.predict</a:t>
-            </a:r>
-            <a:r>
-              <a:rPr lang="en-US" altLang="ko-KR" b="1" dirty="0">
-                <a:solidFill>
-                  <a:schemeClr val="bg1"/>
-                </a:solidFill>
-                <a:latin typeface="Segoe UI Variable Small Semilig" pitchFamily="2" charset="0"/>
-                <a:ea typeface="HY신명조" panose="02030600000101010101" pitchFamily="18" charset="-127"/>
-              </a:rPr>
-              <a:t>(</a:t>
-            </a:r>
-            <a:r>
-              <a:rPr lang="en-US" altLang="ko-KR" b="1" dirty="0" err="1">
-                <a:solidFill>
-                  <a:schemeClr val="bg1"/>
-                </a:solidFill>
-                <a:latin typeface="Segoe UI Variable Small Semilig" pitchFamily="2" charset="0"/>
-                <a:ea typeface="HY신명조" panose="02030600000101010101" pitchFamily="18" charset="-127"/>
-              </a:rPr>
-              <a:t>X_test</a:t>
-            </a:r>
-            <a:r>
-              <a:rPr lang="en-US" altLang="ko-KR" b="1" dirty="0">
-                <a:solidFill>
-                  <a:schemeClr val="bg1"/>
-                </a:solidFill>
-                <a:latin typeface="Segoe UI Variable Small Semilig" pitchFamily="2" charset="0"/>
-                <a:ea typeface="HY신명조" panose="02030600000101010101" pitchFamily="18" charset="-127"/>
-              </a:rPr>
-              <a:t>)</a:t>
-            </a:r>
-            <a:endParaRPr lang="ko-KR" altLang="en-US" b="1" dirty="0">
-              <a:solidFill>
-                <a:schemeClr val="bg1"/>
-              </a:solidFill>
-              <a:latin typeface="Segoe UI Variable Small Semilig" pitchFamily="2" charset="0"/>
-              <a:ea typeface="HY신명조" panose="02030600000101010101" pitchFamily="18" charset="-127"/>
-            </a:endParaRPr>
-          </a:p>
-        </p:txBody>
-      </p:sp>
-      <p:sp>
-        <p:nvSpPr>
-          <p:cNvPr id="3" name="TextBox 2">
-            <a:extLst>
-              <a:ext uri="{FF2B5EF4-FFF2-40B4-BE49-F238E27FC236}">
-                <a16:creationId xmlns:a16="http://schemas.microsoft.com/office/drawing/2014/main" id="{A2593044-8F15-A736-A0EE-583349AC3310}"/>
-              </a:ext>
-            </a:extLst>
-          </p:cNvPr>
-          <p:cNvSpPr txBox="1"/>
-          <p:nvPr/>
-        </p:nvSpPr>
-        <p:spPr>
-          <a:xfrm>
-            <a:off x="499620" y="1222602"/>
-            <a:ext cx="8364790" cy="400110"/>
-          </a:xfrm>
-          <a:prstGeom prst="rect">
-            <a:avLst/>
-          </a:prstGeom>
-          <a:noFill/>
-        </p:spPr>
-        <p:txBody>
-          <a:bodyPr wrap="none" rtlCol="0">
-            <a:spAutoFit/>
-          </a:bodyPr>
-          <a:lstStyle/>
-          <a:p>
-            <a:r>
-              <a:rPr lang="ko-KR" altLang="en-US" sz="2000" dirty="0">
-                <a:latin typeface="한컴 고딕" panose="02000500000000000000" pitchFamily="2" charset="-127"/>
-                <a:ea typeface="한컴 고딕" panose="02000500000000000000" pitchFamily="2" charset="-127"/>
-              </a:rPr>
-              <a:t>데이터와</a:t>
-            </a:r>
-            <a:r>
-              <a:rPr lang="en-US" altLang="ko-KR" sz="2000" dirty="0">
-                <a:latin typeface="한컴 고딕" panose="02000500000000000000" pitchFamily="2" charset="-127"/>
-                <a:ea typeface="한컴 고딕" panose="02000500000000000000" pitchFamily="2" charset="-127"/>
-              </a:rPr>
-              <a:t> </a:t>
-            </a:r>
-            <a:r>
-              <a:rPr lang="ko-KR" altLang="en-US" sz="2000" dirty="0">
-                <a:latin typeface="한컴 고딕" panose="02000500000000000000" pitchFamily="2" charset="-127"/>
-                <a:ea typeface="한컴 고딕" panose="02000500000000000000" pitchFamily="2" charset="-127"/>
-              </a:rPr>
-              <a:t>알고리즘을</a:t>
-            </a:r>
-            <a:r>
-              <a:rPr lang="en-US" altLang="ko-KR" sz="2000" dirty="0">
-                <a:latin typeface="한컴 고딕" panose="02000500000000000000" pitchFamily="2" charset="-127"/>
-                <a:ea typeface="한컴 고딕" panose="02000500000000000000" pitchFamily="2" charset="-127"/>
-              </a:rPr>
-              <a:t> </a:t>
-            </a:r>
-            <a:r>
-              <a:rPr lang="ko-KR" altLang="en-US" sz="2000" dirty="0">
-                <a:latin typeface="한컴 고딕" panose="02000500000000000000" pitchFamily="2" charset="-127"/>
-                <a:ea typeface="한컴 고딕" panose="02000500000000000000" pitchFamily="2" charset="-127"/>
-              </a:rPr>
-              <a:t>선택하여</a:t>
-            </a:r>
-            <a:r>
-              <a:rPr lang="en-US" altLang="ko-KR" sz="2000" dirty="0">
-                <a:latin typeface="한컴 고딕" panose="02000500000000000000" pitchFamily="2" charset="-127"/>
-                <a:ea typeface="한컴 고딕" panose="02000500000000000000" pitchFamily="2" charset="-127"/>
-              </a:rPr>
-              <a:t> </a:t>
-            </a:r>
-            <a:r>
-              <a:rPr lang="ko-KR" altLang="en-US" sz="2000" dirty="0">
-                <a:latin typeface="한컴 고딕" panose="02000500000000000000" pitchFamily="2" charset="-127"/>
-                <a:ea typeface="한컴 고딕" panose="02000500000000000000" pitchFamily="2" charset="-127"/>
-              </a:rPr>
-              <a:t>컴퓨터에게</a:t>
-            </a:r>
-            <a:r>
-              <a:rPr lang="en-US" altLang="ko-KR" sz="2000" dirty="0">
-                <a:latin typeface="한컴 고딕" panose="02000500000000000000" pitchFamily="2" charset="-127"/>
-                <a:ea typeface="한컴 고딕" panose="02000500000000000000" pitchFamily="2" charset="-127"/>
-              </a:rPr>
-              <a:t> </a:t>
-            </a:r>
-            <a:r>
-              <a:rPr lang="ko-KR" altLang="en-US" sz="2000" dirty="0">
-                <a:latin typeface="한컴 고딕" panose="02000500000000000000" pitchFamily="2" charset="-127"/>
-                <a:ea typeface="한컴 고딕" panose="02000500000000000000" pitchFamily="2" charset="-127"/>
-              </a:rPr>
-              <a:t>학습시켜 목적</a:t>
-            </a:r>
-            <a:r>
-              <a:rPr lang="en-US" altLang="ko-KR" sz="2000" dirty="0">
-                <a:latin typeface="한컴 고딕" panose="02000500000000000000" pitchFamily="2" charset="-127"/>
-                <a:ea typeface="한컴 고딕" panose="02000500000000000000" pitchFamily="2" charset="-127"/>
-              </a:rPr>
-              <a:t>(</a:t>
-            </a:r>
-            <a:r>
-              <a:rPr lang="ko-KR" altLang="en-US" sz="2000" dirty="0">
-                <a:latin typeface="한컴 고딕" panose="02000500000000000000" pitchFamily="2" charset="-127"/>
-                <a:ea typeface="한컴 고딕" panose="02000500000000000000" pitchFamily="2" charset="-127"/>
-              </a:rPr>
-              <a:t>예측</a:t>
-            </a:r>
-            <a:r>
-              <a:rPr lang="en-US" altLang="ko-KR" sz="2000" dirty="0">
-                <a:latin typeface="한컴 고딕" panose="02000500000000000000" pitchFamily="2" charset="-127"/>
-                <a:ea typeface="한컴 고딕" panose="02000500000000000000" pitchFamily="2" charset="-127"/>
-              </a:rPr>
-              <a:t>, </a:t>
-            </a:r>
-            <a:r>
-              <a:rPr lang="ko-KR" altLang="en-US" sz="2000" dirty="0">
-                <a:latin typeface="한컴 고딕" panose="02000500000000000000" pitchFamily="2" charset="-127"/>
-                <a:ea typeface="한컴 고딕" panose="02000500000000000000" pitchFamily="2" charset="-127"/>
-              </a:rPr>
-              <a:t>변환</a:t>
-            </a:r>
-            <a:r>
-              <a:rPr lang="en-US" altLang="ko-KR" sz="2000" dirty="0">
-                <a:latin typeface="한컴 고딕" panose="02000500000000000000" pitchFamily="2" charset="-127"/>
-                <a:ea typeface="한컴 고딕" panose="02000500000000000000" pitchFamily="2" charset="-127"/>
-              </a:rPr>
-              <a:t>)</a:t>
-            </a:r>
-            <a:r>
-              <a:rPr lang="ko-KR" altLang="en-US" sz="2000" dirty="0">
-                <a:latin typeface="한컴 고딕" panose="02000500000000000000" pitchFamily="2" charset="-127"/>
-                <a:ea typeface="한컴 고딕" panose="02000500000000000000" pitchFamily="2" charset="-127"/>
-              </a:rPr>
-              <a:t>을 달성</a:t>
-            </a:r>
-          </a:p>
-        </p:txBody>
-      </p:sp>
-    </p:spTree>
-    <p:extLst>
-      <p:ext uri="{BB962C8B-B14F-4D97-AF65-F5344CB8AC3E}">
-        <p14:creationId xmlns:p14="http://schemas.microsoft.com/office/powerpoint/2010/main" val="3570514683"/>
-      </p:ext>
-    </p:extLst>
-  </p:cSld>
-  <p:clrMapOvr>
-    <a:masterClrMapping/>
-  </p:clrMapOvr>
-</p:sld>
-</file>
-
 <file path=ppt/slides/slide16.xml><?xml version="1.0" encoding="utf-8"?>
 <p:sld xmlns:a="http://schemas.openxmlformats.org/drawingml/2006/main" xmlns:r="http://schemas.openxmlformats.org/officeDocument/2006/relationships" xmlns:p="http://schemas.openxmlformats.org/presentationml/2006/main">
   <p:cSld>
@@ -11341,7 +9895,7 @@
           <a:p>
             <a:r>
               <a:rPr lang="en-US" altLang="ko-KR" sz="2800" b="1" dirty="0"/>
-              <a:t>Deep Learning</a:t>
+              <a:t>Machine Learning</a:t>
             </a:r>
             <a:endParaRPr lang="ko-KR" altLang="en-US" sz="2800" b="1" dirty="0"/>
           </a:p>
@@ -11378,6 +9932,1829 @@
               <a:rPr lang="ko-KR" altLang="en-US" sz="1200" b="1" smtClean="0"/>
               <a:pPr algn="r"/>
               <a:t>16</a:t>
+            </a:fld>
+            <a:endParaRPr lang="ko-KR" altLang="en-US" sz="1200" b="1" dirty="0"/>
+          </a:p>
+        </p:txBody>
+      </p:sp>
+      <p:sp>
+        <p:nvSpPr>
+          <p:cNvPr id="7" name="TextBox 6">
+            <a:extLst>
+              <a:ext uri="{FF2B5EF4-FFF2-40B4-BE49-F238E27FC236}">
+                <a16:creationId xmlns:a16="http://schemas.microsoft.com/office/drawing/2014/main" id="{F48BA815-1326-DCEA-7705-0ABBEAA09DE9}"/>
+              </a:ext>
+            </a:extLst>
+          </p:cNvPr>
+          <p:cNvSpPr txBox="1"/>
+          <p:nvPr/>
+        </p:nvSpPr>
+        <p:spPr>
+          <a:xfrm>
+            <a:off x="1626271" y="2149241"/>
+            <a:ext cx="8271873" cy="3970318"/>
+          </a:xfrm>
+          <a:prstGeom prst="rect">
+            <a:avLst/>
+          </a:prstGeom>
+          <a:solidFill>
+            <a:srgbClr val="009EDE"/>
+          </a:solidFill>
+        </p:spPr>
+        <p:txBody>
+          <a:bodyPr wrap="square">
+            <a:spAutoFit/>
+          </a:bodyPr>
+          <a:lstStyle/>
+          <a:p>
+            <a:r>
+              <a:rPr lang="ko-KR" altLang="en-US" dirty="0">
+                <a:latin typeface="Segoe UI Variable Small Semilig" pitchFamily="2" charset="0"/>
+                <a:ea typeface="HY신명조" panose="02030600000101010101" pitchFamily="18" charset="-127"/>
+              </a:rPr>
+              <a:t># </a:t>
+            </a:r>
+            <a:r>
+              <a:rPr lang="ko-KR" altLang="en-US" dirty="0" err="1">
+                <a:latin typeface="Segoe UI Variable Small Semilig" pitchFamily="2" charset="0"/>
+                <a:ea typeface="HY신명조" panose="02030600000101010101" pitchFamily="18" charset="-127"/>
+              </a:rPr>
+              <a:t>Load</a:t>
+            </a:r>
+            <a:r>
+              <a:rPr lang="ko-KR" altLang="en-US" dirty="0">
+                <a:latin typeface="Segoe UI Variable Small Semilig" pitchFamily="2" charset="0"/>
+                <a:ea typeface="HY신명조" panose="02030600000101010101" pitchFamily="18" charset="-127"/>
+              </a:rPr>
+              <a:t> </a:t>
+            </a:r>
+            <a:r>
+              <a:rPr lang="ko-KR" altLang="en-US" dirty="0" err="1">
+                <a:latin typeface="Segoe UI Variable Small Semilig" pitchFamily="2" charset="0"/>
+                <a:ea typeface="HY신명조" panose="02030600000101010101" pitchFamily="18" charset="-127"/>
+              </a:rPr>
+              <a:t>the</a:t>
+            </a:r>
+            <a:r>
+              <a:rPr lang="ko-KR" altLang="en-US" dirty="0">
+                <a:latin typeface="Segoe UI Variable Small Semilig" pitchFamily="2" charset="0"/>
+                <a:ea typeface="HY신명조" panose="02030600000101010101" pitchFamily="18" charset="-127"/>
+              </a:rPr>
+              <a:t> </a:t>
+            </a:r>
+            <a:r>
+              <a:rPr lang="ko-KR" altLang="en-US" dirty="0" err="1">
+                <a:latin typeface="Segoe UI Variable Small Semilig" pitchFamily="2" charset="0"/>
+                <a:ea typeface="HY신명조" panose="02030600000101010101" pitchFamily="18" charset="-127"/>
+              </a:rPr>
+              <a:t>iris</a:t>
+            </a:r>
+            <a:r>
+              <a:rPr lang="ko-KR" altLang="en-US" dirty="0">
+                <a:latin typeface="Segoe UI Variable Small Semilig" pitchFamily="2" charset="0"/>
+                <a:ea typeface="HY신명조" panose="02030600000101010101" pitchFamily="18" charset="-127"/>
+              </a:rPr>
+              <a:t> </a:t>
+            </a:r>
+            <a:r>
+              <a:rPr lang="ko-KR" altLang="en-US" dirty="0" err="1">
+                <a:latin typeface="Segoe UI Variable Small Semilig" pitchFamily="2" charset="0"/>
+                <a:ea typeface="HY신명조" panose="02030600000101010101" pitchFamily="18" charset="-127"/>
+              </a:rPr>
+              <a:t>dataset</a:t>
+            </a:r>
+            <a:r>
+              <a:rPr lang="ko-KR" altLang="en-US" dirty="0">
+                <a:latin typeface="Segoe UI Variable Small Semilig" pitchFamily="2" charset="0"/>
+                <a:ea typeface="HY신명조" panose="02030600000101010101" pitchFamily="18" charset="-127"/>
+              </a:rPr>
+              <a:t> </a:t>
+            </a:r>
+            <a:r>
+              <a:rPr lang="en-US" altLang="ko-KR" dirty="0">
+                <a:latin typeface="Segoe UI Variable Small Semilig" pitchFamily="2" charset="0"/>
+                <a:ea typeface="HY신명조" panose="02030600000101010101" pitchFamily="18" charset="-127"/>
+              </a:rPr>
+              <a:t>&amp; </a:t>
+            </a:r>
+            <a:r>
+              <a:rPr lang="ko-KR" altLang="en-US" dirty="0" err="1">
+                <a:latin typeface="Segoe UI Variable Small Semilig" pitchFamily="2" charset="0"/>
+                <a:ea typeface="HY신명조" panose="02030600000101010101" pitchFamily="18" charset="-127"/>
+              </a:rPr>
+              <a:t>use</a:t>
+            </a:r>
+            <a:r>
+              <a:rPr lang="ko-KR" altLang="en-US" dirty="0">
+                <a:latin typeface="Segoe UI Variable Small Semilig" pitchFamily="2" charset="0"/>
+                <a:ea typeface="HY신명조" panose="02030600000101010101" pitchFamily="18" charset="-127"/>
+              </a:rPr>
+              <a:t> </a:t>
+            </a:r>
+            <a:r>
+              <a:rPr lang="ko-KR" altLang="en-US" dirty="0" err="1">
+                <a:latin typeface="Segoe UI Variable Small Semilig" pitchFamily="2" charset="0"/>
+                <a:ea typeface="HY신명조" panose="02030600000101010101" pitchFamily="18" charset="-127"/>
+              </a:rPr>
+              <a:t>the</a:t>
+            </a:r>
+            <a:r>
+              <a:rPr lang="ko-KR" altLang="en-US" dirty="0">
+                <a:latin typeface="Segoe UI Variable Small Semilig" pitchFamily="2" charset="0"/>
+                <a:ea typeface="HY신명조" panose="02030600000101010101" pitchFamily="18" charset="-127"/>
+              </a:rPr>
+              <a:t> '</a:t>
+            </a:r>
+            <a:r>
+              <a:rPr lang="ko-KR" altLang="en-US" dirty="0" err="1">
+                <a:latin typeface="Segoe UI Variable Small Semilig" pitchFamily="2" charset="0"/>
+                <a:ea typeface="HY신명조" panose="02030600000101010101" pitchFamily="18" charset="-127"/>
+              </a:rPr>
+              <a:t>target</a:t>
+            </a:r>
+            <a:r>
+              <a:rPr lang="ko-KR" altLang="en-US" dirty="0">
+                <a:latin typeface="Segoe UI Variable Small Semilig" pitchFamily="2" charset="0"/>
+                <a:ea typeface="HY신명조" panose="02030600000101010101" pitchFamily="18" charset="-127"/>
+              </a:rPr>
+              <a:t>' </a:t>
+            </a:r>
+            <a:r>
+              <a:rPr lang="ko-KR" altLang="en-US" dirty="0" err="1">
+                <a:latin typeface="Segoe UI Variable Small Semilig" pitchFamily="2" charset="0"/>
+                <a:ea typeface="HY신명조" panose="02030600000101010101" pitchFamily="18" charset="-127"/>
+              </a:rPr>
+              <a:t>as</a:t>
+            </a:r>
+            <a:r>
+              <a:rPr lang="ko-KR" altLang="en-US" dirty="0">
+                <a:latin typeface="Segoe UI Variable Small Semilig" pitchFamily="2" charset="0"/>
+                <a:ea typeface="HY신명조" panose="02030600000101010101" pitchFamily="18" charset="-127"/>
+              </a:rPr>
+              <a:t> </a:t>
+            </a:r>
+            <a:r>
+              <a:rPr lang="ko-KR" altLang="en-US" dirty="0" err="1">
+                <a:latin typeface="Segoe UI Variable Small Semilig" pitchFamily="2" charset="0"/>
+                <a:ea typeface="HY신명조" panose="02030600000101010101" pitchFamily="18" charset="-127"/>
+              </a:rPr>
+              <a:t>labels</a:t>
+            </a:r>
+            <a:r>
+              <a:rPr lang="ko-KR" altLang="en-US" dirty="0">
+                <a:latin typeface="Segoe UI Variable Small Semilig" pitchFamily="2" charset="0"/>
+                <a:ea typeface="HY신명조" panose="02030600000101010101" pitchFamily="18" charset="-127"/>
+              </a:rPr>
+              <a:t> and </a:t>
+            </a:r>
+            <a:r>
+              <a:rPr lang="ko-KR" altLang="en-US" dirty="0" err="1">
+                <a:latin typeface="Segoe UI Variable Small Semilig" pitchFamily="2" charset="0"/>
+                <a:ea typeface="HY신명조" panose="02030600000101010101" pitchFamily="18" charset="-127"/>
+              </a:rPr>
+              <a:t>the</a:t>
+            </a:r>
+            <a:r>
+              <a:rPr lang="ko-KR" altLang="en-US" dirty="0">
+                <a:latin typeface="Segoe UI Variable Small Semilig" pitchFamily="2" charset="0"/>
+                <a:ea typeface="HY신명조" panose="02030600000101010101" pitchFamily="18" charset="-127"/>
+              </a:rPr>
+              <a:t> '</a:t>
+            </a:r>
+            <a:r>
+              <a:rPr lang="ko-KR" altLang="en-US" dirty="0" err="1">
+                <a:latin typeface="Segoe UI Variable Small Semilig" pitchFamily="2" charset="0"/>
+                <a:ea typeface="HY신명조" panose="02030600000101010101" pitchFamily="18" charset="-127"/>
+              </a:rPr>
+              <a:t>data</a:t>
+            </a:r>
+            <a:r>
+              <a:rPr lang="ko-KR" altLang="en-US" dirty="0">
+                <a:latin typeface="Segoe UI Variable Small Semilig" pitchFamily="2" charset="0"/>
+                <a:ea typeface="HY신명조" panose="02030600000101010101" pitchFamily="18" charset="-127"/>
+              </a:rPr>
+              <a:t>' </a:t>
+            </a:r>
+            <a:r>
+              <a:rPr lang="ko-KR" altLang="en-US" dirty="0" err="1">
+                <a:latin typeface="Segoe UI Variable Small Semilig" pitchFamily="2" charset="0"/>
+                <a:ea typeface="HY신명조" panose="02030600000101010101" pitchFamily="18" charset="-127"/>
+              </a:rPr>
+              <a:t>as</a:t>
+            </a:r>
+            <a:r>
+              <a:rPr lang="ko-KR" altLang="en-US" dirty="0">
+                <a:latin typeface="Segoe UI Variable Small Semilig" pitchFamily="2" charset="0"/>
+                <a:ea typeface="HY신명조" panose="02030600000101010101" pitchFamily="18" charset="-127"/>
+              </a:rPr>
+              <a:t> </a:t>
+            </a:r>
+            <a:r>
+              <a:rPr lang="ko-KR" altLang="en-US" dirty="0" err="1">
+                <a:latin typeface="Segoe UI Variable Small Semilig" pitchFamily="2" charset="0"/>
+                <a:ea typeface="HY신명조" panose="02030600000101010101" pitchFamily="18" charset="-127"/>
+              </a:rPr>
+              <a:t>features</a:t>
+            </a:r>
+            <a:endParaRPr lang="ko-KR" altLang="en-US" dirty="0">
+              <a:latin typeface="Segoe UI Variable Small Semilig" pitchFamily="2" charset="0"/>
+              <a:ea typeface="HY신명조" panose="02030600000101010101" pitchFamily="18" charset="-127"/>
+            </a:endParaRPr>
+          </a:p>
+          <a:p>
+            <a:r>
+              <a:rPr lang="ko-KR" altLang="en-US" dirty="0" err="1">
+                <a:latin typeface="Segoe UI Variable Small Semilig" pitchFamily="2" charset="0"/>
+                <a:ea typeface="HY신명조" panose="02030600000101010101" pitchFamily="18" charset="-127"/>
+              </a:rPr>
+              <a:t>iris</a:t>
+            </a:r>
+            <a:r>
+              <a:rPr lang="ko-KR" altLang="en-US" dirty="0">
+                <a:latin typeface="Segoe UI Variable Small Semilig" pitchFamily="2" charset="0"/>
+                <a:ea typeface="HY신명조" panose="02030600000101010101" pitchFamily="18" charset="-127"/>
+              </a:rPr>
+              <a:t> = </a:t>
+            </a:r>
+            <a:r>
+              <a:rPr lang="ko-KR" altLang="en-US" dirty="0" err="1">
+                <a:latin typeface="Segoe UI Variable Small Semilig" pitchFamily="2" charset="0"/>
+                <a:ea typeface="HY신명조" panose="02030600000101010101" pitchFamily="18" charset="-127"/>
+              </a:rPr>
+              <a:t>load_iris</a:t>
+            </a:r>
+            <a:r>
+              <a:rPr lang="ko-KR" altLang="en-US" dirty="0">
+                <a:latin typeface="Segoe UI Variable Small Semilig" pitchFamily="2" charset="0"/>
+                <a:ea typeface="HY신명조" panose="02030600000101010101" pitchFamily="18" charset="-127"/>
+              </a:rPr>
+              <a:t>()</a:t>
+            </a:r>
+          </a:p>
+          <a:p>
+            <a:r>
+              <a:rPr lang="ko-KR" altLang="en-US" b="1" dirty="0" err="1">
+                <a:solidFill>
+                  <a:schemeClr val="bg1"/>
+                </a:solidFill>
+                <a:latin typeface="Segoe UI Variable Small Semilig" pitchFamily="2" charset="0"/>
+                <a:ea typeface="HY신명조" panose="02030600000101010101" pitchFamily="18" charset="-127"/>
+              </a:rPr>
+              <a:t>X</a:t>
+            </a:r>
+            <a:r>
+              <a:rPr lang="ko-KR" altLang="en-US" b="1" dirty="0">
+                <a:solidFill>
+                  <a:schemeClr val="bg1"/>
+                </a:solidFill>
+                <a:latin typeface="Segoe UI Variable Small Semilig" pitchFamily="2" charset="0"/>
+                <a:ea typeface="HY신명조" panose="02030600000101010101" pitchFamily="18" charset="-127"/>
+              </a:rPr>
+              <a:t> = </a:t>
+            </a:r>
+            <a:r>
+              <a:rPr lang="ko-KR" altLang="en-US" b="1" dirty="0" err="1">
+                <a:solidFill>
+                  <a:schemeClr val="bg1"/>
+                </a:solidFill>
+                <a:latin typeface="Segoe UI Variable Small Semilig" pitchFamily="2" charset="0"/>
+                <a:ea typeface="HY신명조" panose="02030600000101010101" pitchFamily="18" charset="-127"/>
+              </a:rPr>
+              <a:t>iris.data</a:t>
+            </a:r>
+            <a:r>
+              <a:rPr lang="en-US" altLang="ko-KR" b="1" dirty="0">
+                <a:solidFill>
+                  <a:schemeClr val="bg1"/>
+                </a:solidFill>
+                <a:latin typeface="Segoe UI Variable Small Semilig" pitchFamily="2" charset="0"/>
+                <a:ea typeface="HY신명조" panose="02030600000101010101" pitchFamily="18" charset="-127"/>
+              </a:rPr>
+              <a:t>; </a:t>
+            </a:r>
+            <a:r>
+              <a:rPr lang="ko-KR" altLang="en-US" b="1" dirty="0" err="1">
+                <a:solidFill>
+                  <a:schemeClr val="bg1"/>
+                </a:solidFill>
+                <a:latin typeface="Segoe UI Variable Small Semilig" pitchFamily="2" charset="0"/>
+                <a:ea typeface="HY신명조" panose="02030600000101010101" pitchFamily="18" charset="-127"/>
+              </a:rPr>
+              <a:t>y</a:t>
+            </a:r>
+            <a:r>
+              <a:rPr lang="ko-KR" altLang="en-US" b="1" dirty="0">
+                <a:solidFill>
+                  <a:schemeClr val="bg1"/>
+                </a:solidFill>
+                <a:latin typeface="Segoe UI Variable Small Semilig" pitchFamily="2" charset="0"/>
+                <a:ea typeface="HY신명조" panose="02030600000101010101" pitchFamily="18" charset="-127"/>
+              </a:rPr>
+              <a:t> = </a:t>
+            </a:r>
+            <a:r>
+              <a:rPr lang="ko-KR" altLang="en-US" b="1" dirty="0" err="1">
+                <a:solidFill>
+                  <a:schemeClr val="bg1"/>
+                </a:solidFill>
+                <a:latin typeface="Segoe UI Variable Small Semilig" pitchFamily="2" charset="0"/>
+                <a:ea typeface="HY신명조" panose="02030600000101010101" pitchFamily="18" charset="-127"/>
+              </a:rPr>
+              <a:t>iris.target</a:t>
+            </a:r>
+            <a:endParaRPr lang="ko-KR" altLang="en-US" b="1" dirty="0">
+              <a:solidFill>
+                <a:schemeClr val="bg1"/>
+              </a:solidFill>
+              <a:latin typeface="Segoe UI Variable Small Semilig" pitchFamily="2" charset="0"/>
+              <a:ea typeface="HY신명조" panose="02030600000101010101" pitchFamily="18" charset="-127"/>
+            </a:endParaRPr>
+          </a:p>
+          <a:p>
+            <a:endParaRPr lang="ko-KR" altLang="en-US" dirty="0">
+              <a:latin typeface="Segoe UI Variable Small Semilig" pitchFamily="2" charset="0"/>
+              <a:ea typeface="HY신명조" panose="02030600000101010101" pitchFamily="18" charset="-127"/>
+            </a:endParaRPr>
+          </a:p>
+          <a:p>
+            <a:r>
+              <a:rPr lang="ko-KR" altLang="en-US" dirty="0">
+                <a:latin typeface="Segoe UI Variable Small Semilig" pitchFamily="2" charset="0"/>
+                <a:ea typeface="HY신명조" panose="02030600000101010101" pitchFamily="18" charset="-127"/>
+              </a:rPr>
+              <a:t># </a:t>
+            </a:r>
+            <a:r>
+              <a:rPr lang="ko-KR" altLang="en-US" dirty="0" err="1">
+                <a:latin typeface="Segoe UI Variable Small Semilig" pitchFamily="2" charset="0"/>
+                <a:ea typeface="HY신명조" panose="02030600000101010101" pitchFamily="18" charset="-127"/>
+              </a:rPr>
+              <a:t>Split</a:t>
+            </a:r>
+            <a:r>
+              <a:rPr lang="ko-KR" altLang="en-US" dirty="0">
+                <a:latin typeface="Segoe UI Variable Small Semilig" pitchFamily="2" charset="0"/>
+                <a:ea typeface="HY신명조" panose="02030600000101010101" pitchFamily="18" charset="-127"/>
+              </a:rPr>
+              <a:t> </a:t>
+            </a:r>
+            <a:r>
+              <a:rPr lang="ko-KR" altLang="en-US" dirty="0" err="1">
+                <a:latin typeface="Segoe UI Variable Small Semilig" pitchFamily="2" charset="0"/>
+                <a:ea typeface="HY신명조" panose="02030600000101010101" pitchFamily="18" charset="-127"/>
+              </a:rPr>
+              <a:t>the</a:t>
+            </a:r>
+            <a:r>
+              <a:rPr lang="ko-KR" altLang="en-US" dirty="0">
+                <a:latin typeface="Segoe UI Variable Small Semilig" pitchFamily="2" charset="0"/>
+                <a:ea typeface="HY신명조" panose="02030600000101010101" pitchFamily="18" charset="-127"/>
+              </a:rPr>
+              <a:t> </a:t>
+            </a:r>
+            <a:r>
+              <a:rPr lang="ko-KR" altLang="en-US" dirty="0" err="1">
+                <a:latin typeface="Segoe UI Variable Small Semilig" pitchFamily="2" charset="0"/>
+                <a:ea typeface="HY신명조" panose="02030600000101010101" pitchFamily="18" charset="-127"/>
+              </a:rPr>
+              <a:t>dataset</a:t>
+            </a:r>
+            <a:r>
+              <a:rPr lang="ko-KR" altLang="en-US" dirty="0">
+                <a:latin typeface="Segoe UI Variable Small Semilig" pitchFamily="2" charset="0"/>
+                <a:ea typeface="HY신명조" panose="02030600000101010101" pitchFamily="18" charset="-127"/>
+              </a:rPr>
+              <a:t> </a:t>
+            </a:r>
+            <a:r>
+              <a:rPr lang="ko-KR" altLang="en-US" dirty="0" err="1">
+                <a:latin typeface="Segoe UI Variable Small Semilig" pitchFamily="2" charset="0"/>
+                <a:ea typeface="HY신명조" panose="02030600000101010101" pitchFamily="18" charset="-127"/>
+              </a:rPr>
+              <a:t>into</a:t>
+            </a:r>
+            <a:r>
+              <a:rPr lang="ko-KR" altLang="en-US" dirty="0">
+                <a:latin typeface="Segoe UI Variable Small Semilig" pitchFamily="2" charset="0"/>
+                <a:ea typeface="HY신명조" panose="02030600000101010101" pitchFamily="18" charset="-127"/>
+              </a:rPr>
+              <a:t> </a:t>
+            </a:r>
+            <a:r>
+              <a:rPr lang="ko-KR" altLang="en-US" dirty="0" err="1">
+                <a:latin typeface="Segoe UI Variable Small Semilig" pitchFamily="2" charset="0"/>
+                <a:ea typeface="HY신명조" panose="02030600000101010101" pitchFamily="18" charset="-127"/>
+              </a:rPr>
+              <a:t>training</a:t>
+            </a:r>
+            <a:r>
+              <a:rPr lang="ko-KR" altLang="en-US" dirty="0">
+                <a:latin typeface="Segoe UI Variable Small Semilig" pitchFamily="2" charset="0"/>
+                <a:ea typeface="HY신명조" panose="02030600000101010101" pitchFamily="18" charset="-127"/>
+              </a:rPr>
+              <a:t> and </a:t>
+            </a:r>
+            <a:r>
+              <a:rPr lang="ko-KR" altLang="en-US" dirty="0" err="1">
+                <a:latin typeface="Segoe UI Variable Small Semilig" pitchFamily="2" charset="0"/>
+                <a:ea typeface="HY신명조" panose="02030600000101010101" pitchFamily="18" charset="-127"/>
+              </a:rPr>
+              <a:t>testing</a:t>
+            </a:r>
+            <a:r>
+              <a:rPr lang="ko-KR" altLang="en-US" dirty="0">
+                <a:latin typeface="Segoe UI Variable Small Semilig" pitchFamily="2" charset="0"/>
+                <a:ea typeface="HY신명조" panose="02030600000101010101" pitchFamily="18" charset="-127"/>
+              </a:rPr>
+              <a:t> </a:t>
+            </a:r>
+            <a:r>
+              <a:rPr lang="ko-KR" altLang="en-US" dirty="0" err="1">
+                <a:latin typeface="Segoe UI Variable Small Semilig" pitchFamily="2" charset="0"/>
+                <a:ea typeface="HY신명조" panose="02030600000101010101" pitchFamily="18" charset="-127"/>
+              </a:rPr>
+              <a:t>sets</a:t>
+            </a:r>
+            <a:endParaRPr lang="ko-KR" altLang="en-US" dirty="0">
+              <a:latin typeface="Segoe UI Variable Small Semilig" pitchFamily="2" charset="0"/>
+              <a:ea typeface="HY신명조" panose="02030600000101010101" pitchFamily="18" charset="-127"/>
+            </a:endParaRPr>
+          </a:p>
+          <a:p>
+            <a:r>
+              <a:rPr lang="ko-KR" altLang="en-US" dirty="0" err="1">
+                <a:latin typeface="Segoe UI Variable Small Semilig" pitchFamily="2" charset="0"/>
+                <a:ea typeface="HY신명조" panose="02030600000101010101" pitchFamily="18" charset="-127"/>
+              </a:rPr>
+              <a:t>X_train</a:t>
+            </a:r>
+            <a:r>
+              <a:rPr lang="ko-KR" altLang="en-US" dirty="0">
+                <a:latin typeface="Segoe UI Variable Small Semilig" pitchFamily="2" charset="0"/>
+                <a:ea typeface="HY신명조" panose="02030600000101010101" pitchFamily="18" charset="-127"/>
+              </a:rPr>
+              <a:t>, </a:t>
+            </a:r>
+            <a:r>
+              <a:rPr lang="ko-KR" altLang="en-US" dirty="0" err="1">
+                <a:latin typeface="Segoe UI Variable Small Semilig" pitchFamily="2" charset="0"/>
+                <a:ea typeface="HY신명조" panose="02030600000101010101" pitchFamily="18" charset="-127"/>
+              </a:rPr>
+              <a:t>X_test</a:t>
+            </a:r>
+            <a:r>
+              <a:rPr lang="ko-KR" altLang="en-US" dirty="0">
+                <a:latin typeface="Segoe UI Variable Small Semilig" pitchFamily="2" charset="0"/>
+                <a:ea typeface="HY신명조" panose="02030600000101010101" pitchFamily="18" charset="-127"/>
+              </a:rPr>
+              <a:t>, </a:t>
+            </a:r>
+            <a:r>
+              <a:rPr lang="ko-KR" altLang="en-US" dirty="0" err="1">
+                <a:latin typeface="Segoe UI Variable Small Semilig" pitchFamily="2" charset="0"/>
+                <a:ea typeface="HY신명조" panose="02030600000101010101" pitchFamily="18" charset="-127"/>
+              </a:rPr>
+              <a:t>y_train</a:t>
+            </a:r>
+            <a:r>
+              <a:rPr lang="ko-KR" altLang="en-US" dirty="0">
+                <a:latin typeface="Segoe UI Variable Small Semilig" pitchFamily="2" charset="0"/>
+                <a:ea typeface="HY신명조" panose="02030600000101010101" pitchFamily="18" charset="-127"/>
+              </a:rPr>
+              <a:t>, </a:t>
+            </a:r>
+            <a:r>
+              <a:rPr lang="ko-KR" altLang="en-US" dirty="0" err="1">
+                <a:latin typeface="Segoe UI Variable Small Semilig" pitchFamily="2" charset="0"/>
+                <a:ea typeface="HY신명조" panose="02030600000101010101" pitchFamily="18" charset="-127"/>
+              </a:rPr>
+              <a:t>y_test</a:t>
+            </a:r>
+            <a:r>
+              <a:rPr lang="ko-KR" altLang="en-US" dirty="0">
+                <a:latin typeface="Segoe UI Variable Small Semilig" pitchFamily="2" charset="0"/>
+                <a:ea typeface="HY신명조" panose="02030600000101010101" pitchFamily="18" charset="-127"/>
+              </a:rPr>
+              <a:t> = </a:t>
+            </a:r>
+            <a:r>
+              <a:rPr lang="ko-KR" altLang="en-US" dirty="0" err="1">
+                <a:latin typeface="Segoe UI Variable Small Semilig" pitchFamily="2" charset="0"/>
+                <a:ea typeface="HY신명조" panose="02030600000101010101" pitchFamily="18" charset="-127"/>
+              </a:rPr>
+              <a:t>train_test_split</a:t>
+            </a:r>
+            <a:r>
+              <a:rPr lang="ko-KR" altLang="en-US" dirty="0">
+                <a:latin typeface="Segoe UI Variable Small Semilig" pitchFamily="2" charset="0"/>
+                <a:ea typeface="HY신명조" panose="02030600000101010101" pitchFamily="18" charset="-127"/>
+              </a:rPr>
+              <a:t>(</a:t>
+            </a:r>
+            <a:r>
+              <a:rPr lang="ko-KR" altLang="en-US" dirty="0" err="1">
+                <a:latin typeface="Segoe UI Variable Small Semilig" pitchFamily="2" charset="0"/>
+                <a:ea typeface="HY신명조" panose="02030600000101010101" pitchFamily="18" charset="-127"/>
+              </a:rPr>
+              <a:t>X</a:t>
+            </a:r>
+            <a:r>
+              <a:rPr lang="ko-KR" altLang="en-US" dirty="0">
+                <a:latin typeface="Segoe UI Variable Small Semilig" pitchFamily="2" charset="0"/>
+                <a:ea typeface="HY신명조" panose="02030600000101010101" pitchFamily="18" charset="-127"/>
+              </a:rPr>
+              <a:t>, </a:t>
+            </a:r>
+            <a:r>
+              <a:rPr lang="ko-KR" altLang="en-US" dirty="0" err="1">
+                <a:latin typeface="Segoe UI Variable Small Semilig" pitchFamily="2" charset="0"/>
+                <a:ea typeface="HY신명조" panose="02030600000101010101" pitchFamily="18" charset="-127"/>
+              </a:rPr>
+              <a:t>y</a:t>
+            </a:r>
+            <a:r>
+              <a:rPr lang="en-US" altLang="ko-KR" dirty="0">
+                <a:latin typeface="Segoe UI Variable Small Semilig" pitchFamily="2" charset="0"/>
+                <a:ea typeface="HY신명조" panose="02030600000101010101" pitchFamily="18" charset="-127"/>
+              </a:rPr>
+              <a:t>,</a:t>
+            </a:r>
+            <a:r>
+              <a:rPr lang="ko-KR" altLang="en-US" dirty="0">
+                <a:latin typeface="Segoe UI Variable Small Semilig" pitchFamily="2" charset="0"/>
+                <a:ea typeface="HY신명조" panose="02030600000101010101" pitchFamily="18" charset="-127"/>
+              </a:rPr>
+              <a:t> </a:t>
+            </a:r>
+            <a:r>
+              <a:rPr lang="ko-KR" altLang="en-US" dirty="0" err="1">
+                <a:latin typeface="Segoe UI Variable Small Semilig" pitchFamily="2" charset="0"/>
+                <a:ea typeface="HY신명조" panose="02030600000101010101" pitchFamily="18" charset="-127"/>
+              </a:rPr>
+              <a:t>test_size</a:t>
+            </a:r>
+            <a:r>
+              <a:rPr lang="ko-KR" altLang="en-US" dirty="0">
+                <a:latin typeface="Segoe UI Variable Small Semilig" pitchFamily="2" charset="0"/>
+                <a:ea typeface="HY신명조" panose="02030600000101010101" pitchFamily="18" charset="-127"/>
+              </a:rPr>
+              <a:t>=0.3)</a:t>
+            </a:r>
+          </a:p>
+          <a:p>
+            <a:r>
+              <a:rPr lang="ko-KR" altLang="en-US" dirty="0">
+                <a:latin typeface="Segoe UI Variable Small Semilig" pitchFamily="2" charset="0"/>
+                <a:ea typeface="HY신명조" panose="02030600000101010101" pitchFamily="18" charset="-127"/>
+              </a:rPr>
+              <a:t># </a:t>
+            </a:r>
+            <a:r>
+              <a:rPr lang="ko-KR" altLang="en-US" dirty="0" err="1">
+                <a:latin typeface="Segoe UI Variable Small Semilig" pitchFamily="2" charset="0"/>
+                <a:ea typeface="HY신명조" panose="02030600000101010101" pitchFamily="18" charset="-127"/>
+              </a:rPr>
+              <a:t>Initialize</a:t>
+            </a:r>
+            <a:r>
+              <a:rPr lang="ko-KR" altLang="en-US" dirty="0">
+                <a:latin typeface="Segoe UI Variable Small Semilig" pitchFamily="2" charset="0"/>
+                <a:ea typeface="HY신명조" panose="02030600000101010101" pitchFamily="18" charset="-127"/>
+              </a:rPr>
+              <a:t> </a:t>
+            </a:r>
+            <a:r>
+              <a:rPr lang="ko-KR" altLang="en-US" dirty="0" err="1">
+                <a:latin typeface="Segoe UI Variable Small Semilig" pitchFamily="2" charset="0"/>
+                <a:ea typeface="HY신명조" panose="02030600000101010101" pitchFamily="18" charset="-127"/>
+              </a:rPr>
+              <a:t>the</a:t>
+            </a:r>
+            <a:r>
+              <a:rPr lang="ko-KR" altLang="en-US" dirty="0">
+                <a:latin typeface="Segoe UI Variable Small Semilig" pitchFamily="2" charset="0"/>
+                <a:ea typeface="HY신명조" panose="02030600000101010101" pitchFamily="18" charset="-127"/>
+              </a:rPr>
+              <a:t> </a:t>
+            </a:r>
+            <a:r>
+              <a:rPr lang="ko-KR" altLang="en-US" dirty="0" err="1">
+                <a:latin typeface="Segoe UI Variable Small Semilig" pitchFamily="2" charset="0"/>
+                <a:ea typeface="HY신명조" panose="02030600000101010101" pitchFamily="18" charset="-127"/>
+              </a:rPr>
+              <a:t>logistic</a:t>
+            </a:r>
+            <a:r>
+              <a:rPr lang="ko-KR" altLang="en-US" dirty="0">
+                <a:latin typeface="Segoe UI Variable Small Semilig" pitchFamily="2" charset="0"/>
+                <a:ea typeface="HY신명조" panose="02030600000101010101" pitchFamily="18" charset="-127"/>
+              </a:rPr>
+              <a:t> </a:t>
+            </a:r>
+            <a:r>
+              <a:rPr lang="ko-KR" altLang="en-US" dirty="0" err="1">
+                <a:latin typeface="Segoe UI Variable Small Semilig" pitchFamily="2" charset="0"/>
+                <a:ea typeface="HY신명조" panose="02030600000101010101" pitchFamily="18" charset="-127"/>
+              </a:rPr>
+              <a:t>regression</a:t>
+            </a:r>
+            <a:r>
+              <a:rPr lang="ko-KR" altLang="en-US" dirty="0">
+                <a:latin typeface="Segoe UI Variable Small Semilig" pitchFamily="2" charset="0"/>
+                <a:ea typeface="HY신명조" panose="02030600000101010101" pitchFamily="18" charset="-127"/>
+              </a:rPr>
+              <a:t> </a:t>
+            </a:r>
+            <a:r>
+              <a:rPr lang="ko-KR" altLang="en-US" dirty="0" err="1">
+                <a:latin typeface="Segoe UI Variable Small Semilig" pitchFamily="2" charset="0"/>
+                <a:ea typeface="HY신명조" panose="02030600000101010101" pitchFamily="18" charset="-127"/>
+              </a:rPr>
+              <a:t>model</a:t>
+            </a:r>
+            <a:endParaRPr lang="ko-KR" altLang="en-US" dirty="0">
+              <a:latin typeface="Segoe UI Variable Small Semilig" pitchFamily="2" charset="0"/>
+              <a:ea typeface="HY신명조" panose="02030600000101010101" pitchFamily="18" charset="-127"/>
+            </a:endParaRPr>
+          </a:p>
+          <a:p>
+            <a:r>
+              <a:rPr lang="ko-KR" altLang="en-US" b="1" dirty="0" err="1">
+                <a:solidFill>
+                  <a:schemeClr val="bg1"/>
+                </a:solidFill>
+                <a:latin typeface="Segoe UI Variable Small Semilig" pitchFamily="2" charset="0"/>
+                <a:ea typeface="HY신명조" panose="02030600000101010101" pitchFamily="18" charset="-127"/>
+              </a:rPr>
+              <a:t>log_reg</a:t>
+            </a:r>
+            <a:r>
+              <a:rPr lang="ko-KR" altLang="en-US" b="1" dirty="0">
+                <a:solidFill>
+                  <a:schemeClr val="bg1"/>
+                </a:solidFill>
+                <a:latin typeface="Segoe UI Variable Small Semilig" pitchFamily="2" charset="0"/>
+                <a:ea typeface="HY신명조" panose="02030600000101010101" pitchFamily="18" charset="-127"/>
+              </a:rPr>
+              <a:t> = </a:t>
+            </a:r>
+            <a:r>
+              <a:rPr lang="ko-KR" altLang="en-US" b="1" dirty="0" err="1">
+                <a:solidFill>
+                  <a:schemeClr val="bg1"/>
+                </a:solidFill>
+                <a:latin typeface="Segoe UI Variable Small Semilig" pitchFamily="2" charset="0"/>
+                <a:ea typeface="HY신명조" panose="02030600000101010101" pitchFamily="18" charset="-127"/>
+              </a:rPr>
+              <a:t>LogisticRegression</a:t>
+            </a:r>
+            <a:r>
+              <a:rPr lang="ko-KR" altLang="en-US" b="1" dirty="0">
+                <a:solidFill>
+                  <a:schemeClr val="bg1"/>
+                </a:solidFill>
+                <a:latin typeface="Segoe UI Variable Small Semilig" pitchFamily="2" charset="0"/>
+                <a:ea typeface="HY신명조" panose="02030600000101010101" pitchFamily="18" charset="-127"/>
+              </a:rPr>
+              <a:t>()</a:t>
+            </a:r>
+          </a:p>
+          <a:p>
+            <a:endParaRPr lang="ko-KR" altLang="en-US" dirty="0">
+              <a:latin typeface="Segoe UI Variable Small Semilig" pitchFamily="2" charset="0"/>
+              <a:ea typeface="HY신명조" panose="02030600000101010101" pitchFamily="18" charset="-127"/>
+            </a:endParaRPr>
+          </a:p>
+          <a:p>
+            <a:r>
+              <a:rPr lang="ko-KR" altLang="en-US" dirty="0">
+                <a:latin typeface="Segoe UI Variable Small Semilig" pitchFamily="2" charset="0"/>
+                <a:ea typeface="HY신명조" panose="02030600000101010101" pitchFamily="18" charset="-127"/>
+              </a:rPr>
+              <a:t># </a:t>
+            </a:r>
+            <a:r>
+              <a:rPr lang="ko-KR" altLang="en-US" dirty="0" err="1">
+                <a:latin typeface="Segoe UI Variable Small Semilig" pitchFamily="2" charset="0"/>
+                <a:ea typeface="HY신명조" panose="02030600000101010101" pitchFamily="18" charset="-127"/>
+              </a:rPr>
+              <a:t>Fit</a:t>
+            </a:r>
+            <a:r>
+              <a:rPr lang="ko-KR" altLang="en-US" dirty="0">
+                <a:latin typeface="Segoe UI Variable Small Semilig" pitchFamily="2" charset="0"/>
+                <a:ea typeface="HY신명조" panose="02030600000101010101" pitchFamily="18" charset="-127"/>
+              </a:rPr>
+              <a:t> </a:t>
+            </a:r>
+            <a:r>
+              <a:rPr lang="ko-KR" altLang="en-US" dirty="0" err="1">
+                <a:latin typeface="Segoe UI Variable Small Semilig" pitchFamily="2" charset="0"/>
+                <a:ea typeface="HY신명조" panose="02030600000101010101" pitchFamily="18" charset="-127"/>
+              </a:rPr>
+              <a:t>the</a:t>
+            </a:r>
+            <a:r>
+              <a:rPr lang="ko-KR" altLang="en-US" dirty="0">
+                <a:latin typeface="Segoe UI Variable Small Semilig" pitchFamily="2" charset="0"/>
+                <a:ea typeface="HY신명조" panose="02030600000101010101" pitchFamily="18" charset="-127"/>
+              </a:rPr>
+              <a:t> </a:t>
+            </a:r>
+            <a:r>
+              <a:rPr lang="ko-KR" altLang="en-US" dirty="0" err="1">
+                <a:latin typeface="Segoe UI Variable Small Semilig" pitchFamily="2" charset="0"/>
+                <a:ea typeface="HY신명조" panose="02030600000101010101" pitchFamily="18" charset="-127"/>
+              </a:rPr>
+              <a:t>model</a:t>
+            </a:r>
+            <a:r>
+              <a:rPr lang="ko-KR" altLang="en-US" dirty="0">
+                <a:latin typeface="Segoe UI Variable Small Semilig" pitchFamily="2" charset="0"/>
+                <a:ea typeface="HY신명조" panose="02030600000101010101" pitchFamily="18" charset="-127"/>
+              </a:rPr>
+              <a:t> </a:t>
+            </a:r>
+            <a:r>
+              <a:rPr lang="ko-KR" altLang="en-US" dirty="0" err="1">
+                <a:latin typeface="Segoe UI Variable Small Semilig" pitchFamily="2" charset="0"/>
+                <a:ea typeface="HY신명조" panose="02030600000101010101" pitchFamily="18" charset="-127"/>
+              </a:rPr>
+              <a:t>to</a:t>
+            </a:r>
+            <a:r>
+              <a:rPr lang="ko-KR" altLang="en-US" dirty="0">
+                <a:latin typeface="Segoe UI Variable Small Semilig" pitchFamily="2" charset="0"/>
+                <a:ea typeface="HY신명조" panose="02030600000101010101" pitchFamily="18" charset="-127"/>
+              </a:rPr>
+              <a:t> </a:t>
+            </a:r>
+            <a:r>
+              <a:rPr lang="ko-KR" altLang="en-US" dirty="0" err="1">
+                <a:latin typeface="Segoe UI Variable Small Semilig" pitchFamily="2" charset="0"/>
+                <a:ea typeface="HY신명조" panose="02030600000101010101" pitchFamily="18" charset="-127"/>
+              </a:rPr>
+              <a:t>the</a:t>
+            </a:r>
+            <a:r>
+              <a:rPr lang="ko-KR" altLang="en-US" dirty="0">
+                <a:latin typeface="Segoe UI Variable Small Semilig" pitchFamily="2" charset="0"/>
+                <a:ea typeface="HY신명조" panose="02030600000101010101" pitchFamily="18" charset="-127"/>
+              </a:rPr>
+              <a:t> </a:t>
+            </a:r>
+            <a:r>
+              <a:rPr lang="ko-KR" altLang="en-US" dirty="0" err="1">
+                <a:latin typeface="Segoe UI Variable Small Semilig" pitchFamily="2" charset="0"/>
+                <a:ea typeface="HY신명조" panose="02030600000101010101" pitchFamily="18" charset="-127"/>
+              </a:rPr>
+              <a:t>training</a:t>
+            </a:r>
+            <a:r>
+              <a:rPr lang="ko-KR" altLang="en-US" dirty="0">
+                <a:latin typeface="Segoe UI Variable Small Semilig" pitchFamily="2" charset="0"/>
+                <a:ea typeface="HY신명조" panose="02030600000101010101" pitchFamily="18" charset="-127"/>
+              </a:rPr>
+              <a:t> </a:t>
+            </a:r>
+            <a:r>
+              <a:rPr lang="ko-KR" altLang="en-US" dirty="0" err="1">
+                <a:latin typeface="Segoe UI Variable Small Semilig" pitchFamily="2" charset="0"/>
+                <a:ea typeface="HY신명조" panose="02030600000101010101" pitchFamily="18" charset="-127"/>
+              </a:rPr>
+              <a:t>data</a:t>
+            </a:r>
+            <a:endParaRPr lang="ko-KR" altLang="en-US" dirty="0">
+              <a:latin typeface="Segoe UI Variable Small Semilig" pitchFamily="2" charset="0"/>
+              <a:ea typeface="HY신명조" panose="02030600000101010101" pitchFamily="18" charset="-127"/>
+            </a:endParaRPr>
+          </a:p>
+          <a:p>
+            <a:r>
+              <a:rPr lang="ko-KR" altLang="en-US" b="1" dirty="0" err="1">
+                <a:solidFill>
+                  <a:schemeClr val="bg1"/>
+                </a:solidFill>
+                <a:latin typeface="Segoe UI Variable Small Semilig" pitchFamily="2" charset="0"/>
+                <a:ea typeface="HY신명조" panose="02030600000101010101" pitchFamily="18" charset="-127"/>
+              </a:rPr>
+              <a:t>log_reg.fit</a:t>
+            </a:r>
+            <a:r>
+              <a:rPr lang="ko-KR" altLang="en-US" b="1" dirty="0">
+                <a:solidFill>
+                  <a:schemeClr val="bg1"/>
+                </a:solidFill>
+                <a:latin typeface="Segoe UI Variable Small Semilig" pitchFamily="2" charset="0"/>
+                <a:ea typeface="HY신명조" panose="02030600000101010101" pitchFamily="18" charset="-127"/>
+              </a:rPr>
+              <a:t>(</a:t>
+            </a:r>
+            <a:r>
+              <a:rPr lang="ko-KR" altLang="en-US" b="1" dirty="0" err="1">
+                <a:solidFill>
+                  <a:schemeClr val="bg1"/>
+                </a:solidFill>
+                <a:latin typeface="Segoe UI Variable Small Semilig" pitchFamily="2" charset="0"/>
+                <a:ea typeface="HY신명조" panose="02030600000101010101" pitchFamily="18" charset="-127"/>
+              </a:rPr>
+              <a:t>X_train</a:t>
+            </a:r>
+            <a:r>
+              <a:rPr lang="ko-KR" altLang="en-US" b="1" dirty="0">
+                <a:solidFill>
+                  <a:schemeClr val="bg1"/>
+                </a:solidFill>
+                <a:latin typeface="Segoe UI Variable Small Semilig" pitchFamily="2" charset="0"/>
+                <a:ea typeface="HY신명조" panose="02030600000101010101" pitchFamily="18" charset="-127"/>
+              </a:rPr>
+              <a:t>, </a:t>
+            </a:r>
+            <a:r>
+              <a:rPr lang="ko-KR" altLang="en-US" b="1" dirty="0" err="1">
+                <a:solidFill>
+                  <a:schemeClr val="bg1"/>
+                </a:solidFill>
+                <a:latin typeface="Segoe UI Variable Small Semilig" pitchFamily="2" charset="0"/>
+                <a:ea typeface="HY신명조" panose="02030600000101010101" pitchFamily="18" charset="-127"/>
+              </a:rPr>
+              <a:t>y_train</a:t>
+            </a:r>
+            <a:r>
+              <a:rPr lang="ko-KR" altLang="en-US" b="1" dirty="0">
+                <a:solidFill>
+                  <a:schemeClr val="bg1"/>
+                </a:solidFill>
+                <a:latin typeface="Segoe UI Variable Small Semilig" pitchFamily="2" charset="0"/>
+                <a:ea typeface="HY신명조" panose="02030600000101010101" pitchFamily="18" charset="-127"/>
+              </a:rPr>
+              <a:t>)</a:t>
+            </a:r>
+          </a:p>
+          <a:p>
+            <a:endParaRPr lang="ko-KR" altLang="en-US" dirty="0">
+              <a:latin typeface="Segoe UI Variable Small Semilig" pitchFamily="2" charset="0"/>
+              <a:ea typeface="HY신명조" panose="02030600000101010101" pitchFamily="18" charset="-127"/>
+            </a:endParaRPr>
+          </a:p>
+          <a:p>
+            <a:r>
+              <a:rPr lang="ko-KR" altLang="en-US" dirty="0">
+                <a:latin typeface="Segoe UI Variable Small Semilig" pitchFamily="2" charset="0"/>
+                <a:ea typeface="HY신명조" panose="02030600000101010101" pitchFamily="18" charset="-127"/>
+              </a:rPr>
+              <a:t># </a:t>
+            </a:r>
+            <a:r>
+              <a:rPr lang="ko-KR" altLang="en-US" dirty="0" err="1">
+                <a:latin typeface="Segoe UI Variable Small Semilig" pitchFamily="2" charset="0"/>
+                <a:ea typeface="HY신명조" panose="02030600000101010101" pitchFamily="18" charset="-127"/>
+              </a:rPr>
+              <a:t>Predict</a:t>
+            </a:r>
+            <a:r>
+              <a:rPr lang="ko-KR" altLang="en-US" dirty="0">
+                <a:latin typeface="Segoe UI Variable Small Semilig" pitchFamily="2" charset="0"/>
+                <a:ea typeface="HY신명조" panose="02030600000101010101" pitchFamily="18" charset="-127"/>
+              </a:rPr>
+              <a:t> </a:t>
+            </a:r>
+            <a:r>
+              <a:rPr lang="ko-KR" altLang="en-US" dirty="0" err="1">
+                <a:latin typeface="Segoe UI Variable Small Semilig" pitchFamily="2" charset="0"/>
+                <a:ea typeface="HY신명조" panose="02030600000101010101" pitchFamily="18" charset="-127"/>
+              </a:rPr>
+              <a:t>on</a:t>
+            </a:r>
+            <a:r>
+              <a:rPr lang="ko-KR" altLang="en-US" dirty="0">
+                <a:latin typeface="Segoe UI Variable Small Semilig" pitchFamily="2" charset="0"/>
+                <a:ea typeface="HY신명조" panose="02030600000101010101" pitchFamily="18" charset="-127"/>
+              </a:rPr>
+              <a:t> </a:t>
+            </a:r>
+            <a:r>
+              <a:rPr lang="ko-KR" altLang="en-US" dirty="0" err="1">
+                <a:latin typeface="Segoe UI Variable Small Semilig" pitchFamily="2" charset="0"/>
+                <a:ea typeface="HY신명조" panose="02030600000101010101" pitchFamily="18" charset="-127"/>
+              </a:rPr>
+              <a:t>the</a:t>
+            </a:r>
+            <a:r>
+              <a:rPr lang="ko-KR" altLang="en-US" dirty="0">
+                <a:latin typeface="Segoe UI Variable Small Semilig" pitchFamily="2" charset="0"/>
+                <a:ea typeface="HY신명조" panose="02030600000101010101" pitchFamily="18" charset="-127"/>
+              </a:rPr>
+              <a:t> </a:t>
+            </a:r>
+            <a:r>
+              <a:rPr lang="ko-KR" altLang="en-US" dirty="0" err="1">
+                <a:latin typeface="Segoe UI Variable Small Semilig" pitchFamily="2" charset="0"/>
+                <a:ea typeface="HY신명조" panose="02030600000101010101" pitchFamily="18" charset="-127"/>
+              </a:rPr>
+              <a:t>test</a:t>
+            </a:r>
+            <a:r>
+              <a:rPr lang="ko-KR" altLang="en-US" dirty="0">
+                <a:latin typeface="Segoe UI Variable Small Semilig" pitchFamily="2" charset="0"/>
+                <a:ea typeface="HY신명조" panose="02030600000101010101" pitchFamily="18" charset="-127"/>
+              </a:rPr>
+              <a:t> </a:t>
+            </a:r>
+            <a:r>
+              <a:rPr lang="ko-KR" altLang="en-US" dirty="0" err="1">
+                <a:latin typeface="Segoe UI Variable Small Semilig" pitchFamily="2" charset="0"/>
+                <a:ea typeface="HY신명조" panose="02030600000101010101" pitchFamily="18" charset="-127"/>
+              </a:rPr>
+              <a:t>data</a:t>
+            </a:r>
+            <a:endParaRPr lang="ko-KR" altLang="en-US" dirty="0">
+              <a:latin typeface="Segoe UI Variable Small Semilig" pitchFamily="2" charset="0"/>
+              <a:ea typeface="HY신명조" panose="02030600000101010101" pitchFamily="18" charset="-127"/>
+            </a:endParaRPr>
+          </a:p>
+          <a:p>
+            <a:r>
+              <a:rPr lang="ko-KR" altLang="en-US" b="1" dirty="0" err="1">
+                <a:solidFill>
+                  <a:schemeClr val="bg1"/>
+                </a:solidFill>
+                <a:latin typeface="Segoe UI Variable Small Semilig" pitchFamily="2" charset="0"/>
+                <a:ea typeface="HY신명조" panose="02030600000101010101" pitchFamily="18" charset="-127"/>
+              </a:rPr>
+              <a:t>y_pred</a:t>
+            </a:r>
+            <a:r>
+              <a:rPr lang="ko-KR" altLang="en-US" b="1" dirty="0">
+                <a:solidFill>
+                  <a:schemeClr val="bg1"/>
+                </a:solidFill>
+                <a:latin typeface="Segoe UI Variable Small Semilig" pitchFamily="2" charset="0"/>
+                <a:ea typeface="HY신명조" panose="02030600000101010101" pitchFamily="18" charset="-127"/>
+              </a:rPr>
+              <a:t> = </a:t>
+            </a:r>
+            <a:r>
+              <a:rPr lang="ko-KR" altLang="en-US" b="1" dirty="0" err="1">
+                <a:solidFill>
+                  <a:schemeClr val="bg1"/>
+                </a:solidFill>
+                <a:latin typeface="Segoe UI Variable Small Semilig" pitchFamily="2" charset="0"/>
+                <a:ea typeface="HY신명조" panose="02030600000101010101" pitchFamily="18" charset="-127"/>
+              </a:rPr>
+              <a:t>log_reg.predict</a:t>
+            </a:r>
+            <a:r>
+              <a:rPr lang="ko-KR" altLang="en-US" b="1" dirty="0">
+                <a:solidFill>
+                  <a:schemeClr val="bg1"/>
+                </a:solidFill>
+                <a:latin typeface="Segoe UI Variable Small Semilig" pitchFamily="2" charset="0"/>
+                <a:ea typeface="HY신명조" panose="02030600000101010101" pitchFamily="18" charset="-127"/>
+              </a:rPr>
+              <a:t>(</a:t>
+            </a:r>
+            <a:r>
+              <a:rPr lang="ko-KR" altLang="en-US" b="1" dirty="0" err="1">
+                <a:solidFill>
+                  <a:schemeClr val="bg1"/>
+                </a:solidFill>
+                <a:latin typeface="Segoe UI Variable Small Semilig" pitchFamily="2" charset="0"/>
+                <a:ea typeface="HY신명조" panose="02030600000101010101" pitchFamily="18" charset="-127"/>
+              </a:rPr>
+              <a:t>X_test</a:t>
+            </a:r>
+            <a:r>
+              <a:rPr lang="ko-KR" altLang="en-US" b="1" dirty="0">
+                <a:solidFill>
+                  <a:schemeClr val="bg1"/>
+                </a:solidFill>
+                <a:latin typeface="Segoe UI Variable Small Semilig" pitchFamily="2" charset="0"/>
+                <a:ea typeface="HY신명조" panose="02030600000101010101" pitchFamily="18" charset="-127"/>
+              </a:rPr>
+              <a:t>)</a:t>
+            </a:r>
+          </a:p>
+        </p:txBody>
+      </p:sp>
+      <p:sp>
+        <p:nvSpPr>
+          <p:cNvPr id="3" name="TextBox 2">
+            <a:extLst>
+              <a:ext uri="{FF2B5EF4-FFF2-40B4-BE49-F238E27FC236}">
+                <a16:creationId xmlns:a16="http://schemas.microsoft.com/office/drawing/2014/main" id="{A2593044-8F15-A736-A0EE-583349AC3310}"/>
+              </a:ext>
+            </a:extLst>
+          </p:cNvPr>
+          <p:cNvSpPr txBox="1"/>
+          <p:nvPr/>
+        </p:nvSpPr>
+        <p:spPr>
+          <a:xfrm>
+            <a:off x="499620" y="1222602"/>
+            <a:ext cx="8364790" cy="400110"/>
+          </a:xfrm>
+          <a:prstGeom prst="rect">
+            <a:avLst/>
+          </a:prstGeom>
+          <a:noFill/>
+        </p:spPr>
+        <p:txBody>
+          <a:bodyPr wrap="none" rtlCol="0">
+            <a:spAutoFit/>
+          </a:bodyPr>
+          <a:lstStyle/>
+          <a:p>
+            <a:r>
+              <a:rPr lang="ko-KR" altLang="en-US" sz="2000" dirty="0">
+                <a:latin typeface="한컴 고딕" panose="02000500000000000000" pitchFamily="2" charset="-127"/>
+                <a:ea typeface="한컴 고딕" panose="02000500000000000000" pitchFamily="2" charset="-127"/>
+              </a:rPr>
+              <a:t>데이터와</a:t>
+            </a:r>
+            <a:r>
+              <a:rPr lang="en-US" altLang="ko-KR" sz="2000" dirty="0">
+                <a:latin typeface="한컴 고딕" panose="02000500000000000000" pitchFamily="2" charset="-127"/>
+                <a:ea typeface="한컴 고딕" panose="02000500000000000000" pitchFamily="2" charset="-127"/>
+              </a:rPr>
+              <a:t> </a:t>
+            </a:r>
+            <a:r>
+              <a:rPr lang="ko-KR" altLang="en-US" sz="2000" dirty="0">
+                <a:latin typeface="한컴 고딕" panose="02000500000000000000" pitchFamily="2" charset="-127"/>
+                <a:ea typeface="한컴 고딕" panose="02000500000000000000" pitchFamily="2" charset="-127"/>
+              </a:rPr>
+              <a:t>알고리즘을</a:t>
+            </a:r>
+            <a:r>
+              <a:rPr lang="en-US" altLang="ko-KR" sz="2000" dirty="0">
+                <a:latin typeface="한컴 고딕" panose="02000500000000000000" pitchFamily="2" charset="-127"/>
+                <a:ea typeface="한컴 고딕" panose="02000500000000000000" pitchFamily="2" charset="-127"/>
+              </a:rPr>
+              <a:t> </a:t>
+            </a:r>
+            <a:r>
+              <a:rPr lang="ko-KR" altLang="en-US" sz="2000" dirty="0">
+                <a:latin typeface="한컴 고딕" panose="02000500000000000000" pitchFamily="2" charset="-127"/>
+                <a:ea typeface="한컴 고딕" panose="02000500000000000000" pitchFamily="2" charset="-127"/>
+              </a:rPr>
+              <a:t>선택하여</a:t>
+            </a:r>
+            <a:r>
+              <a:rPr lang="en-US" altLang="ko-KR" sz="2000" dirty="0">
+                <a:latin typeface="한컴 고딕" panose="02000500000000000000" pitchFamily="2" charset="-127"/>
+                <a:ea typeface="한컴 고딕" panose="02000500000000000000" pitchFamily="2" charset="-127"/>
+              </a:rPr>
+              <a:t> </a:t>
+            </a:r>
+            <a:r>
+              <a:rPr lang="ko-KR" altLang="en-US" sz="2000" dirty="0">
+                <a:latin typeface="한컴 고딕" panose="02000500000000000000" pitchFamily="2" charset="-127"/>
+                <a:ea typeface="한컴 고딕" panose="02000500000000000000" pitchFamily="2" charset="-127"/>
+              </a:rPr>
+              <a:t>컴퓨터에게</a:t>
+            </a:r>
+            <a:r>
+              <a:rPr lang="en-US" altLang="ko-KR" sz="2000" dirty="0">
+                <a:latin typeface="한컴 고딕" panose="02000500000000000000" pitchFamily="2" charset="-127"/>
+                <a:ea typeface="한컴 고딕" panose="02000500000000000000" pitchFamily="2" charset="-127"/>
+              </a:rPr>
+              <a:t> </a:t>
+            </a:r>
+            <a:r>
+              <a:rPr lang="ko-KR" altLang="en-US" sz="2000" dirty="0">
+                <a:latin typeface="한컴 고딕" panose="02000500000000000000" pitchFamily="2" charset="-127"/>
+                <a:ea typeface="한컴 고딕" panose="02000500000000000000" pitchFamily="2" charset="-127"/>
+              </a:rPr>
+              <a:t>학습시켜 목적</a:t>
+            </a:r>
+            <a:r>
+              <a:rPr lang="en-US" altLang="ko-KR" sz="2000" dirty="0">
+                <a:latin typeface="한컴 고딕" panose="02000500000000000000" pitchFamily="2" charset="-127"/>
+                <a:ea typeface="한컴 고딕" panose="02000500000000000000" pitchFamily="2" charset="-127"/>
+              </a:rPr>
+              <a:t>(</a:t>
+            </a:r>
+            <a:r>
+              <a:rPr lang="ko-KR" altLang="en-US" sz="2000" dirty="0">
+                <a:latin typeface="한컴 고딕" panose="02000500000000000000" pitchFamily="2" charset="-127"/>
+                <a:ea typeface="한컴 고딕" panose="02000500000000000000" pitchFamily="2" charset="-127"/>
+              </a:rPr>
+              <a:t>예측</a:t>
+            </a:r>
+            <a:r>
+              <a:rPr lang="en-US" altLang="ko-KR" sz="2000" dirty="0">
+                <a:latin typeface="한컴 고딕" panose="02000500000000000000" pitchFamily="2" charset="-127"/>
+                <a:ea typeface="한컴 고딕" panose="02000500000000000000" pitchFamily="2" charset="-127"/>
+              </a:rPr>
+              <a:t>, </a:t>
+            </a:r>
+            <a:r>
+              <a:rPr lang="ko-KR" altLang="en-US" sz="2000" dirty="0">
+                <a:latin typeface="한컴 고딕" panose="02000500000000000000" pitchFamily="2" charset="-127"/>
+                <a:ea typeface="한컴 고딕" panose="02000500000000000000" pitchFamily="2" charset="-127"/>
+              </a:rPr>
+              <a:t>변환</a:t>
+            </a:r>
+            <a:r>
+              <a:rPr lang="en-US" altLang="ko-KR" sz="2000" dirty="0">
+                <a:latin typeface="한컴 고딕" panose="02000500000000000000" pitchFamily="2" charset="-127"/>
+                <a:ea typeface="한컴 고딕" panose="02000500000000000000" pitchFamily="2" charset="-127"/>
+              </a:rPr>
+              <a:t>)</a:t>
+            </a:r>
+            <a:r>
+              <a:rPr lang="ko-KR" altLang="en-US" sz="2000" dirty="0">
+                <a:latin typeface="한컴 고딕" panose="02000500000000000000" pitchFamily="2" charset="-127"/>
+                <a:ea typeface="한컴 고딕" panose="02000500000000000000" pitchFamily="2" charset="-127"/>
+              </a:rPr>
+              <a:t>을 달성</a:t>
+            </a:r>
+          </a:p>
+        </p:txBody>
+      </p:sp>
+      <p:sp>
+        <p:nvSpPr>
+          <p:cNvPr id="6" name="TextBox 5">
+            <a:extLst>
+              <a:ext uri="{FF2B5EF4-FFF2-40B4-BE49-F238E27FC236}">
+                <a16:creationId xmlns:a16="http://schemas.microsoft.com/office/drawing/2014/main" id="{A94B245B-045B-29EB-9238-47D9A35649E6}"/>
+              </a:ext>
+            </a:extLst>
+          </p:cNvPr>
+          <p:cNvSpPr txBox="1"/>
+          <p:nvPr/>
+        </p:nvSpPr>
+        <p:spPr>
+          <a:xfrm>
+            <a:off x="1531106" y="6127839"/>
+            <a:ext cx="9743352" cy="307777"/>
+          </a:xfrm>
+          <a:prstGeom prst="rect">
+            <a:avLst/>
+          </a:prstGeom>
+          <a:noFill/>
+        </p:spPr>
+        <p:txBody>
+          <a:bodyPr wrap="square">
+            <a:spAutoFit/>
+          </a:bodyPr>
+          <a:lstStyle/>
+          <a:p>
+            <a:r>
+              <a:rPr lang="ko-KR" altLang="en-US" sz="1400" dirty="0">
+                <a:hlinkClick r:id="rId2"/>
+              </a:rPr>
+              <a:t>https://scikit-learn.org/1.5/modules/generated/sklearn.linear_model.LogisticRegression.html</a:t>
+            </a:r>
+            <a:r>
+              <a:rPr lang="ko-KR" altLang="en-US" sz="1400" dirty="0"/>
+              <a:t> </a:t>
+            </a:r>
+          </a:p>
+        </p:txBody>
+      </p:sp>
+    </p:spTree>
+    <p:extLst>
+      <p:ext uri="{BB962C8B-B14F-4D97-AF65-F5344CB8AC3E}">
+        <p14:creationId xmlns:p14="http://schemas.microsoft.com/office/powerpoint/2010/main" val="3485557403"/>
+      </p:ext>
+    </p:extLst>
+  </p:cSld>
+  <p:clrMapOvr>
+    <a:masterClrMapping/>
+  </p:clrMapOvr>
+</p:sld>
+</file>
+
+<file path=ppt/slides/slide17.xml><?xml version="1.0" encoding="utf-8"?>
+<p:sld xmlns:a="http://schemas.openxmlformats.org/drawingml/2006/main" xmlns:r="http://schemas.openxmlformats.org/officeDocument/2006/relationships" xmlns:p="http://schemas.openxmlformats.org/presentationml/2006/main">
+  <p:cSld>
+    <p:spTree>
+      <p:nvGrpSpPr>
+        <p:cNvPr id="1" name=""/>
+        <p:cNvGrpSpPr/>
+        <p:nvPr/>
+      </p:nvGrpSpPr>
+      <p:grpSpPr>
+        <a:xfrm>
+          <a:off x="0" y="0"/>
+          <a:ext cx="0" cy="0"/>
+          <a:chOff x="0" y="0"/>
+          <a:chExt cx="0" cy="0"/>
+        </a:xfrm>
+      </p:grpSpPr>
+      <p:sp>
+        <p:nvSpPr>
+          <p:cNvPr id="2" name="제목 1">
+            <a:extLst>
+              <a:ext uri="{FF2B5EF4-FFF2-40B4-BE49-F238E27FC236}">
+                <a16:creationId xmlns:a16="http://schemas.microsoft.com/office/drawing/2014/main" id="{31A8128C-D73F-1FBA-6E47-3A0ECCF53BDA}"/>
+              </a:ext>
+            </a:extLst>
+          </p:cNvPr>
+          <p:cNvSpPr>
+            <a:spLocks noGrp="1"/>
+          </p:cNvSpPr>
+          <p:nvPr>
+            <p:ph type="title"/>
+          </p:nvPr>
+        </p:nvSpPr>
+        <p:spPr>
+          <a:xfrm>
+            <a:off x="223266" y="217270"/>
+            <a:ext cx="10131425" cy="659352"/>
+          </a:xfrm>
+        </p:spPr>
+        <p:txBody>
+          <a:bodyPr>
+            <a:normAutofit/>
+          </a:bodyPr>
+          <a:lstStyle/>
+          <a:p>
+            <a:r>
+              <a:rPr lang="en-US" altLang="ko-KR" sz="2800" b="1" dirty="0"/>
+              <a:t>Machine Learning</a:t>
+            </a:r>
+            <a:endParaRPr lang="ko-KR" altLang="en-US" sz="2800" b="1" dirty="0"/>
+          </a:p>
+        </p:txBody>
+      </p:sp>
+      <p:sp>
+        <p:nvSpPr>
+          <p:cNvPr id="10" name="바닥글 개체 틀 3">
+            <a:extLst>
+              <a:ext uri="{FF2B5EF4-FFF2-40B4-BE49-F238E27FC236}">
+                <a16:creationId xmlns:a16="http://schemas.microsoft.com/office/drawing/2014/main" id="{F6006E43-C489-7FA1-AF2E-6F49929124A9}"/>
+              </a:ext>
+            </a:extLst>
+          </p:cNvPr>
+          <p:cNvSpPr>
+            <a:spLocks noGrp="1"/>
+          </p:cNvSpPr>
+          <p:nvPr>
+            <p:ph type="ftr" sz="quarter" idx="11"/>
+          </p:nvPr>
+        </p:nvSpPr>
+        <p:spPr>
+          <a:xfrm>
+            <a:off x="4343399" y="6426758"/>
+            <a:ext cx="7827659" cy="377825"/>
+          </a:xfrm>
+        </p:spPr>
+        <p:txBody>
+          <a:bodyPr/>
+          <a:lstStyle/>
+          <a:p>
+            <a:pPr algn="r"/>
+            <a:fld id="{77860235-9F74-41DF-BC51-71A4257E4966}" type="slidenum">
+              <a:rPr lang="ko-KR" altLang="en-US" sz="1200" b="1" smtClean="0"/>
+              <a:pPr algn="r"/>
+              <a:t>17</a:t>
+            </a:fld>
+            <a:endParaRPr lang="ko-KR" altLang="en-US" sz="1200" b="1" dirty="0"/>
+          </a:p>
+        </p:txBody>
+      </p:sp>
+      <p:sp>
+        <p:nvSpPr>
+          <p:cNvPr id="7" name="TextBox 6">
+            <a:extLst>
+              <a:ext uri="{FF2B5EF4-FFF2-40B4-BE49-F238E27FC236}">
+                <a16:creationId xmlns:a16="http://schemas.microsoft.com/office/drawing/2014/main" id="{F48BA815-1326-DCEA-7705-0ABBEAA09DE9}"/>
+              </a:ext>
+            </a:extLst>
+          </p:cNvPr>
+          <p:cNvSpPr txBox="1"/>
+          <p:nvPr/>
+        </p:nvSpPr>
+        <p:spPr>
+          <a:xfrm>
+            <a:off x="1875933" y="2147801"/>
+            <a:ext cx="8267308" cy="3416320"/>
+          </a:xfrm>
+          <a:prstGeom prst="rect">
+            <a:avLst/>
+          </a:prstGeom>
+          <a:solidFill>
+            <a:srgbClr val="009EDE"/>
+          </a:solidFill>
+        </p:spPr>
+        <p:txBody>
+          <a:bodyPr wrap="square">
+            <a:spAutoFit/>
+          </a:bodyPr>
+          <a:lstStyle/>
+          <a:p>
+            <a:r>
+              <a:rPr lang="en-US" altLang="ko-KR" dirty="0">
+                <a:latin typeface="Segoe UI Variable Small Semilig" pitchFamily="2" charset="0"/>
+                <a:ea typeface="HY신명조" panose="02030600000101010101" pitchFamily="18" charset="-127"/>
+              </a:rPr>
+              <a:t># Build the </a:t>
+            </a:r>
+            <a:r>
+              <a:rPr lang="en-US" altLang="ko-KR" dirty="0" err="1">
+                <a:latin typeface="Segoe UI Variable Small Semilig" pitchFamily="2" charset="0"/>
+                <a:ea typeface="HY신명조" panose="02030600000101010101" pitchFamily="18" charset="-127"/>
+              </a:rPr>
+              <a:t>Keras</a:t>
+            </a:r>
+            <a:r>
+              <a:rPr lang="en-US" altLang="ko-KR" dirty="0">
+                <a:latin typeface="Segoe UI Variable Small Semilig" pitchFamily="2" charset="0"/>
+                <a:ea typeface="HY신명조" panose="02030600000101010101" pitchFamily="18" charset="-127"/>
+              </a:rPr>
+              <a:t> model with Single logistic regression layer</a:t>
+            </a:r>
+          </a:p>
+          <a:p>
+            <a:r>
+              <a:rPr lang="en-US" altLang="ko-KR" b="1" dirty="0">
+                <a:solidFill>
+                  <a:schemeClr val="bg1"/>
+                </a:solidFill>
+                <a:latin typeface="Segoe UI Variable Small Semilig" pitchFamily="2" charset="0"/>
+                <a:ea typeface="HY신명조" panose="02030600000101010101" pitchFamily="18" charset="-127"/>
+              </a:rPr>
+              <a:t>model = Sequential() </a:t>
+            </a:r>
+          </a:p>
+          <a:p>
+            <a:r>
+              <a:rPr lang="en-US" altLang="ko-KR" b="1" dirty="0" err="1">
+                <a:solidFill>
+                  <a:schemeClr val="bg1"/>
+                </a:solidFill>
+                <a:latin typeface="Segoe UI Variable Small Semilig" pitchFamily="2" charset="0"/>
+                <a:ea typeface="HY신명조" panose="02030600000101010101" pitchFamily="18" charset="-127"/>
+              </a:rPr>
+              <a:t>model.add</a:t>
+            </a:r>
+            <a:r>
+              <a:rPr lang="en-US" altLang="ko-KR" b="1" dirty="0">
+                <a:solidFill>
+                  <a:schemeClr val="bg1"/>
+                </a:solidFill>
+                <a:latin typeface="Segoe UI Variable Small Semilig" pitchFamily="2" charset="0"/>
+                <a:ea typeface="HY신명조" panose="02030600000101010101" pitchFamily="18" charset="-127"/>
+              </a:rPr>
+              <a:t>(Dense(1, </a:t>
+            </a:r>
+            <a:r>
+              <a:rPr lang="en-US" altLang="ko-KR" b="1" dirty="0" err="1">
+                <a:solidFill>
+                  <a:schemeClr val="bg1"/>
+                </a:solidFill>
+                <a:latin typeface="Segoe UI Variable Small Semilig" pitchFamily="2" charset="0"/>
+                <a:ea typeface="HY신명조" panose="02030600000101010101" pitchFamily="18" charset="-127"/>
+              </a:rPr>
+              <a:t>input_dim</a:t>
+            </a:r>
+            <a:r>
+              <a:rPr lang="en-US" altLang="ko-KR" b="1" dirty="0">
+                <a:solidFill>
+                  <a:schemeClr val="bg1"/>
+                </a:solidFill>
+                <a:latin typeface="Segoe UI Variable Small Semilig" pitchFamily="2" charset="0"/>
+                <a:ea typeface="HY신명조" panose="02030600000101010101" pitchFamily="18" charset="-127"/>
+              </a:rPr>
+              <a:t>=4, activation='sigmoid’)) </a:t>
+            </a:r>
+          </a:p>
+          <a:p>
+            <a:endParaRPr lang="en-US" altLang="ko-KR" dirty="0">
+              <a:latin typeface="Segoe UI Variable Small Semilig" pitchFamily="2" charset="0"/>
+              <a:ea typeface="HY신명조" panose="02030600000101010101" pitchFamily="18" charset="-127"/>
+            </a:endParaRPr>
+          </a:p>
+          <a:p>
+            <a:r>
+              <a:rPr lang="en-US" altLang="ko-KR" dirty="0">
+                <a:latin typeface="Segoe UI Variable Small Semilig" pitchFamily="2" charset="0"/>
+                <a:ea typeface="HY신명조" panose="02030600000101010101" pitchFamily="18" charset="-127"/>
+              </a:rPr>
+              <a:t># Compile the model </a:t>
+            </a:r>
+          </a:p>
+          <a:p>
+            <a:r>
+              <a:rPr lang="en-US" altLang="ko-KR" b="1" dirty="0" err="1">
+                <a:solidFill>
+                  <a:schemeClr val="bg1"/>
+                </a:solidFill>
+                <a:latin typeface="Segoe UI Variable Small Semilig" pitchFamily="2" charset="0"/>
+                <a:ea typeface="HY신명조" panose="02030600000101010101" pitchFamily="18" charset="-127"/>
+              </a:rPr>
+              <a:t>model.compile</a:t>
+            </a:r>
+            <a:r>
+              <a:rPr lang="en-US" altLang="ko-KR" b="1" dirty="0">
+                <a:solidFill>
+                  <a:schemeClr val="bg1"/>
+                </a:solidFill>
+                <a:latin typeface="Segoe UI Variable Small Semilig" pitchFamily="2" charset="0"/>
+                <a:ea typeface="HY신명조" panose="02030600000101010101" pitchFamily="18" charset="-127"/>
+              </a:rPr>
+              <a:t>(optimizer=SGD) </a:t>
+            </a:r>
+          </a:p>
+          <a:p>
+            <a:endParaRPr lang="en-US" altLang="ko-KR" dirty="0">
+              <a:latin typeface="Segoe UI Variable Small Semilig" pitchFamily="2" charset="0"/>
+              <a:ea typeface="HY신명조" panose="02030600000101010101" pitchFamily="18" charset="-127"/>
+            </a:endParaRPr>
+          </a:p>
+          <a:p>
+            <a:r>
+              <a:rPr lang="en-US" altLang="ko-KR" dirty="0">
+                <a:latin typeface="Segoe UI Variable Small Semilig" pitchFamily="2" charset="0"/>
+                <a:ea typeface="HY신명조" panose="02030600000101010101" pitchFamily="18" charset="-127"/>
+              </a:rPr>
+              <a:t># Train the model </a:t>
+            </a:r>
+          </a:p>
+          <a:p>
+            <a:r>
+              <a:rPr lang="en-US" altLang="ko-KR" b="1" dirty="0" err="1">
+                <a:solidFill>
+                  <a:schemeClr val="bg1"/>
+                </a:solidFill>
+                <a:latin typeface="Segoe UI Variable Small Semilig" pitchFamily="2" charset="0"/>
+                <a:ea typeface="HY신명조" panose="02030600000101010101" pitchFamily="18" charset="-127"/>
+              </a:rPr>
+              <a:t>model.fit</a:t>
+            </a:r>
+            <a:r>
+              <a:rPr lang="en-US" altLang="ko-KR" b="1" dirty="0">
+                <a:solidFill>
+                  <a:schemeClr val="bg1"/>
+                </a:solidFill>
+                <a:latin typeface="Segoe UI Variable Small Semilig" pitchFamily="2" charset="0"/>
+                <a:ea typeface="HY신명조" panose="02030600000101010101" pitchFamily="18" charset="-127"/>
+              </a:rPr>
+              <a:t>(</a:t>
+            </a:r>
+            <a:r>
+              <a:rPr lang="en-US" altLang="ko-KR" b="1" dirty="0" err="1">
+                <a:solidFill>
+                  <a:schemeClr val="bg1"/>
+                </a:solidFill>
+                <a:latin typeface="Segoe UI Variable Small Semilig" pitchFamily="2" charset="0"/>
+                <a:ea typeface="HY신명조" panose="02030600000101010101" pitchFamily="18" charset="-127"/>
+              </a:rPr>
+              <a:t>X_train</a:t>
+            </a:r>
+            <a:r>
+              <a:rPr lang="en-US" altLang="ko-KR" b="1" dirty="0">
+                <a:solidFill>
+                  <a:schemeClr val="bg1"/>
+                </a:solidFill>
+                <a:latin typeface="Segoe UI Variable Small Semilig" pitchFamily="2" charset="0"/>
+                <a:ea typeface="HY신명조" panose="02030600000101010101" pitchFamily="18" charset="-127"/>
+              </a:rPr>
+              <a:t>, </a:t>
+            </a:r>
+            <a:r>
+              <a:rPr lang="en-US" altLang="ko-KR" b="1" dirty="0" err="1">
+                <a:solidFill>
+                  <a:schemeClr val="bg1"/>
+                </a:solidFill>
+                <a:latin typeface="Segoe UI Variable Small Semilig" pitchFamily="2" charset="0"/>
+                <a:ea typeface="HY신명조" panose="02030600000101010101" pitchFamily="18" charset="-127"/>
+              </a:rPr>
+              <a:t>y_train</a:t>
+            </a:r>
+            <a:r>
+              <a:rPr lang="en-US" altLang="ko-KR" b="1" dirty="0">
+                <a:solidFill>
+                  <a:schemeClr val="bg1"/>
+                </a:solidFill>
+                <a:latin typeface="Segoe UI Variable Small Semilig" pitchFamily="2" charset="0"/>
+                <a:ea typeface="HY신명조" panose="02030600000101010101" pitchFamily="18" charset="-127"/>
+              </a:rPr>
+              <a:t>) </a:t>
+            </a:r>
+          </a:p>
+          <a:p>
+            <a:endParaRPr lang="en-US" altLang="ko-KR" dirty="0">
+              <a:latin typeface="Segoe UI Variable Small Semilig" pitchFamily="2" charset="0"/>
+              <a:ea typeface="HY신명조" panose="02030600000101010101" pitchFamily="18" charset="-127"/>
+            </a:endParaRPr>
+          </a:p>
+          <a:p>
+            <a:r>
+              <a:rPr lang="en-US" altLang="ko-KR" dirty="0">
+                <a:latin typeface="Segoe UI Variable Small Semilig" pitchFamily="2" charset="0"/>
+                <a:ea typeface="HY신명조" panose="02030600000101010101" pitchFamily="18" charset="-127"/>
+              </a:rPr>
+              <a:t># Predict on test data </a:t>
+            </a:r>
+          </a:p>
+          <a:p>
+            <a:r>
+              <a:rPr lang="en-US" altLang="ko-KR" b="1" dirty="0" err="1">
+                <a:solidFill>
+                  <a:schemeClr val="bg1"/>
+                </a:solidFill>
+                <a:latin typeface="Segoe UI Variable Small Semilig" pitchFamily="2" charset="0"/>
+                <a:ea typeface="HY신명조" panose="02030600000101010101" pitchFamily="18" charset="-127"/>
+              </a:rPr>
+              <a:t>y_pred</a:t>
+            </a:r>
+            <a:r>
+              <a:rPr lang="en-US" altLang="ko-KR" b="1" dirty="0">
+                <a:solidFill>
+                  <a:schemeClr val="bg1"/>
+                </a:solidFill>
+                <a:latin typeface="Segoe UI Variable Small Semilig" pitchFamily="2" charset="0"/>
+                <a:ea typeface="HY신명조" panose="02030600000101010101" pitchFamily="18" charset="-127"/>
+              </a:rPr>
+              <a:t> = (</a:t>
+            </a:r>
+            <a:r>
+              <a:rPr lang="en-US" altLang="ko-KR" b="1" dirty="0" err="1">
+                <a:solidFill>
+                  <a:schemeClr val="bg1"/>
+                </a:solidFill>
+                <a:latin typeface="Segoe UI Variable Small Semilig" pitchFamily="2" charset="0"/>
+                <a:ea typeface="HY신명조" panose="02030600000101010101" pitchFamily="18" charset="-127"/>
+              </a:rPr>
+              <a:t>model.predict</a:t>
+            </a:r>
+            <a:r>
+              <a:rPr lang="en-US" altLang="ko-KR" b="1" dirty="0">
+                <a:solidFill>
+                  <a:schemeClr val="bg1"/>
+                </a:solidFill>
+                <a:latin typeface="Segoe UI Variable Small Semilig" pitchFamily="2" charset="0"/>
+                <a:ea typeface="HY신명조" panose="02030600000101010101" pitchFamily="18" charset="-127"/>
+              </a:rPr>
+              <a:t>(</a:t>
+            </a:r>
+            <a:r>
+              <a:rPr lang="en-US" altLang="ko-KR" b="1" dirty="0" err="1">
+                <a:solidFill>
+                  <a:schemeClr val="bg1"/>
+                </a:solidFill>
+                <a:latin typeface="Segoe UI Variable Small Semilig" pitchFamily="2" charset="0"/>
+                <a:ea typeface="HY신명조" panose="02030600000101010101" pitchFamily="18" charset="-127"/>
+              </a:rPr>
+              <a:t>X_test</a:t>
+            </a:r>
+            <a:r>
+              <a:rPr lang="en-US" altLang="ko-KR" b="1" dirty="0">
+                <a:solidFill>
+                  <a:schemeClr val="bg1"/>
+                </a:solidFill>
+                <a:latin typeface="Segoe UI Variable Small Semilig" pitchFamily="2" charset="0"/>
+                <a:ea typeface="HY신명조" panose="02030600000101010101" pitchFamily="18" charset="-127"/>
+              </a:rPr>
+              <a:t>)</a:t>
+            </a:r>
+            <a:endParaRPr lang="ko-KR" altLang="en-US" b="1" dirty="0">
+              <a:solidFill>
+                <a:schemeClr val="bg1"/>
+              </a:solidFill>
+              <a:latin typeface="Segoe UI Variable Small Semilig" pitchFamily="2" charset="0"/>
+              <a:ea typeface="HY신명조" panose="02030600000101010101" pitchFamily="18" charset="-127"/>
+            </a:endParaRPr>
+          </a:p>
+        </p:txBody>
+      </p:sp>
+      <p:sp>
+        <p:nvSpPr>
+          <p:cNvPr id="3" name="TextBox 2">
+            <a:extLst>
+              <a:ext uri="{FF2B5EF4-FFF2-40B4-BE49-F238E27FC236}">
+                <a16:creationId xmlns:a16="http://schemas.microsoft.com/office/drawing/2014/main" id="{A2593044-8F15-A736-A0EE-583349AC3310}"/>
+              </a:ext>
+            </a:extLst>
+          </p:cNvPr>
+          <p:cNvSpPr txBox="1"/>
+          <p:nvPr/>
+        </p:nvSpPr>
+        <p:spPr>
+          <a:xfrm>
+            <a:off x="499620" y="1222602"/>
+            <a:ext cx="8364790" cy="400110"/>
+          </a:xfrm>
+          <a:prstGeom prst="rect">
+            <a:avLst/>
+          </a:prstGeom>
+          <a:noFill/>
+        </p:spPr>
+        <p:txBody>
+          <a:bodyPr wrap="none" rtlCol="0">
+            <a:spAutoFit/>
+          </a:bodyPr>
+          <a:lstStyle/>
+          <a:p>
+            <a:r>
+              <a:rPr lang="ko-KR" altLang="en-US" sz="2000" dirty="0">
+                <a:latin typeface="한컴 고딕" panose="02000500000000000000" pitchFamily="2" charset="-127"/>
+                <a:ea typeface="한컴 고딕" panose="02000500000000000000" pitchFamily="2" charset="-127"/>
+              </a:rPr>
+              <a:t>데이터와</a:t>
+            </a:r>
+            <a:r>
+              <a:rPr lang="en-US" altLang="ko-KR" sz="2000" dirty="0">
+                <a:latin typeface="한컴 고딕" panose="02000500000000000000" pitchFamily="2" charset="-127"/>
+                <a:ea typeface="한컴 고딕" panose="02000500000000000000" pitchFamily="2" charset="-127"/>
+              </a:rPr>
+              <a:t> </a:t>
+            </a:r>
+            <a:r>
+              <a:rPr lang="ko-KR" altLang="en-US" sz="2000" dirty="0">
+                <a:latin typeface="한컴 고딕" panose="02000500000000000000" pitchFamily="2" charset="-127"/>
+                <a:ea typeface="한컴 고딕" panose="02000500000000000000" pitchFamily="2" charset="-127"/>
+              </a:rPr>
+              <a:t>알고리즘을</a:t>
+            </a:r>
+            <a:r>
+              <a:rPr lang="en-US" altLang="ko-KR" sz="2000" dirty="0">
+                <a:latin typeface="한컴 고딕" panose="02000500000000000000" pitchFamily="2" charset="-127"/>
+                <a:ea typeface="한컴 고딕" panose="02000500000000000000" pitchFamily="2" charset="-127"/>
+              </a:rPr>
+              <a:t> </a:t>
+            </a:r>
+            <a:r>
+              <a:rPr lang="ko-KR" altLang="en-US" sz="2000" dirty="0">
+                <a:latin typeface="한컴 고딕" panose="02000500000000000000" pitchFamily="2" charset="-127"/>
+                <a:ea typeface="한컴 고딕" panose="02000500000000000000" pitchFamily="2" charset="-127"/>
+              </a:rPr>
+              <a:t>선택하여</a:t>
+            </a:r>
+            <a:r>
+              <a:rPr lang="en-US" altLang="ko-KR" sz="2000" dirty="0">
+                <a:latin typeface="한컴 고딕" panose="02000500000000000000" pitchFamily="2" charset="-127"/>
+                <a:ea typeface="한컴 고딕" panose="02000500000000000000" pitchFamily="2" charset="-127"/>
+              </a:rPr>
+              <a:t> </a:t>
+            </a:r>
+            <a:r>
+              <a:rPr lang="ko-KR" altLang="en-US" sz="2000" dirty="0">
+                <a:latin typeface="한컴 고딕" panose="02000500000000000000" pitchFamily="2" charset="-127"/>
+                <a:ea typeface="한컴 고딕" panose="02000500000000000000" pitchFamily="2" charset="-127"/>
+              </a:rPr>
+              <a:t>컴퓨터에게</a:t>
+            </a:r>
+            <a:r>
+              <a:rPr lang="en-US" altLang="ko-KR" sz="2000" dirty="0">
+                <a:latin typeface="한컴 고딕" panose="02000500000000000000" pitchFamily="2" charset="-127"/>
+                <a:ea typeface="한컴 고딕" panose="02000500000000000000" pitchFamily="2" charset="-127"/>
+              </a:rPr>
+              <a:t> </a:t>
+            </a:r>
+            <a:r>
+              <a:rPr lang="ko-KR" altLang="en-US" sz="2000" dirty="0">
+                <a:latin typeface="한컴 고딕" panose="02000500000000000000" pitchFamily="2" charset="-127"/>
+                <a:ea typeface="한컴 고딕" panose="02000500000000000000" pitchFamily="2" charset="-127"/>
+              </a:rPr>
+              <a:t>학습시켜 목적</a:t>
+            </a:r>
+            <a:r>
+              <a:rPr lang="en-US" altLang="ko-KR" sz="2000" dirty="0">
+                <a:latin typeface="한컴 고딕" panose="02000500000000000000" pitchFamily="2" charset="-127"/>
+                <a:ea typeface="한컴 고딕" panose="02000500000000000000" pitchFamily="2" charset="-127"/>
+              </a:rPr>
+              <a:t>(</a:t>
+            </a:r>
+            <a:r>
+              <a:rPr lang="ko-KR" altLang="en-US" sz="2000" dirty="0">
+                <a:latin typeface="한컴 고딕" panose="02000500000000000000" pitchFamily="2" charset="-127"/>
+                <a:ea typeface="한컴 고딕" panose="02000500000000000000" pitchFamily="2" charset="-127"/>
+              </a:rPr>
+              <a:t>예측</a:t>
+            </a:r>
+            <a:r>
+              <a:rPr lang="en-US" altLang="ko-KR" sz="2000" dirty="0">
+                <a:latin typeface="한컴 고딕" panose="02000500000000000000" pitchFamily="2" charset="-127"/>
+                <a:ea typeface="한컴 고딕" panose="02000500000000000000" pitchFamily="2" charset="-127"/>
+              </a:rPr>
+              <a:t>, </a:t>
+            </a:r>
+            <a:r>
+              <a:rPr lang="ko-KR" altLang="en-US" sz="2000" dirty="0">
+                <a:latin typeface="한컴 고딕" panose="02000500000000000000" pitchFamily="2" charset="-127"/>
+                <a:ea typeface="한컴 고딕" panose="02000500000000000000" pitchFamily="2" charset="-127"/>
+              </a:rPr>
+              <a:t>변환</a:t>
+            </a:r>
+            <a:r>
+              <a:rPr lang="en-US" altLang="ko-KR" sz="2000" dirty="0">
+                <a:latin typeface="한컴 고딕" panose="02000500000000000000" pitchFamily="2" charset="-127"/>
+                <a:ea typeface="한컴 고딕" panose="02000500000000000000" pitchFamily="2" charset="-127"/>
+              </a:rPr>
+              <a:t>)</a:t>
+            </a:r>
+            <a:r>
+              <a:rPr lang="ko-KR" altLang="en-US" sz="2000" dirty="0">
+                <a:latin typeface="한컴 고딕" panose="02000500000000000000" pitchFamily="2" charset="-127"/>
+                <a:ea typeface="한컴 고딕" panose="02000500000000000000" pitchFamily="2" charset="-127"/>
+              </a:rPr>
+              <a:t>을 달성</a:t>
+            </a:r>
+          </a:p>
+        </p:txBody>
+      </p:sp>
+    </p:spTree>
+    <p:extLst>
+      <p:ext uri="{BB962C8B-B14F-4D97-AF65-F5344CB8AC3E}">
+        <p14:creationId xmlns:p14="http://schemas.microsoft.com/office/powerpoint/2010/main" val="3570514683"/>
+      </p:ext>
+    </p:extLst>
+  </p:cSld>
+  <p:clrMapOvr>
+    <a:masterClrMapping/>
+  </p:clrMapOvr>
+</p:sld>
+</file>
+
+<file path=ppt/slides/slide18.xml><?xml version="1.0" encoding="utf-8"?>
+<p:sld xmlns:a="http://schemas.openxmlformats.org/drawingml/2006/main" xmlns:r="http://schemas.openxmlformats.org/officeDocument/2006/relationships" xmlns:p="http://schemas.openxmlformats.org/presentationml/2006/main">
+  <p:cSld>
+    <p:spTree>
+      <p:nvGrpSpPr>
+        <p:cNvPr id="1" name=""/>
+        <p:cNvGrpSpPr/>
+        <p:nvPr/>
+      </p:nvGrpSpPr>
+      <p:grpSpPr>
+        <a:xfrm>
+          <a:off x="0" y="0"/>
+          <a:ext cx="0" cy="0"/>
+          <a:chOff x="0" y="0"/>
+          <a:chExt cx="0" cy="0"/>
+        </a:xfrm>
+      </p:grpSpPr>
+      <p:sp>
+        <p:nvSpPr>
+          <p:cNvPr id="2" name="제목 1">
+            <a:extLst>
+              <a:ext uri="{FF2B5EF4-FFF2-40B4-BE49-F238E27FC236}">
+                <a16:creationId xmlns:a16="http://schemas.microsoft.com/office/drawing/2014/main" id="{31A8128C-D73F-1FBA-6E47-3A0ECCF53BDA}"/>
+              </a:ext>
+            </a:extLst>
+          </p:cNvPr>
+          <p:cNvSpPr>
+            <a:spLocks noGrp="1"/>
+          </p:cNvSpPr>
+          <p:nvPr>
+            <p:ph type="title"/>
+          </p:nvPr>
+        </p:nvSpPr>
+        <p:spPr>
+          <a:xfrm>
+            <a:off x="223266" y="217270"/>
+            <a:ext cx="10131425" cy="659352"/>
+          </a:xfrm>
+        </p:spPr>
+        <p:txBody>
+          <a:bodyPr>
+            <a:normAutofit/>
+          </a:bodyPr>
+          <a:lstStyle/>
+          <a:p>
+            <a:r>
+              <a:rPr lang="en-US" altLang="ko-KR" sz="2800" b="1" dirty="0"/>
+              <a:t>Deep Learning</a:t>
+            </a:r>
+            <a:endParaRPr lang="ko-KR" altLang="en-US" sz="2800" b="1" dirty="0"/>
+          </a:p>
+        </p:txBody>
+      </p:sp>
+      <p:sp>
+        <p:nvSpPr>
+          <p:cNvPr id="10" name="바닥글 개체 틀 3">
+            <a:extLst>
+              <a:ext uri="{FF2B5EF4-FFF2-40B4-BE49-F238E27FC236}">
+                <a16:creationId xmlns:a16="http://schemas.microsoft.com/office/drawing/2014/main" id="{F6006E43-C489-7FA1-AF2E-6F49929124A9}"/>
+              </a:ext>
+            </a:extLst>
+          </p:cNvPr>
+          <p:cNvSpPr>
+            <a:spLocks noGrp="1"/>
+          </p:cNvSpPr>
+          <p:nvPr>
+            <p:ph type="ftr" sz="quarter" idx="11"/>
+          </p:nvPr>
+        </p:nvSpPr>
+        <p:spPr>
+          <a:xfrm>
+            <a:off x="4343399" y="6426758"/>
+            <a:ext cx="7827659" cy="377825"/>
+          </a:xfrm>
+        </p:spPr>
+        <p:txBody>
+          <a:bodyPr/>
+          <a:lstStyle/>
+          <a:p>
+            <a:pPr algn="r"/>
+            <a:fld id="{77860235-9F74-41DF-BC51-71A4257E4966}" type="slidenum">
+              <a:rPr lang="ko-KR" altLang="en-US" sz="1200" b="1" smtClean="0"/>
+              <a:pPr algn="r"/>
+              <a:t>18</a:t>
             </a:fld>
             <a:endParaRPr lang="ko-KR" altLang="en-US" sz="1200" b="1" dirty="0"/>
           </a:p>
@@ -11471,7 +11848,7 @@
 </p:sld>
 </file>
 
-<file path=ppt/slides/slide17.xml><?xml version="1.0" encoding="utf-8"?>
+<file path=ppt/slides/slide19.xml><?xml version="1.0" encoding="utf-8"?>
 <p:sld xmlns:a="http://schemas.openxmlformats.org/drawingml/2006/main" xmlns:r="http://schemas.openxmlformats.org/officeDocument/2006/relationships" xmlns:p="http://schemas.openxmlformats.org/presentationml/2006/main">
   <p:cSld>
     <p:spTree>
@@ -11554,7 +11931,7 @@
             <a:fld id="{77860235-9F74-41DF-BC51-71A4257E4966}" type="slidenum">
               <a:rPr lang="ko-KR" altLang="en-US" sz="1200" b="1" smtClean="0"/>
               <a:pPr algn="r"/>
-              <a:t>17</a:t>
+              <a:t>19</a:t>
             </a:fld>
             <a:endParaRPr lang="ko-KR" altLang="en-US" sz="1200" b="1" dirty="0"/>
           </a:p>
@@ -11645,7 +12022,7 @@
 </p:sld>
 </file>
 
-<file path=ppt/slides/slide18.xml><?xml version="1.0" encoding="utf-8"?>
+<file path=ppt/slides/slide2.xml><?xml version="1.0" encoding="utf-8"?>
 <p:sld xmlns:a="http://schemas.openxmlformats.org/drawingml/2006/main" xmlns:r="http://schemas.openxmlformats.org/officeDocument/2006/relationships" xmlns:p="http://schemas.openxmlformats.org/presentationml/2006/main">
   <p:cSld>
     <p:spTree>
@@ -11680,6 +12057,255 @@
         </p:nvSpPr>
         <p:spPr>
           <a:xfrm>
+            <a:off x="685801" y="355076"/>
+            <a:ext cx="10131425" cy="896909"/>
+          </a:xfrm>
+        </p:spPr>
+        <p:txBody>
+          <a:bodyPr/>
+          <a:lstStyle/>
+          <a:p>
+            <a:r>
+              <a:rPr lang="ko-KR" altLang="en-US" dirty="0"/>
+              <a:t>목차</a:t>
+            </a:r>
+          </a:p>
+        </p:txBody>
+      </p:sp>
+      <p:sp>
+        <p:nvSpPr>
+          <p:cNvPr id="3" name="내용 개체 틀 2">
+            <a:extLst>
+              <a:ext uri="{FF2B5EF4-FFF2-40B4-BE49-F238E27FC236}">
+                <a16:creationId xmlns:a16="http://schemas.microsoft.com/office/drawing/2014/main" id="{DDCEC9F6-E8A4-7305-4491-573B278C7E29}"/>
+              </a:ext>
+            </a:extLst>
+          </p:cNvPr>
+          <p:cNvSpPr>
+            <a:spLocks noGrp="1"/>
+          </p:cNvSpPr>
+          <p:nvPr>
+            <p:ph idx="1"/>
+          </p:nvPr>
+        </p:nvSpPr>
+        <p:spPr>
+          <a:xfrm>
+            <a:off x="685801" y="1651873"/>
+            <a:ext cx="10131425" cy="3649133"/>
+          </a:xfrm>
+        </p:spPr>
+        <p:txBody>
+          <a:bodyPr>
+            <a:normAutofit/>
+          </a:bodyPr>
+          <a:lstStyle/>
+          <a:p>
+            <a:pPr>
+              <a:lnSpc>
+                <a:spcPct val="150000"/>
+              </a:lnSpc>
+              <a:buFont typeface="Wingdings" panose="05000000000000000000" pitchFamily="2" charset="2"/>
+              <a:buChar char="§"/>
+            </a:pPr>
+            <a:r>
+              <a:rPr lang="en-US" altLang="ko-KR" sz="2400" dirty="0"/>
+              <a:t>Python</a:t>
+            </a:r>
+            <a:r>
+              <a:rPr lang="ko-KR" altLang="en-US" sz="2400" dirty="0"/>
+              <a:t> </a:t>
+            </a:r>
+            <a:r>
+              <a:rPr lang="en-US" altLang="ko-KR" sz="2400" dirty="0"/>
+              <a:t>(Syntax, Module, Package, Class)</a:t>
+            </a:r>
+          </a:p>
+          <a:p>
+            <a:pPr>
+              <a:lnSpc>
+                <a:spcPct val="150000"/>
+              </a:lnSpc>
+              <a:buFont typeface="Wingdings" panose="05000000000000000000" pitchFamily="2" charset="2"/>
+              <a:buChar char="§"/>
+            </a:pPr>
+            <a:r>
+              <a:rPr lang="en-US" altLang="ko-KR" sz="2400" dirty="0"/>
+              <a:t>Data Wrangling Visualization (Pandas, Matplotlib, Seaborn)</a:t>
+            </a:r>
+          </a:p>
+          <a:p>
+            <a:pPr>
+              <a:lnSpc>
+                <a:spcPct val="150000"/>
+              </a:lnSpc>
+              <a:buFont typeface="Wingdings" panose="05000000000000000000" pitchFamily="2" charset="2"/>
+              <a:buChar char="§"/>
+            </a:pPr>
+            <a:r>
+              <a:rPr lang="en-US" altLang="ko-KR" sz="2400" dirty="0"/>
+              <a:t>Network &amp; Database (REST API, </a:t>
+            </a:r>
+            <a:r>
+              <a:rPr lang="en-US" altLang="ko-KR" sz="2400" dirty="0" err="1"/>
+              <a:t>Sqlite</a:t>
+            </a:r>
+            <a:r>
+              <a:rPr lang="en-US" altLang="ko-KR" sz="2400" dirty="0"/>
+              <a:t>, </a:t>
+            </a:r>
+            <a:r>
+              <a:rPr lang="en-US" altLang="ko-KR" sz="2400" dirty="0" err="1"/>
+              <a:t>FastAPI</a:t>
+            </a:r>
+            <a:r>
+              <a:rPr lang="en-US" altLang="ko-KR" sz="2400" dirty="0"/>
+              <a:t>, </a:t>
+            </a:r>
+            <a:r>
+              <a:rPr lang="en-US" altLang="ko-KR" sz="2400" dirty="0" err="1"/>
+              <a:t>Streamlit</a:t>
+            </a:r>
+            <a:r>
+              <a:rPr lang="en-US" altLang="ko-KR" sz="2400" dirty="0"/>
+              <a:t>/</a:t>
+            </a:r>
+            <a:r>
+              <a:rPr lang="en-US" altLang="ko-KR" sz="2400" dirty="0" err="1"/>
+              <a:t>Gradio</a:t>
+            </a:r>
+            <a:r>
+              <a:rPr lang="en-US" altLang="ko-KR" sz="2400" dirty="0"/>
+              <a:t>)</a:t>
+            </a:r>
+          </a:p>
+          <a:p>
+            <a:pPr>
+              <a:lnSpc>
+                <a:spcPct val="150000"/>
+              </a:lnSpc>
+              <a:buFont typeface="Wingdings" panose="05000000000000000000" pitchFamily="2" charset="2"/>
+              <a:buChar char="§"/>
+            </a:pPr>
+            <a:r>
+              <a:rPr lang="en-US" altLang="ko-KR" sz="2400" dirty="0"/>
+              <a:t>Machine Learning (Scikit-learn, </a:t>
+            </a:r>
+            <a:r>
+              <a:rPr lang="en-US" altLang="ko-KR" sz="2400" dirty="0" err="1"/>
+              <a:t>Pycaret</a:t>
+            </a:r>
+            <a:r>
+              <a:rPr lang="en-US" altLang="ko-KR" sz="2400" dirty="0"/>
+              <a:t>)</a:t>
+            </a:r>
+          </a:p>
+          <a:p>
+            <a:pPr>
+              <a:lnSpc>
+                <a:spcPct val="150000"/>
+              </a:lnSpc>
+              <a:buFont typeface="Wingdings" panose="05000000000000000000" pitchFamily="2" charset="2"/>
+              <a:buChar char="§"/>
+            </a:pPr>
+            <a:r>
+              <a:rPr lang="en-US" altLang="ko-KR" sz="2400" dirty="0"/>
+              <a:t>Deep Learning (</a:t>
+            </a:r>
+            <a:r>
+              <a:rPr lang="en-US" altLang="ko-KR" sz="2400" dirty="0" err="1"/>
+              <a:t>Keras</a:t>
+            </a:r>
+            <a:r>
+              <a:rPr lang="en-US" altLang="ko-KR" sz="2400" dirty="0"/>
+              <a:t>)</a:t>
+            </a:r>
+          </a:p>
+        </p:txBody>
+      </p:sp>
+      <p:sp>
+        <p:nvSpPr>
+          <p:cNvPr id="4" name="바닥글 개체 틀 3">
+            <a:extLst>
+              <a:ext uri="{FF2B5EF4-FFF2-40B4-BE49-F238E27FC236}">
+                <a16:creationId xmlns:a16="http://schemas.microsoft.com/office/drawing/2014/main" id="{2F3CB93F-D403-E1BB-34DA-7A7C03E107F2}"/>
+              </a:ext>
+            </a:extLst>
+          </p:cNvPr>
+          <p:cNvSpPr>
+            <a:spLocks noGrp="1"/>
+          </p:cNvSpPr>
+          <p:nvPr>
+            <p:ph type="ftr" sz="quarter" idx="11"/>
+          </p:nvPr>
+        </p:nvSpPr>
+        <p:spPr>
+          <a:xfrm>
+            <a:off x="4343399" y="6426758"/>
+            <a:ext cx="7827659" cy="377825"/>
+          </a:xfrm>
+        </p:spPr>
+        <p:txBody>
+          <a:bodyPr/>
+          <a:lstStyle/>
+          <a:p>
+            <a:pPr algn="r"/>
+            <a:fld id="{77860235-9F74-41DF-BC51-71A4257E4966}" type="slidenum">
+              <a:rPr lang="ko-KR" altLang="en-US" sz="1200" b="1" smtClean="0"/>
+              <a:pPr algn="r"/>
+              <a:t>2</a:t>
+            </a:fld>
+            <a:endParaRPr lang="ko-KR" altLang="en-US" sz="1200" b="1" dirty="0"/>
+          </a:p>
+        </p:txBody>
+      </p:sp>
+    </p:spTree>
+    <p:extLst>
+      <p:ext uri="{BB962C8B-B14F-4D97-AF65-F5344CB8AC3E}">
+        <p14:creationId xmlns:p14="http://schemas.microsoft.com/office/powerpoint/2010/main" val="1195384475"/>
+      </p:ext>
+    </p:extLst>
+  </p:cSld>
+  <p:clrMapOvr>
+    <a:masterClrMapping/>
+  </p:clrMapOvr>
+</p:sld>
+</file>
+
+<file path=ppt/slides/slide20.xml><?xml version="1.0" encoding="utf-8"?>
+<p:sld xmlns:a="http://schemas.openxmlformats.org/drawingml/2006/main" xmlns:r="http://schemas.openxmlformats.org/officeDocument/2006/relationships" xmlns:p="http://schemas.openxmlformats.org/presentationml/2006/main">
+  <p:cSld>
+    <p:spTree>
+      <p:nvGrpSpPr>
+        <p:cNvPr id="1" name=""/>
+        <p:cNvGrpSpPr/>
+        <p:nvPr/>
+      </p:nvGrpSpPr>
+      <p:grpSpPr>
+        <a:xfrm>
+          <a:off x="0" y="0"/>
+          <a:ext cx="0" cy="0"/>
+          <a:chOff x="0" y="0"/>
+          <a:chExt cx="0" cy="0"/>
+        </a:xfrm>
+      </p:grpSpPr>
+      <p:sp>
+        <p:nvSpPr>
+          <p:cNvPr id="2" name="제목 1">
+            <a:extLst>
+              <a:ext uri="{FF2B5EF4-FFF2-40B4-BE49-F238E27FC236}">
+                <a16:creationId xmlns:a16="http://schemas.microsoft.com/office/drawing/2014/main" id="{31A8128C-D73F-1FBA-6E47-3A0ECCF53BDA}"/>
+              </a:ext>
+            </a:extLst>
+          </p:cNvPr>
+          <p:cNvSpPr>
+            <a:spLocks noGrp="1"/>
+          </p:cNvSpPr>
+          <p:nvPr>
+            <p:ph type="title"/>
+          </p:nvPr>
+        </p:nvSpPr>
+        <p:spPr>
+          <a:xfrm>
             <a:off x="223266" y="217270"/>
             <a:ext cx="10131425" cy="659352"/>
           </a:xfrm>
@@ -11728,7 +12354,7 @@
             <a:fld id="{77860235-9F74-41DF-BC51-71A4257E4966}" type="slidenum">
               <a:rPr lang="ko-KR" altLang="en-US" sz="1200" b="1" smtClean="0"/>
               <a:pPr algn="r"/>
-              <a:t>18</a:t>
+              <a:t>20</a:t>
             </a:fld>
             <a:endParaRPr lang="ko-KR" altLang="en-US" sz="1200" b="1" dirty="0"/>
           </a:p>
@@ -11809,255 +12435,6 @@
     <p:extLst>
       <p:ext uri="{BB962C8B-B14F-4D97-AF65-F5344CB8AC3E}">
         <p14:creationId xmlns:p14="http://schemas.microsoft.com/office/powerpoint/2010/main" val="2766295782"/>
-      </p:ext>
-    </p:extLst>
-  </p:cSld>
-  <p:clrMapOvr>
-    <a:masterClrMapping/>
-  </p:clrMapOvr>
-</p:sld>
-</file>
-
-<file path=ppt/slides/slide2.xml><?xml version="1.0" encoding="utf-8"?>
-<p:sld xmlns:a="http://schemas.openxmlformats.org/drawingml/2006/main" xmlns:r="http://schemas.openxmlformats.org/officeDocument/2006/relationships" xmlns:p="http://schemas.openxmlformats.org/presentationml/2006/main">
-  <p:cSld>
-    <p:spTree>
-      <p:nvGrpSpPr>
-        <p:cNvPr id="1" name=""/>
-        <p:cNvGrpSpPr/>
-        <p:nvPr/>
-      </p:nvGrpSpPr>
-      <p:grpSpPr>
-        <a:xfrm>
-          <a:off x="0" y="0"/>
-          <a:ext cx="0" cy="0"/>
-          <a:chOff x="0" y="0"/>
-          <a:chExt cx="0" cy="0"/>
-        </a:xfrm>
-      </p:grpSpPr>
-      <p:sp>
-        <p:nvSpPr>
-          <p:cNvPr id="2" name="제목 1">
-            <a:extLst>
-              <a:ext uri="{FF2B5EF4-FFF2-40B4-BE49-F238E27FC236}">
-                <a16:creationId xmlns:a16="http://schemas.microsoft.com/office/drawing/2014/main" id="{31A8128C-D73F-1FBA-6E47-3A0ECCF53BDA}"/>
-              </a:ext>
-            </a:extLst>
-          </p:cNvPr>
-          <p:cNvSpPr>
-            <a:spLocks noGrp="1"/>
-          </p:cNvSpPr>
-          <p:nvPr>
-            <p:ph type="title"/>
-          </p:nvPr>
-        </p:nvSpPr>
-        <p:spPr>
-          <a:xfrm>
-            <a:off x="685801" y="355076"/>
-            <a:ext cx="10131425" cy="896909"/>
-          </a:xfrm>
-        </p:spPr>
-        <p:txBody>
-          <a:bodyPr/>
-          <a:lstStyle/>
-          <a:p>
-            <a:r>
-              <a:rPr lang="ko-KR" altLang="en-US" dirty="0"/>
-              <a:t>목차</a:t>
-            </a:r>
-          </a:p>
-        </p:txBody>
-      </p:sp>
-      <p:sp>
-        <p:nvSpPr>
-          <p:cNvPr id="3" name="내용 개체 틀 2">
-            <a:extLst>
-              <a:ext uri="{FF2B5EF4-FFF2-40B4-BE49-F238E27FC236}">
-                <a16:creationId xmlns:a16="http://schemas.microsoft.com/office/drawing/2014/main" id="{DDCEC9F6-E8A4-7305-4491-573B278C7E29}"/>
-              </a:ext>
-            </a:extLst>
-          </p:cNvPr>
-          <p:cNvSpPr>
-            <a:spLocks noGrp="1"/>
-          </p:cNvSpPr>
-          <p:nvPr>
-            <p:ph idx="1"/>
-          </p:nvPr>
-        </p:nvSpPr>
-        <p:spPr>
-          <a:xfrm>
-            <a:off x="685801" y="1651873"/>
-            <a:ext cx="10131425" cy="3649133"/>
-          </a:xfrm>
-        </p:spPr>
-        <p:txBody>
-          <a:bodyPr>
-            <a:normAutofit/>
-          </a:bodyPr>
-          <a:lstStyle/>
-          <a:p>
-            <a:pPr>
-              <a:lnSpc>
-                <a:spcPct val="150000"/>
-              </a:lnSpc>
-              <a:buFont typeface="Wingdings" panose="05000000000000000000" pitchFamily="2" charset="2"/>
-              <a:buChar char="§"/>
-            </a:pPr>
-            <a:r>
-              <a:rPr lang="en-US" altLang="ko-KR" sz="2400" dirty="0"/>
-              <a:t>Python</a:t>
-            </a:r>
-            <a:r>
-              <a:rPr lang="ko-KR" altLang="en-US" sz="2400" dirty="0"/>
-              <a:t> </a:t>
-            </a:r>
-            <a:r>
-              <a:rPr lang="en-US" altLang="ko-KR" sz="2400" dirty="0"/>
-              <a:t>(Syntax, Module, Package, Class)</a:t>
-            </a:r>
-          </a:p>
-          <a:p>
-            <a:pPr>
-              <a:lnSpc>
-                <a:spcPct val="150000"/>
-              </a:lnSpc>
-              <a:buFont typeface="Wingdings" panose="05000000000000000000" pitchFamily="2" charset="2"/>
-              <a:buChar char="§"/>
-            </a:pPr>
-            <a:r>
-              <a:rPr lang="en-US" altLang="ko-KR" sz="2400" dirty="0"/>
-              <a:t>Data Wrangling Visualization (Pandas, Matplotlib, Seaborn)</a:t>
-            </a:r>
-          </a:p>
-          <a:p>
-            <a:pPr>
-              <a:lnSpc>
-                <a:spcPct val="150000"/>
-              </a:lnSpc>
-              <a:buFont typeface="Wingdings" panose="05000000000000000000" pitchFamily="2" charset="2"/>
-              <a:buChar char="§"/>
-            </a:pPr>
-            <a:r>
-              <a:rPr lang="en-US" altLang="ko-KR" sz="2400" dirty="0"/>
-              <a:t>Network &amp; Database (REST API, </a:t>
-            </a:r>
-            <a:r>
-              <a:rPr lang="en-US" altLang="ko-KR" sz="2400" dirty="0" err="1"/>
-              <a:t>Sqlite</a:t>
-            </a:r>
-            <a:r>
-              <a:rPr lang="en-US" altLang="ko-KR" sz="2400" dirty="0"/>
-              <a:t>, </a:t>
-            </a:r>
-            <a:r>
-              <a:rPr lang="en-US" altLang="ko-KR" sz="2400" dirty="0" err="1"/>
-              <a:t>FastAPI</a:t>
-            </a:r>
-            <a:r>
-              <a:rPr lang="en-US" altLang="ko-KR" sz="2400" dirty="0"/>
-              <a:t>, </a:t>
-            </a:r>
-            <a:r>
-              <a:rPr lang="en-US" altLang="ko-KR" sz="2400" dirty="0" err="1"/>
-              <a:t>Streamlit</a:t>
-            </a:r>
-            <a:r>
-              <a:rPr lang="en-US" altLang="ko-KR" sz="2400" dirty="0"/>
-              <a:t>/</a:t>
-            </a:r>
-            <a:r>
-              <a:rPr lang="en-US" altLang="ko-KR" sz="2400" dirty="0" err="1"/>
-              <a:t>Gradio</a:t>
-            </a:r>
-            <a:r>
-              <a:rPr lang="en-US" altLang="ko-KR" sz="2400" dirty="0"/>
-              <a:t>)</a:t>
-            </a:r>
-          </a:p>
-          <a:p>
-            <a:pPr>
-              <a:lnSpc>
-                <a:spcPct val="150000"/>
-              </a:lnSpc>
-              <a:buFont typeface="Wingdings" panose="05000000000000000000" pitchFamily="2" charset="2"/>
-              <a:buChar char="§"/>
-            </a:pPr>
-            <a:r>
-              <a:rPr lang="en-US" altLang="ko-KR" sz="2400" dirty="0"/>
-              <a:t>Machine Learning (Scikit-learn, </a:t>
-            </a:r>
-            <a:r>
-              <a:rPr lang="en-US" altLang="ko-KR" sz="2400" dirty="0" err="1"/>
-              <a:t>Pycaret</a:t>
-            </a:r>
-            <a:r>
-              <a:rPr lang="en-US" altLang="ko-KR" sz="2400" dirty="0"/>
-              <a:t>)</a:t>
-            </a:r>
-          </a:p>
-          <a:p>
-            <a:pPr>
-              <a:lnSpc>
-                <a:spcPct val="150000"/>
-              </a:lnSpc>
-              <a:buFont typeface="Wingdings" panose="05000000000000000000" pitchFamily="2" charset="2"/>
-              <a:buChar char="§"/>
-            </a:pPr>
-            <a:r>
-              <a:rPr lang="en-US" altLang="ko-KR" sz="2400" dirty="0"/>
-              <a:t>Deep Learning (</a:t>
-            </a:r>
-            <a:r>
-              <a:rPr lang="en-US" altLang="ko-KR" sz="2400" dirty="0" err="1"/>
-              <a:t>Keras</a:t>
-            </a:r>
-            <a:r>
-              <a:rPr lang="en-US" altLang="ko-KR" sz="2400" dirty="0"/>
-              <a:t>)</a:t>
-            </a:r>
-          </a:p>
-        </p:txBody>
-      </p:sp>
-      <p:sp>
-        <p:nvSpPr>
-          <p:cNvPr id="4" name="바닥글 개체 틀 3">
-            <a:extLst>
-              <a:ext uri="{FF2B5EF4-FFF2-40B4-BE49-F238E27FC236}">
-                <a16:creationId xmlns:a16="http://schemas.microsoft.com/office/drawing/2014/main" id="{2F3CB93F-D403-E1BB-34DA-7A7C03E107F2}"/>
-              </a:ext>
-            </a:extLst>
-          </p:cNvPr>
-          <p:cNvSpPr>
-            <a:spLocks noGrp="1"/>
-          </p:cNvSpPr>
-          <p:nvPr>
-            <p:ph type="ftr" sz="quarter" idx="11"/>
-          </p:nvPr>
-        </p:nvSpPr>
-        <p:spPr>
-          <a:xfrm>
-            <a:off x="4343399" y="6426758"/>
-            <a:ext cx="7827659" cy="377825"/>
-          </a:xfrm>
-        </p:spPr>
-        <p:txBody>
-          <a:bodyPr/>
-          <a:lstStyle/>
-          <a:p>
-            <a:pPr algn="r"/>
-            <a:fld id="{77860235-9F74-41DF-BC51-71A4257E4966}" type="slidenum">
-              <a:rPr lang="ko-KR" altLang="en-US" sz="1200" b="1" smtClean="0"/>
-              <a:pPr algn="r"/>
-              <a:t>2</a:t>
-            </a:fld>
-            <a:endParaRPr lang="ko-KR" altLang="en-US" sz="1200" b="1" dirty="0"/>
-          </a:p>
-        </p:txBody>
-      </p:sp>
-    </p:spTree>
-    <p:extLst>
-      <p:ext uri="{BB962C8B-B14F-4D97-AF65-F5344CB8AC3E}">
-        <p14:creationId xmlns:p14="http://schemas.microsoft.com/office/powerpoint/2010/main" val="1195384475"/>
       </p:ext>
     </p:extLst>
   </p:cSld>
